--- a/ESRS Posters/ESRS-posters.pptx
+++ b/ESRS Posters/ESRS-posters.pptx
@@ -4828,7 +4828,7 @@
       </p:sp>
       <p:sp>
         <p:nvSpPr>
-          <p:cNvPr id="36" name="Rectangle 35">
+          <p:cNvPr id="36" name="Rectangle: Rounded Corners 35">
             <a:extLst>
               <a:ext uri="{FF2B5EF4-FFF2-40B4-BE49-F238E27FC236}">
                 <a16:creationId xmlns:a16="http://schemas.microsoft.com/office/drawing/2014/main" id="{982BBF38-C113-40B4-374C-E3858159952F}"/>
@@ -4840,10 +4840,10 @@
         </p:nvSpPr>
         <p:spPr>
           <a:xfrm>
-            <a:off x="32239974" y="27019044"/>
-            <a:ext cx="3981986" cy="3805085"/>
-          </a:xfrm>
-          <a:prstGeom prst="rect">
+            <a:off x="32239974" y="26761440"/>
+            <a:ext cx="3981986" cy="4968240"/>
+          </a:xfrm>
+          <a:prstGeom prst="roundRect">
             <a:avLst/>
           </a:prstGeom>
           <a:solidFill>
@@ -4874,16 +4874,16 @@
           <a:lstStyle/>
           <a:p>
             <a:pPr algn="ctr"/>
-            <a:endParaRPr lang="en-AU"/>
+            <a:endParaRPr lang="en-AU" dirty="0"/>
           </a:p>
         </p:txBody>
       </p:sp>
       <p:pic>
         <p:nvPicPr>
-          <p:cNvPr id="37" name="Picture 36">
+          <p:cNvPr id="3" name="Picture 2">
             <a:extLst>
               <a:ext uri="{FF2B5EF4-FFF2-40B4-BE49-F238E27FC236}">
-                <a16:creationId xmlns:a16="http://schemas.microsoft.com/office/drawing/2014/main" id="{1BF910FD-9F04-E256-6F0E-83C9EF2EFFEA}"/>
+                <a16:creationId xmlns:a16="http://schemas.microsoft.com/office/drawing/2014/main" id="{F48AD9C8-5274-2040-CA70-686B31DF8995}"/>
               </a:ext>
             </a:extLst>
           </p:cNvPr>
@@ -4900,14 +4900,50 @@
         </p:blipFill>
         <p:spPr>
           <a:xfrm>
-            <a:off x="32711923" y="27441180"/>
-            <a:ext cx="3026152" cy="2958402"/>
+            <a:off x="32612137" y="27321169"/>
+            <a:ext cx="3287666" cy="3250271"/>
           </a:xfrm>
           <a:prstGeom prst="rect">
             <a:avLst/>
           </a:prstGeom>
         </p:spPr>
       </p:pic>
+      <p:sp>
+        <p:nvSpPr>
+          <p:cNvPr id="4" name="TextBox 3">
+            <a:extLst>
+              <a:ext uri="{FF2B5EF4-FFF2-40B4-BE49-F238E27FC236}">
+                <a16:creationId xmlns:a16="http://schemas.microsoft.com/office/drawing/2014/main" id="{E325D0C7-0619-0A8C-E5D8-809352E575D5}"/>
+              </a:ext>
+            </a:extLst>
+          </p:cNvPr>
+          <p:cNvSpPr txBox="1"/>
+          <p:nvPr/>
+        </p:nvSpPr>
+        <p:spPr>
+          <a:xfrm>
+            <a:off x="33090773" y="30571440"/>
+            <a:ext cx="2477524" cy="707886"/>
+          </a:xfrm>
+          <a:prstGeom prst="rect">
+            <a:avLst/>
+          </a:prstGeom>
+          <a:noFill/>
+        </p:spPr>
+        <p:txBody>
+          <a:bodyPr wrap="square" rtlCol="0">
+            <a:spAutoFit/>
+          </a:bodyPr>
+          <a:lstStyle/>
+          <a:p>
+            <a:r>
+              <a:rPr lang="en-US" sz="4000" b="1" dirty="0"/>
+              <a:t>SCAN ME</a:t>
+            </a:r>
+            <a:endParaRPr lang="en-AU" sz="4000" b="1" dirty="0"/>
+          </a:p>
+        </p:txBody>
+      </p:sp>
     </p:spTree>
     <p:extLst>
       <p:ext uri="{BB962C8B-B14F-4D97-AF65-F5344CB8AC3E}">
@@ -7206,6 +7242,124 @@
           </a:prstGeom>
         </p:spPr>
       </p:pic>
+      <p:sp>
+        <p:nvSpPr>
+          <p:cNvPr id="6" name="Rectangle: Rounded Corners 5">
+            <a:extLst>
+              <a:ext uri="{FF2B5EF4-FFF2-40B4-BE49-F238E27FC236}">
+                <a16:creationId xmlns:a16="http://schemas.microsoft.com/office/drawing/2014/main" id="{A4AEFF63-6A28-7BDA-0D3E-40CB5636B826}"/>
+              </a:ext>
+            </a:extLst>
+          </p:cNvPr>
+          <p:cNvSpPr/>
+          <p:nvPr/>
+        </p:nvSpPr>
+        <p:spPr>
+          <a:xfrm>
+            <a:off x="32239974" y="26761440"/>
+            <a:ext cx="3981986" cy="4968240"/>
+          </a:xfrm>
+          <a:prstGeom prst="roundRect">
+            <a:avLst/>
+          </a:prstGeom>
+          <a:solidFill>
+            <a:schemeClr val="bg1"/>
+          </a:solidFill>
+          <a:ln>
+            <a:noFill/>
+          </a:ln>
+        </p:spPr>
+        <p:style>
+          <a:lnRef idx="2">
+            <a:schemeClr val="accent1">
+              <a:shade val="15000"/>
+            </a:schemeClr>
+          </a:lnRef>
+          <a:fillRef idx="1">
+            <a:schemeClr val="accent1"/>
+          </a:fillRef>
+          <a:effectRef idx="0">
+            <a:schemeClr val="accent1"/>
+          </a:effectRef>
+          <a:fontRef idx="minor">
+            <a:schemeClr val="lt1"/>
+          </a:fontRef>
+        </p:style>
+        <p:txBody>
+          <a:bodyPr rtlCol="0" anchor="ctr"/>
+          <a:lstStyle/>
+          <a:p>
+            <a:pPr algn="ctr"/>
+            <a:endParaRPr lang="en-AU" dirty="0"/>
+          </a:p>
+        </p:txBody>
+      </p:sp>
+      <p:pic>
+        <p:nvPicPr>
+          <p:cNvPr id="7" name="Picture 6">
+            <a:extLst>
+              <a:ext uri="{FF2B5EF4-FFF2-40B4-BE49-F238E27FC236}">
+                <a16:creationId xmlns:a16="http://schemas.microsoft.com/office/drawing/2014/main" id="{1EF38064-1FB1-C5E1-8E5B-A2375A4757C4}"/>
+              </a:ext>
+            </a:extLst>
+          </p:cNvPr>
+          <p:cNvPicPr>
+            <a:picLocks noChangeAspect="1"/>
+          </p:cNvPicPr>
+          <p:nvPr/>
+        </p:nvPicPr>
+        <p:blipFill>
+          <a:blip r:embed="rId21"/>
+          <a:stretch>
+            <a:fillRect/>
+          </a:stretch>
+        </p:blipFill>
+        <p:spPr>
+          <a:xfrm>
+            <a:off x="32612137" y="27321169"/>
+            <a:ext cx="3287666" cy="3250271"/>
+          </a:xfrm>
+          <a:prstGeom prst="rect">
+            <a:avLst/>
+          </a:prstGeom>
+        </p:spPr>
+      </p:pic>
+      <p:sp>
+        <p:nvSpPr>
+          <p:cNvPr id="13" name="TextBox 12">
+            <a:extLst>
+              <a:ext uri="{FF2B5EF4-FFF2-40B4-BE49-F238E27FC236}">
+                <a16:creationId xmlns:a16="http://schemas.microsoft.com/office/drawing/2014/main" id="{734D390A-164E-E60D-8B12-383B5FAB2B63}"/>
+              </a:ext>
+            </a:extLst>
+          </p:cNvPr>
+          <p:cNvSpPr txBox="1"/>
+          <p:nvPr/>
+        </p:nvSpPr>
+        <p:spPr>
+          <a:xfrm>
+            <a:off x="33090773" y="30571440"/>
+            <a:ext cx="2477524" cy="707886"/>
+          </a:xfrm>
+          <a:prstGeom prst="rect">
+            <a:avLst/>
+          </a:prstGeom>
+          <a:noFill/>
+        </p:spPr>
+        <p:txBody>
+          <a:bodyPr wrap="square" rtlCol="0">
+            <a:spAutoFit/>
+          </a:bodyPr>
+          <a:lstStyle/>
+          <a:p>
+            <a:r>
+              <a:rPr lang="en-US" sz="4000" b="1" dirty="0"/>
+              <a:t>SCAN ME</a:t>
+            </a:r>
+            <a:endParaRPr lang="en-AU" sz="4000" b="1" dirty="0"/>
+          </a:p>
+        </p:txBody>
+      </p:sp>
     </p:spTree>
     <p:extLst>
       <p:ext uri="{BB962C8B-B14F-4D97-AF65-F5344CB8AC3E}">
@@ -7794,10 +7948,921 @@
       </p:sp>
       <p:sp>
         <p:nvSpPr>
-          <p:cNvPr id="27" name="Rectangle 26">
+          <p:cNvPr id="31" name="TextBox 30">
             <a:extLst>
               <a:ext uri="{FF2B5EF4-FFF2-40B4-BE49-F238E27FC236}">
-                <a16:creationId xmlns:a16="http://schemas.microsoft.com/office/drawing/2014/main" id="{2F51E5DA-A46B-7DF1-AC6C-6F3ED740E857}"/>
+                <a16:creationId xmlns:a16="http://schemas.microsoft.com/office/drawing/2014/main" id="{B9E485C8-E113-995A-90D0-18B310F7479C}"/>
+              </a:ext>
+            </a:extLst>
+          </p:cNvPr>
+          <p:cNvSpPr txBox="1"/>
+          <p:nvPr/>
+        </p:nvSpPr>
+        <p:spPr>
+          <a:xfrm>
+            <a:off x="224139" y="14384153"/>
+            <a:ext cx="9982200" cy="646331"/>
+          </a:xfrm>
+          <a:prstGeom prst="rect">
+            <a:avLst/>
+          </a:prstGeom>
+          <a:noFill/>
+        </p:spPr>
+        <p:txBody>
+          <a:bodyPr wrap="square" rtlCol="0">
+            <a:spAutoFit/>
+          </a:bodyPr>
+          <a:lstStyle/>
+          <a:p>
+            <a:r>
+              <a:rPr lang="en-US" sz="3600" b="1" dirty="0"/>
+              <a:t>Introduction</a:t>
+            </a:r>
+            <a:endParaRPr lang="en-AU" sz="3600" b="1" dirty="0"/>
+          </a:p>
+        </p:txBody>
+      </p:sp>
+      <p:sp>
+        <p:nvSpPr>
+          <p:cNvPr id="32" name="TextBox 31">
+            <a:extLst>
+              <a:ext uri="{FF2B5EF4-FFF2-40B4-BE49-F238E27FC236}">
+                <a16:creationId xmlns:a16="http://schemas.microsoft.com/office/drawing/2014/main" id="{F39B29BC-A0C0-A213-929D-44076351415E}"/>
+              </a:ext>
+            </a:extLst>
+          </p:cNvPr>
+          <p:cNvSpPr txBox="1"/>
+          <p:nvPr/>
+        </p:nvSpPr>
+        <p:spPr>
+          <a:xfrm>
+            <a:off x="235069" y="15152741"/>
+            <a:ext cx="12213157" cy="3970318"/>
+          </a:xfrm>
+          <a:prstGeom prst="rect">
+            <a:avLst/>
+          </a:prstGeom>
+          <a:noFill/>
+        </p:spPr>
+        <p:txBody>
+          <a:bodyPr wrap="square">
+            <a:spAutoFit/>
+          </a:bodyPr>
+          <a:lstStyle/>
+          <a:p>
+            <a:pPr marL="571500" indent="-571500">
+              <a:buFont typeface="Wingdings" panose="05000000000000000000" pitchFamily="2" charset="2"/>
+              <a:buChar char="§"/>
+            </a:pPr>
+            <a:r>
+              <a:rPr lang="en-US" sz="2800" dirty="0"/>
+              <a:t>Sleep discrepancy is often </a:t>
+            </a:r>
+            <a:r>
+              <a:rPr lang="en-US" sz="2800" dirty="0" err="1"/>
+              <a:t>operationalised</a:t>
+            </a:r>
+            <a:r>
+              <a:rPr lang="en-US" sz="2800" dirty="0"/>
+              <a:t> as a derived index (e.g., self-report TST – objective TST)</a:t>
+            </a:r>
+          </a:p>
+          <a:p>
+            <a:pPr marL="571500" indent="-571500">
+              <a:buFont typeface="Wingdings" panose="05000000000000000000" pitchFamily="2" charset="2"/>
+              <a:buChar char="§"/>
+            </a:pPr>
+            <a:r>
+              <a:rPr lang="en-US" sz="2800" dirty="0"/>
+              <a:t>Cubic regression with response surface analysis solves many problems associated with the use of difference and ratio scores in </a:t>
+            </a:r>
+            <a:r>
+              <a:rPr lang="en-US" sz="2800" dirty="0" err="1"/>
+              <a:t>operationalising</a:t>
+            </a:r>
+            <a:r>
+              <a:rPr lang="en-US" sz="2800" dirty="0"/>
+              <a:t> sleep discrepancy</a:t>
+            </a:r>
+          </a:p>
+          <a:p>
+            <a:pPr marL="571500" indent="-571500">
+              <a:buFont typeface="Wingdings" panose="05000000000000000000" pitchFamily="2" charset="2"/>
+              <a:buChar char="§"/>
+            </a:pPr>
+            <a:r>
+              <a:rPr lang="en-US" sz="2800" dirty="0"/>
+              <a:t>Hypothesis:</a:t>
+            </a:r>
+          </a:p>
+          <a:p>
+            <a:pPr marL="1028700" lvl="1" indent="-571500">
+              <a:buFont typeface="+mj-lt"/>
+              <a:buAutoNum type="romanLcPeriod"/>
+            </a:pPr>
+            <a:r>
+              <a:rPr lang="en-US" sz="2800" dirty="0"/>
+              <a:t>Discrepancy effect (H1.1)</a:t>
+            </a:r>
+          </a:p>
+          <a:p>
+            <a:pPr marL="1028700" lvl="1" indent="-571500">
+              <a:buFont typeface="+mj-lt"/>
+              <a:buAutoNum type="romanLcPeriod"/>
+            </a:pPr>
+            <a:r>
+              <a:rPr lang="en-US" sz="2800" dirty="0"/>
+              <a:t>Discrepancy effect is asymmetric in the expected direction (H1.2)</a:t>
+            </a:r>
+          </a:p>
+          <a:p>
+            <a:pPr marL="1028700" lvl="1" indent="-571500">
+              <a:buFont typeface="+mj-lt"/>
+              <a:buAutoNum type="romanLcPeriod"/>
+            </a:pPr>
+            <a:r>
+              <a:rPr lang="en-US" sz="2800" dirty="0"/>
+              <a:t>Linear level effect (H1.3)</a:t>
+            </a:r>
+          </a:p>
+        </p:txBody>
+      </p:sp>
+      <p:sp>
+        <p:nvSpPr>
+          <p:cNvPr id="33" name="TextBox 32">
+            <a:extLst>
+              <a:ext uri="{FF2B5EF4-FFF2-40B4-BE49-F238E27FC236}">
+                <a16:creationId xmlns:a16="http://schemas.microsoft.com/office/drawing/2014/main" id="{58990419-4FAA-C0F8-4E16-CA0EA5A00097}"/>
+              </a:ext>
+            </a:extLst>
+          </p:cNvPr>
+          <p:cNvSpPr txBox="1"/>
+          <p:nvPr/>
+        </p:nvSpPr>
+        <p:spPr>
+          <a:xfrm>
+            <a:off x="245500" y="19858039"/>
+            <a:ext cx="9982200" cy="646331"/>
+          </a:xfrm>
+          <a:prstGeom prst="rect">
+            <a:avLst/>
+          </a:prstGeom>
+          <a:noFill/>
+        </p:spPr>
+        <p:txBody>
+          <a:bodyPr wrap="square" rtlCol="0">
+            <a:spAutoFit/>
+          </a:bodyPr>
+          <a:lstStyle/>
+          <a:p>
+            <a:r>
+              <a:rPr lang="en-US" sz="3600" b="1" dirty="0"/>
+              <a:t>Method</a:t>
+            </a:r>
+            <a:endParaRPr lang="en-AU" sz="3600" b="1" dirty="0"/>
+          </a:p>
+        </p:txBody>
+      </p:sp>
+      <p:sp>
+        <p:nvSpPr>
+          <p:cNvPr id="34" name="TextBox 33">
+            <a:extLst>
+              <a:ext uri="{FF2B5EF4-FFF2-40B4-BE49-F238E27FC236}">
+                <a16:creationId xmlns:a16="http://schemas.microsoft.com/office/drawing/2014/main" id="{5A2EEB29-5386-64A2-7B93-20773B9AA186}"/>
+              </a:ext>
+            </a:extLst>
+          </p:cNvPr>
+          <p:cNvSpPr txBox="1"/>
+          <p:nvPr/>
+        </p:nvSpPr>
+        <p:spPr>
+          <a:xfrm>
+            <a:off x="85754" y="20765187"/>
+            <a:ext cx="12213157" cy="2246769"/>
+          </a:xfrm>
+          <a:prstGeom prst="rect">
+            <a:avLst/>
+          </a:prstGeom>
+          <a:noFill/>
+        </p:spPr>
+        <p:txBody>
+          <a:bodyPr wrap="square">
+            <a:spAutoFit/>
+          </a:bodyPr>
+          <a:lstStyle/>
+          <a:p>
+            <a:pPr marL="571500" indent="-571500">
+              <a:buFont typeface="Wingdings" panose="05000000000000000000" pitchFamily="2" charset="2"/>
+              <a:buChar char="§"/>
+            </a:pPr>
+            <a:r>
+              <a:rPr lang="en-AU" sz="2800" dirty="0"/>
+              <a:t>Data from </a:t>
+            </a:r>
+            <a:r>
+              <a:rPr lang="en-AU" sz="2800" dirty="0" err="1"/>
+              <a:t>MrOS</a:t>
+            </a:r>
+            <a:r>
+              <a:rPr lang="en-AU" sz="2800" dirty="0"/>
+              <a:t> 1,022 community-dwelling men aged 65+ years.</a:t>
+            </a:r>
+          </a:p>
+          <a:p>
+            <a:pPr marL="571500" indent="-571500">
+              <a:buFont typeface="Wingdings" panose="05000000000000000000" pitchFamily="2" charset="2"/>
+              <a:buChar char="§"/>
+            </a:pPr>
+            <a:r>
+              <a:rPr lang="en-US" sz="2800" dirty="0"/>
+              <a:t>Total sleep time (TST) from single-night polysomnography (PSG)</a:t>
+            </a:r>
+          </a:p>
+          <a:p>
+            <a:pPr marL="571500" indent="-571500">
+              <a:buFont typeface="Wingdings" panose="05000000000000000000" pitchFamily="2" charset="2"/>
+              <a:buChar char="§"/>
+            </a:pPr>
+            <a:r>
+              <a:rPr lang="en-US" sz="2800" dirty="0"/>
+              <a:t>Self reported TST from morning questionnaire</a:t>
+            </a:r>
+          </a:p>
+          <a:p>
+            <a:pPr marL="571500" indent="-571500">
+              <a:buFont typeface="Wingdings" panose="05000000000000000000" pitchFamily="2" charset="2"/>
+              <a:buChar char="§"/>
+            </a:pPr>
+            <a:r>
+              <a:rPr lang="en-US" sz="2800" dirty="0"/>
+              <a:t>Insomnia severity index (ISI) to measure insomnia symptom severity</a:t>
+            </a:r>
+          </a:p>
+          <a:p>
+            <a:pPr marL="571500" indent="-571500">
+              <a:buFont typeface="Wingdings" panose="05000000000000000000" pitchFamily="2" charset="2"/>
+              <a:buChar char="§"/>
+            </a:pPr>
+            <a:endParaRPr lang="en-US" sz="2800" dirty="0"/>
+          </a:p>
+        </p:txBody>
+      </p:sp>
+      <p:pic>
+        <p:nvPicPr>
+          <p:cNvPr id="36" name="Picture 35">
+            <a:extLst>
+              <a:ext uri="{FF2B5EF4-FFF2-40B4-BE49-F238E27FC236}">
+                <a16:creationId xmlns:a16="http://schemas.microsoft.com/office/drawing/2014/main" id="{596DA6AA-FC80-4777-1F59-06330647F3FF}"/>
+              </a:ext>
+            </a:extLst>
+          </p:cNvPr>
+          <p:cNvPicPr>
+            <a:picLocks noChangeAspect="1"/>
+          </p:cNvPicPr>
+          <p:nvPr/>
+        </p:nvPicPr>
+        <p:blipFill>
+          <a:blip r:embed="rId4"/>
+          <a:stretch>
+            <a:fillRect/>
+          </a:stretch>
+        </p:blipFill>
+        <p:spPr>
+          <a:xfrm>
+            <a:off x="623929" y="22764929"/>
+            <a:ext cx="10639377" cy="494053"/>
+          </a:xfrm>
+          <a:prstGeom prst="rect">
+            <a:avLst/>
+          </a:prstGeom>
+        </p:spPr>
+      </p:pic>
+      <p:pic>
+        <p:nvPicPr>
+          <p:cNvPr id="38" name="Picture 37">
+            <a:extLst>
+              <a:ext uri="{FF2B5EF4-FFF2-40B4-BE49-F238E27FC236}">
+                <a16:creationId xmlns:a16="http://schemas.microsoft.com/office/drawing/2014/main" id="{6A67FDBF-6A10-2DDC-5BE7-EB590967376B}"/>
+              </a:ext>
+            </a:extLst>
+          </p:cNvPr>
+          <p:cNvPicPr>
+            <a:picLocks noChangeAspect="1"/>
+          </p:cNvPicPr>
+          <p:nvPr/>
+        </p:nvPicPr>
+        <p:blipFill>
+          <a:blip r:embed="rId5"/>
+          <a:stretch>
+            <a:fillRect/>
+          </a:stretch>
+        </p:blipFill>
+        <p:spPr>
+          <a:xfrm>
+            <a:off x="77526" y="28046579"/>
+            <a:ext cx="12517597" cy="2353003"/>
+          </a:xfrm>
+          <a:prstGeom prst="rect">
+            <a:avLst/>
+          </a:prstGeom>
+        </p:spPr>
+      </p:pic>
+      <p:sp>
+        <p:nvSpPr>
+          <p:cNvPr id="39" name="TextBox 38">
+            <a:extLst>
+              <a:ext uri="{FF2B5EF4-FFF2-40B4-BE49-F238E27FC236}">
+                <a16:creationId xmlns:a16="http://schemas.microsoft.com/office/drawing/2014/main" id="{8922AE54-B37D-0631-F27F-BDABC1E6CEC7}"/>
+              </a:ext>
+            </a:extLst>
+          </p:cNvPr>
+          <p:cNvSpPr txBox="1"/>
+          <p:nvPr/>
+        </p:nvSpPr>
+        <p:spPr>
+          <a:xfrm>
+            <a:off x="224139" y="26951624"/>
+            <a:ext cx="9982200" cy="646331"/>
+          </a:xfrm>
+          <a:prstGeom prst="rect">
+            <a:avLst/>
+          </a:prstGeom>
+          <a:noFill/>
+        </p:spPr>
+        <p:txBody>
+          <a:bodyPr wrap="square" rtlCol="0">
+            <a:spAutoFit/>
+          </a:bodyPr>
+          <a:lstStyle/>
+          <a:p>
+            <a:r>
+              <a:rPr lang="en-US" sz="3600" b="1" dirty="0"/>
+              <a:t>Results</a:t>
+            </a:r>
+            <a:endParaRPr lang="en-AU" sz="3600" b="1" dirty="0"/>
+          </a:p>
+        </p:txBody>
+      </p:sp>
+      <p:sp>
+        <p:nvSpPr>
+          <p:cNvPr id="41" name="TextBox 40">
+            <a:extLst>
+              <a:ext uri="{FF2B5EF4-FFF2-40B4-BE49-F238E27FC236}">
+                <a16:creationId xmlns:a16="http://schemas.microsoft.com/office/drawing/2014/main" id="{904819E7-39C0-DA4E-520E-E7C4132D7C9E}"/>
+              </a:ext>
+            </a:extLst>
+          </p:cNvPr>
+          <p:cNvSpPr txBox="1"/>
+          <p:nvPr/>
+        </p:nvSpPr>
+        <p:spPr>
+          <a:xfrm>
+            <a:off x="145246" y="23438489"/>
+            <a:ext cx="11802690" cy="954107"/>
+          </a:xfrm>
+          <a:prstGeom prst="rect">
+            <a:avLst/>
+          </a:prstGeom>
+          <a:noFill/>
+        </p:spPr>
+        <p:txBody>
+          <a:bodyPr wrap="square">
+            <a:spAutoFit/>
+          </a:bodyPr>
+          <a:lstStyle/>
+          <a:p>
+            <a:pPr marL="457200" indent="-457200">
+              <a:buFont typeface="Wingdings" panose="05000000000000000000" pitchFamily="2" charset="2"/>
+              <a:buChar char="§"/>
+            </a:pPr>
+            <a:r>
+              <a:rPr lang="en-AU" sz="2800" dirty="0"/>
+              <a:t>Rising ridge congruence surface b</a:t>
+            </a:r>
+            <a:r>
+              <a:rPr lang="en-AU" sz="2800" baseline="-25000" dirty="0"/>
+              <a:t>1</a:t>
+            </a:r>
+            <a:r>
+              <a:rPr lang="en-AU" sz="2800" dirty="0"/>
+              <a:t> = b</a:t>
+            </a:r>
+            <a:r>
+              <a:rPr lang="en-AU" sz="2800" baseline="-25000" dirty="0"/>
+              <a:t>2</a:t>
+            </a:r>
+            <a:r>
+              <a:rPr lang="en-AU" sz="2800" dirty="0"/>
+              <a:t>,</a:t>
+            </a:r>
+            <a:r>
+              <a:rPr lang="en-AU" sz="2800" baseline="-25000" dirty="0"/>
+              <a:t> </a:t>
+            </a:r>
+            <a:r>
+              <a:rPr lang="en-AU" sz="2800" dirty="0"/>
+              <a:t>b</a:t>
+            </a:r>
+            <a:r>
+              <a:rPr lang="en-AU" sz="2800" baseline="-25000" dirty="0"/>
+              <a:t>4</a:t>
+            </a:r>
+            <a:r>
+              <a:rPr lang="en-AU" sz="2800" dirty="0"/>
+              <a:t> = −2 ∗ b</a:t>
+            </a:r>
+            <a:r>
+              <a:rPr lang="en-AU" sz="2800" baseline="-25000" dirty="0"/>
+              <a:t>3</a:t>
+            </a:r>
+            <a:r>
+              <a:rPr lang="en-AU" sz="2800" dirty="0"/>
+              <a:t>,</a:t>
+            </a:r>
+            <a:r>
+              <a:rPr lang="en-AU" sz="2800" baseline="-25000" dirty="0"/>
+              <a:t> </a:t>
+            </a:r>
+            <a:r>
+              <a:rPr lang="en-AU" sz="2800" dirty="0"/>
+              <a:t>b</a:t>
+            </a:r>
+            <a:r>
+              <a:rPr lang="en-AU" sz="2800" baseline="-25000" dirty="0"/>
+              <a:t>5</a:t>
+            </a:r>
+            <a:r>
+              <a:rPr lang="en-AU" sz="2800" dirty="0"/>
+              <a:t> = b</a:t>
+            </a:r>
+            <a:r>
+              <a:rPr lang="en-AU" sz="2800" baseline="-25000" dirty="0"/>
+              <a:t>3</a:t>
+            </a:r>
+            <a:r>
+              <a:rPr lang="en-AU" sz="2800" dirty="0"/>
+              <a:t>,</a:t>
+            </a:r>
+            <a:r>
+              <a:rPr lang="en-AU" sz="2800" baseline="-25000" dirty="0"/>
+              <a:t> </a:t>
+            </a:r>
+            <a:r>
+              <a:rPr lang="en-AU" sz="2800" dirty="0"/>
+              <a:t>b</a:t>
+            </a:r>
+            <a:r>
+              <a:rPr lang="en-AU" sz="2800" baseline="-25000" dirty="0"/>
+              <a:t>7</a:t>
+            </a:r>
+            <a:r>
+              <a:rPr lang="en-AU" sz="2800" dirty="0"/>
+              <a:t> = −3 ∗ b</a:t>
+            </a:r>
+            <a:r>
+              <a:rPr lang="en-AU" sz="2800" baseline="-25000" dirty="0"/>
+              <a:t>6</a:t>
+            </a:r>
+            <a:r>
+              <a:rPr lang="en-AU" sz="2800" dirty="0"/>
+              <a:t>,</a:t>
+            </a:r>
+            <a:endParaRPr lang="en-AU" sz="2800" baseline="-25000" dirty="0"/>
+          </a:p>
+          <a:p>
+            <a:r>
+              <a:rPr lang="en-AU" sz="2800" dirty="0"/>
+              <a:t>	b</a:t>
+            </a:r>
+            <a:r>
+              <a:rPr lang="en-AU" sz="2800" baseline="-25000" dirty="0"/>
+              <a:t>8</a:t>
+            </a:r>
+            <a:r>
+              <a:rPr lang="en-AU" sz="2800" dirty="0"/>
+              <a:t> = 3 ∗ b</a:t>
+            </a:r>
+            <a:r>
+              <a:rPr lang="en-AU" sz="2800" baseline="-25000" dirty="0"/>
+              <a:t>6</a:t>
+            </a:r>
+            <a:r>
+              <a:rPr lang="en-AU" sz="2800" dirty="0"/>
+              <a:t>, b</a:t>
+            </a:r>
+            <a:r>
+              <a:rPr lang="en-AU" sz="2800" baseline="-25000" dirty="0"/>
+              <a:t>9</a:t>
+            </a:r>
+            <a:r>
+              <a:rPr lang="en-AU" sz="2800" dirty="0"/>
+              <a:t> = −b</a:t>
+            </a:r>
+            <a:r>
+              <a:rPr lang="en-AU" sz="2800" baseline="-25000" dirty="0"/>
+              <a:t>6</a:t>
+            </a:r>
+          </a:p>
+        </p:txBody>
+      </p:sp>
+      <p:sp>
+        <p:nvSpPr>
+          <p:cNvPr id="43" name="TextBox 42">
+            <a:extLst>
+              <a:ext uri="{FF2B5EF4-FFF2-40B4-BE49-F238E27FC236}">
+                <a16:creationId xmlns:a16="http://schemas.microsoft.com/office/drawing/2014/main" id="{A27AFE22-0EAF-FF2E-5F53-5980F18D6A02}"/>
+              </a:ext>
+            </a:extLst>
+          </p:cNvPr>
+          <p:cNvSpPr txBox="1"/>
+          <p:nvPr/>
+        </p:nvSpPr>
+        <p:spPr>
+          <a:xfrm>
+            <a:off x="127335" y="24819129"/>
+            <a:ext cx="11967248" cy="1384995"/>
+          </a:xfrm>
+          <a:prstGeom prst="rect">
+            <a:avLst/>
+          </a:prstGeom>
+          <a:noFill/>
+        </p:spPr>
+        <p:txBody>
+          <a:bodyPr wrap="square">
+            <a:spAutoFit/>
+          </a:bodyPr>
+          <a:lstStyle/>
+          <a:p>
+            <a:pPr marL="285750" indent="-285750">
+              <a:buFont typeface="Wingdings" panose="05000000000000000000" pitchFamily="2" charset="2"/>
+              <a:buChar char="§"/>
+            </a:pPr>
+            <a:r>
+              <a:rPr lang="en-AU" sz="2800" dirty="0"/>
+              <a:t>b</a:t>
+            </a:r>
+            <a:r>
+              <a:rPr lang="en-AU" sz="2800" baseline="-25000" dirty="0"/>
+              <a:t>3</a:t>
+            </a:r>
+            <a:r>
+              <a:rPr lang="en-AU" sz="2800" dirty="0"/>
+              <a:t> discrepancy effect (H1.1) must be significantly positive</a:t>
+            </a:r>
+          </a:p>
+          <a:p>
+            <a:pPr marL="285750" indent="-285750">
+              <a:buFont typeface="Wingdings" panose="05000000000000000000" pitchFamily="2" charset="2"/>
+              <a:buChar char="§"/>
+            </a:pPr>
+            <a:r>
+              <a:rPr lang="en-AU" sz="2800" dirty="0"/>
+              <a:t>b</a:t>
+            </a:r>
+            <a:r>
+              <a:rPr lang="en-AU" sz="2800" baseline="-25000" dirty="0"/>
+              <a:t>6</a:t>
+            </a:r>
+            <a:r>
+              <a:rPr lang="en-AU" sz="2800" dirty="0"/>
+              <a:t> direction &amp; presence of asymmetry (H1.2) must be significantly negative </a:t>
+            </a:r>
+          </a:p>
+          <a:p>
+            <a:pPr marL="285750" indent="-285750">
+              <a:buFont typeface="Wingdings" panose="05000000000000000000" pitchFamily="2" charset="2"/>
+              <a:buChar char="§"/>
+            </a:pPr>
+            <a:r>
+              <a:rPr lang="en-AU" sz="2800" dirty="0"/>
+              <a:t>u</a:t>
+            </a:r>
+            <a:r>
+              <a:rPr lang="en-AU" sz="2800" baseline="-25000" dirty="0"/>
+              <a:t>1</a:t>
+            </a:r>
+            <a:r>
+              <a:rPr lang="en-AU" sz="2800" dirty="0"/>
+              <a:t> (b</a:t>
+            </a:r>
+            <a:r>
+              <a:rPr lang="en-AU" sz="2800" baseline="-25000" dirty="0"/>
+              <a:t>1</a:t>
+            </a:r>
+            <a:r>
+              <a:rPr lang="en-AU" sz="2800" dirty="0"/>
+              <a:t> + b</a:t>
+            </a:r>
+            <a:r>
+              <a:rPr lang="en-AU" sz="2800" baseline="-25000" dirty="0"/>
+              <a:t>2</a:t>
+            </a:r>
+            <a:r>
+              <a:rPr lang="en-AU" sz="2800" dirty="0"/>
+              <a:t>) linear level effect (H1.3) must be significantly negative</a:t>
+            </a:r>
+          </a:p>
+        </p:txBody>
+      </p:sp>
+      <p:pic>
+        <p:nvPicPr>
+          <p:cNvPr id="46" name="Picture 45">
+            <a:extLst>
+              <a:ext uri="{FF2B5EF4-FFF2-40B4-BE49-F238E27FC236}">
+                <a16:creationId xmlns:a16="http://schemas.microsoft.com/office/drawing/2014/main" id="{66AF8855-A1F1-2C85-0E21-9755F7C247AB}"/>
+              </a:ext>
+            </a:extLst>
+          </p:cNvPr>
+          <p:cNvPicPr>
+            <a:picLocks noChangeAspect="1"/>
+          </p:cNvPicPr>
+          <p:nvPr/>
+        </p:nvPicPr>
+        <p:blipFill>
+          <a:blip r:embed="rId6"/>
+          <a:stretch>
+            <a:fillRect/>
+          </a:stretch>
+        </p:blipFill>
+        <p:spPr>
+          <a:xfrm>
+            <a:off x="39205675" y="8041531"/>
+            <a:ext cx="10101216" cy="4398704"/>
+          </a:xfrm>
+          <a:prstGeom prst="rect">
+            <a:avLst/>
+          </a:prstGeom>
+        </p:spPr>
+      </p:pic>
+      <p:sp>
+        <p:nvSpPr>
+          <p:cNvPr id="48" name="TextBox 47">
+            <a:extLst>
+              <a:ext uri="{FF2B5EF4-FFF2-40B4-BE49-F238E27FC236}">
+                <a16:creationId xmlns:a16="http://schemas.microsoft.com/office/drawing/2014/main" id="{1D12D887-7088-82CA-A8FC-DC49BB46CC63}"/>
+              </a:ext>
+            </a:extLst>
+          </p:cNvPr>
+          <p:cNvSpPr txBox="1"/>
+          <p:nvPr/>
+        </p:nvSpPr>
+        <p:spPr>
+          <a:xfrm>
+            <a:off x="38271117" y="24954164"/>
+            <a:ext cx="9982200" cy="646331"/>
+          </a:xfrm>
+          <a:prstGeom prst="rect">
+            <a:avLst/>
+          </a:prstGeom>
+          <a:noFill/>
+        </p:spPr>
+        <p:txBody>
+          <a:bodyPr wrap="square" rtlCol="0">
+            <a:spAutoFit/>
+          </a:bodyPr>
+          <a:lstStyle/>
+          <a:p>
+            <a:r>
+              <a:rPr lang="en-US" sz="3600" b="1" dirty="0"/>
+              <a:t>Conclusions</a:t>
+            </a:r>
+            <a:endParaRPr lang="en-AU" sz="3600" b="1" dirty="0"/>
+          </a:p>
+        </p:txBody>
+      </p:sp>
+      <p:pic>
+        <p:nvPicPr>
+          <p:cNvPr id="50" name="Picture 49">
+            <a:extLst>
+              <a:ext uri="{FF2B5EF4-FFF2-40B4-BE49-F238E27FC236}">
+                <a16:creationId xmlns:a16="http://schemas.microsoft.com/office/drawing/2014/main" id="{54866DEA-C590-2A0B-658E-5C82A531A468}"/>
+              </a:ext>
+            </a:extLst>
+          </p:cNvPr>
+          <p:cNvPicPr>
+            <a:picLocks noChangeAspect="1"/>
+          </p:cNvPicPr>
+          <p:nvPr/>
+        </p:nvPicPr>
+        <p:blipFill>
+          <a:blip r:embed="rId7"/>
+          <a:stretch>
+            <a:fillRect/>
+          </a:stretch>
+        </p:blipFill>
+        <p:spPr>
+          <a:xfrm>
+            <a:off x="38170070" y="18438335"/>
+            <a:ext cx="6245233" cy="5677483"/>
+          </a:xfrm>
+          <a:prstGeom prst="rect">
+            <a:avLst/>
+          </a:prstGeom>
+        </p:spPr>
+      </p:pic>
+      <p:pic>
+        <p:nvPicPr>
+          <p:cNvPr id="56" name="Picture 55">
+            <a:extLst>
+              <a:ext uri="{FF2B5EF4-FFF2-40B4-BE49-F238E27FC236}">
+                <a16:creationId xmlns:a16="http://schemas.microsoft.com/office/drawing/2014/main" id="{782ABB11-37EA-97C6-BFED-4919C781A767}"/>
+              </a:ext>
+            </a:extLst>
+          </p:cNvPr>
+          <p:cNvPicPr>
+            <a:picLocks noChangeAspect="1"/>
+          </p:cNvPicPr>
+          <p:nvPr/>
+        </p:nvPicPr>
+        <p:blipFill>
+          <a:blip r:embed="rId8"/>
+          <a:stretch>
+            <a:fillRect/>
+          </a:stretch>
+        </p:blipFill>
+        <p:spPr>
+          <a:xfrm>
+            <a:off x="44415303" y="18438335"/>
+            <a:ext cx="5918757" cy="5677483"/>
+          </a:xfrm>
+          <a:prstGeom prst="rect">
+            <a:avLst/>
+          </a:prstGeom>
+        </p:spPr>
+      </p:pic>
+      <p:pic>
+        <p:nvPicPr>
+          <p:cNvPr id="58" name="Picture 57">
+            <a:extLst>
+              <a:ext uri="{FF2B5EF4-FFF2-40B4-BE49-F238E27FC236}">
+                <a16:creationId xmlns:a16="http://schemas.microsoft.com/office/drawing/2014/main" id="{B518E258-638D-600F-8E31-6D1F34576636}"/>
+              </a:ext>
+            </a:extLst>
+          </p:cNvPr>
+          <p:cNvPicPr>
+            <a:picLocks noChangeAspect="1"/>
+          </p:cNvPicPr>
+          <p:nvPr/>
+        </p:nvPicPr>
+        <p:blipFill>
+          <a:blip r:embed="rId9"/>
+          <a:stretch>
+            <a:fillRect/>
+          </a:stretch>
+        </p:blipFill>
+        <p:spPr>
+          <a:xfrm>
+            <a:off x="38202287" y="12859408"/>
+            <a:ext cx="5889614" cy="5363344"/>
+          </a:xfrm>
+          <a:prstGeom prst="rect">
+            <a:avLst/>
+          </a:prstGeom>
+        </p:spPr>
+      </p:pic>
+      <p:pic>
+        <p:nvPicPr>
+          <p:cNvPr id="60" name="Picture 59">
+            <a:extLst>
+              <a:ext uri="{FF2B5EF4-FFF2-40B4-BE49-F238E27FC236}">
+                <a16:creationId xmlns:a16="http://schemas.microsoft.com/office/drawing/2014/main" id="{8478BA18-9C47-F9F6-F4FD-E045A36F04C4}"/>
+              </a:ext>
+            </a:extLst>
+          </p:cNvPr>
+          <p:cNvPicPr>
+            <a:picLocks noChangeAspect="1"/>
+          </p:cNvPicPr>
+          <p:nvPr/>
+        </p:nvPicPr>
+        <p:blipFill>
+          <a:blip r:embed="rId10"/>
+          <a:stretch>
+            <a:fillRect/>
+          </a:stretch>
+        </p:blipFill>
+        <p:spPr>
+          <a:xfrm>
+            <a:off x="44356936" y="12842000"/>
+            <a:ext cx="5770659" cy="5677483"/>
+          </a:xfrm>
+          <a:prstGeom prst="rect">
+            <a:avLst/>
+          </a:prstGeom>
+        </p:spPr>
+      </p:pic>
+      <p:sp>
+        <p:nvSpPr>
+          <p:cNvPr id="62" name="TextBox 61">
+            <a:extLst>
+              <a:ext uri="{FF2B5EF4-FFF2-40B4-BE49-F238E27FC236}">
+                <a16:creationId xmlns:a16="http://schemas.microsoft.com/office/drawing/2014/main" id="{BA36A4C5-C6C1-E345-F353-569D5628C0B3}"/>
+              </a:ext>
+            </a:extLst>
+          </p:cNvPr>
+          <p:cNvSpPr txBox="1"/>
+          <p:nvPr/>
+        </p:nvSpPr>
+        <p:spPr>
+          <a:xfrm>
+            <a:off x="38098395" y="25795571"/>
+            <a:ext cx="12310519" cy="4832092"/>
+          </a:xfrm>
+          <a:prstGeom prst="rect">
+            <a:avLst/>
+          </a:prstGeom>
+          <a:noFill/>
+        </p:spPr>
+        <p:txBody>
+          <a:bodyPr wrap="square">
+            <a:spAutoFit/>
+          </a:bodyPr>
+          <a:lstStyle/>
+          <a:p>
+            <a:pPr marL="571500" indent="-571500">
+              <a:buFont typeface="Wingdings" panose="05000000000000000000" pitchFamily="2" charset="2"/>
+              <a:buChar char="§"/>
+            </a:pPr>
+            <a:r>
+              <a:rPr lang="en-US" sz="2800" dirty="0"/>
+              <a:t>Response surface analysis is a useful alternative to derived indices for investigating sleep discrepancy</a:t>
+            </a:r>
+          </a:p>
+          <a:p>
+            <a:pPr marL="571500" indent="-571500">
+              <a:buFont typeface="Wingdings" panose="05000000000000000000" pitchFamily="2" charset="2"/>
+              <a:buChar char="§"/>
+            </a:pPr>
+            <a:r>
+              <a:rPr lang="en-US" sz="2800" dirty="0"/>
+              <a:t>Discrepancy in sleep time parameters can be importantly </a:t>
+            </a:r>
+            <a:r>
+              <a:rPr lang="en-AU" sz="2800" dirty="0"/>
+              <a:t>different to misperception</a:t>
+            </a:r>
+          </a:p>
+          <a:p>
+            <a:pPr marL="571500" indent="-571500">
+              <a:buFont typeface="Wingdings" panose="05000000000000000000" pitchFamily="2" charset="2"/>
+              <a:buChar char="§"/>
+            </a:pPr>
+            <a:r>
+              <a:rPr lang="en-AU" sz="2800" dirty="0"/>
+              <a:t>Emphasis on perception of sleep quantity rather than sleep misperception per se</a:t>
+            </a:r>
+          </a:p>
+          <a:p>
+            <a:pPr marL="1028700" lvl="1" indent="-571500">
+              <a:buFont typeface="Wingdings" panose="05000000000000000000" pitchFamily="2" charset="2"/>
+              <a:buChar char="§"/>
+            </a:pPr>
+            <a:r>
+              <a:rPr lang="en-AU" sz="2800" dirty="0"/>
+              <a:t>Experiments with hypnotics</a:t>
+            </a:r>
+          </a:p>
+          <a:p>
+            <a:pPr marL="1028700" lvl="1" indent="-571500">
+              <a:buFont typeface="Wingdings" panose="05000000000000000000" pitchFamily="2" charset="2"/>
+              <a:buChar char="§"/>
+            </a:pPr>
+            <a:r>
+              <a:rPr lang="en-AU" sz="2800" dirty="0"/>
+              <a:t>Low self-report + objective as different phenotype</a:t>
+            </a:r>
+          </a:p>
+          <a:p>
+            <a:pPr marL="571500" indent="-571500">
+              <a:buFont typeface="Wingdings" panose="05000000000000000000" pitchFamily="2" charset="2"/>
+              <a:buChar char="§"/>
+            </a:pPr>
+            <a:r>
+              <a:rPr lang="en-AU" sz="2800" dirty="0"/>
+              <a:t>Results to be replicated in pre-registered study</a:t>
+            </a:r>
+          </a:p>
+          <a:p>
+            <a:pPr marL="571500" indent="-571500">
+              <a:buFont typeface="Wingdings" panose="05000000000000000000" pitchFamily="2" charset="2"/>
+              <a:buChar char="§"/>
+            </a:pPr>
+            <a:endParaRPr lang="en-AU" sz="2800" dirty="0"/>
+          </a:p>
+          <a:p>
+            <a:pPr marL="571500" indent="-571500">
+              <a:buFont typeface="Wingdings" panose="05000000000000000000" pitchFamily="2" charset="2"/>
+              <a:buChar char="§"/>
+            </a:pPr>
+            <a:endParaRPr lang="en-AU" sz="2800" dirty="0"/>
+          </a:p>
+        </p:txBody>
+      </p:sp>
+      <p:sp>
+        <p:nvSpPr>
+          <p:cNvPr id="2" name="Rectangle 1">
+            <a:extLst>
+              <a:ext uri="{FF2B5EF4-FFF2-40B4-BE49-F238E27FC236}">
+                <a16:creationId xmlns:a16="http://schemas.microsoft.com/office/drawing/2014/main" id="{38FB45B3-9B4B-1981-093A-7D7EF3D38713}"/>
               </a:ext>
             </a:extLst>
           </p:cNvPr>
@@ -7806,8 +8871,8 @@
         </p:nvSpPr>
         <p:spPr>
           <a:xfrm>
-            <a:off x="32239974" y="27019044"/>
-            <a:ext cx="3981986" cy="3805085"/>
+            <a:off x="42851864" y="12804133"/>
+            <a:ext cx="1208859" cy="11675583"/>
           </a:xfrm>
           <a:prstGeom prst="rect">
             <a:avLst/>
@@ -7816,7 +8881,9 @@
             <a:schemeClr val="bg1"/>
           </a:solidFill>
           <a:ln>
-            <a:noFill/>
+            <a:solidFill>
+              <a:schemeClr val="bg1"/>
+            </a:solidFill>
           </a:ln>
         </p:spPr>
         <p:style>
@@ -7844,953 +8911,12 @@
           </a:p>
         </p:txBody>
       </p:sp>
-      <p:pic>
-        <p:nvPicPr>
-          <p:cNvPr id="28" name="Picture 27">
+      <p:sp>
+        <p:nvSpPr>
+          <p:cNvPr id="7" name="Rectangle: Rounded Corners 6">
             <a:extLst>
               <a:ext uri="{FF2B5EF4-FFF2-40B4-BE49-F238E27FC236}">
-                <a16:creationId xmlns:a16="http://schemas.microsoft.com/office/drawing/2014/main" id="{6F86D5F4-679B-DEBC-0635-B6C7015503C6}"/>
-              </a:ext>
-            </a:extLst>
-          </p:cNvPr>
-          <p:cNvPicPr>
-            <a:picLocks noChangeAspect="1"/>
-          </p:cNvPicPr>
-          <p:nvPr/>
-        </p:nvPicPr>
-        <p:blipFill>
-          <a:blip r:embed="rId4"/>
-          <a:stretch>
-            <a:fillRect/>
-          </a:stretch>
-        </p:blipFill>
-        <p:spPr>
-          <a:xfrm>
-            <a:off x="32711923" y="27441180"/>
-            <a:ext cx="3026152" cy="2958402"/>
-          </a:xfrm>
-          <a:prstGeom prst="rect">
-            <a:avLst/>
-          </a:prstGeom>
-        </p:spPr>
-      </p:pic>
-      <p:sp>
-        <p:nvSpPr>
-          <p:cNvPr id="31" name="TextBox 30">
-            <a:extLst>
-              <a:ext uri="{FF2B5EF4-FFF2-40B4-BE49-F238E27FC236}">
-                <a16:creationId xmlns:a16="http://schemas.microsoft.com/office/drawing/2014/main" id="{B9E485C8-E113-995A-90D0-18B310F7479C}"/>
-              </a:ext>
-            </a:extLst>
-          </p:cNvPr>
-          <p:cNvSpPr txBox="1"/>
-          <p:nvPr/>
-        </p:nvSpPr>
-        <p:spPr>
-          <a:xfrm>
-            <a:off x="224139" y="14384153"/>
-            <a:ext cx="9982200" cy="646331"/>
-          </a:xfrm>
-          <a:prstGeom prst="rect">
-            <a:avLst/>
-          </a:prstGeom>
-          <a:noFill/>
-        </p:spPr>
-        <p:txBody>
-          <a:bodyPr wrap="square" rtlCol="0">
-            <a:spAutoFit/>
-          </a:bodyPr>
-          <a:lstStyle/>
-          <a:p>
-            <a:r>
-              <a:rPr lang="en-US" sz="3600" b="1" dirty="0"/>
-              <a:t>Introduction</a:t>
-            </a:r>
-            <a:endParaRPr lang="en-AU" sz="3600" b="1" dirty="0"/>
-          </a:p>
-        </p:txBody>
-      </p:sp>
-      <p:sp>
-        <p:nvSpPr>
-          <p:cNvPr id="32" name="TextBox 31">
-            <a:extLst>
-              <a:ext uri="{FF2B5EF4-FFF2-40B4-BE49-F238E27FC236}">
-                <a16:creationId xmlns:a16="http://schemas.microsoft.com/office/drawing/2014/main" id="{F39B29BC-A0C0-A213-929D-44076351415E}"/>
-              </a:ext>
-            </a:extLst>
-          </p:cNvPr>
-          <p:cNvSpPr txBox="1"/>
-          <p:nvPr/>
-        </p:nvSpPr>
-        <p:spPr>
-          <a:xfrm>
-            <a:off x="235069" y="15152741"/>
-            <a:ext cx="12213157" cy="3970318"/>
-          </a:xfrm>
-          <a:prstGeom prst="rect">
-            <a:avLst/>
-          </a:prstGeom>
-          <a:noFill/>
-        </p:spPr>
-        <p:txBody>
-          <a:bodyPr wrap="square">
-            <a:spAutoFit/>
-          </a:bodyPr>
-          <a:lstStyle/>
-          <a:p>
-            <a:pPr marL="571500" indent="-571500">
-              <a:buFont typeface="Wingdings" panose="05000000000000000000" pitchFamily="2" charset="2"/>
-              <a:buChar char="§"/>
-            </a:pPr>
-            <a:r>
-              <a:rPr lang="en-US" sz="2800" dirty="0"/>
-              <a:t>Sleep discrepancy is often </a:t>
-            </a:r>
-            <a:r>
-              <a:rPr lang="en-US" sz="2800" dirty="0" err="1"/>
-              <a:t>operationalised</a:t>
-            </a:r>
-            <a:r>
-              <a:rPr lang="en-US" sz="2800" dirty="0"/>
-              <a:t> as a derived index (e.g., self-report TST – objective TST)</a:t>
-            </a:r>
-          </a:p>
-          <a:p>
-            <a:pPr marL="571500" indent="-571500">
-              <a:buFont typeface="Wingdings" panose="05000000000000000000" pitchFamily="2" charset="2"/>
-              <a:buChar char="§"/>
-            </a:pPr>
-            <a:r>
-              <a:rPr lang="en-US" sz="2800" dirty="0"/>
-              <a:t>Cubic regression with response surface analysis solves many problems associated with the use of difference and ratio scores in </a:t>
-            </a:r>
-            <a:r>
-              <a:rPr lang="en-US" sz="2800" dirty="0" err="1"/>
-              <a:t>operationalising</a:t>
-            </a:r>
-            <a:r>
-              <a:rPr lang="en-US" sz="2800" dirty="0"/>
-              <a:t> sleep discrepancy</a:t>
-            </a:r>
-          </a:p>
-          <a:p>
-            <a:pPr marL="571500" indent="-571500">
-              <a:buFont typeface="Wingdings" panose="05000000000000000000" pitchFamily="2" charset="2"/>
-              <a:buChar char="§"/>
-            </a:pPr>
-            <a:r>
-              <a:rPr lang="en-US" sz="2800" dirty="0"/>
-              <a:t>Hypothesis:</a:t>
-            </a:r>
-          </a:p>
-          <a:p>
-            <a:pPr marL="1028700" lvl="1" indent="-571500">
-              <a:buFont typeface="+mj-lt"/>
-              <a:buAutoNum type="romanLcPeriod"/>
-            </a:pPr>
-            <a:r>
-              <a:rPr lang="en-US" sz="2800" dirty="0"/>
-              <a:t>Discrepancy effect (H1.1)</a:t>
-            </a:r>
-          </a:p>
-          <a:p>
-            <a:pPr marL="1028700" lvl="1" indent="-571500">
-              <a:buFont typeface="+mj-lt"/>
-              <a:buAutoNum type="romanLcPeriod"/>
-            </a:pPr>
-            <a:r>
-              <a:rPr lang="en-US" sz="2800" dirty="0"/>
-              <a:t>Discrepancy effect is asymmetric in the expected direction (H1.2)</a:t>
-            </a:r>
-          </a:p>
-          <a:p>
-            <a:pPr marL="1028700" lvl="1" indent="-571500">
-              <a:buFont typeface="+mj-lt"/>
-              <a:buAutoNum type="romanLcPeriod"/>
-            </a:pPr>
-            <a:r>
-              <a:rPr lang="en-US" sz="2800" dirty="0"/>
-              <a:t>Linear level effect (H1.3)</a:t>
-            </a:r>
-          </a:p>
-        </p:txBody>
-      </p:sp>
-      <p:sp>
-        <p:nvSpPr>
-          <p:cNvPr id="33" name="TextBox 32">
-            <a:extLst>
-              <a:ext uri="{FF2B5EF4-FFF2-40B4-BE49-F238E27FC236}">
-                <a16:creationId xmlns:a16="http://schemas.microsoft.com/office/drawing/2014/main" id="{58990419-4FAA-C0F8-4E16-CA0EA5A00097}"/>
-              </a:ext>
-            </a:extLst>
-          </p:cNvPr>
-          <p:cNvSpPr txBox="1"/>
-          <p:nvPr/>
-        </p:nvSpPr>
-        <p:spPr>
-          <a:xfrm>
-            <a:off x="245500" y="19858039"/>
-            <a:ext cx="9982200" cy="646331"/>
-          </a:xfrm>
-          <a:prstGeom prst="rect">
-            <a:avLst/>
-          </a:prstGeom>
-          <a:noFill/>
-        </p:spPr>
-        <p:txBody>
-          <a:bodyPr wrap="square" rtlCol="0">
-            <a:spAutoFit/>
-          </a:bodyPr>
-          <a:lstStyle/>
-          <a:p>
-            <a:r>
-              <a:rPr lang="en-US" sz="3600" b="1" dirty="0"/>
-              <a:t>Method</a:t>
-            </a:r>
-            <a:endParaRPr lang="en-AU" sz="3600" b="1" dirty="0"/>
-          </a:p>
-        </p:txBody>
-      </p:sp>
-      <p:sp>
-        <p:nvSpPr>
-          <p:cNvPr id="34" name="TextBox 33">
-            <a:extLst>
-              <a:ext uri="{FF2B5EF4-FFF2-40B4-BE49-F238E27FC236}">
-                <a16:creationId xmlns:a16="http://schemas.microsoft.com/office/drawing/2014/main" id="{5A2EEB29-5386-64A2-7B93-20773B9AA186}"/>
-              </a:ext>
-            </a:extLst>
-          </p:cNvPr>
-          <p:cNvSpPr txBox="1"/>
-          <p:nvPr/>
-        </p:nvSpPr>
-        <p:spPr>
-          <a:xfrm>
-            <a:off x="85754" y="20765187"/>
-            <a:ext cx="12213157" cy="2246769"/>
-          </a:xfrm>
-          <a:prstGeom prst="rect">
-            <a:avLst/>
-          </a:prstGeom>
-          <a:noFill/>
-        </p:spPr>
-        <p:txBody>
-          <a:bodyPr wrap="square">
-            <a:spAutoFit/>
-          </a:bodyPr>
-          <a:lstStyle/>
-          <a:p>
-            <a:pPr marL="571500" indent="-571500">
-              <a:buFont typeface="Wingdings" panose="05000000000000000000" pitchFamily="2" charset="2"/>
-              <a:buChar char="§"/>
-            </a:pPr>
-            <a:r>
-              <a:rPr lang="en-AU" sz="2800" dirty="0"/>
-              <a:t>Data from </a:t>
-            </a:r>
-            <a:r>
-              <a:rPr lang="en-AU" sz="2800" dirty="0" err="1"/>
-              <a:t>MrOS</a:t>
-            </a:r>
-            <a:r>
-              <a:rPr lang="en-AU" sz="2800" dirty="0"/>
-              <a:t> 1,022 community-dwelling men aged 65+ years.</a:t>
-            </a:r>
-          </a:p>
-          <a:p>
-            <a:pPr marL="571500" indent="-571500">
-              <a:buFont typeface="Wingdings" panose="05000000000000000000" pitchFamily="2" charset="2"/>
-              <a:buChar char="§"/>
-            </a:pPr>
-            <a:r>
-              <a:rPr lang="en-US" sz="2800" dirty="0"/>
-              <a:t>Total sleep time (TST) from single-night polysomnography (PSG)</a:t>
-            </a:r>
-          </a:p>
-          <a:p>
-            <a:pPr marL="571500" indent="-571500">
-              <a:buFont typeface="Wingdings" panose="05000000000000000000" pitchFamily="2" charset="2"/>
-              <a:buChar char="§"/>
-            </a:pPr>
-            <a:r>
-              <a:rPr lang="en-US" sz="2800" dirty="0"/>
-              <a:t>Self reported TST from morning questionnaire</a:t>
-            </a:r>
-          </a:p>
-          <a:p>
-            <a:pPr marL="571500" indent="-571500">
-              <a:buFont typeface="Wingdings" panose="05000000000000000000" pitchFamily="2" charset="2"/>
-              <a:buChar char="§"/>
-            </a:pPr>
-            <a:r>
-              <a:rPr lang="en-US" sz="2800" dirty="0"/>
-              <a:t>Insomnia severity index (ISI) to measure insomnia symptom severity</a:t>
-            </a:r>
-          </a:p>
-          <a:p>
-            <a:pPr marL="571500" indent="-571500">
-              <a:buFont typeface="Wingdings" panose="05000000000000000000" pitchFamily="2" charset="2"/>
-              <a:buChar char="§"/>
-            </a:pPr>
-            <a:endParaRPr lang="en-US" sz="2800" dirty="0"/>
-          </a:p>
-        </p:txBody>
-      </p:sp>
-      <p:pic>
-        <p:nvPicPr>
-          <p:cNvPr id="36" name="Picture 35">
-            <a:extLst>
-              <a:ext uri="{FF2B5EF4-FFF2-40B4-BE49-F238E27FC236}">
-                <a16:creationId xmlns:a16="http://schemas.microsoft.com/office/drawing/2014/main" id="{596DA6AA-FC80-4777-1F59-06330647F3FF}"/>
-              </a:ext>
-            </a:extLst>
-          </p:cNvPr>
-          <p:cNvPicPr>
-            <a:picLocks noChangeAspect="1"/>
-          </p:cNvPicPr>
-          <p:nvPr/>
-        </p:nvPicPr>
-        <p:blipFill>
-          <a:blip r:embed="rId5"/>
-          <a:stretch>
-            <a:fillRect/>
-          </a:stretch>
-        </p:blipFill>
-        <p:spPr>
-          <a:xfrm>
-            <a:off x="623929" y="22764929"/>
-            <a:ext cx="10639377" cy="494053"/>
-          </a:xfrm>
-          <a:prstGeom prst="rect">
-            <a:avLst/>
-          </a:prstGeom>
-        </p:spPr>
-      </p:pic>
-      <p:pic>
-        <p:nvPicPr>
-          <p:cNvPr id="38" name="Picture 37">
-            <a:extLst>
-              <a:ext uri="{FF2B5EF4-FFF2-40B4-BE49-F238E27FC236}">
-                <a16:creationId xmlns:a16="http://schemas.microsoft.com/office/drawing/2014/main" id="{6A67FDBF-6A10-2DDC-5BE7-EB590967376B}"/>
-              </a:ext>
-            </a:extLst>
-          </p:cNvPr>
-          <p:cNvPicPr>
-            <a:picLocks noChangeAspect="1"/>
-          </p:cNvPicPr>
-          <p:nvPr/>
-        </p:nvPicPr>
-        <p:blipFill>
-          <a:blip r:embed="rId6"/>
-          <a:stretch>
-            <a:fillRect/>
-          </a:stretch>
-        </p:blipFill>
-        <p:spPr>
-          <a:xfrm>
-            <a:off x="77526" y="28046579"/>
-            <a:ext cx="12517597" cy="2353003"/>
-          </a:xfrm>
-          <a:prstGeom prst="rect">
-            <a:avLst/>
-          </a:prstGeom>
-        </p:spPr>
-      </p:pic>
-      <p:sp>
-        <p:nvSpPr>
-          <p:cNvPr id="39" name="TextBox 38">
-            <a:extLst>
-              <a:ext uri="{FF2B5EF4-FFF2-40B4-BE49-F238E27FC236}">
-                <a16:creationId xmlns:a16="http://schemas.microsoft.com/office/drawing/2014/main" id="{8922AE54-B37D-0631-F27F-BDABC1E6CEC7}"/>
-              </a:ext>
-            </a:extLst>
-          </p:cNvPr>
-          <p:cNvSpPr txBox="1"/>
-          <p:nvPr/>
-        </p:nvSpPr>
-        <p:spPr>
-          <a:xfrm>
-            <a:off x="224139" y="26951624"/>
-            <a:ext cx="9982200" cy="646331"/>
-          </a:xfrm>
-          <a:prstGeom prst="rect">
-            <a:avLst/>
-          </a:prstGeom>
-          <a:noFill/>
-        </p:spPr>
-        <p:txBody>
-          <a:bodyPr wrap="square" rtlCol="0">
-            <a:spAutoFit/>
-          </a:bodyPr>
-          <a:lstStyle/>
-          <a:p>
-            <a:r>
-              <a:rPr lang="en-US" sz="3600" b="1" dirty="0"/>
-              <a:t>Results</a:t>
-            </a:r>
-            <a:endParaRPr lang="en-AU" sz="3600" b="1" dirty="0"/>
-          </a:p>
-        </p:txBody>
-      </p:sp>
-      <p:sp>
-        <p:nvSpPr>
-          <p:cNvPr id="41" name="TextBox 40">
-            <a:extLst>
-              <a:ext uri="{FF2B5EF4-FFF2-40B4-BE49-F238E27FC236}">
-                <a16:creationId xmlns:a16="http://schemas.microsoft.com/office/drawing/2014/main" id="{904819E7-39C0-DA4E-520E-E7C4132D7C9E}"/>
-              </a:ext>
-            </a:extLst>
-          </p:cNvPr>
-          <p:cNvSpPr txBox="1"/>
-          <p:nvPr/>
-        </p:nvSpPr>
-        <p:spPr>
-          <a:xfrm>
-            <a:off x="145246" y="23438489"/>
-            <a:ext cx="11802690" cy="954107"/>
-          </a:xfrm>
-          <a:prstGeom prst="rect">
-            <a:avLst/>
-          </a:prstGeom>
-          <a:noFill/>
-        </p:spPr>
-        <p:txBody>
-          <a:bodyPr wrap="square">
-            <a:spAutoFit/>
-          </a:bodyPr>
-          <a:lstStyle/>
-          <a:p>
-            <a:pPr marL="457200" indent="-457200">
-              <a:buFont typeface="Wingdings" panose="05000000000000000000" pitchFamily="2" charset="2"/>
-              <a:buChar char="§"/>
-            </a:pPr>
-            <a:r>
-              <a:rPr lang="en-AU" sz="2800" dirty="0"/>
-              <a:t>Rising ridge congruence surface b</a:t>
-            </a:r>
-            <a:r>
-              <a:rPr lang="en-AU" sz="2800" baseline="-25000" dirty="0"/>
-              <a:t>1</a:t>
-            </a:r>
-            <a:r>
-              <a:rPr lang="en-AU" sz="2800" dirty="0"/>
-              <a:t> = b</a:t>
-            </a:r>
-            <a:r>
-              <a:rPr lang="en-AU" sz="2800" baseline="-25000" dirty="0"/>
-              <a:t>2</a:t>
-            </a:r>
-            <a:r>
-              <a:rPr lang="en-AU" sz="2800" dirty="0"/>
-              <a:t>,</a:t>
-            </a:r>
-            <a:r>
-              <a:rPr lang="en-AU" sz="2800" baseline="-25000" dirty="0"/>
-              <a:t> </a:t>
-            </a:r>
-            <a:r>
-              <a:rPr lang="en-AU" sz="2800" dirty="0"/>
-              <a:t>b</a:t>
-            </a:r>
-            <a:r>
-              <a:rPr lang="en-AU" sz="2800" baseline="-25000" dirty="0"/>
-              <a:t>4</a:t>
-            </a:r>
-            <a:r>
-              <a:rPr lang="en-AU" sz="2800" dirty="0"/>
-              <a:t> = −2 ∗ b</a:t>
-            </a:r>
-            <a:r>
-              <a:rPr lang="en-AU" sz="2800" baseline="-25000" dirty="0"/>
-              <a:t>3</a:t>
-            </a:r>
-            <a:r>
-              <a:rPr lang="en-AU" sz="2800" dirty="0"/>
-              <a:t>,</a:t>
-            </a:r>
-            <a:r>
-              <a:rPr lang="en-AU" sz="2800" baseline="-25000" dirty="0"/>
-              <a:t> </a:t>
-            </a:r>
-            <a:r>
-              <a:rPr lang="en-AU" sz="2800" dirty="0"/>
-              <a:t>b</a:t>
-            </a:r>
-            <a:r>
-              <a:rPr lang="en-AU" sz="2800" baseline="-25000" dirty="0"/>
-              <a:t>5</a:t>
-            </a:r>
-            <a:r>
-              <a:rPr lang="en-AU" sz="2800" dirty="0"/>
-              <a:t> = b</a:t>
-            </a:r>
-            <a:r>
-              <a:rPr lang="en-AU" sz="2800" baseline="-25000" dirty="0"/>
-              <a:t>3</a:t>
-            </a:r>
-            <a:r>
-              <a:rPr lang="en-AU" sz="2800" dirty="0"/>
-              <a:t>,</a:t>
-            </a:r>
-            <a:r>
-              <a:rPr lang="en-AU" sz="2800" baseline="-25000" dirty="0"/>
-              <a:t> </a:t>
-            </a:r>
-            <a:r>
-              <a:rPr lang="en-AU" sz="2800" dirty="0"/>
-              <a:t>b</a:t>
-            </a:r>
-            <a:r>
-              <a:rPr lang="en-AU" sz="2800" baseline="-25000" dirty="0"/>
-              <a:t>7</a:t>
-            </a:r>
-            <a:r>
-              <a:rPr lang="en-AU" sz="2800" dirty="0"/>
-              <a:t> = −3 ∗ b</a:t>
-            </a:r>
-            <a:r>
-              <a:rPr lang="en-AU" sz="2800" baseline="-25000" dirty="0"/>
-              <a:t>6</a:t>
-            </a:r>
-            <a:r>
-              <a:rPr lang="en-AU" sz="2800" dirty="0"/>
-              <a:t>,</a:t>
-            </a:r>
-            <a:endParaRPr lang="en-AU" sz="2800" baseline="-25000" dirty="0"/>
-          </a:p>
-          <a:p>
-            <a:r>
-              <a:rPr lang="en-AU" sz="2800" dirty="0"/>
-              <a:t>	b</a:t>
-            </a:r>
-            <a:r>
-              <a:rPr lang="en-AU" sz="2800" baseline="-25000" dirty="0"/>
-              <a:t>8</a:t>
-            </a:r>
-            <a:r>
-              <a:rPr lang="en-AU" sz="2800" dirty="0"/>
-              <a:t> = 3 ∗ b</a:t>
-            </a:r>
-            <a:r>
-              <a:rPr lang="en-AU" sz="2800" baseline="-25000" dirty="0"/>
-              <a:t>6</a:t>
-            </a:r>
-            <a:r>
-              <a:rPr lang="en-AU" sz="2800" dirty="0"/>
-              <a:t>, b</a:t>
-            </a:r>
-            <a:r>
-              <a:rPr lang="en-AU" sz="2800" baseline="-25000" dirty="0"/>
-              <a:t>9</a:t>
-            </a:r>
-            <a:r>
-              <a:rPr lang="en-AU" sz="2800" dirty="0"/>
-              <a:t> = −b</a:t>
-            </a:r>
-            <a:r>
-              <a:rPr lang="en-AU" sz="2800" baseline="-25000" dirty="0"/>
-              <a:t>6</a:t>
-            </a:r>
-          </a:p>
-        </p:txBody>
-      </p:sp>
-      <p:sp>
-        <p:nvSpPr>
-          <p:cNvPr id="43" name="TextBox 42">
-            <a:extLst>
-              <a:ext uri="{FF2B5EF4-FFF2-40B4-BE49-F238E27FC236}">
-                <a16:creationId xmlns:a16="http://schemas.microsoft.com/office/drawing/2014/main" id="{A27AFE22-0EAF-FF2E-5F53-5980F18D6A02}"/>
-              </a:ext>
-            </a:extLst>
-          </p:cNvPr>
-          <p:cNvSpPr txBox="1"/>
-          <p:nvPr/>
-        </p:nvSpPr>
-        <p:spPr>
-          <a:xfrm>
-            <a:off x="127335" y="24819129"/>
-            <a:ext cx="11967248" cy="1384995"/>
-          </a:xfrm>
-          <a:prstGeom prst="rect">
-            <a:avLst/>
-          </a:prstGeom>
-          <a:noFill/>
-        </p:spPr>
-        <p:txBody>
-          <a:bodyPr wrap="square">
-            <a:spAutoFit/>
-          </a:bodyPr>
-          <a:lstStyle/>
-          <a:p>
-            <a:pPr marL="285750" indent="-285750">
-              <a:buFont typeface="Wingdings" panose="05000000000000000000" pitchFamily="2" charset="2"/>
-              <a:buChar char="§"/>
-            </a:pPr>
-            <a:r>
-              <a:rPr lang="en-AU" sz="2800" dirty="0"/>
-              <a:t>b</a:t>
-            </a:r>
-            <a:r>
-              <a:rPr lang="en-AU" sz="2800" baseline="-25000" dirty="0"/>
-              <a:t>3</a:t>
-            </a:r>
-            <a:r>
-              <a:rPr lang="en-AU" sz="2800" dirty="0"/>
-              <a:t> discrepancy effect (H1.1) must be significantly positive</a:t>
-            </a:r>
-          </a:p>
-          <a:p>
-            <a:pPr marL="285750" indent="-285750">
-              <a:buFont typeface="Wingdings" panose="05000000000000000000" pitchFamily="2" charset="2"/>
-              <a:buChar char="§"/>
-            </a:pPr>
-            <a:r>
-              <a:rPr lang="en-AU" sz="2800" dirty="0"/>
-              <a:t>b</a:t>
-            </a:r>
-            <a:r>
-              <a:rPr lang="en-AU" sz="2800" baseline="-25000" dirty="0"/>
-              <a:t>6</a:t>
-            </a:r>
-            <a:r>
-              <a:rPr lang="en-AU" sz="2800" dirty="0"/>
-              <a:t> direction &amp; presence of asymmetry (H1.2) must be significantly negative </a:t>
-            </a:r>
-          </a:p>
-          <a:p>
-            <a:pPr marL="285750" indent="-285750">
-              <a:buFont typeface="Wingdings" panose="05000000000000000000" pitchFamily="2" charset="2"/>
-              <a:buChar char="§"/>
-            </a:pPr>
-            <a:r>
-              <a:rPr lang="en-AU" sz="2800" dirty="0"/>
-              <a:t>u</a:t>
-            </a:r>
-            <a:r>
-              <a:rPr lang="en-AU" sz="2800" baseline="-25000" dirty="0"/>
-              <a:t>1</a:t>
-            </a:r>
-            <a:r>
-              <a:rPr lang="en-AU" sz="2800" dirty="0"/>
-              <a:t> (b</a:t>
-            </a:r>
-            <a:r>
-              <a:rPr lang="en-AU" sz="2800" baseline="-25000" dirty="0"/>
-              <a:t>1</a:t>
-            </a:r>
-            <a:r>
-              <a:rPr lang="en-AU" sz="2800" dirty="0"/>
-              <a:t> + b</a:t>
-            </a:r>
-            <a:r>
-              <a:rPr lang="en-AU" sz="2800" baseline="-25000" dirty="0"/>
-              <a:t>2</a:t>
-            </a:r>
-            <a:r>
-              <a:rPr lang="en-AU" sz="2800" dirty="0"/>
-              <a:t>) linear level effect (H1.3) must be significantly negative</a:t>
-            </a:r>
-          </a:p>
-        </p:txBody>
-      </p:sp>
-      <p:pic>
-        <p:nvPicPr>
-          <p:cNvPr id="46" name="Picture 45">
-            <a:extLst>
-              <a:ext uri="{FF2B5EF4-FFF2-40B4-BE49-F238E27FC236}">
-                <a16:creationId xmlns:a16="http://schemas.microsoft.com/office/drawing/2014/main" id="{66AF8855-A1F1-2C85-0E21-9755F7C247AB}"/>
-              </a:ext>
-            </a:extLst>
-          </p:cNvPr>
-          <p:cNvPicPr>
-            <a:picLocks noChangeAspect="1"/>
-          </p:cNvPicPr>
-          <p:nvPr/>
-        </p:nvPicPr>
-        <p:blipFill>
-          <a:blip r:embed="rId7"/>
-          <a:stretch>
-            <a:fillRect/>
-          </a:stretch>
-        </p:blipFill>
-        <p:spPr>
-          <a:xfrm>
-            <a:off x="39205675" y="8041531"/>
-            <a:ext cx="10101216" cy="4398704"/>
-          </a:xfrm>
-          <a:prstGeom prst="rect">
-            <a:avLst/>
-          </a:prstGeom>
-        </p:spPr>
-      </p:pic>
-      <p:sp>
-        <p:nvSpPr>
-          <p:cNvPr id="48" name="TextBox 47">
-            <a:extLst>
-              <a:ext uri="{FF2B5EF4-FFF2-40B4-BE49-F238E27FC236}">
-                <a16:creationId xmlns:a16="http://schemas.microsoft.com/office/drawing/2014/main" id="{1D12D887-7088-82CA-A8FC-DC49BB46CC63}"/>
-              </a:ext>
-            </a:extLst>
-          </p:cNvPr>
-          <p:cNvSpPr txBox="1"/>
-          <p:nvPr/>
-        </p:nvSpPr>
-        <p:spPr>
-          <a:xfrm>
-            <a:off x="38271117" y="24954164"/>
-            <a:ext cx="9982200" cy="646331"/>
-          </a:xfrm>
-          <a:prstGeom prst="rect">
-            <a:avLst/>
-          </a:prstGeom>
-          <a:noFill/>
-        </p:spPr>
-        <p:txBody>
-          <a:bodyPr wrap="square" rtlCol="0">
-            <a:spAutoFit/>
-          </a:bodyPr>
-          <a:lstStyle/>
-          <a:p>
-            <a:r>
-              <a:rPr lang="en-US" sz="3600" b="1" dirty="0"/>
-              <a:t>Conclusions</a:t>
-            </a:r>
-            <a:endParaRPr lang="en-AU" sz="3600" b="1" dirty="0"/>
-          </a:p>
-        </p:txBody>
-      </p:sp>
-      <p:pic>
-        <p:nvPicPr>
-          <p:cNvPr id="50" name="Picture 49">
-            <a:extLst>
-              <a:ext uri="{FF2B5EF4-FFF2-40B4-BE49-F238E27FC236}">
-                <a16:creationId xmlns:a16="http://schemas.microsoft.com/office/drawing/2014/main" id="{54866DEA-C590-2A0B-658E-5C82A531A468}"/>
-              </a:ext>
-            </a:extLst>
-          </p:cNvPr>
-          <p:cNvPicPr>
-            <a:picLocks noChangeAspect="1"/>
-          </p:cNvPicPr>
-          <p:nvPr/>
-        </p:nvPicPr>
-        <p:blipFill>
-          <a:blip r:embed="rId8"/>
-          <a:stretch>
-            <a:fillRect/>
-          </a:stretch>
-        </p:blipFill>
-        <p:spPr>
-          <a:xfrm>
-            <a:off x="38170070" y="18438335"/>
-            <a:ext cx="6245233" cy="5677483"/>
-          </a:xfrm>
-          <a:prstGeom prst="rect">
-            <a:avLst/>
-          </a:prstGeom>
-        </p:spPr>
-      </p:pic>
-      <p:pic>
-        <p:nvPicPr>
-          <p:cNvPr id="56" name="Picture 55">
-            <a:extLst>
-              <a:ext uri="{FF2B5EF4-FFF2-40B4-BE49-F238E27FC236}">
-                <a16:creationId xmlns:a16="http://schemas.microsoft.com/office/drawing/2014/main" id="{782ABB11-37EA-97C6-BFED-4919C781A767}"/>
-              </a:ext>
-            </a:extLst>
-          </p:cNvPr>
-          <p:cNvPicPr>
-            <a:picLocks noChangeAspect="1"/>
-          </p:cNvPicPr>
-          <p:nvPr/>
-        </p:nvPicPr>
-        <p:blipFill>
-          <a:blip r:embed="rId9"/>
-          <a:stretch>
-            <a:fillRect/>
-          </a:stretch>
-        </p:blipFill>
-        <p:spPr>
-          <a:xfrm>
-            <a:off x="44415303" y="18438335"/>
-            <a:ext cx="5918757" cy="5677483"/>
-          </a:xfrm>
-          <a:prstGeom prst="rect">
-            <a:avLst/>
-          </a:prstGeom>
-        </p:spPr>
-      </p:pic>
-      <p:pic>
-        <p:nvPicPr>
-          <p:cNvPr id="58" name="Picture 57">
-            <a:extLst>
-              <a:ext uri="{FF2B5EF4-FFF2-40B4-BE49-F238E27FC236}">
-                <a16:creationId xmlns:a16="http://schemas.microsoft.com/office/drawing/2014/main" id="{B518E258-638D-600F-8E31-6D1F34576636}"/>
-              </a:ext>
-            </a:extLst>
-          </p:cNvPr>
-          <p:cNvPicPr>
-            <a:picLocks noChangeAspect="1"/>
-          </p:cNvPicPr>
-          <p:nvPr/>
-        </p:nvPicPr>
-        <p:blipFill>
-          <a:blip r:embed="rId10"/>
-          <a:stretch>
-            <a:fillRect/>
-          </a:stretch>
-        </p:blipFill>
-        <p:spPr>
-          <a:xfrm>
-            <a:off x="38202287" y="12859408"/>
-            <a:ext cx="5889614" cy="5363344"/>
-          </a:xfrm>
-          <a:prstGeom prst="rect">
-            <a:avLst/>
-          </a:prstGeom>
-        </p:spPr>
-      </p:pic>
-      <p:pic>
-        <p:nvPicPr>
-          <p:cNvPr id="60" name="Picture 59">
-            <a:extLst>
-              <a:ext uri="{FF2B5EF4-FFF2-40B4-BE49-F238E27FC236}">
-                <a16:creationId xmlns:a16="http://schemas.microsoft.com/office/drawing/2014/main" id="{8478BA18-9C47-F9F6-F4FD-E045A36F04C4}"/>
-              </a:ext>
-            </a:extLst>
-          </p:cNvPr>
-          <p:cNvPicPr>
-            <a:picLocks noChangeAspect="1"/>
-          </p:cNvPicPr>
-          <p:nvPr/>
-        </p:nvPicPr>
-        <p:blipFill>
-          <a:blip r:embed="rId11"/>
-          <a:stretch>
-            <a:fillRect/>
-          </a:stretch>
-        </p:blipFill>
-        <p:spPr>
-          <a:xfrm>
-            <a:off x="44356936" y="12842000"/>
-            <a:ext cx="5770659" cy="5677483"/>
-          </a:xfrm>
-          <a:prstGeom prst="rect">
-            <a:avLst/>
-          </a:prstGeom>
-        </p:spPr>
-      </p:pic>
-      <p:sp>
-        <p:nvSpPr>
-          <p:cNvPr id="62" name="TextBox 61">
-            <a:extLst>
-              <a:ext uri="{FF2B5EF4-FFF2-40B4-BE49-F238E27FC236}">
-                <a16:creationId xmlns:a16="http://schemas.microsoft.com/office/drawing/2014/main" id="{BA36A4C5-C6C1-E345-F353-569D5628C0B3}"/>
-              </a:ext>
-            </a:extLst>
-          </p:cNvPr>
-          <p:cNvSpPr txBox="1"/>
-          <p:nvPr/>
-        </p:nvSpPr>
-        <p:spPr>
-          <a:xfrm>
-            <a:off x="38098395" y="25795571"/>
-            <a:ext cx="12310519" cy="4832092"/>
-          </a:xfrm>
-          <a:prstGeom prst="rect">
-            <a:avLst/>
-          </a:prstGeom>
-          <a:noFill/>
-        </p:spPr>
-        <p:txBody>
-          <a:bodyPr wrap="square">
-            <a:spAutoFit/>
-          </a:bodyPr>
-          <a:lstStyle/>
-          <a:p>
-            <a:pPr marL="571500" indent="-571500">
-              <a:buFont typeface="Wingdings" panose="05000000000000000000" pitchFamily="2" charset="2"/>
-              <a:buChar char="§"/>
-            </a:pPr>
-            <a:r>
-              <a:rPr lang="en-US" sz="2800" dirty="0"/>
-              <a:t>Response surface analysis is a useful alternative to derived indices for investigating sleep discrepancy</a:t>
-            </a:r>
-          </a:p>
-          <a:p>
-            <a:pPr marL="571500" indent="-571500">
-              <a:buFont typeface="Wingdings" panose="05000000000000000000" pitchFamily="2" charset="2"/>
-              <a:buChar char="§"/>
-            </a:pPr>
-            <a:r>
-              <a:rPr lang="en-US" sz="2800" dirty="0"/>
-              <a:t>Discrepancy in sleep time parameters can be importantly </a:t>
-            </a:r>
-            <a:r>
-              <a:rPr lang="en-AU" sz="2800" dirty="0"/>
-              <a:t>different to misperception</a:t>
-            </a:r>
-          </a:p>
-          <a:p>
-            <a:pPr marL="571500" indent="-571500">
-              <a:buFont typeface="Wingdings" panose="05000000000000000000" pitchFamily="2" charset="2"/>
-              <a:buChar char="§"/>
-            </a:pPr>
-            <a:r>
-              <a:rPr lang="en-AU" sz="2800" dirty="0"/>
-              <a:t>Emphasis on perception of sleep quantity rather than sleep misperception per se</a:t>
-            </a:r>
-          </a:p>
-          <a:p>
-            <a:pPr marL="1028700" lvl="1" indent="-571500">
-              <a:buFont typeface="Wingdings" panose="05000000000000000000" pitchFamily="2" charset="2"/>
-              <a:buChar char="§"/>
-            </a:pPr>
-            <a:r>
-              <a:rPr lang="en-AU" sz="2800" dirty="0"/>
-              <a:t>Experiments with hypnotics</a:t>
-            </a:r>
-          </a:p>
-          <a:p>
-            <a:pPr marL="1028700" lvl="1" indent="-571500">
-              <a:buFont typeface="Wingdings" panose="05000000000000000000" pitchFamily="2" charset="2"/>
-              <a:buChar char="§"/>
-            </a:pPr>
-            <a:r>
-              <a:rPr lang="en-AU" sz="2800" dirty="0"/>
-              <a:t>Low self-report + objective as different phenotype</a:t>
-            </a:r>
-          </a:p>
-          <a:p>
-            <a:pPr marL="571500" indent="-571500">
-              <a:buFont typeface="Wingdings" panose="05000000000000000000" pitchFamily="2" charset="2"/>
-              <a:buChar char="§"/>
-            </a:pPr>
-            <a:r>
-              <a:rPr lang="en-AU" sz="2800" dirty="0"/>
-              <a:t>Results to be replicated in pre-registered study</a:t>
-            </a:r>
-          </a:p>
-          <a:p>
-            <a:pPr marL="571500" indent="-571500">
-              <a:buFont typeface="Wingdings" panose="05000000000000000000" pitchFamily="2" charset="2"/>
-              <a:buChar char="§"/>
-            </a:pPr>
-            <a:endParaRPr lang="en-AU" sz="2800" dirty="0"/>
-          </a:p>
-          <a:p>
-            <a:pPr marL="571500" indent="-571500">
-              <a:buFont typeface="Wingdings" panose="05000000000000000000" pitchFamily="2" charset="2"/>
-              <a:buChar char="§"/>
-            </a:pPr>
-            <a:endParaRPr lang="en-AU" sz="2800" dirty="0"/>
-          </a:p>
-        </p:txBody>
-      </p:sp>
-      <p:sp>
-        <p:nvSpPr>
-          <p:cNvPr id="2" name="Rectangle 1">
-            <a:extLst>
-              <a:ext uri="{FF2B5EF4-FFF2-40B4-BE49-F238E27FC236}">
-                <a16:creationId xmlns:a16="http://schemas.microsoft.com/office/drawing/2014/main" id="{38FB45B3-9B4B-1981-093A-7D7EF3D38713}"/>
+                <a16:creationId xmlns:a16="http://schemas.microsoft.com/office/drawing/2014/main" id="{C5662284-D9F7-7679-381D-D9187CA38CCE}"/>
               </a:ext>
             </a:extLst>
           </p:cNvPr>
@@ -8799,19 +8925,17 @@
         </p:nvSpPr>
         <p:spPr>
           <a:xfrm>
-            <a:off x="42851864" y="12804133"/>
-            <a:ext cx="1208859" cy="11675583"/>
-          </a:xfrm>
-          <a:prstGeom prst="rect">
+            <a:off x="32239974" y="26761440"/>
+            <a:ext cx="3981986" cy="4968240"/>
+          </a:xfrm>
+          <a:prstGeom prst="roundRect">
             <a:avLst/>
           </a:prstGeom>
           <a:solidFill>
             <a:schemeClr val="bg1"/>
           </a:solidFill>
           <a:ln>
-            <a:solidFill>
-              <a:schemeClr val="bg1"/>
-            </a:solidFill>
+            <a:noFill/>
           </a:ln>
         </p:spPr>
         <p:style>
@@ -8835,7 +8959,73 @@
           <a:lstStyle/>
           <a:p>
             <a:pPr algn="ctr"/>
-            <a:endParaRPr lang="en-AU"/>
+            <a:endParaRPr lang="en-AU" dirty="0"/>
+          </a:p>
+        </p:txBody>
+      </p:sp>
+      <p:pic>
+        <p:nvPicPr>
+          <p:cNvPr id="8" name="Picture 7">
+            <a:extLst>
+              <a:ext uri="{FF2B5EF4-FFF2-40B4-BE49-F238E27FC236}">
+                <a16:creationId xmlns:a16="http://schemas.microsoft.com/office/drawing/2014/main" id="{B130D38D-5F91-CF95-9246-B4517D05CD72}"/>
+              </a:ext>
+            </a:extLst>
+          </p:cNvPr>
+          <p:cNvPicPr>
+            <a:picLocks noChangeAspect="1"/>
+          </p:cNvPicPr>
+          <p:nvPr/>
+        </p:nvPicPr>
+        <p:blipFill>
+          <a:blip r:embed="rId11"/>
+          <a:stretch>
+            <a:fillRect/>
+          </a:stretch>
+        </p:blipFill>
+        <p:spPr>
+          <a:xfrm>
+            <a:off x="32612137" y="27321169"/>
+            <a:ext cx="3287666" cy="3250271"/>
+          </a:xfrm>
+          <a:prstGeom prst="rect">
+            <a:avLst/>
+          </a:prstGeom>
+        </p:spPr>
+      </p:pic>
+      <p:sp>
+        <p:nvSpPr>
+          <p:cNvPr id="10" name="TextBox 9">
+            <a:extLst>
+              <a:ext uri="{FF2B5EF4-FFF2-40B4-BE49-F238E27FC236}">
+                <a16:creationId xmlns:a16="http://schemas.microsoft.com/office/drawing/2014/main" id="{F50C247A-C267-FF32-056A-196FAD1E45AD}"/>
+              </a:ext>
+            </a:extLst>
+          </p:cNvPr>
+          <p:cNvSpPr txBox="1"/>
+          <p:nvPr/>
+        </p:nvSpPr>
+        <p:spPr>
+          <a:xfrm>
+            <a:off x="33090773" y="30571440"/>
+            <a:ext cx="2477524" cy="707886"/>
+          </a:xfrm>
+          <a:prstGeom prst="rect">
+            <a:avLst/>
+          </a:prstGeom>
+          <a:noFill/>
+        </p:spPr>
+        <p:txBody>
+          <a:bodyPr wrap="square" rtlCol="0">
+            <a:spAutoFit/>
+          </a:bodyPr>
+          <a:lstStyle/>
+          <a:p>
+            <a:r>
+              <a:rPr lang="en-US" sz="4000" b="1" dirty="0"/>
+              <a:t>SCAN ME</a:t>
+            </a:r>
+            <a:endParaRPr lang="en-AU" sz="4000" b="1" dirty="0"/>
           </a:p>
         </p:txBody>
       </p:sp>

--- a/ESRS Posters/ESRS-posters.pptx
+++ b/ESRS Posters/ESRS-posters.pptx
@@ -3717,8 +3717,8 @@
         </p:nvSpPr>
         <p:spPr>
           <a:xfrm>
-            <a:off x="12560180" y="0"/>
-            <a:ext cx="24831977" cy="32399288"/>
+            <a:off x="14080703" y="0"/>
+            <a:ext cx="22399016" cy="32399288"/>
           </a:xfrm>
           <a:prstGeom prst="rect">
             <a:avLst/>
@@ -3771,8 +3771,8 @@
         </p:nvSpPr>
         <p:spPr>
           <a:xfrm>
-            <a:off x="13076801" y="2772696"/>
-            <a:ext cx="24246348" cy="8586966"/>
+            <a:off x="14912976" y="1757167"/>
+            <a:ext cx="19569784" cy="10710624"/>
           </a:xfrm>
           <a:prstGeom prst="rect">
             <a:avLst/>
@@ -3871,8 +3871,8 @@
         </p:blipFill>
         <p:spPr>
           <a:xfrm>
-            <a:off x="198178" y="21519356"/>
-            <a:ext cx="11771995" cy="10510379"/>
+            <a:off x="192690" y="19367557"/>
+            <a:ext cx="13888013" cy="12399621"/>
           </a:xfrm>
           <a:prstGeom prst="rect">
             <a:avLst/>
@@ -3893,8 +3893,8 @@
         </p:nvSpPr>
         <p:spPr>
           <a:xfrm>
-            <a:off x="666562" y="632110"/>
-            <a:ext cx="11437281" cy="8217634"/>
+            <a:off x="637721" y="632110"/>
+            <a:ext cx="13442981" cy="6863417"/>
           </a:xfrm>
           <a:prstGeom prst="rect">
             <a:avLst/>
@@ -3922,10 +3922,1379 @@
       </p:sp>
       <p:sp>
         <p:nvSpPr>
-          <p:cNvPr id="15" name="Rectangle 3">
+          <p:cNvPr id="16" name="TextBox 15">
             <a:extLst>
               <a:ext uri="{FF2B5EF4-FFF2-40B4-BE49-F238E27FC236}">
-                <a16:creationId xmlns:a16="http://schemas.microsoft.com/office/drawing/2014/main" id="{864CA6B4-AC8B-04A4-0395-F63993A072BD}"/>
+                <a16:creationId xmlns:a16="http://schemas.microsoft.com/office/drawing/2014/main" id="{994301F6-E90D-DEC1-F0C7-C8C4AD64E965}"/>
+              </a:ext>
+            </a:extLst>
+          </p:cNvPr>
+          <p:cNvSpPr txBox="1"/>
+          <p:nvPr/>
+        </p:nvSpPr>
+        <p:spPr>
+          <a:xfrm>
+            <a:off x="561489" y="12900140"/>
+            <a:ext cx="9982200" cy="646331"/>
+          </a:xfrm>
+          <a:prstGeom prst="rect">
+            <a:avLst/>
+          </a:prstGeom>
+          <a:noFill/>
+        </p:spPr>
+        <p:txBody>
+          <a:bodyPr wrap="square" rtlCol="0">
+            <a:spAutoFit/>
+          </a:bodyPr>
+          <a:lstStyle/>
+          <a:p>
+            <a:r>
+              <a:rPr lang="en-US" sz="3600" b="1" dirty="0"/>
+              <a:t>Introduction</a:t>
+            </a:r>
+            <a:endParaRPr lang="en-AU" sz="3600" b="1" dirty="0"/>
+          </a:p>
+        </p:txBody>
+      </p:sp>
+      <p:sp>
+        <p:nvSpPr>
+          <p:cNvPr id="18" name="TextBox 17">
+            <a:extLst>
+              <a:ext uri="{FF2B5EF4-FFF2-40B4-BE49-F238E27FC236}">
+                <a16:creationId xmlns:a16="http://schemas.microsoft.com/office/drawing/2014/main" id="{B3C51CF3-2F55-438C-F15A-31AB04E867E5}"/>
+              </a:ext>
+            </a:extLst>
+          </p:cNvPr>
+          <p:cNvSpPr txBox="1"/>
+          <p:nvPr/>
+        </p:nvSpPr>
+        <p:spPr>
+          <a:xfrm>
+            <a:off x="561488" y="13579170"/>
+            <a:ext cx="13116411" cy="2862322"/>
+          </a:xfrm>
+          <a:prstGeom prst="rect">
+            <a:avLst/>
+          </a:prstGeom>
+          <a:noFill/>
+        </p:spPr>
+        <p:txBody>
+          <a:bodyPr wrap="square">
+            <a:spAutoFit/>
+          </a:bodyPr>
+          <a:lstStyle/>
+          <a:p>
+            <a:pPr marL="571500" indent="-571500">
+              <a:buFont typeface="Wingdings" panose="05000000000000000000" pitchFamily="2" charset="2"/>
+              <a:buChar char="§"/>
+            </a:pPr>
+            <a:r>
+              <a:rPr lang="en-AU" sz="3600" dirty="0"/>
+              <a:t>Sleep discrepancy is a common feature of insomnia disorder</a:t>
+            </a:r>
+          </a:p>
+          <a:p>
+            <a:pPr marL="571500" indent="-571500">
+              <a:buFont typeface="Wingdings" panose="05000000000000000000" pitchFamily="2" charset="2"/>
+              <a:buChar char="§"/>
+            </a:pPr>
+            <a:r>
+              <a:rPr lang="en-US" sz="3600" dirty="0"/>
+              <a:t>Sleep discrepancy has been investigated with diverse methods making it difficult to integrate findings across studies</a:t>
+            </a:r>
+          </a:p>
+          <a:p>
+            <a:pPr marL="571500" indent="-571500">
+              <a:buFont typeface="Wingdings" panose="05000000000000000000" pitchFamily="2" charset="2"/>
+              <a:buChar char="§"/>
+            </a:pPr>
+            <a:r>
+              <a:rPr lang="en-US" sz="3600" dirty="0"/>
+              <a:t>AIM: </a:t>
+            </a:r>
+            <a:r>
+              <a:rPr lang="en-US" sz="3600" i="1" dirty="0"/>
+              <a:t>How has sleep discrepancy has been conceptualised in the literature what methods have been used to investigate it?</a:t>
+            </a:r>
+          </a:p>
+        </p:txBody>
+      </p:sp>
+      <p:sp>
+        <p:nvSpPr>
+          <p:cNvPr id="19" name="TextBox 18">
+            <a:extLst>
+              <a:ext uri="{FF2B5EF4-FFF2-40B4-BE49-F238E27FC236}">
+                <a16:creationId xmlns:a16="http://schemas.microsoft.com/office/drawing/2014/main" id="{9B71E774-1ADE-A2ED-20F8-A968CF0765D4}"/>
+              </a:ext>
+            </a:extLst>
+          </p:cNvPr>
+          <p:cNvSpPr txBox="1"/>
+          <p:nvPr/>
+        </p:nvSpPr>
+        <p:spPr>
+          <a:xfrm>
+            <a:off x="561488" y="16831122"/>
+            <a:ext cx="9982200" cy="646331"/>
+          </a:xfrm>
+          <a:prstGeom prst="rect">
+            <a:avLst/>
+          </a:prstGeom>
+          <a:noFill/>
+        </p:spPr>
+        <p:txBody>
+          <a:bodyPr wrap="square" rtlCol="0">
+            <a:spAutoFit/>
+          </a:bodyPr>
+          <a:lstStyle/>
+          <a:p>
+            <a:r>
+              <a:rPr lang="en-US" sz="3600" b="1" dirty="0"/>
+              <a:t>Method</a:t>
+            </a:r>
+            <a:endParaRPr lang="en-AU" sz="3600" b="1" dirty="0"/>
+          </a:p>
+        </p:txBody>
+      </p:sp>
+      <p:sp>
+        <p:nvSpPr>
+          <p:cNvPr id="20" name="TextBox 19">
+            <a:extLst>
+              <a:ext uri="{FF2B5EF4-FFF2-40B4-BE49-F238E27FC236}">
+                <a16:creationId xmlns:a16="http://schemas.microsoft.com/office/drawing/2014/main" id="{456B9B4C-2730-8FE2-37B8-7A9B55D198A7}"/>
+              </a:ext>
+            </a:extLst>
+          </p:cNvPr>
+          <p:cNvSpPr txBox="1"/>
+          <p:nvPr/>
+        </p:nvSpPr>
+        <p:spPr>
+          <a:xfrm>
+            <a:off x="561488" y="17467958"/>
+            <a:ext cx="13116411" cy="2308324"/>
+          </a:xfrm>
+          <a:prstGeom prst="rect">
+            <a:avLst/>
+          </a:prstGeom>
+          <a:noFill/>
+        </p:spPr>
+        <p:txBody>
+          <a:bodyPr wrap="square">
+            <a:spAutoFit/>
+          </a:bodyPr>
+          <a:lstStyle/>
+          <a:p>
+            <a:pPr marL="571500" indent="-571500">
+              <a:buFont typeface="Wingdings" panose="05000000000000000000" pitchFamily="2" charset="2"/>
+              <a:buChar char="§"/>
+            </a:pPr>
+            <a:r>
+              <a:rPr lang="en-US" sz="3600" dirty="0"/>
+              <a:t>Scoping review methodology</a:t>
+            </a:r>
+          </a:p>
+          <a:p>
+            <a:pPr marL="571500" indent="-571500">
+              <a:buFont typeface="Wingdings" panose="05000000000000000000" pitchFamily="2" charset="2"/>
+              <a:buChar char="§"/>
+            </a:pPr>
+            <a:r>
+              <a:rPr lang="en-US" sz="3600" dirty="0"/>
+              <a:t>Included: all comparing self-report with objective measure of sleep</a:t>
+            </a:r>
+          </a:p>
+          <a:p>
+            <a:pPr marL="571500" indent="-571500">
+              <a:buFont typeface="Wingdings" panose="05000000000000000000" pitchFamily="2" charset="2"/>
+              <a:buChar char="§"/>
+            </a:pPr>
+            <a:endParaRPr lang="en-US" sz="3600" dirty="0"/>
+          </a:p>
+        </p:txBody>
+      </p:sp>
+      <p:pic>
+        <p:nvPicPr>
+          <p:cNvPr id="26" name="Picture 25">
+            <a:extLst>
+              <a:ext uri="{FF2B5EF4-FFF2-40B4-BE49-F238E27FC236}">
+                <a16:creationId xmlns:a16="http://schemas.microsoft.com/office/drawing/2014/main" id="{EBEEAC07-ADE8-7336-E179-59CD331ED76B}"/>
+              </a:ext>
+            </a:extLst>
+          </p:cNvPr>
+          <p:cNvPicPr>
+            <a:picLocks noChangeAspect="1"/>
+          </p:cNvPicPr>
+          <p:nvPr/>
+        </p:nvPicPr>
+        <p:blipFill>
+          <a:blip r:embed="rId3"/>
+          <a:stretch>
+            <a:fillRect/>
+          </a:stretch>
+        </p:blipFill>
+        <p:spPr>
+          <a:xfrm>
+            <a:off x="37738177" y="818432"/>
+            <a:ext cx="11161218" cy="10516448"/>
+          </a:xfrm>
+          <a:prstGeom prst="rect">
+            <a:avLst/>
+          </a:prstGeom>
+        </p:spPr>
+      </p:pic>
+      <p:sp>
+        <p:nvSpPr>
+          <p:cNvPr id="29" name="TextBox 28">
+            <a:extLst>
+              <a:ext uri="{FF2B5EF4-FFF2-40B4-BE49-F238E27FC236}">
+                <a16:creationId xmlns:a16="http://schemas.microsoft.com/office/drawing/2014/main" id="{6C96E157-2223-8573-B348-6DEEE8937EF0}"/>
+              </a:ext>
+            </a:extLst>
+          </p:cNvPr>
+          <p:cNvSpPr txBox="1"/>
+          <p:nvPr/>
+        </p:nvSpPr>
+        <p:spPr>
+          <a:xfrm>
+            <a:off x="36905903" y="643668"/>
+            <a:ext cx="9982200" cy="646331"/>
+          </a:xfrm>
+          <a:prstGeom prst="rect">
+            <a:avLst/>
+          </a:prstGeom>
+          <a:noFill/>
+        </p:spPr>
+        <p:txBody>
+          <a:bodyPr wrap="square" rtlCol="0">
+            <a:spAutoFit/>
+          </a:bodyPr>
+          <a:lstStyle/>
+          <a:p>
+            <a:r>
+              <a:rPr lang="en-US" sz="3600" b="1" dirty="0"/>
+              <a:t>Results</a:t>
+            </a:r>
+            <a:endParaRPr lang="en-AU" sz="3600" b="1" dirty="0"/>
+          </a:p>
+        </p:txBody>
+      </p:sp>
+      <p:sp>
+        <p:nvSpPr>
+          <p:cNvPr id="30" name="TextBox 29">
+            <a:extLst>
+              <a:ext uri="{FF2B5EF4-FFF2-40B4-BE49-F238E27FC236}">
+                <a16:creationId xmlns:a16="http://schemas.microsoft.com/office/drawing/2014/main" id="{A1271C8C-CA64-AA47-51B4-908BA1DFB4D9}"/>
+              </a:ext>
+            </a:extLst>
+          </p:cNvPr>
+          <p:cNvSpPr txBox="1"/>
+          <p:nvPr/>
+        </p:nvSpPr>
+        <p:spPr>
+          <a:xfrm>
+            <a:off x="36905902" y="14768483"/>
+            <a:ext cx="12932559" cy="2862322"/>
+          </a:xfrm>
+          <a:prstGeom prst="rect">
+            <a:avLst/>
+          </a:prstGeom>
+          <a:noFill/>
+        </p:spPr>
+        <p:txBody>
+          <a:bodyPr wrap="square" rtlCol="0">
+            <a:spAutoFit/>
+          </a:bodyPr>
+          <a:lstStyle/>
+          <a:p>
+            <a:r>
+              <a:rPr lang="en-US" sz="3600" b="1" dirty="0"/>
+              <a:t>Conclusions</a:t>
+            </a:r>
+          </a:p>
+          <a:p>
+            <a:endParaRPr lang="en-US" sz="3600" b="1" dirty="0"/>
+          </a:p>
+          <a:p>
+            <a:pPr marL="571500" indent="-571500">
+              <a:buFont typeface="Wingdings" panose="05000000000000000000" pitchFamily="2" charset="2"/>
+              <a:buChar char="§"/>
+            </a:pPr>
+            <a:r>
+              <a:rPr lang="en-US" sz="3600" dirty="0"/>
+              <a:t>Sleep discrepancy is mostly restricted to sleep states or sleep time and varies in its conceptual distance to sleep misperception</a:t>
+            </a:r>
+          </a:p>
+        </p:txBody>
+      </p:sp>
+      <p:pic>
+        <p:nvPicPr>
+          <p:cNvPr id="32" name="Picture 31">
+            <a:extLst>
+              <a:ext uri="{FF2B5EF4-FFF2-40B4-BE49-F238E27FC236}">
+                <a16:creationId xmlns:a16="http://schemas.microsoft.com/office/drawing/2014/main" id="{1D3FC533-2C87-92A9-9234-95899DFD83EB}"/>
+              </a:ext>
+            </a:extLst>
+          </p:cNvPr>
+          <p:cNvPicPr>
+            <a:picLocks noChangeAspect="1"/>
+          </p:cNvPicPr>
+          <p:nvPr/>
+        </p:nvPicPr>
+        <p:blipFill>
+          <a:blip r:embed="rId4"/>
+          <a:stretch>
+            <a:fillRect/>
+          </a:stretch>
+        </p:blipFill>
+        <p:spPr>
+          <a:xfrm>
+            <a:off x="37119655" y="17760284"/>
+            <a:ext cx="12398261" cy="8980683"/>
+          </a:xfrm>
+          <a:prstGeom prst="rect">
+            <a:avLst/>
+          </a:prstGeom>
+        </p:spPr>
+      </p:pic>
+      <p:sp>
+        <p:nvSpPr>
+          <p:cNvPr id="34" name="TextBox 33">
+            <a:extLst>
+              <a:ext uri="{FF2B5EF4-FFF2-40B4-BE49-F238E27FC236}">
+                <a16:creationId xmlns:a16="http://schemas.microsoft.com/office/drawing/2014/main" id="{F8FCBC6C-DE6F-5CCF-7B25-D238CEB58B7E}"/>
+              </a:ext>
+            </a:extLst>
+          </p:cNvPr>
+          <p:cNvSpPr txBox="1"/>
+          <p:nvPr/>
+        </p:nvSpPr>
+        <p:spPr>
+          <a:xfrm>
+            <a:off x="37119655" y="27211652"/>
+            <a:ext cx="12269254" cy="4524315"/>
+          </a:xfrm>
+          <a:prstGeom prst="rect">
+            <a:avLst/>
+          </a:prstGeom>
+          <a:noFill/>
+        </p:spPr>
+        <p:txBody>
+          <a:bodyPr wrap="square">
+            <a:spAutoFit/>
+          </a:bodyPr>
+          <a:lstStyle/>
+          <a:p>
+            <a:pPr marL="571500" indent="-571500">
+              <a:buFont typeface="Wingdings" panose="05000000000000000000" pitchFamily="2" charset="2"/>
+              <a:buChar char="§"/>
+            </a:pPr>
+            <a:r>
+              <a:rPr lang="en-US" sz="3600" dirty="0"/>
+              <a:t>Conceptual and methodological problems</a:t>
+            </a:r>
+          </a:p>
+          <a:p>
+            <a:pPr marL="1314450" lvl="1" indent="-857250">
+              <a:buFont typeface="+mj-lt"/>
+              <a:buAutoNum type="romanLcPeriod"/>
+            </a:pPr>
+            <a:r>
+              <a:rPr lang="en-US" sz="3600" dirty="0"/>
+              <a:t>Methodological heterogeneity</a:t>
+            </a:r>
+          </a:p>
+          <a:p>
+            <a:pPr marL="1314450" lvl="1" indent="-857250">
+              <a:buFont typeface="+mj-lt"/>
+              <a:buAutoNum type="romanLcPeriod"/>
+            </a:pPr>
+            <a:r>
+              <a:rPr lang="en-US" sz="3600" dirty="0"/>
+              <a:t>Objective SOL definitions</a:t>
+            </a:r>
+          </a:p>
+          <a:p>
+            <a:pPr marL="1314450" lvl="1" indent="-857250">
+              <a:buFont typeface="+mj-lt"/>
+              <a:buAutoNum type="romanLcPeriod"/>
+            </a:pPr>
+            <a:r>
+              <a:rPr lang="en-US" sz="3600" dirty="0"/>
+              <a:t>Operationalising with derived indices</a:t>
+            </a:r>
+          </a:p>
+          <a:p>
+            <a:pPr marL="1314450" lvl="1" indent="-857250">
+              <a:buFont typeface="+mj-lt"/>
+              <a:buAutoNum type="romanLcPeriod"/>
+            </a:pPr>
+            <a:r>
+              <a:rPr lang="en-US" sz="3600" dirty="0"/>
+              <a:t>Averaging across nights</a:t>
+            </a:r>
+          </a:p>
+          <a:p>
+            <a:pPr marL="1314450" lvl="1" indent="-857250">
+              <a:buFont typeface="+mj-lt"/>
+              <a:buAutoNum type="romanLcPeriod"/>
+            </a:pPr>
+            <a:r>
+              <a:rPr lang="en-US" sz="3600" dirty="0"/>
+              <a:t>Correlations as concordance</a:t>
+            </a:r>
+          </a:p>
+          <a:p>
+            <a:pPr marL="1314450" lvl="1" indent="-857250">
+              <a:buFont typeface="+mj-lt"/>
+              <a:buAutoNum type="romanLcPeriod"/>
+            </a:pPr>
+            <a:r>
+              <a:rPr lang="en-US" sz="3600" dirty="0"/>
+              <a:t>Sleep quality discrepancy</a:t>
+            </a:r>
+          </a:p>
+          <a:p>
+            <a:pPr marL="1314450" lvl="1" indent="-857250">
+              <a:buFont typeface="+mj-lt"/>
+              <a:buAutoNum type="romanLcPeriod"/>
+            </a:pPr>
+            <a:r>
+              <a:rPr lang="en-US" sz="3600" dirty="0"/>
+              <a:t>Sleep diaries defining rest intervals</a:t>
+            </a:r>
+          </a:p>
+        </p:txBody>
+      </p:sp>
+      <p:sp>
+        <p:nvSpPr>
+          <p:cNvPr id="35" name="TextBox 34">
+            <a:extLst>
+              <a:ext uri="{FF2B5EF4-FFF2-40B4-BE49-F238E27FC236}">
+                <a16:creationId xmlns:a16="http://schemas.microsoft.com/office/drawing/2014/main" id="{A5CCB7C4-E0EC-7D88-D36D-3BACBEBB2CCA}"/>
+              </a:ext>
+            </a:extLst>
+          </p:cNvPr>
+          <p:cNvSpPr txBox="1"/>
+          <p:nvPr/>
+        </p:nvSpPr>
+        <p:spPr>
+          <a:xfrm>
+            <a:off x="36882522" y="11445196"/>
+            <a:ext cx="13517427" cy="2862322"/>
+          </a:xfrm>
+          <a:prstGeom prst="rect">
+            <a:avLst/>
+          </a:prstGeom>
+          <a:noFill/>
+        </p:spPr>
+        <p:txBody>
+          <a:bodyPr wrap="square" rtlCol="0">
+            <a:spAutoFit/>
+          </a:bodyPr>
+          <a:lstStyle/>
+          <a:p>
+            <a:pPr marL="571500" indent="-571500">
+              <a:buFont typeface="Wingdings" panose="05000000000000000000" pitchFamily="2" charset="2"/>
+              <a:buChar char="§"/>
+            </a:pPr>
+            <a:r>
+              <a:rPr lang="en-US" sz="3600" dirty="0"/>
+              <a:t>Approximately half (n = 128) of included studies calculated a derived index (e.g., self-report TST–objective TST) to operationalise sleep discrepancy</a:t>
+            </a:r>
+          </a:p>
+          <a:p>
+            <a:pPr marL="571500" indent="-571500">
+              <a:buFont typeface="Wingdings" panose="05000000000000000000" pitchFamily="2" charset="2"/>
+              <a:buChar char="§"/>
+            </a:pPr>
+            <a:r>
+              <a:rPr lang="en-US" sz="3600" dirty="0"/>
+              <a:t>172 studies measured sleep discrepancy at the group level by directly comparing self-report and objective sleep</a:t>
+            </a:r>
+          </a:p>
+        </p:txBody>
+      </p:sp>
+      <p:grpSp>
+        <p:nvGrpSpPr>
+          <p:cNvPr id="3" name="Group 2">
+            <a:extLst>
+              <a:ext uri="{FF2B5EF4-FFF2-40B4-BE49-F238E27FC236}">
+                <a16:creationId xmlns:a16="http://schemas.microsoft.com/office/drawing/2014/main" id="{E616B859-35A7-2385-1910-FC6AB16623CE}"/>
+              </a:ext>
+            </a:extLst>
+          </p:cNvPr>
+          <p:cNvGrpSpPr/>
+          <p:nvPr/>
+        </p:nvGrpSpPr>
+        <p:grpSpPr>
+          <a:xfrm>
+            <a:off x="31135969" y="26356487"/>
+            <a:ext cx="3981986" cy="4968240"/>
+            <a:chOff x="31023771" y="26798938"/>
+            <a:chExt cx="3981986" cy="4968240"/>
+          </a:xfrm>
+        </p:grpSpPr>
+        <p:sp>
+          <p:nvSpPr>
+            <p:cNvPr id="36" name="Rectangle: Rounded Corners 35">
+              <a:extLst>
+                <a:ext uri="{FF2B5EF4-FFF2-40B4-BE49-F238E27FC236}">
+                  <a16:creationId xmlns:a16="http://schemas.microsoft.com/office/drawing/2014/main" id="{982BBF38-C113-40B4-374C-E3858159952F}"/>
+                </a:ext>
+              </a:extLst>
+            </p:cNvPr>
+            <p:cNvSpPr/>
+            <p:nvPr/>
+          </p:nvSpPr>
+          <p:spPr>
+            <a:xfrm>
+              <a:off x="31023771" y="26798938"/>
+              <a:ext cx="3981986" cy="4968240"/>
+            </a:xfrm>
+            <a:prstGeom prst="roundRect">
+              <a:avLst/>
+            </a:prstGeom>
+            <a:solidFill>
+              <a:schemeClr val="bg1"/>
+            </a:solidFill>
+            <a:ln>
+              <a:noFill/>
+            </a:ln>
+          </p:spPr>
+          <p:style>
+            <a:lnRef idx="2">
+              <a:schemeClr val="accent1">
+                <a:shade val="15000"/>
+              </a:schemeClr>
+            </a:lnRef>
+            <a:fillRef idx="1">
+              <a:schemeClr val="accent1"/>
+            </a:fillRef>
+            <a:effectRef idx="0">
+              <a:schemeClr val="accent1"/>
+            </a:effectRef>
+            <a:fontRef idx="minor">
+              <a:schemeClr val="lt1"/>
+            </a:fontRef>
+          </p:style>
+          <p:txBody>
+            <a:bodyPr rtlCol="0" anchor="ctr"/>
+            <a:lstStyle/>
+            <a:p>
+              <a:pPr algn="ctr"/>
+              <a:endParaRPr lang="en-AU" dirty="0"/>
+            </a:p>
+          </p:txBody>
+        </p:sp>
+        <p:sp>
+          <p:nvSpPr>
+            <p:cNvPr id="4" name="TextBox 3">
+              <a:extLst>
+                <a:ext uri="{FF2B5EF4-FFF2-40B4-BE49-F238E27FC236}">
+                  <a16:creationId xmlns:a16="http://schemas.microsoft.com/office/drawing/2014/main" id="{E325D0C7-0619-0A8C-E5D8-809352E575D5}"/>
+                </a:ext>
+              </a:extLst>
+            </p:cNvPr>
+            <p:cNvSpPr txBox="1"/>
+            <p:nvPr/>
+          </p:nvSpPr>
+          <p:spPr>
+            <a:xfrm>
+              <a:off x="31820009" y="30587642"/>
+              <a:ext cx="2477524" cy="707886"/>
+            </a:xfrm>
+            <a:prstGeom prst="rect">
+              <a:avLst/>
+            </a:prstGeom>
+            <a:noFill/>
+          </p:spPr>
+          <p:txBody>
+            <a:bodyPr wrap="square" rtlCol="0">
+              <a:spAutoFit/>
+            </a:bodyPr>
+            <a:lstStyle/>
+            <a:p>
+              <a:r>
+                <a:rPr lang="en-US" sz="4000" b="1" dirty="0"/>
+                <a:t>SCAN ME</a:t>
+              </a:r>
+              <a:endParaRPr lang="en-AU" sz="4000" b="1" dirty="0"/>
+            </a:p>
+          </p:txBody>
+        </p:sp>
+        <p:pic>
+          <p:nvPicPr>
+            <p:cNvPr id="6" name="Picture 5">
+              <a:extLst>
+                <a:ext uri="{FF2B5EF4-FFF2-40B4-BE49-F238E27FC236}">
+                  <a16:creationId xmlns:a16="http://schemas.microsoft.com/office/drawing/2014/main" id="{5B7ED594-206D-BC8C-D861-4CC7EFB65BAC}"/>
+                </a:ext>
+              </a:extLst>
+            </p:cNvPr>
+            <p:cNvPicPr>
+              <a:picLocks noChangeAspect="1"/>
+            </p:cNvPicPr>
+            <p:nvPr/>
+          </p:nvPicPr>
+          <p:blipFill>
+            <a:blip r:embed="rId5"/>
+            <a:stretch>
+              <a:fillRect/>
+            </a:stretch>
+          </p:blipFill>
+          <p:spPr>
+            <a:xfrm>
+              <a:off x="31359844" y="27211652"/>
+              <a:ext cx="3309840" cy="3327947"/>
+            </a:xfrm>
+            <a:prstGeom prst="rect">
+              <a:avLst/>
+            </a:prstGeom>
+          </p:spPr>
+        </p:pic>
+      </p:grpSp>
+      <p:grpSp>
+        <p:nvGrpSpPr>
+          <p:cNvPr id="2" name="Group 1">
+            <a:extLst>
+              <a:ext uri="{FF2B5EF4-FFF2-40B4-BE49-F238E27FC236}">
+                <a16:creationId xmlns:a16="http://schemas.microsoft.com/office/drawing/2014/main" id="{2072AC25-622B-563B-DA8A-798498CC05CE}"/>
+              </a:ext>
+            </a:extLst>
+          </p:cNvPr>
+          <p:cNvGrpSpPr/>
+          <p:nvPr/>
+        </p:nvGrpSpPr>
+        <p:grpSpPr>
+          <a:xfrm>
+            <a:off x="561487" y="7431705"/>
+            <a:ext cx="13093031" cy="5109091"/>
+            <a:chOff x="864146" y="7420279"/>
+            <a:chExt cx="13093031" cy="5109091"/>
+          </a:xfrm>
+        </p:grpSpPr>
+        <p:sp>
+          <p:nvSpPr>
+            <p:cNvPr id="15" name="Rectangle 3">
+              <a:extLst>
+                <a:ext uri="{FF2B5EF4-FFF2-40B4-BE49-F238E27FC236}">
+                  <a16:creationId xmlns:a16="http://schemas.microsoft.com/office/drawing/2014/main" id="{864CA6B4-AC8B-04A4-0395-F63993A072BD}"/>
+                </a:ext>
+              </a:extLst>
+            </p:cNvPr>
+            <p:cNvSpPr>
+              <a:spLocks noChangeArrowheads="1"/>
+            </p:cNvSpPr>
+            <p:nvPr/>
+          </p:nvSpPr>
+          <p:spPr bwMode="auto">
+            <a:xfrm>
+              <a:off x="864146" y="7420279"/>
+              <a:ext cx="13093031" cy="5109091"/>
+            </a:xfrm>
+            <a:prstGeom prst="rect">
+              <a:avLst/>
+            </a:prstGeom>
+            <a:noFill/>
+            <a:ln>
+              <a:noFill/>
+            </a:ln>
+            <a:effectLst/>
+            <a:extLst>
+              <a:ext uri="{909E8E84-426E-40DD-AFC4-6F175D3DCCD1}">
+                <a14:hiddenFill xmlns:a14="http://schemas.microsoft.com/office/drawing/2010/main">
+                  <a:solidFill>
+                    <a:schemeClr val="accent1"/>
+                  </a:solidFill>
+                </a14:hiddenFill>
+              </a:ext>
+              <a:ext uri="{91240B29-F687-4F45-9708-019B960494DF}">
+                <a14:hiddenLine xmlns:a14="http://schemas.microsoft.com/office/drawing/2010/main" w="9525">
+                  <a:solidFill>
+                    <a:schemeClr val="tx1"/>
+                  </a:solidFill>
+                  <a:miter lim="800000"/>
+                  <a:headEnd/>
+                  <a:tailEnd/>
+                </a14:hiddenLine>
+              </a:ext>
+              <a:ext uri="{AF507438-7753-43E0-B8FC-AC1667EBCBE1}">
+                <a14:hiddenEffects xmlns:a14="http://schemas.microsoft.com/office/drawing/2010/main">
+                  <a:effectLst>
+                    <a:outerShdw dist="35921" dir="2700000" algn="ctr" rotWithShape="0">
+                      <a:schemeClr val="bg2"/>
+                    </a:outerShdw>
+                  </a:effectLst>
+                </a14:hiddenEffects>
+              </a:ext>
+            </a:extLst>
+          </p:spPr>
+          <p:txBody>
+            <a:bodyPr vert="horz" wrap="square" lIns="91440" tIns="45720" rIns="91440" bIns="45720" numCol="1" anchor="ctr" anchorCtr="0" compatLnSpc="1">
+              <a:prstTxWarp prst="textNoShape">
+                <a:avLst/>
+              </a:prstTxWarp>
+              <a:spAutoFit/>
+            </a:bodyPr>
+            <a:lstStyle/>
+            <a:p>
+              <a:pPr lvl="0" defTabSz="914400" eaLnBrk="0" fontAlgn="base" hangingPunct="0">
+                <a:lnSpc>
+                  <a:spcPct val="150000"/>
+                </a:lnSpc>
+                <a:spcBef>
+                  <a:spcPct val="0"/>
+                </a:spcBef>
+                <a:spcAft>
+                  <a:spcPct val="0"/>
+                </a:spcAft>
+              </a:pPr>
+              <a:r>
+                <a:rPr kumimoji="0" lang="en-US" altLang="en-US" sz="3600" b="1" i="0" u="none" strike="noStrike" cap="none" normalizeH="0" baseline="0" dirty="0">
+                  <a:ln>
+                    <a:noFill/>
+                  </a:ln>
+                  <a:solidFill>
+                    <a:schemeClr val="tx1"/>
+                  </a:solidFill>
+                  <a:effectLst/>
+                </a:rPr>
+                <a:t>Tom F. Walton</a:t>
+              </a:r>
+              <a:r>
+                <a:rPr kumimoji="0" lang="en-US" altLang="en-US" sz="3600" b="1" i="0" u="none" strike="noStrike" cap="none" normalizeH="0" baseline="30000" dirty="0">
+                  <a:ln>
+                    <a:noFill/>
+                  </a:ln>
+                  <a:solidFill>
+                    <a:schemeClr val="tx1"/>
+                  </a:solidFill>
+                  <a:effectLst/>
+                </a:rPr>
+                <a:t> 1</a:t>
+              </a:r>
+            </a:p>
+            <a:p>
+              <a:pPr defTabSz="914400" eaLnBrk="0" fontAlgn="base" hangingPunct="0">
+                <a:lnSpc>
+                  <a:spcPct val="150000"/>
+                </a:lnSpc>
+                <a:spcBef>
+                  <a:spcPct val="0"/>
+                </a:spcBef>
+                <a:spcAft>
+                  <a:spcPct val="0"/>
+                </a:spcAft>
+              </a:pPr>
+              <a:r>
+                <a:rPr lang="en-US" altLang="en-US" sz="3600" dirty="0"/>
+                <a:t>	tom.fioccowalton@research.uwa.edu.au </a:t>
+              </a:r>
+              <a:br>
+                <a:rPr lang="en-US" altLang="en-US" sz="3600" dirty="0"/>
+              </a:br>
+              <a:r>
+                <a:rPr lang="en-US" altLang="en-US" sz="3600" dirty="0"/>
+                <a:t>	https://github.com/tfwalton</a:t>
+              </a:r>
+            </a:p>
+            <a:p>
+              <a:pPr marL="0" marR="0" lvl="0" indent="0" algn="l" defTabSz="914400" rtl="0" eaLnBrk="0" fontAlgn="base" latinLnBrk="0" hangingPunct="0">
+                <a:lnSpc>
+                  <a:spcPct val="100000"/>
+                </a:lnSpc>
+                <a:spcBef>
+                  <a:spcPct val="0"/>
+                </a:spcBef>
+                <a:spcAft>
+                  <a:spcPct val="0"/>
+                </a:spcAft>
+                <a:buClrTx/>
+                <a:buSzTx/>
+                <a:buFontTx/>
+                <a:buNone/>
+                <a:tabLst/>
+              </a:pPr>
+              <a:endParaRPr kumimoji="0" lang="en-US" altLang="en-US" sz="2400" b="1" i="0" u="none" strike="noStrike" cap="none" normalizeH="0" baseline="0" dirty="0">
+                <a:ln>
+                  <a:noFill/>
+                </a:ln>
+                <a:solidFill>
+                  <a:schemeClr val="tx1"/>
+                </a:solidFill>
+                <a:effectLst/>
+              </a:endParaRPr>
+            </a:p>
+            <a:p>
+              <a:pPr marL="0" marR="0" lvl="0" indent="0" algn="l" defTabSz="914400" rtl="0" eaLnBrk="0" fontAlgn="base" latinLnBrk="0" hangingPunct="0">
+                <a:lnSpc>
+                  <a:spcPct val="100000"/>
+                </a:lnSpc>
+                <a:spcBef>
+                  <a:spcPct val="0"/>
+                </a:spcBef>
+                <a:spcAft>
+                  <a:spcPct val="0"/>
+                </a:spcAft>
+                <a:buClrTx/>
+                <a:buSzTx/>
+                <a:buFontTx/>
+                <a:buNone/>
+                <a:tabLst/>
+              </a:pPr>
+              <a:r>
+                <a:rPr kumimoji="0" lang="en-US" altLang="en-US" sz="2800" b="1" i="0" u="none" strike="noStrike" cap="none" normalizeH="0" baseline="0" dirty="0">
+                  <a:ln>
+                    <a:noFill/>
+                  </a:ln>
+                  <a:solidFill>
+                    <a:schemeClr val="tx1"/>
+                  </a:solidFill>
+                  <a:effectLst/>
+                </a:rPr>
+                <a:t>Melissa J. Ree</a:t>
+              </a:r>
+              <a:r>
+                <a:rPr kumimoji="0" lang="en-US" altLang="en-US" sz="2800" b="1" i="0" u="none" strike="noStrike" cap="none" normalizeH="0" baseline="30000" dirty="0">
+                  <a:ln>
+                    <a:noFill/>
+                  </a:ln>
+                  <a:solidFill>
+                    <a:schemeClr val="tx1"/>
+                  </a:solidFill>
+                  <a:effectLst/>
+                </a:rPr>
+                <a:t>1</a:t>
+              </a:r>
+              <a:r>
+                <a:rPr kumimoji="0" lang="en-US" altLang="en-US" sz="2800" b="1" i="0" u="none" strike="noStrike" cap="none" normalizeH="0" baseline="0" dirty="0">
+                  <a:ln>
+                    <a:noFill/>
+                  </a:ln>
+                  <a:solidFill>
+                    <a:schemeClr val="tx1"/>
+                  </a:solidFill>
+                  <a:effectLst/>
+                </a:rPr>
+                <a:t> Simone N. Fueggle</a:t>
+              </a:r>
+              <a:r>
+                <a:rPr kumimoji="0" lang="en-US" altLang="en-US" sz="2800" b="1" i="0" u="none" strike="noStrike" cap="none" normalizeH="0" baseline="30000" dirty="0">
+                  <a:ln>
+                    <a:noFill/>
+                  </a:ln>
+                  <a:solidFill>
+                    <a:schemeClr val="tx1"/>
+                  </a:solidFill>
+                  <a:effectLst/>
+                </a:rPr>
+                <a:t>2</a:t>
+              </a:r>
+              <a:r>
+                <a:rPr kumimoji="0" lang="en-US" altLang="en-US" sz="2800" b="1" i="0" u="none" strike="noStrike" cap="none" normalizeH="0" baseline="0" dirty="0">
+                  <a:ln>
+                    <a:noFill/>
+                  </a:ln>
+                  <a:solidFill>
+                    <a:schemeClr val="tx1"/>
+                  </a:solidFill>
+                  <a:effectLst/>
+                </a:rPr>
+                <a:t> Romola S. Bucks</a:t>
+              </a:r>
+              <a:r>
+                <a:rPr kumimoji="0" lang="en-US" altLang="en-US" sz="2800" b="1" i="0" u="none" strike="noStrike" cap="none" normalizeH="0" baseline="30000" dirty="0">
+                  <a:ln>
+                    <a:noFill/>
+                  </a:ln>
+                  <a:solidFill>
+                    <a:schemeClr val="tx1"/>
+                  </a:solidFill>
+                  <a:effectLst/>
+                </a:rPr>
+                <a:t>1,3,4</a:t>
+              </a:r>
+              <a:r>
+                <a:rPr kumimoji="0" lang="en-US" altLang="en-US" sz="2800" b="1" i="0" u="none" strike="noStrike" cap="none" normalizeH="0" baseline="0" dirty="0">
+                  <a:ln>
+                    <a:noFill/>
+                  </a:ln>
+                  <a:solidFill>
+                    <a:schemeClr val="tx1"/>
+                  </a:solidFill>
+                  <a:effectLst/>
+                </a:rPr>
+                <a:t> </a:t>
+              </a:r>
+            </a:p>
+            <a:p>
+              <a:pPr marL="0" marR="0" lvl="0" indent="0" algn="l" defTabSz="914400" rtl="0" eaLnBrk="0" fontAlgn="base" latinLnBrk="0" hangingPunct="0">
+                <a:lnSpc>
+                  <a:spcPct val="100000"/>
+                </a:lnSpc>
+                <a:spcBef>
+                  <a:spcPct val="0"/>
+                </a:spcBef>
+                <a:spcAft>
+                  <a:spcPct val="0"/>
+                </a:spcAft>
+                <a:buClrTx/>
+                <a:buSzTx/>
+                <a:buFontTx/>
+                <a:buNone/>
+                <a:tabLst/>
+              </a:pPr>
+              <a:r>
+                <a:rPr kumimoji="0" lang="en-US" altLang="en-US" sz="3600" b="0" i="0" u="none" strike="noStrike" cap="none" normalizeH="0" baseline="30000" dirty="0">
+                  <a:ln>
+                    <a:noFill/>
+                  </a:ln>
+                  <a:solidFill>
+                    <a:schemeClr val="tx1"/>
+                  </a:solidFill>
+                  <a:effectLst/>
+                </a:rPr>
+                <a:t>1</a:t>
+              </a:r>
+              <a:r>
+                <a:rPr kumimoji="0" lang="en-US" altLang="en-US" sz="2800" b="0" i="0" u="none" strike="noStrike" cap="none" normalizeH="0" baseline="0" dirty="0">
+                  <a:ln>
+                    <a:noFill/>
+                  </a:ln>
+                  <a:solidFill>
+                    <a:schemeClr val="tx1"/>
+                  </a:solidFill>
+                  <a:effectLst/>
+                </a:rPr>
+                <a:t> School of Psychological Science, The University of Western Australia</a:t>
+              </a:r>
+              <a:br>
+                <a:rPr kumimoji="0" lang="en-US" altLang="en-US" sz="2800" b="0" i="0" u="none" strike="noStrike" cap="none" normalizeH="0" baseline="0" dirty="0">
+                  <a:ln>
+                    <a:noFill/>
+                  </a:ln>
+                  <a:solidFill>
+                    <a:schemeClr val="tx1"/>
+                  </a:solidFill>
+                  <a:effectLst/>
+                </a:rPr>
+              </a:br>
+              <a:r>
+                <a:rPr kumimoji="0" lang="en-US" altLang="en-US" sz="2800" b="0" i="0" u="none" strike="noStrike" cap="none" normalizeH="0" baseline="30000" dirty="0">
+                  <a:ln>
+                    <a:noFill/>
+                  </a:ln>
+                  <a:solidFill>
+                    <a:schemeClr val="tx1"/>
+                  </a:solidFill>
+                  <a:effectLst/>
+                </a:rPr>
+                <a:t>2</a:t>
+              </a:r>
+              <a:r>
+                <a:rPr kumimoji="0" lang="en-US" altLang="en-US" sz="2800" b="0" i="0" u="none" strike="noStrike" cap="none" normalizeH="0" baseline="0" dirty="0">
+                  <a:ln>
+                    <a:noFill/>
+                  </a:ln>
+                  <a:solidFill>
+                    <a:schemeClr val="tx1"/>
+                  </a:solidFill>
+                  <a:effectLst/>
+                </a:rPr>
+                <a:t> CALHN Neuropsychology, Royal Adelaide Hospital</a:t>
+              </a:r>
+              <a:br>
+                <a:rPr kumimoji="0" lang="en-US" altLang="en-US" sz="2800" b="0" i="0" u="none" strike="noStrike" cap="none" normalizeH="0" baseline="0" dirty="0">
+                  <a:ln>
+                    <a:noFill/>
+                  </a:ln>
+                  <a:solidFill>
+                    <a:schemeClr val="tx1"/>
+                  </a:solidFill>
+                  <a:effectLst/>
+                </a:rPr>
+              </a:br>
+              <a:r>
+                <a:rPr kumimoji="0" lang="en-US" altLang="en-US" sz="2800" b="0" i="0" u="none" strike="noStrike" cap="none" normalizeH="0" baseline="30000" dirty="0">
+                  <a:ln>
+                    <a:noFill/>
+                  </a:ln>
+                  <a:solidFill>
+                    <a:schemeClr val="tx1"/>
+                  </a:solidFill>
+                  <a:effectLst/>
+                </a:rPr>
+                <a:t>3</a:t>
+              </a:r>
+              <a:r>
+                <a:rPr kumimoji="0" lang="en-US" altLang="en-US" sz="2800" b="0" i="0" u="none" strike="noStrike" cap="none" normalizeH="0" baseline="0" dirty="0">
+                  <a:ln>
+                    <a:noFill/>
+                  </a:ln>
+                  <a:solidFill>
+                    <a:schemeClr val="tx1"/>
+                  </a:solidFill>
+                  <a:effectLst/>
+                </a:rPr>
+                <a:t> School of Population and Global Health, The University of Western Australia</a:t>
+              </a:r>
+              <a:br>
+                <a:rPr kumimoji="0" lang="en-US" altLang="en-US" sz="2800" b="0" i="0" u="none" strike="noStrike" cap="none" normalizeH="0" baseline="0" dirty="0">
+                  <a:ln>
+                    <a:noFill/>
+                  </a:ln>
+                  <a:solidFill>
+                    <a:schemeClr val="tx1"/>
+                  </a:solidFill>
+                  <a:effectLst/>
+                </a:rPr>
+              </a:br>
+              <a:r>
+                <a:rPr kumimoji="0" lang="en-US" altLang="en-US" sz="2800" b="0" i="0" u="none" strike="noStrike" cap="none" normalizeH="0" baseline="30000" dirty="0">
+                  <a:ln>
+                    <a:noFill/>
+                  </a:ln>
+                  <a:solidFill>
+                    <a:schemeClr val="tx1"/>
+                  </a:solidFill>
+                  <a:effectLst/>
+                </a:rPr>
+                <a:t>4</a:t>
+              </a:r>
+              <a:r>
+                <a:rPr kumimoji="0" lang="en-US" altLang="en-US" sz="2800" b="0" i="0" u="none" strike="noStrike" cap="none" normalizeH="0" baseline="0" dirty="0">
+                  <a:ln>
+                    <a:noFill/>
+                  </a:ln>
+                  <a:solidFill>
+                    <a:schemeClr val="tx1"/>
+                  </a:solidFill>
+                  <a:effectLst/>
+                </a:rPr>
+                <a:t> Office of the Deputy Vice Chancellor, Research, The University of Western Australia </a:t>
+              </a:r>
+            </a:p>
+          </p:txBody>
+        </p:sp>
+        <p:pic>
+          <p:nvPicPr>
+            <p:cNvPr id="27" name="Picture 26" descr="A black cat with a white circle around it&#10;&#10;Description automatically generated">
+              <a:extLst>
+                <a:ext uri="{FF2B5EF4-FFF2-40B4-BE49-F238E27FC236}">
+                  <a16:creationId xmlns:a16="http://schemas.microsoft.com/office/drawing/2014/main" id="{9351E67D-C403-CD95-6487-AD7CAC7ED086}"/>
+                </a:ext>
+              </a:extLst>
+            </p:cNvPr>
+            <p:cNvPicPr>
+              <a:picLocks noChangeAspect="1"/>
+            </p:cNvPicPr>
+            <p:nvPr/>
+          </p:nvPicPr>
+          <p:blipFill>
+            <a:blip r:embed="rId6">
+              <a:duotone>
+                <a:prstClr val="black"/>
+                <a:schemeClr val="tx1">
+                  <a:tint val="45000"/>
+                  <a:satMod val="400000"/>
+                </a:schemeClr>
+              </a:duotone>
+              <a:extLst>
+                <a:ext uri="{BEBA8EAE-BF5A-486C-A8C5-ECC9F3942E4B}">
+                  <a14:imgProps xmlns:a14="http://schemas.microsoft.com/office/drawing/2010/main">
+                    <a14:imgLayer r:embed="rId7">
+                      <a14:imgEffect>
+                        <a14:artisticGlowEdges/>
+                      </a14:imgEffect>
+                    </a14:imgLayer>
+                  </a14:imgProps>
+                </a:ext>
+                <a:ext uri="{28A0092B-C50C-407E-A947-70E740481C1C}">
+                  <a14:useLocalDpi xmlns:a14="http://schemas.microsoft.com/office/drawing/2010/main" val="0"/>
+                </a:ext>
+              </a:extLst>
+            </a:blip>
+            <a:stretch>
+              <a:fillRect/>
+            </a:stretch>
+          </p:blipFill>
+          <p:spPr>
+            <a:xfrm flipH="1">
+              <a:off x="1276109" y="9376432"/>
+              <a:ext cx="415030" cy="407892"/>
+            </a:xfrm>
+            <a:prstGeom prst="rect">
+              <a:avLst/>
+            </a:prstGeom>
+          </p:spPr>
+        </p:pic>
+        <p:pic>
+          <p:nvPicPr>
+            <p:cNvPr id="37" name="Graphic 36" descr="Envelope with solid fill">
+              <a:extLst>
+                <a:ext uri="{FF2B5EF4-FFF2-40B4-BE49-F238E27FC236}">
+                  <a16:creationId xmlns:a16="http://schemas.microsoft.com/office/drawing/2014/main" id="{E8B404E0-454C-B987-4594-5297801E4C19}"/>
+                </a:ext>
+              </a:extLst>
+            </p:cNvPr>
+            <p:cNvPicPr>
+              <a:picLocks noChangeAspect="1"/>
+            </p:cNvPicPr>
+            <p:nvPr/>
+          </p:nvPicPr>
+          <p:blipFill>
+            <a:blip r:embed="rId8">
+              <a:extLst>
+                <a:ext uri="{96DAC541-7B7A-43D3-8B79-37D633B846F1}">
+                  <asvg:svgBlip xmlns:asvg="http://schemas.microsoft.com/office/drawing/2016/SVG/main" r:embed="rId9"/>
+                </a:ext>
+              </a:extLst>
+            </a:blip>
+            <a:stretch>
+              <a:fillRect/>
+            </a:stretch>
+          </p:blipFill>
+          <p:spPr>
+            <a:xfrm>
+              <a:off x="1202157" y="8508716"/>
+              <a:ext cx="562935" cy="562935"/>
+            </a:xfrm>
+            <a:prstGeom prst="rect">
+              <a:avLst/>
+            </a:prstGeom>
+          </p:spPr>
+        </p:pic>
+      </p:grpSp>
+    </p:spTree>
+    <p:extLst>
+      <p:ext uri="{BB962C8B-B14F-4D97-AF65-F5344CB8AC3E}">
+        <p14:creationId xmlns:p14="http://schemas.microsoft.com/office/powerpoint/2010/main" val="3907538749"/>
+      </p:ext>
+    </p:extLst>
+  </p:cSld>
+  <p:clrMapOvr>
+    <a:masterClrMapping/>
+  </p:clrMapOvr>
+</p:sld>
+</file>
+
+<file path=ppt/slides/slide2.xml><?xml version="1.0" encoding="utf-8"?>
+<p:sld xmlns:a="http://schemas.openxmlformats.org/drawingml/2006/main" xmlns:r="http://schemas.openxmlformats.org/officeDocument/2006/relationships" xmlns:p="http://schemas.openxmlformats.org/presentationml/2006/main">
+  <p:cSld>
+    <p:spTree>
+      <p:nvGrpSpPr>
+        <p:cNvPr id="1" name=""/>
+        <p:cNvGrpSpPr/>
+        <p:nvPr/>
+      </p:nvGrpSpPr>
+      <p:grpSpPr>
+        <a:xfrm>
+          <a:off x="0" y="0"/>
+          <a:ext cx="0" cy="0"/>
+          <a:chOff x="0" y="0"/>
+          <a:chExt cx="0" cy="0"/>
+        </a:xfrm>
+      </p:grpSpPr>
+      <p:sp>
+        <p:nvSpPr>
+          <p:cNvPr id="4" name="Rectangle 3">
+            <a:extLst>
+              <a:ext uri="{FF2B5EF4-FFF2-40B4-BE49-F238E27FC236}">
+                <a16:creationId xmlns:a16="http://schemas.microsoft.com/office/drawing/2014/main" id="{F3AE7DC4-2137-E188-3E9A-1110B832F02F}"/>
+              </a:ext>
+            </a:extLst>
+          </p:cNvPr>
+          <p:cNvSpPr/>
+          <p:nvPr/>
+        </p:nvSpPr>
+        <p:spPr>
+          <a:xfrm>
+            <a:off x="13826780" y="-38100"/>
+            <a:ext cx="22580310" cy="32399288"/>
+          </a:xfrm>
+          <a:prstGeom prst="rect">
+            <a:avLst/>
+          </a:prstGeom>
+          <a:solidFill>
+            <a:srgbClr val="C00000"/>
+          </a:solidFill>
+          <a:ln>
+            <a:noFill/>
+          </a:ln>
+        </p:spPr>
+        <p:style>
+          <a:lnRef idx="2">
+            <a:schemeClr val="accent1">
+              <a:shade val="15000"/>
+            </a:schemeClr>
+          </a:lnRef>
+          <a:fillRef idx="1">
+            <a:schemeClr val="accent1"/>
+          </a:fillRef>
+          <a:effectRef idx="0">
+            <a:schemeClr val="accent1"/>
+          </a:effectRef>
+          <a:fontRef idx="minor">
+            <a:schemeClr val="lt1"/>
+          </a:fontRef>
+        </p:style>
+        <p:txBody>
+          <a:bodyPr rtlCol="0" anchor="ctr"/>
+          <a:lstStyle/>
+          <a:p>
+            <a:pPr algn="ctr"/>
+            <a:endParaRPr lang="en-AU" sz="34925"/>
+          </a:p>
+        </p:txBody>
+      </p:sp>
+      <p:sp>
+        <p:nvSpPr>
+          <p:cNvPr id="5" name="TextBox 4">
+            <a:extLst>
+              <a:ext uri="{FF2B5EF4-FFF2-40B4-BE49-F238E27FC236}">
+                <a16:creationId xmlns:a16="http://schemas.microsoft.com/office/drawing/2014/main" id="{71EA1738-E166-244F-E09B-91B4A26A703F}"/>
+              </a:ext>
+            </a:extLst>
+          </p:cNvPr>
+          <p:cNvSpPr txBox="1"/>
+          <p:nvPr/>
+        </p:nvSpPr>
+        <p:spPr>
+          <a:xfrm>
+            <a:off x="14551631" y="1661403"/>
+            <a:ext cx="20794104" cy="10710624"/>
+          </a:xfrm>
+          <a:prstGeom prst="rect">
+            <a:avLst/>
+          </a:prstGeom>
+          <a:noFill/>
+        </p:spPr>
+        <p:txBody>
+          <a:bodyPr wrap="square" rtlCol="0">
+            <a:spAutoFit/>
+          </a:bodyPr>
+          <a:lstStyle/>
+          <a:p>
+            <a:r>
+              <a:rPr lang="en-US" sz="13800" dirty="0">
+                <a:solidFill>
+                  <a:schemeClr val="bg1"/>
+                </a:solidFill>
+              </a:rPr>
+              <a:t>There are </a:t>
+            </a:r>
+            <a:r>
+              <a:rPr lang="en-US" sz="13800" b="1" dirty="0">
+                <a:solidFill>
+                  <a:schemeClr val="bg1"/>
+                </a:solidFill>
+              </a:rPr>
+              <a:t>significant problems </a:t>
+            </a:r>
+            <a:r>
+              <a:rPr lang="en-US" sz="13800" dirty="0">
+                <a:solidFill>
+                  <a:schemeClr val="bg1"/>
+                </a:solidFill>
+              </a:rPr>
+              <a:t>with the use of </a:t>
+            </a:r>
+            <a:r>
+              <a:rPr lang="en-US" sz="13800" b="1" dirty="0">
+                <a:solidFill>
+                  <a:schemeClr val="bg1"/>
+                </a:solidFill>
+              </a:rPr>
+              <a:t>difference </a:t>
+            </a:r>
+            <a:r>
+              <a:rPr lang="en-US" sz="13800" dirty="0">
+                <a:solidFill>
+                  <a:schemeClr val="bg1"/>
+                </a:solidFill>
+              </a:rPr>
+              <a:t>and </a:t>
+            </a:r>
+            <a:r>
+              <a:rPr lang="en-US" sz="13800" b="1" dirty="0">
+                <a:solidFill>
+                  <a:schemeClr val="bg1"/>
+                </a:solidFill>
+              </a:rPr>
+              <a:t>ratio scores </a:t>
+            </a:r>
+            <a:r>
+              <a:rPr lang="en-US" sz="13800" dirty="0">
+                <a:solidFill>
+                  <a:schemeClr val="bg1"/>
+                </a:solidFill>
+              </a:rPr>
+              <a:t>in </a:t>
+            </a:r>
+            <a:r>
+              <a:rPr lang="en-US" sz="13800" b="1" dirty="0">
+                <a:solidFill>
+                  <a:schemeClr val="bg1"/>
+                </a:solidFill>
+              </a:rPr>
+              <a:t>sleep discrepancy </a:t>
+            </a:r>
+            <a:r>
+              <a:rPr lang="en-US" sz="13800" dirty="0">
+                <a:solidFill>
+                  <a:schemeClr val="bg1"/>
+                </a:solidFill>
+              </a:rPr>
+              <a:t>research.</a:t>
+            </a:r>
+            <a:endParaRPr lang="en-AU" sz="13800" b="1" dirty="0">
+              <a:solidFill>
+                <a:schemeClr val="bg1"/>
+              </a:solidFill>
+            </a:endParaRPr>
+          </a:p>
+        </p:txBody>
+      </p:sp>
+      <p:sp>
+        <p:nvSpPr>
+          <p:cNvPr id="8" name="TextBox 7">
+            <a:extLst>
+              <a:ext uri="{FF2B5EF4-FFF2-40B4-BE49-F238E27FC236}">
+                <a16:creationId xmlns:a16="http://schemas.microsoft.com/office/drawing/2014/main" id="{ECDC05D2-590F-5EE6-2F5A-93741B4D532D}"/>
+              </a:ext>
+            </a:extLst>
+          </p:cNvPr>
+          <p:cNvSpPr txBox="1"/>
+          <p:nvPr/>
+        </p:nvSpPr>
+        <p:spPr>
+          <a:xfrm>
+            <a:off x="419266" y="546096"/>
+            <a:ext cx="12826669" cy="4154984"/>
+          </a:xfrm>
+          <a:prstGeom prst="rect">
+            <a:avLst/>
+          </a:prstGeom>
+          <a:noFill/>
+        </p:spPr>
+        <p:txBody>
+          <a:bodyPr wrap="square" rtlCol="0">
+            <a:spAutoFit/>
+          </a:bodyPr>
+          <a:lstStyle/>
+          <a:p>
+            <a:r>
+              <a:rPr lang="en-US" sz="8800" b="1" dirty="0"/>
+              <a:t>On the use of difference and ratio scores in sleep discrepancy research</a:t>
+            </a:r>
+          </a:p>
+        </p:txBody>
+      </p:sp>
+      <p:sp>
+        <p:nvSpPr>
+          <p:cNvPr id="9" name="Rectangle 3">
+            <a:extLst>
+              <a:ext uri="{FF2B5EF4-FFF2-40B4-BE49-F238E27FC236}">
+                <a16:creationId xmlns:a16="http://schemas.microsoft.com/office/drawing/2014/main" id="{F823D07A-8988-FCF0-BC70-11C3F5D7EE63}"/>
               </a:ext>
             </a:extLst>
           </p:cNvPr>
@@ -3936,8 +5305,8 @@
         </p:nvSpPr>
         <p:spPr bwMode="auto">
           <a:xfrm>
-            <a:off x="666562" y="8743944"/>
-            <a:ext cx="11771994" cy="4801314"/>
+            <a:off x="342539" y="4818888"/>
+            <a:ext cx="13255578" cy="4739759"/>
           </a:xfrm>
           <a:prstGeom prst="rect">
             <a:avLst/>
@@ -4022,7 +5391,7 @@
             </a:r>
           </a:p>
           <a:p>
-            <a:pPr defTabSz="914400" eaLnBrk="0" fontAlgn="base" hangingPunct="0">
+            <a:pPr lvl="0" defTabSz="914400" eaLnBrk="0" fontAlgn="base" hangingPunct="0">
               <a:lnSpc>
                 <a:spcPct val="150000"/>
               </a:lnSpc>
@@ -4034,16 +5403,53 @@
               </a:spcAft>
             </a:pPr>
             <a:r>
-              <a:rPr lang="en-US" altLang="en-US" sz="3600" b="1" dirty="0"/>
-              <a:t>tom.fioccowalton@research.uwa.edu.au </a:t>
+              <a:rPr kumimoji="0" lang="en-US" altLang="en-US" sz="3600" i="0" u="none" strike="noStrike" cap="none" normalizeH="0" baseline="0" dirty="0">
+                <a:ln>
+                  <a:noFill/>
+                </a:ln>
+                <a:solidFill>
+                  <a:schemeClr val="tx1"/>
+                </a:solidFill>
+                <a:effectLst/>
+              </a:rPr>
+              <a:t>	tom.fioccowalton@research.uwa.edu.au </a:t>
             </a:r>
             <a:br>
-              <a:rPr lang="en-US" altLang="en-US" sz="3600" b="1" dirty="0"/>
+              <a:rPr kumimoji="0" lang="en-US" altLang="en-US" sz="3600" i="0" u="none" strike="noStrike" cap="none" normalizeH="0" baseline="0" dirty="0">
+                <a:ln>
+                  <a:noFill/>
+                </a:ln>
+                <a:solidFill>
+                  <a:schemeClr val="tx1"/>
+                </a:solidFill>
+                <a:effectLst/>
+              </a:rPr>
             </a:br>
             <a:r>
-              <a:rPr lang="en-US" altLang="en-US" sz="3600" b="1" dirty="0"/>
+              <a:rPr kumimoji="0" lang="en-US" altLang="en-US" sz="3600" i="0" u="none" strike="noStrike" cap="none" normalizeH="0" baseline="0" dirty="0">
+                <a:ln>
+                  <a:noFill/>
+                </a:ln>
+                <a:solidFill>
+                  <a:schemeClr val="tx1"/>
+                </a:solidFill>
+                <a:effectLst/>
+              </a:rPr>
+              <a:t>	</a:t>
+            </a:r>
+            <a:r>
+              <a:rPr lang="en-US" altLang="en-US" sz="3600" dirty="0"/>
               <a:t>https://github.com/tfwalton</a:t>
             </a:r>
+            <a:endParaRPr kumimoji="0" lang="en-US" altLang="en-US" sz="3600" i="0" u="none" strike="noStrike" cap="none" normalizeH="0" baseline="0" dirty="0">
+              <a:ln>
+                <a:noFill/>
+              </a:ln>
+              <a:solidFill>
+                <a:schemeClr val="tx1"/>
+              </a:solidFill>
+              <a:effectLst/>
+            </a:endParaRPr>
           </a:p>
           <a:p>
             <a:pPr marL="0" marR="0" lvl="0" indent="0" algn="l" defTabSz="914400" rtl="0" eaLnBrk="0" fontAlgn="base" latinLnBrk="0" hangingPunct="0">
@@ -4062,7 +5468,7 @@
               <a:buNone/>
               <a:tabLst/>
             </a:pPr>
-            <a:endParaRPr kumimoji="0" lang="en-US" altLang="en-US" sz="2400" b="1" i="0" u="none" strike="noStrike" cap="none" normalizeH="0" baseline="0" dirty="0">
+            <a:endParaRPr kumimoji="0" lang="en-US" altLang="en-US" sz="2800" b="1" i="0" u="none" strike="noStrike" cap="none" normalizeH="0" baseline="0" dirty="0">
               <a:ln>
                 <a:noFill/>
               </a:ln>
@@ -4090,7 +5496,7 @@
               <a:tabLst/>
             </a:pPr>
             <a:r>
-              <a:rPr kumimoji="0" lang="en-US" altLang="en-US" sz="2400" b="1" i="0" u="none" strike="noStrike" cap="none" normalizeH="0" baseline="0" dirty="0">
+              <a:rPr kumimoji="0" lang="en-US" altLang="en-US" sz="2800" b="1" i="0" u="none" strike="noStrike" cap="none" normalizeH="0" baseline="0" dirty="0">
                 <a:ln>
                   <a:noFill/>
                 </a:ln>
@@ -4102,7 +5508,7 @@
               <a:t>Melissa J. Ree</a:t>
             </a:r>
             <a:r>
-              <a:rPr kumimoji="0" lang="en-US" altLang="en-US" sz="2400" b="1" i="0" u="none" strike="noStrike" cap="none" normalizeH="0" baseline="30000" dirty="0">
+              <a:rPr kumimoji="0" lang="en-US" altLang="en-US" sz="2800" b="1" i="0" u="none" strike="noStrike" cap="none" normalizeH="0" baseline="30000" dirty="0">
                 <a:ln>
                   <a:noFill/>
                 </a:ln>
@@ -4114,31 +5520,7 @@
               <a:t>1</a:t>
             </a:r>
             <a:r>
-              <a:rPr kumimoji="0" lang="en-US" altLang="en-US" sz="2400" b="1" i="0" u="none" strike="noStrike" cap="none" normalizeH="0" baseline="0" dirty="0">
-                <a:ln>
-                  <a:noFill/>
-                </a:ln>
-                <a:solidFill>
-                  <a:schemeClr val="tx1"/>
-                </a:solidFill>
-                <a:effectLst/>
-              </a:rPr>
-              <a:t> Simone N. Fueggle</a:t>
-            </a:r>
-            <a:r>
-              <a:rPr kumimoji="0" lang="en-US" altLang="en-US" sz="2400" b="1" i="0" u="none" strike="noStrike" cap="none" normalizeH="0" baseline="30000" dirty="0">
-                <a:ln>
-                  <a:noFill/>
-                </a:ln>
-                <a:solidFill>
-                  <a:schemeClr val="tx1"/>
-                </a:solidFill>
-                <a:effectLst/>
-              </a:rPr>
-              <a:t>2</a:t>
-            </a:r>
-            <a:r>
-              <a:rPr kumimoji="0" lang="en-US" altLang="en-US" sz="2400" b="1" i="0" u="none" strike="noStrike" cap="none" normalizeH="0" baseline="0" dirty="0">
+              <a:rPr kumimoji="0" lang="en-US" altLang="en-US" sz="2800" b="1" i="0" u="none" strike="noStrike" cap="none" normalizeH="0" baseline="0" dirty="0">
                 <a:ln>
                   <a:noFill/>
                 </a:ln>
@@ -4150,7 +5532,7 @@
               <a:t> Romola S. Bucks</a:t>
             </a:r>
             <a:r>
-              <a:rPr kumimoji="0" lang="en-US" altLang="en-US" sz="2400" b="1" i="0" u="none" strike="noStrike" cap="none" normalizeH="0" baseline="30000" dirty="0">
+              <a:rPr kumimoji="0" lang="en-US" altLang="en-US" sz="2800" b="1" i="0" u="none" strike="noStrike" cap="none" normalizeH="0" baseline="30000" dirty="0">
                 <a:ln>
                   <a:noFill/>
                 </a:ln>
@@ -4159,10 +5541,10 @@
                 </a:solidFill>
                 <a:effectLst/>
               </a:rPr>
-              <a:t>1,3,4</a:t>
-            </a:r>
-            <a:r>
-              <a:rPr kumimoji="0" lang="en-US" altLang="en-US" sz="2400" b="1" i="0" u="none" strike="noStrike" cap="none" normalizeH="0" baseline="0" dirty="0">
+              <a:t>1,2,3</a:t>
+            </a:r>
+            <a:r>
+              <a:rPr kumimoji="0" lang="en-US" altLang="en-US" sz="2800" b="1" i="0" u="none" strike="noStrike" cap="none" normalizeH="0" baseline="0" dirty="0">
                 <a:ln>
                   <a:noFill/>
                 </a:ln>
@@ -4192,7 +5574,7 @@
               <a:tabLst/>
             </a:pPr>
             <a:r>
-              <a:rPr kumimoji="0" lang="en-US" altLang="en-US" sz="3200" b="0" i="0" u="none" strike="noStrike" cap="none" normalizeH="0" baseline="30000" dirty="0">
+              <a:rPr kumimoji="0" lang="en-US" altLang="en-US" sz="2800" b="0" i="0" u="none" strike="noStrike" cap="none" normalizeH="0" baseline="30000" dirty="0">
                 <a:ln>
                   <a:noFill/>
                 </a:ln>
@@ -4204,7 +5586,7 @@
               <a:t>1</a:t>
             </a:r>
             <a:r>
-              <a:rPr kumimoji="0" lang="en-US" altLang="en-US" sz="2400" b="0" i="0" u="none" strike="noStrike" cap="none" normalizeH="0" baseline="0" dirty="0">
+              <a:rPr kumimoji="0" lang="en-US" altLang="en-US" sz="2800" b="0" i="0" u="none" strike="noStrike" cap="none" normalizeH="0" baseline="0" dirty="0">
                 <a:ln>
                   <a:noFill/>
                 </a:ln>
@@ -4216,7 +5598,7 @@
               <a:t> School of Psychological Science, The University of Western Australia</a:t>
             </a:r>
             <a:br>
-              <a:rPr kumimoji="0" lang="en-US" altLang="en-US" sz="2400" b="0" i="0" u="none" strike="noStrike" cap="none" normalizeH="0" baseline="0" dirty="0">
+              <a:rPr kumimoji="0" lang="en-US" altLang="en-US" sz="2800" b="0" i="0" u="none" strike="noStrike" cap="none" normalizeH="0" baseline="0" dirty="0">
                 <a:ln>
                   <a:noFill/>
                 </a:ln>
@@ -4227,7 +5609,7 @@
               </a:rPr>
             </a:br>
             <a:r>
-              <a:rPr kumimoji="0" lang="en-US" altLang="en-US" sz="2400" b="0" i="0" u="none" strike="noStrike" cap="none" normalizeH="0" baseline="30000" dirty="0">
+              <a:rPr kumimoji="0" lang="en-US" altLang="en-US" sz="2800" b="0" i="0" u="none" strike="noStrike" cap="none" normalizeH="0" baseline="30000" dirty="0">
                 <a:ln>
                   <a:noFill/>
                 </a:ln>
@@ -4239,7 +5621,7 @@
               <a:t>2</a:t>
             </a:r>
             <a:r>
-              <a:rPr kumimoji="0" lang="en-US" altLang="en-US" sz="2400" b="0" i="0" u="none" strike="noStrike" cap="none" normalizeH="0" baseline="0" dirty="0">
+              <a:rPr kumimoji="0" lang="en-US" altLang="en-US" sz="2800" b="0" i="0" u="none" strike="noStrike" cap="none" normalizeH="0" baseline="0" dirty="0">
                 <a:ln>
                   <a:noFill/>
                 </a:ln>
@@ -4248,10 +5630,10 @@
                 </a:solidFill>
                 <a:effectLst/>
               </a:rPr>
-              <a:t> CALHN Neuropsychology, Royal Adelaide Hospital</a:t>
+              <a:t> School of Population and Global Health, The University of Western Australia</a:t>
             </a:r>
             <a:br>
-              <a:rPr kumimoji="0" lang="en-US" altLang="en-US" sz="2400" b="0" i="0" u="none" strike="noStrike" cap="none" normalizeH="0" baseline="0" dirty="0">
+              <a:rPr kumimoji="0" lang="en-US" altLang="en-US" sz="2800" b="0" i="0" u="none" strike="noStrike" cap="none" normalizeH="0" baseline="0" dirty="0">
                 <a:ln>
                   <a:noFill/>
                 </a:ln>
@@ -4262,7 +5644,7 @@
               </a:rPr>
             </a:br>
             <a:r>
-              <a:rPr kumimoji="0" lang="en-US" altLang="en-US" sz="2400" b="0" i="0" u="none" strike="noStrike" cap="none" normalizeH="0" baseline="30000" dirty="0">
+              <a:rPr kumimoji="0" lang="en-US" altLang="en-US" sz="2800" b="0" i="0" u="none" strike="noStrike" cap="none" normalizeH="0" baseline="30000" dirty="0">
                 <a:ln>
                   <a:noFill/>
                 </a:ln>
@@ -4274,42 +5656,7 @@
               <a:t>3</a:t>
             </a:r>
             <a:r>
-              <a:rPr kumimoji="0" lang="en-US" altLang="en-US" sz="2400" b="0" i="0" u="none" strike="noStrike" cap="none" normalizeH="0" baseline="0" dirty="0">
-                <a:ln>
-                  <a:noFill/>
-                </a:ln>
-                <a:solidFill>
-                  <a:schemeClr val="tx1"/>
-                </a:solidFill>
-                <a:effectLst/>
-              </a:rPr>
-              <a:t> School of Population and Global Health, The University of Western Australia</a:t>
-            </a:r>
-            <a:br>
-              <a:rPr kumimoji="0" lang="en-US" altLang="en-US" sz="2400" b="0" i="0" u="none" strike="noStrike" cap="none" normalizeH="0" baseline="0" dirty="0">
-                <a:ln>
-                  <a:noFill/>
-                </a:ln>
-                <a:solidFill>
-                  <a:schemeClr val="tx1"/>
-                </a:solidFill>
-                <a:effectLst/>
-              </a:rPr>
-            </a:br>
-            <a:r>
-              <a:rPr kumimoji="0" lang="en-US" altLang="en-US" sz="2400" b="0" i="0" u="none" strike="noStrike" cap="none" normalizeH="0" baseline="30000" dirty="0">
-                <a:ln>
-                  <a:noFill/>
-                </a:ln>
-                <a:solidFill>
-                  <a:schemeClr val="tx1"/>
-                </a:solidFill>
-                <a:effectLst/>
-              </a:rPr>
-              <a:t>4</a:t>
-            </a:r>
-            <a:r>
-              <a:rPr kumimoji="0" lang="en-US" altLang="en-US" sz="2400" b="0" i="0" u="none" strike="noStrike" cap="none" normalizeH="0" baseline="0" dirty="0">
+              <a:rPr kumimoji="0" lang="en-US" altLang="en-US" sz="2800" b="0" i="0" u="none" strike="noStrike" cap="none" normalizeH="0" baseline="0" dirty="0">
                 <a:ln>
                   <a:noFill/>
                 </a:ln>
@@ -4325,10 +5672,10 @@
       </p:sp>
       <p:sp>
         <p:nvSpPr>
-          <p:cNvPr id="16" name="TextBox 15">
+          <p:cNvPr id="10" name="TextBox 9">
             <a:extLst>
               <a:ext uri="{FF2B5EF4-FFF2-40B4-BE49-F238E27FC236}">
-                <a16:creationId xmlns:a16="http://schemas.microsoft.com/office/drawing/2014/main" id="{994301F6-E90D-DEC1-F0C7-C8C4AD64E965}"/>
+                <a16:creationId xmlns:a16="http://schemas.microsoft.com/office/drawing/2014/main" id="{E24B673A-3489-6E77-2972-DFDFA67CC3E7}"/>
               </a:ext>
             </a:extLst>
           </p:cNvPr>
@@ -4337,7 +5684,7 @@
         </p:nvSpPr>
         <p:spPr>
           <a:xfrm>
-            <a:off x="363904" y="13691379"/>
+            <a:off x="356828" y="10044780"/>
             <a:ext cx="9982200" cy="646331"/>
           </a:xfrm>
           <a:prstGeom prst="rect">
@@ -4361,10 +5708,10 @@
       </p:sp>
       <p:sp>
         <p:nvSpPr>
-          <p:cNvPr id="18" name="TextBox 17">
+          <p:cNvPr id="12" name="TextBox 11">
             <a:extLst>
               <a:ext uri="{FF2B5EF4-FFF2-40B4-BE49-F238E27FC236}">
-                <a16:creationId xmlns:a16="http://schemas.microsoft.com/office/drawing/2014/main" id="{B3C51CF3-2F55-438C-F15A-31AB04E867E5}"/>
+                <a16:creationId xmlns:a16="http://schemas.microsoft.com/office/drawing/2014/main" id="{C76451DD-2D78-5A45-CC62-3C865F9378E4}"/>
               </a:ext>
             </a:extLst>
           </p:cNvPr>
@@ -4373,8 +5720,8 @@
         </p:nvSpPr>
         <p:spPr>
           <a:xfrm>
-            <a:off x="363904" y="14370409"/>
-            <a:ext cx="12074652" cy="4524315"/>
+            <a:off x="426755" y="14111074"/>
+            <a:ext cx="9982200" cy="646331"/>
           </a:xfrm>
           <a:prstGeom prst="rect">
             <a:avLst/>
@@ -4382,89 +5729,6 @@
           <a:noFill/>
         </p:spPr>
         <p:txBody>
-          <a:bodyPr wrap="square">
-            <a:spAutoFit/>
-          </a:bodyPr>
-          <a:lstStyle/>
-          <a:p>
-            <a:pPr marL="571500" indent="-571500">
-              <a:buFont typeface="Wingdings" panose="05000000000000000000" pitchFamily="2" charset="2"/>
-              <a:buChar char="§"/>
-            </a:pPr>
-            <a:r>
-              <a:rPr lang="en-AU" sz="3600" dirty="0"/>
-              <a:t>Sleep discrepancy is a common feature of insomnia disorder</a:t>
-            </a:r>
-          </a:p>
-          <a:p>
-            <a:pPr marL="571500" indent="-571500">
-              <a:buFont typeface="Wingdings" panose="05000000000000000000" pitchFamily="2" charset="2"/>
-              <a:buChar char="§"/>
-            </a:pPr>
-            <a:r>
-              <a:rPr lang="en-US" sz="3600"/>
-              <a:t>Sleep discrepancy </a:t>
-            </a:r>
-            <a:r>
-              <a:rPr lang="en-US" sz="3600" dirty="0"/>
-              <a:t>has been investigated with </a:t>
-            </a:r>
-            <a:r>
-              <a:rPr lang="en-US" sz="3600"/>
-              <a:t>diverse methods </a:t>
-            </a:r>
-            <a:r>
-              <a:rPr lang="en-US" sz="3600" dirty="0"/>
-              <a:t>making it difficult to integrate findings across studies</a:t>
-            </a:r>
-          </a:p>
-          <a:p>
-            <a:pPr marL="571500" indent="-571500">
-              <a:buFont typeface="Wingdings" panose="05000000000000000000" pitchFamily="2" charset="2"/>
-              <a:buChar char="§"/>
-            </a:pPr>
-            <a:r>
-              <a:rPr lang="en-US" sz="3600" dirty="0"/>
-              <a:t>AIM: </a:t>
-            </a:r>
-            <a:r>
-              <a:rPr lang="en-US" sz="3600" i="1" dirty="0"/>
-              <a:t>How has sleep discrepancy has been </a:t>
-            </a:r>
-            <a:r>
-              <a:rPr lang="en-US" sz="3600" i="1" dirty="0" err="1"/>
-              <a:t>conceptualised</a:t>
-            </a:r>
-            <a:r>
-              <a:rPr lang="en-US" sz="3600" i="1" dirty="0"/>
-              <a:t> in the literature what methods have been used to investigate it?</a:t>
-            </a:r>
-          </a:p>
-        </p:txBody>
-      </p:sp>
-      <p:sp>
-        <p:nvSpPr>
-          <p:cNvPr id="19" name="TextBox 18">
-            <a:extLst>
-              <a:ext uri="{FF2B5EF4-FFF2-40B4-BE49-F238E27FC236}">
-                <a16:creationId xmlns:a16="http://schemas.microsoft.com/office/drawing/2014/main" id="{9B71E774-1ADE-A2ED-20F8-A968CF0765D4}"/>
-              </a:ext>
-            </a:extLst>
-          </p:cNvPr>
-          <p:cNvSpPr txBox="1"/>
-          <p:nvPr/>
-        </p:nvSpPr>
-        <p:spPr>
-          <a:xfrm>
-            <a:off x="363904" y="19747012"/>
-            <a:ext cx="9982200" cy="646331"/>
-          </a:xfrm>
-          <a:prstGeom prst="rect">
-            <a:avLst/>
-          </a:prstGeom>
-          <a:noFill/>
-        </p:spPr>
-        <p:txBody>
           <a:bodyPr wrap="square" rtlCol="0">
             <a:spAutoFit/>
           </a:bodyPr>
@@ -4478,58 +5742,42 @@
           </a:p>
         </p:txBody>
       </p:sp>
-      <p:sp>
-        <p:nvSpPr>
-          <p:cNvPr id="20" name="TextBox 19">
+      <p:pic>
+        <p:nvPicPr>
+          <p:cNvPr id="16" name="Picture 15">
             <a:extLst>
               <a:ext uri="{FF2B5EF4-FFF2-40B4-BE49-F238E27FC236}">
-                <a16:creationId xmlns:a16="http://schemas.microsoft.com/office/drawing/2014/main" id="{456B9B4C-2730-8FE2-37B8-7A9B55D198A7}"/>
+                <a16:creationId xmlns:a16="http://schemas.microsoft.com/office/drawing/2014/main" id="{8DE0CA77-5007-8153-F730-7EC1DDF5F389}"/>
               </a:ext>
             </a:extLst>
           </p:cNvPr>
-          <p:cNvSpPr txBox="1"/>
+          <p:cNvPicPr>
+            <a:picLocks noChangeAspect="1"/>
+          </p:cNvPicPr>
           <p:nvPr/>
-        </p:nvSpPr>
-        <p:spPr>
-          <a:xfrm>
-            <a:off x="363904" y="20561071"/>
-            <a:ext cx="10508927" cy="1200329"/>
+        </p:nvPicPr>
+        <p:blipFill>
+          <a:blip r:embed="rId2"/>
+          <a:stretch>
+            <a:fillRect/>
+          </a:stretch>
+        </p:blipFill>
+        <p:spPr>
+          <a:xfrm>
+            <a:off x="866348" y="26381854"/>
+            <a:ext cx="10836708" cy="3897702"/>
           </a:xfrm>
           <a:prstGeom prst="rect">
             <a:avLst/>
           </a:prstGeom>
-          <a:noFill/>
-        </p:spPr>
-        <p:txBody>
-          <a:bodyPr wrap="square">
-            <a:spAutoFit/>
-          </a:bodyPr>
-          <a:lstStyle/>
-          <a:p>
-            <a:pPr marL="571500" indent="-571500">
-              <a:buFont typeface="Wingdings" panose="05000000000000000000" pitchFamily="2" charset="2"/>
-              <a:buChar char="§"/>
-            </a:pPr>
-            <a:r>
-              <a:rPr lang="en-US" sz="3600" dirty="0"/>
-              <a:t>Scoping review methodology</a:t>
-            </a:r>
-          </a:p>
-          <a:p>
-            <a:pPr marL="571500" indent="-571500">
-              <a:buFont typeface="Wingdings" panose="05000000000000000000" pitchFamily="2" charset="2"/>
-              <a:buChar char="§"/>
-            </a:pPr>
-            <a:endParaRPr lang="en-US" sz="3600" dirty="0"/>
-          </a:p>
-        </p:txBody>
-      </p:sp>
+        </p:spPr>
+      </p:pic>
       <p:pic>
         <p:nvPicPr>
-          <p:cNvPr id="26" name="Picture 25">
+          <p:cNvPr id="18" name="Picture 17">
             <a:extLst>
               <a:ext uri="{FF2B5EF4-FFF2-40B4-BE49-F238E27FC236}">
-                <a16:creationId xmlns:a16="http://schemas.microsoft.com/office/drawing/2014/main" id="{EBEEAC07-ADE8-7336-E179-59CD331ED76B}"/>
+                <a16:creationId xmlns:a16="http://schemas.microsoft.com/office/drawing/2014/main" id="{AC315000-B3A3-2C24-3715-E24C5D5A0246}"/>
               </a:ext>
             </a:extLst>
           </p:cNvPr>
@@ -4546,8 +5794,8 @@
         </p:blipFill>
         <p:spPr>
           <a:xfrm>
-            <a:off x="38572170" y="762338"/>
-            <a:ext cx="11161218" cy="10516448"/>
+            <a:off x="37521451" y="6073603"/>
+            <a:ext cx="11114415" cy="4994597"/>
           </a:xfrm>
           <a:prstGeom prst="rect">
             <a:avLst/>
@@ -4556,10 +5804,10 @@
       </p:pic>
       <p:sp>
         <p:nvSpPr>
-          <p:cNvPr id="29" name="TextBox 28">
+          <p:cNvPr id="20" name="TextBox 19">
             <a:extLst>
               <a:ext uri="{FF2B5EF4-FFF2-40B4-BE49-F238E27FC236}">
-                <a16:creationId xmlns:a16="http://schemas.microsoft.com/office/drawing/2014/main" id="{6C96E157-2223-8573-B348-6DEEE8937EF0}"/>
+                <a16:creationId xmlns:a16="http://schemas.microsoft.com/office/drawing/2014/main" id="{FE7197FF-C1A2-8A7F-1488-36C29C84754C}"/>
               </a:ext>
             </a:extLst>
           </p:cNvPr>
@@ -4568,8 +5816,8 @@
         </p:nvSpPr>
         <p:spPr>
           <a:xfrm>
-            <a:off x="39161679" y="660815"/>
-            <a:ext cx="9982200" cy="646331"/>
+            <a:off x="36844215" y="11150110"/>
+            <a:ext cx="13273465" cy="1569660"/>
           </a:xfrm>
           <a:prstGeom prst="rect">
             <a:avLst/>
@@ -4577,25 +5825,48 @@
           <a:noFill/>
         </p:spPr>
         <p:txBody>
-          <a:bodyPr wrap="square" rtlCol="0">
+          <a:bodyPr wrap="square">
             <a:spAutoFit/>
           </a:bodyPr>
           <a:lstStyle/>
           <a:p>
             <a:r>
-              <a:rPr lang="en-US" sz="3600" b="1" dirty="0"/>
-              <a:t>Results</a:t>
-            </a:r>
-            <a:endParaRPr lang="en-AU" sz="3600" b="1" dirty="0"/>
-          </a:p>
-        </p:txBody>
-      </p:sp>
-      <p:sp>
-        <p:nvSpPr>
-          <p:cNvPr id="30" name="TextBox 29">
+              <a:rPr lang="en-AU" sz="3200" dirty="0"/>
+              <a:t>The R</a:t>
+            </a:r>
+            <a:r>
+              <a:rPr lang="en-AU" sz="3200" baseline="30000" dirty="0"/>
+              <a:t>2</a:t>
+            </a:r>
+            <a:r>
+              <a:rPr lang="en-AU" sz="3200" dirty="0"/>
+              <a:t> from the absolute difference score model (R</a:t>
+            </a:r>
+            <a:r>
+              <a:rPr lang="en-AU" sz="3200" baseline="30000" dirty="0"/>
+              <a:t>2</a:t>
+            </a:r>
+            <a:r>
+              <a:rPr lang="en-AU" sz="3200" dirty="0"/>
+              <a:t> = 0.03) was reduced more than two-fold from the unconstrained piecewise regression (R</a:t>
+            </a:r>
+            <a:r>
+              <a:rPr lang="en-AU" sz="3200" baseline="30000" dirty="0"/>
+              <a:t>2</a:t>
+            </a:r>
+            <a:r>
+              <a:rPr lang="en-AU" sz="3200" dirty="0"/>
+              <a:t> = 0.072) a difference that was statistically significant (F =11.2, p &lt; .001).</a:t>
+            </a:r>
+          </a:p>
+        </p:txBody>
+      </p:sp>
+      <p:sp>
+        <p:nvSpPr>
+          <p:cNvPr id="22" name="TextBox 21">
             <a:extLst>
               <a:ext uri="{FF2B5EF4-FFF2-40B4-BE49-F238E27FC236}">
-                <a16:creationId xmlns:a16="http://schemas.microsoft.com/office/drawing/2014/main" id="{A1271C8C-CA64-AA47-51B4-908BA1DFB4D9}"/>
+                <a16:creationId xmlns:a16="http://schemas.microsoft.com/office/drawing/2014/main" id="{5C58BF93-B908-9937-BAA9-49BF0744F5B1}"/>
               </a:ext>
             </a:extLst>
           </p:cNvPr>
@@ -4604,8 +5875,8 @@
         </p:nvSpPr>
         <p:spPr>
           <a:xfrm>
-            <a:off x="37703676" y="14768483"/>
-            <a:ext cx="12269254" cy="2862322"/>
+            <a:off x="573126" y="30345503"/>
+            <a:ext cx="13024991" cy="1077218"/>
           </a:xfrm>
           <a:prstGeom prst="rect">
             <a:avLst/>
@@ -4613,37 +5884,48 @@
           <a:noFill/>
         </p:spPr>
         <p:txBody>
-          <a:bodyPr wrap="square" rtlCol="0">
+          <a:bodyPr wrap="square">
             <a:spAutoFit/>
           </a:bodyPr>
           <a:lstStyle/>
           <a:p>
             <a:r>
-              <a:rPr lang="en-US" sz="3600" b="1" dirty="0"/>
-              <a:t>Conclusions</a:t>
-            </a:r>
-          </a:p>
-          <a:p>
-            <a:endParaRPr lang="en-US" sz="3600" b="1" dirty="0"/>
-          </a:p>
-          <a:p>
-            <a:pPr marL="571500" indent="-571500">
-              <a:buFont typeface="Wingdings" panose="05000000000000000000" pitchFamily="2" charset="2"/>
-              <a:buChar char="§"/>
-            </a:pPr>
-            <a:r>
-              <a:rPr lang="en-US" sz="3600" dirty="0"/>
-              <a:t>Sleep discrepancy is mostly restricted to sleep states or sleep time and varies in its conceptual distance to sleep misperception</a:t>
+              <a:rPr lang="en-AU" sz="3200" dirty="0"/>
+              <a:t>A statistically significant reduction in R</a:t>
+            </a:r>
+            <a:r>
+              <a:rPr lang="en-AU" sz="3200" baseline="30000" dirty="0"/>
+              <a:t>2</a:t>
+            </a:r>
+            <a:r>
+              <a:rPr lang="en-AU" sz="3200" dirty="0"/>
+              <a:t> from the additive (R</a:t>
+            </a:r>
+            <a:r>
+              <a:rPr lang="en-AU" sz="3200" baseline="30000" dirty="0"/>
+              <a:t>2</a:t>
+            </a:r>
+            <a:r>
+              <a:rPr lang="en-AU" sz="3200" dirty="0"/>
+              <a:t> = 0.059) to the difference score model (R</a:t>
+            </a:r>
+            <a:r>
+              <a:rPr lang="en-AU" sz="3200" baseline="30000" dirty="0"/>
+              <a:t>2</a:t>
+            </a:r>
+            <a:r>
+              <a:rPr lang="en-AU" sz="3200" dirty="0"/>
+              <a:t> = 0.023) is observed (F =53.7, p &lt; .001)</a:t>
             </a:r>
           </a:p>
         </p:txBody>
       </p:sp>
       <p:pic>
         <p:nvPicPr>
-          <p:cNvPr id="32" name="Picture 31">
+          <p:cNvPr id="28" name="Picture 27">
             <a:extLst>
               <a:ext uri="{FF2B5EF4-FFF2-40B4-BE49-F238E27FC236}">
-                <a16:creationId xmlns:a16="http://schemas.microsoft.com/office/drawing/2014/main" id="{1D3FC533-2C87-92A9-9234-95899DFD83EB}"/>
+                <a16:creationId xmlns:a16="http://schemas.microsoft.com/office/drawing/2014/main" id="{D91B5B23-FDF2-FD95-E74A-9F77C5A184A9}"/>
               </a:ext>
             </a:extLst>
           </p:cNvPr>
@@ -4660,20 +5942,50 @@
         </p:blipFill>
         <p:spPr>
           <a:xfrm>
-            <a:off x="38572170" y="17851438"/>
-            <a:ext cx="10795778" cy="7819924"/>
+            <a:off x="39577645" y="22124616"/>
+            <a:ext cx="8611236" cy="10222265"/>
           </a:xfrm>
           <a:prstGeom prst="rect">
             <a:avLst/>
           </a:prstGeom>
         </p:spPr>
       </p:pic>
-      <p:sp>
-        <p:nvSpPr>
-          <p:cNvPr id="34" name="TextBox 33">
+      <p:pic>
+        <p:nvPicPr>
+          <p:cNvPr id="29" name="Picture 28">
             <a:extLst>
               <a:ext uri="{FF2B5EF4-FFF2-40B4-BE49-F238E27FC236}">
-                <a16:creationId xmlns:a16="http://schemas.microsoft.com/office/drawing/2014/main" id="{F8FCBC6C-DE6F-5CCF-7B25-D238CEB58B7E}"/>
+                <a16:creationId xmlns:a16="http://schemas.microsoft.com/office/drawing/2014/main" id="{0767AFB1-4749-0948-D9F2-A5653460299A}"/>
+              </a:ext>
+            </a:extLst>
+          </p:cNvPr>
+          <p:cNvPicPr>
+            <a:picLocks noChangeAspect="1"/>
+          </p:cNvPicPr>
+          <p:nvPr/>
+        </p:nvPicPr>
+        <p:blipFill>
+          <a:blip r:embed="rId5"/>
+          <a:stretch>
+            <a:fillRect/>
+          </a:stretch>
+        </p:blipFill>
+        <p:spPr>
+          <a:xfrm>
+            <a:off x="1018488" y="18858102"/>
+            <a:ext cx="10780539" cy="3985273"/>
+          </a:xfrm>
+          <a:prstGeom prst="rect">
+            <a:avLst/>
+          </a:prstGeom>
+        </p:spPr>
+      </p:pic>
+      <p:sp>
+        <p:nvSpPr>
+          <p:cNvPr id="30" name="TextBox 29">
+            <a:extLst>
+              <a:ext uri="{FF2B5EF4-FFF2-40B4-BE49-F238E27FC236}">
+                <a16:creationId xmlns:a16="http://schemas.microsoft.com/office/drawing/2014/main" id="{7EFFEEAF-C2CF-52DF-7583-599753C599EA}"/>
               </a:ext>
             </a:extLst>
           </p:cNvPr>
@@ -4682,8 +5994,8 @@
         </p:nvSpPr>
         <p:spPr>
           <a:xfrm>
-            <a:off x="37864106" y="26299814"/>
-            <a:ext cx="12269254" cy="4524315"/>
+            <a:off x="464881" y="23078992"/>
+            <a:ext cx="13247568" cy="1077218"/>
           </a:xfrm>
           <a:prstGeom prst="rect">
             <a:avLst/>
@@ -4696,93 +6008,31 @@
           </a:bodyPr>
           <a:lstStyle/>
           <a:p>
-            <a:pPr marL="571500" indent="-571500">
-              <a:buFont typeface="Wingdings" panose="05000000000000000000" pitchFamily="2" charset="2"/>
-              <a:buChar char="§"/>
-            </a:pPr>
-            <a:r>
-              <a:rPr lang="en-US" sz="3600" dirty="0"/>
-              <a:t>Conceptual and methodological problems</a:t>
-            </a:r>
-          </a:p>
-          <a:p>
-            <a:pPr marL="1314450" lvl="1" indent="-857250">
-              <a:buFont typeface="+mj-lt"/>
-              <a:buAutoNum type="romanLcPeriod"/>
-            </a:pPr>
-            <a:r>
-              <a:rPr lang="en-US" sz="3600" dirty="0"/>
-              <a:t>Methodological heterogeneity</a:t>
-            </a:r>
-          </a:p>
-          <a:p>
-            <a:pPr marL="1314450" lvl="1" indent="-857250">
-              <a:buFont typeface="+mj-lt"/>
-              <a:buAutoNum type="romanLcPeriod"/>
-            </a:pPr>
-            <a:r>
-              <a:rPr lang="en-US" sz="3600" dirty="0"/>
-              <a:t>Objective SOL definitions</a:t>
-            </a:r>
-          </a:p>
-          <a:p>
-            <a:pPr marL="1314450" lvl="1" indent="-857250">
-              <a:buFont typeface="+mj-lt"/>
-              <a:buAutoNum type="romanLcPeriod"/>
-            </a:pPr>
-            <a:r>
-              <a:rPr lang="en-US" sz="3600" dirty="0"/>
-              <a:t>Operationalising with derived indices</a:t>
-            </a:r>
-          </a:p>
-          <a:p>
-            <a:pPr marL="1314450" lvl="1" indent="-857250">
-              <a:buFont typeface="+mj-lt"/>
-              <a:buAutoNum type="romanLcPeriod"/>
-            </a:pPr>
-            <a:r>
-              <a:rPr lang="en-US" sz="3600" dirty="0"/>
-              <a:t>Averaging across nights</a:t>
-            </a:r>
-          </a:p>
-          <a:p>
-            <a:pPr marL="1314450" lvl="1" indent="-857250">
-              <a:buFont typeface="+mj-lt"/>
-              <a:buAutoNum type="romanLcPeriod"/>
-            </a:pPr>
-            <a:r>
-              <a:rPr lang="en-US" sz="3600" dirty="0"/>
-              <a:t>Correlations as concordance</a:t>
-            </a:r>
-          </a:p>
-          <a:p>
-            <a:pPr marL="1314450" lvl="1" indent="-857250">
-              <a:buFont typeface="+mj-lt"/>
-              <a:buAutoNum type="romanLcPeriod"/>
-            </a:pPr>
-            <a:r>
-              <a:rPr lang="en-US" sz="3600" dirty="0"/>
-              <a:t>Sleep quality discrepancy</a:t>
-            </a:r>
-          </a:p>
-          <a:p>
-            <a:pPr marL="1314450" lvl="1" indent="-857250">
-              <a:buFont typeface="+mj-lt"/>
-              <a:buAutoNum type="romanLcPeriod"/>
-            </a:pPr>
-            <a:r>
-              <a:rPr lang="en-US" sz="3600" dirty="0"/>
-              <a:t>Sleep diaries defining rest intervals</a:t>
-            </a:r>
-          </a:p>
-        </p:txBody>
-      </p:sp>
-      <p:sp>
-        <p:nvSpPr>
-          <p:cNvPr id="35" name="TextBox 34">
+            <a:r>
+              <a:rPr lang="en-AU" sz="3200" dirty="0" err="1"/>
+              <a:t>Muggeo’s</a:t>
+            </a:r>
+            <a:r>
+              <a:rPr lang="en-AU" sz="3200" dirty="0"/>
+              <a:t> score test for one or two changes in the slope of regression (</a:t>
+            </a:r>
+            <a:r>
+              <a:rPr lang="en-AU" sz="3200" dirty="0" err="1"/>
+              <a:t>Muggeo</a:t>
+            </a:r>
+            <a:r>
+              <a:rPr lang="en-AU" sz="3200" dirty="0"/>
+              <a:t> 2016) is statistically significant, observed value = 2.026, p = 0.043</a:t>
+            </a:r>
+          </a:p>
+        </p:txBody>
+      </p:sp>
+      <p:sp>
+        <p:nvSpPr>
+          <p:cNvPr id="31" name="TextBox 30">
             <a:extLst>
               <a:ext uri="{FF2B5EF4-FFF2-40B4-BE49-F238E27FC236}">
-                <a16:creationId xmlns:a16="http://schemas.microsoft.com/office/drawing/2014/main" id="{A5CCB7C4-E0EC-7D88-D36D-3BACBEBB2CCA}"/>
+                <a16:creationId xmlns:a16="http://schemas.microsoft.com/office/drawing/2014/main" id="{25D28F42-9E15-1368-8942-F4B1DCBEAB55}"/>
               </a:ext>
             </a:extLst>
           </p:cNvPr>
@@ -4791,8 +6041,8 @@
         </p:nvSpPr>
         <p:spPr>
           <a:xfrm>
-            <a:off x="37513780" y="11445196"/>
-            <a:ext cx="12595243" cy="2862322"/>
+            <a:off x="36816257" y="22124616"/>
+            <a:ext cx="9982200" cy="646331"/>
           </a:xfrm>
           <a:prstGeom prst="rect">
             <a:avLst/>
@@ -4805,13 +6055,89 @@
           </a:bodyPr>
           <a:lstStyle/>
           <a:p>
+            <a:r>
+              <a:rPr lang="en-US" sz="3600" b="1" dirty="0"/>
+              <a:t>Solutions</a:t>
+            </a:r>
+            <a:endParaRPr lang="en-AU" sz="3600" b="1" dirty="0"/>
+          </a:p>
+        </p:txBody>
+      </p:sp>
+      <p:sp>
+        <p:nvSpPr>
+          <p:cNvPr id="34" name="TextBox 33">
+            <a:extLst>
+              <a:ext uri="{FF2B5EF4-FFF2-40B4-BE49-F238E27FC236}">
+                <a16:creationId xmlns:a16="http://schemas.microsoft.com/office/drawing/2014/main" id="{C4D469C4-5820-E4C6-3C54-2B5CC4C03706}"/>
+              </a:ext>
+            </a:extLst>
+          </p:cNvPr>
+          <p:cNvSpPr txBox="1"/>
+          <p:nvPr/>
+        </p:nvSpPr>
+        <p:spPr>
+          <a:xfrm>
+            <a:off x="426755" y="17362779"/>
+            <a:ext cx="9982200" cy="646331"/>
+          </a:xfrm>
+          <a:prstGeom prst="rect">
+            <a:avLst/>
+          </a:prstGeom>
+          <a:noFill/>
+        </p:spPr>
+        <p:txBody>
+          <a:bodyPr wrap="square" rtlCol="0">
+            <a:spAutoFit/>
+          </a:bodyPr>
+          <a:lstStyle/>
+          <a:p>
+            <a:r>
+              <a:rPr lang="en-US" sz="3600" b="1" dirty="0"/>
+              <a:t>Difference score problems</a:t>
+            </a:r>
+            <a:endParaRPr lang="en-AU" sz="3600" b="1" dirty="0"/>
+          </a:p>
+        </p:txBody>
+      </p:sp>
+      <p:sp>
+        <p:nvSpPr>
+          <p:cNvPr id="35" name="TextBox 34">
+            <a:extLst>
+              <a:ext uri="{FF2B5EF4-FFF2-40B4-BE49-F238E27FC236}">
+                <a16:creationId xmlns:a16="http://schemas.microsoft.com/office/drawing/2014/main" id="{137AE720-05CE-7F06-C367-57AC1870A095}"/>
+              </a:ext>
+            </a:extLst>
+          </p:cNvPr>
+          <p:cNvSpPr txBox="1"/>
+          <p:nvPr/>
+        </p:nvSpPr>
+        <p:spPr>
+          <a:xfrm>
+            <a:off x="36677707" y="1057005"/>
+            <a:ext cx="13197476" cy="1569660"/>
+          </a:xfrm>
+          <a:prstGeom prst="rect">
+            <a:avLst/>
+          </a:prstGeom>
+          <a:noFill/>
+        </p:spPr>
+        <p:txBody>
+          <a:bodyPr wrap="square">
+            <a:spAutoFit/>
+          </a:bodyPr>
+          <a:lstStyle/>
+          <a:p>
             <a:pPr marL="571500" indent="-571500">
               <a:buFont typeface="Wingdings" panose="05000000000000000000" pitchFamily="2" charset="2"/>
               <a:buChar char="§"/>
             </a:pPr>
             <a:r>
-              <a:rPr lang="en-US" sz="3600" dirty="0"/>
-              <a:t>Approximately half (n = 128) of included studies calculated a derived index (e.g., self-report TST–objective TST) to operationalise sleep discrepancy</a:t>
+              <a:rPr lang="en-AU" sz="3200" b="1" dirty="0"/>
+              <a:t>Directionality</a:t>
+            </a:r>
+            <a:r>
+              <a:rPr lang="en-AU" sz="3200" dirty="0"/>
+              <a:t> full-range symmetrical distribution may not be present</a:t>
             </a:r>
           </a:p>
           <a:p>
@@ -4820,18 +6146,1190 @@
               <a:buChar char="§"/>
             </a:pPr>
             <a:r>
-              <a:rPr lang="en-US" sz="3600" dirty="0"/>
-              <a:t>172 studies measured sleep discrepancy at the group level by directly comparing self-report and objective sleep</a:t>
-            </a:r>
-          </a:p>
-        </p:txBody>
-      </p:sp>
-      <p:sp>
-        <p:nvSpPr>
-          <p:cNvPr id="36" name="Rectangle: Rounded Corners 35">
+              <a:rPr lang="en-AU" sz="3200" b="1" dirty="0"/>
+              <a:t>Implicit constraints</a:t>
+            </a:r>
+            <a:r>
+              <a:rPr lang="en-AU" sz="3200" dirty="0"/>
+              <a:t> components equal in magnitude opposite in sign, pattern reverses at X = Y, no combined main effect of predictors</a:t>
+            </a:r>
+          </a:p>
+        </p:txBody>
+      </p:sp>
+      <p:sp>
+        <p:nvSpPr>
+          <p:cNvPr id="36" name="TextBox 35">
             <a:extLst>
               <a:ext uri="{FF2B5EF4-FFF2-40B4-BE49-F238E27FC236}">
-                <a16:creationId xmlns:a16="http://schemas.microsoft.com/office/drawing/2014/main" id="{982BBF38-C113-40B4-374C-E3858159952F}"/>
+                <a16:creationId xmlns:a16="http://schemas.microsoft.com/office/drawing/2014/main" id="{C1BF6EDC-6370-F09C-0977-C71EFB668C70}"/>
+              </a:ext>
+            </a:extLst>
+          </p:cNvPr>
+          <p:cNvSpPr txBox="1"/>
+          <p:nvPr/>
+        </p:nvSpPr>
+        <p:spPr>
+          <a:xfrm>
+            <a:off x="356827" y="24696879"/>
+            <a:ext cx="12951548" cy="584775"/>
+          </a:xfrm>
+          <a:prstGeom prst="rect">
+            <a:avLst/>
+          </a:prstGeom>
+          <a:noFill/>
+        </p:spPr>
+        <p:txBody>
+          <a:bodyPr wrap="square">
+            <a:spAutoFit/>
+          </a:bodyPr>
+          <a:lstStyle/>
+          <a:p>
+            <a:pPr marL="571500" indent="-571500">
+              <a:buFont typeface="Wingdings" panose="05000000000000000000" pitchFamily="2" charset="2"/>
+              <a:buChar char="§"/>
+            </a:pPr>
+            <a:r>
+              <a:rPr lang="en-AU" sz="3200" b="1" dirty="0"/>
+              <a:t>Implicit constraints</a:t>
+            </a:r>
+            <a:r>
+              <a:rPr lang="en-AU" sz="3200" dirty="0"/>
+              <a:t> components equal magnitude opposite in sign</a:t>
+            </a:r>
+          </a:p>
+        </p:txBody>
+      </p:sp>
+      <p:pic>
+        <p:nvPicPr>
+          <p:cNvPr id="38" name="Picture 37">
+            <a:extLst>
+              <a:ext uri="{FF2B5EF4-FFF2-40B4-BE49-F238E27FC236}">
+                <a16:creationId xmlns:a16="http://schemas.microsoft.com/office/drawing/2014/main" id="{0B10E24F-5E0F-A11E-363F-29DD1B56E3BD}"/>
+              </a:ext>
+            </a:extLst>
+          </p:cNvPr>
+          <p:cNvPicPr>
+            <a:picLocks noChangeAspect="1"/>
+          </p:cNvPicPr>
+          <p:nvPr/>
+        </p:nvPicPr>
+        <p:blipFill>
+          <a:blip r:embed="rId6"/>
+          <a:stretch>
+            <a:fillRect/>
+          </a:stretch>
+        </p:blipFill>
+        <p:spPr>
+          <a:xfrm>
+            <a:off x="802306" y="25324326"/>
+            <a:ext cx="5687219" cy="609685"/>
+          </a:xfrm>
+          <a:prstGeom prst="rect">
+            <a:avLst/>
+          </a:prstGeom>
+        </p:spPr>
+      </p:pic>
+      <p:pic>
+        <p:nvPicPr>
+          <p:cNvPr id="40" name="Picture 39">
+            <a:extLst>
+              <a:ext uri="{FF2B5EF4-FFF2-40B4-BE49-F238E27FC236}">
+                <a16:creationId xmlns:a16="http://schemas.microsoft.com/office/drawing/2014/main" id="{B736EDF2-5B9B-7CF1-617F-D6F2A5D24B26}"/>
+              </a:ext>
+            </a:extLst>
+          </p:cNvPr>
+          <p:cNvPicPr>
+            <a:picLocks noChangeAspect="1"/>
+          </p:cNvPicPr>
+          <p:nvPr/>
+        </p:nvPicPr>
+        <p:blipFill>
+          <a:blip r:embed="rId7"/>
+          <a:stretch>
+            <a:fillRect/>
+          </a:stretch>
+        </p:blipFill>
+        <p:spPr>
+          <a:xfrm>
+            <a:off x="1538699" y="25838853"/>
+            <a:ext cx="6001588" cy="543001"/>
+          </a:xfrm>
+          <a:prstGeom prst="rect">
+            <a:avLst/>
+          </a:prstGeom>
+        </p:spPr>
+      </p:pic>
+      <p:sp>
+        <p:nvSpPr>
+          <p:cNvPr id="41" name="TextBox 40">
+            <a:extLst>
+              <a:ext uri="{FF2B5EF4-FFF2-40B4-BE49-F238E27FC236}">
+                <a16:creationId xmlns:a16="http://schemas.microsoft.com/office/drawing/2014/main" id="{94C83882-8199-E597-3549-C499C9E9E310}"/>
+              </a:ext>
+            </a:extLst>
+          </p:cNvPr>
+          <p:cNvSpPr txBox="1"/>
+          <p:nvPr/>
+        </p:nvSpPr>
+        <p:spPr>
+          <a:xfrm>
+            <a:off x="36631883" y="281489"/>
+            <a:ext cx="9982200" cy="646331"/>
+          </a:xfrm>
+          <a:prstGeom prst="rect">
+            <a:avLst/>
+          </a:prstGeom>
+          <a:noFill/>
+        </p:spPr>
+        <p:txBody>
+          <a:bodyPr wrap="square" rtlCol="0">
+            <a:spAutoFit/>
+          </a:bodyPr>
+          <a:lstStyle/>
+          <a:p>
+            <a:r>
+              <a:rPr lang="en-US" sz="3600" b="1" dirty="0"/>
+              <a:t>Absolute difference score problems</a:t>
+            </a:r>
+            <a:endParaRPr lang="en-AU" sz="3600" b="1" dirty="0"/>
+          </a:p>
+        </p:txBody>
+      </p:sp>
+      <p:sp>
+        <p:nvSpPr>
+          <p:cNvPr id="42" name="TextBox 41">
+            <a:extLst>
+              <a:ext uri="{FF2B5EF4-FFF2-40B4-BE49-F238E27FC236}">
+                <a16:creationId xmlns:a16="http://schemas.microsoft.com/office/drawing/2014/main" id="{80001680-A163-2C98-8B27-714FB41E0690}"/>
+              </a:ext>
+            </a:extLst>
+          </p:cNvPr>
+          <p:cNvSpPr txBox="1"/>
+          <p:nvPr/>
+        </p:nvSpPr>
+        <p:spPr>
+          <a:xfrm>
+            <a:off x="429536" y="17981131"/>
+            <a:ext cx="13094204" cy="1077218"/>
+          </a:xfrm>
+          <a:prstGeom prst="rect">
+            <a:avLst/>
+          </a:prstGeom>
+          <a:noFill/>
+        </p:spPr>
+        <p:txBody>
+          <a:bodyPr wrap="square">
+            <a:spAutoFit/>
+          </a:bodyPr>
+          <a:lstStyle/>
+          <a:p>
+            <a:pPr marL="571500" indent="-571500">
+              <a:buFont typeface="Wingdings" panose="05000000000000000000" pitchFamily="2" charset="2"/>
+              <a:buChar char="§"/>
+            </a:pPr>
+            <a:r>
+              <a:rPr lang="en-AU" sz="3200" b="1" dirty="0"/>
+              <a:t>Directionality</a:t>
+            </a:r>
+            <a:r>
+              <a:rPr lang="en-AU" sz="3200" dirty="0"/>
+              <a:t> </a:t>
+            </a:r>
+            <a:r>
+              <a:rPr lang="en-US" sz="3200" dirty="0"/>
+              <a:t>identified effects exist through the full range of a difference score</a:t>
+            </a:r>
+            <a:endParaRPr lang="en-AU" sz="3200" dirty="0"/>
+          </a:p>
+        </p:txBody>
+      </p:sp>
+      <p:pic>
+        <p:nvPicPr>
+          <p:cNvPr id="45" name="Picture 44">
+            <a:extLst>
+              <a:ext uri="{FF2B5EF4-FFF2-40B4-BE49-F238E27FC236}">
+                <a16:creationId xmlns:a16="http://schemas.microsoft.com/office/drawing/2014/main" id="{098D7B8B-2B25-E9B6-0CC2-C0907ACA9188}"/>
+              </a:ext>
+            </a:extLst>
+          </p:cNvPr>
+          <p:cNvPicPr>
+            <a:picLocks noChangeAspect="1"/>
+          </p:cNvPicPr>
+          <p:nvPr/>
+        </p:nvPicPr>
+        <p:blipFill>
+          <a:blip r:embed="rId8"/>
+          <a:stretch>
+            <a:fillRect/>
+          </a:stretch>
+        </p:blipFill>
+        <p:spPr>
+          <a:xfrm>
+            <a:off x="39674668" y="2549653"/>
+            <a:ext cx="5315692" cy="543001"/>
+          </a:xfrm>
+          <a:prstGeom prst="rect">
+            <a:avLst/>
+          </a:prstGeom>
+        </p:spPr>
+      </p:pic>
+      <p:pic>
+        <p:nvPicPr>
+          <p:cNvPr id="47" name="Picture 46">
+            <a:extLst>
+              <a:ext uri="{FF2B5EF4-FFF2-40B4-BE49-F238E27FC236}">
+                <a16:creationId xmlns:a16="http://schemas.microsoft.com/office/drawing/2014/main" id="{2DFC7EF5-AAAB-91A7-FAAF-4ECB33834FA1}"/>
+              </a:ext>
+            </a:extLst>
+          </p:cNvPr>
+          <p:cNvPicPr>
+            <a:picLocks noChangeAspect="1"/>
+          </p:cNvPicPr>
+          <p:nvPr/>
+        </p:nvPicPr>
+        <p:blipFill>
+          <a:blip r:embed="rId9"/>
+          <a:stretch>
+            <a:fillRect/>
+          </a:stretch>
+        </p:blipFill>
+        <p:spPr>
+          <a:xfrm>
+            <a:off x="38387474" y="3787185"/>
+            <a:ext cx="8869013" cy="1047896"/>
+          </a:xfrm>
+          <a:prstGeom prst="rect">
+            <a:avLst/>
+          </a:prstGeom>
+        </p:spPr>
+      </p:pic>
+      <p:pic>
+        <p:nvPicPr>
+          <p:cNvPr id="49" name="Picture 48">
+            <a:extLst>
+              <a:ext uri="{FF2B5EF4-FFF2-40B4-BE49-F238E27FC236}">
+                <a16:creationId xmlns:a16="http://schemas.microsoft.com/office/drawing/2014/main" id="{45A77597-447B-B27B-045F-6EA7009BDCF1}"/>
+              </a:ext>
+            </a:extLst>
+          </p:cNvPr>
+          <p:cNvPicPr>
+            <a:picLocks noChangeAspect="1"/>
+          </p:cNvPicPr>
+          <p:nvPr/>
+        </p:nvPicPr>
+        <p:blipFill>
+          <a:blip r:embed="rId10"/>
+          <a:stretch>
+            <a:fillRect/>
+          </a:stretch>
+        </p:blipFill>
+        <p:spPr>
+          <a:xfrm>
+            <a:off x="38387474" y="5003918"/>
+            <a:ext cx="8745170" cy="847843"/>
+          </a:xfrm>
+          <a:prstGeom prst="rect">
+            <a:avLst/>
+          </a:prstGeom>
+        </p:spPr>
+      </p:pic>
+      <p:pic>
+        <p:nvPicPr>
+          <p:cNvPr id="51" name="Picture 50">
+            <a:extLst>
+              <a:ext uri="{FF2B5EF4-FFF2-40B4-BE49-F238E27FC236}">
+                <a16:creationId xmlns:a16="http://schemas.microsoft.com/office/drawing/2014/main" id="{F6E9DB9B-E61C-6460-6830-535E39BE618E}"/>
+              </a:ext>
+            </a:extLst>
+          </p:cNvPr>
+          <p:cNvPicPr>
+            <a:picLocks noChangeAspect="1"/>
+          </p:cNvPicPr>
+          <p:nvPr/>
+        </p:nvPicPr>
+        <p:blipFill>
+          <a:blip r:embed="rId11"/>
+          <a:stretch>
+            <a:fillRect/>
+          </a:stretch>
+        </p:blipFill>
+        <p:spPr>
+          <a:xfrm>
+            <a:off x="40245140" y="3053344"/>
+            <a:ext cx="7125694" cy="552527"/>
+          </a:xfrm>
+          <a:prstGeom prst="rect">
+            <a:avLst/>
+          </a:prstGeom>
+        </p:spPr>
+      </p:pic>
+      <p:sp>
+        <p:nvSpPr>
+          <p:cNvPr id="54" name="TextBox 53">
+            <a:extLst>
+              <a:ext uri="{FF2B5EF4-FFF2-40B4-BE49-F238E27FC236}">
+                <a16:creationId xmlns:a16="http://schemas.microsoft.com/office/drawing/2014/main" id="{9A337C6F-75A9-ADD3-0D65-3B14E98C58B0}"/>
+              </a:ext>
+            </a:extLst>
+          </p:cNvPr>
+          <p:cNvSpPr txBox="1"/>
+          <p:nvPr/>
+        </p:nvSpPr>
+        <p:spPr>
+          <a:xfrm>
+            <a:off x="36677707" y="12851305"/>
+            <a:ext cx="9982200" cy="646331"/>
+          </a:xfrm>
+          <a:prstGeom prst="rect">
+            <a:avLst/>
+          </a:prstGeom>
+          <a:noFill/>
+        </p:spPr>
+        <p:txBody>
+          <a:bodyPr wrap="square" rtlCol="0">
+            <a:spAutoFit/>
+          </a:bodyPr>
+          <a:lstStyle/>
+          <a:p>
+            <a:r>
+              <a:rPr lang="en-US" sz="3600" b="1" dirty="0"/>
+              <a:t>Ratio score problems</a:t>
+            </a:r>
+            <a:endParaRPr lang="en-AU" sz="3600" b="1" dirty="0"/>
+          </a:p>
+        </p:txBody>
+      </p:sp>
+      <p:pic>
+        <p:nvPicPr>
+          <p:cNvPr id="58" name="Picture 57">
+            <a:extLst>
+              <a:ext uri="{FF2B5EF4-FFF2-40B4-BE49-F238E27FC236}">
+                <a16:creationId xmlns:a16="http://schemas.microsoft.com/office/drawing/2014/main" id="{E112DE98-D29F-3D1A-2805-CF8890CC21B2}"/>
+              </a:ext>
+            </a:extLst>
+          </p:cNvPr>
+          <p:cNvPicPr>
+            <a:picLocks noChangeAspect="1"/>
+          </p:cNvPicPr>
+          <p:nvPr/>
+        </p:nvPicPr>
+        <p:blipFill>
+          <a:blip r:embed="rId12"/>
+          <a:stretch>
+            <a:fillRect/>
+          </a:stretch>
+        </p:blipFill>
+        <p:spPr>
+          <a:xfrm>
+            <a:off x="37709061" y="15322224"/>
+            <a:ext cx="4372585" cy="1562318"/>
+          </a:xfrm>
+          <a:prstGeom prst="rect">
+            <a:avLst/>
+          </a:prstGeom>
+        </p:spPr>
+      </p:pic>
+      <p:pic>
+        <p:nvPicPr>
+          <p:cNvPr id="60" name="Picture 59">
+            <a:extLst>
+              <a:ext uri="{FF2B5EF4-FFF2-40B4-BE49-F238E27FC236}">
+                <a16:creationId xmlns:a16="http://schemas.microsoft.com/office/drawing/2014/main" id="{2CE9E6B9-927B-62A5-139F-5D055C5AAE56}"/>
+              </a:ext>
+            </a:extLst>
+          </p:cNvPr>
+          <p:cNvPicPr>
+            <a:picLocks noChangeAspect="1"/>
+          </p:cNvPicPr>
+          <p:nvPr/>
+        </p:nvPicPr>
+        <p:blipFill>
+          <a:blip r:embed="rId13"/>
+          <a:stretch>
+            <a:fillRect/>
+          </a:stretch>
+        </p:blipFill>
+        <p:spPr>
+          <a:xfrm>
+            <a:off x="44035683" y="15023700"/>
+            <a:ext cx="4848902" cy="2048161"/>
+          </a:xfrm>
+          <a:prstGeom prst="rect">
+            <a:avLst/>
+          </a:prstGeom>
+        </p:spPr>
+      </p:pic>
+      <p:sp>
+        <p:nvSpPr>
+          <p:cNvPr id="61" name="TextBox 60">
+            <a:extLst>
+              <a:ext uri="{FF2B5EF4-FFF2-40B4-BE49-F238E27FC236}">
+                <a16:creationId xmlns:a16="http://schemas.microsoft.com/office/drawing/2014/main" id="{B56613E1-BC9C-53CA-BB4F-CCD0BA458FDA}"/>
+              </a:ext>
+            </a:extLst>
+          </p:cNvPr>
+          <p:cNvSpPr txBox="1"/>
+          <p:nvPr/>
+        </p:nvSpPr>
+        <p:spPr>
+          <a:xfrm>
+            <a:off x="36844215" y="20850738"/>
+            <a:ext cx="13030968" cy="1077218"/>
+          </a:xfrm>
+          <a:prstGeom prst="rect">
+            <a:avLst/>
+          </a:prstGeom>
+          <a:noFill/>
+        </p:spPr>
+        <p:txBody>
+          <a:bodyPr wrap="square">
+            <a:spAutoFit/>
+          </a:bodyPr>
+          <a:lstStyle/>
+          <a:p>
+            <a:pPr marL="571500" indent="-571500">
+              <a:buFont typeface="Wingdings" panose="05000000000000000000" pitchFamily="2" charset="2"/>
+              <a:buChar char="§"/>
+            </a:pPr>
+            <a:r>
+              <a:rPr lang="en-AU" sz="3200" b="1" dirty="0"/>
+              <a:t>Implicit constraints </a:t>
+            </a:r>
+            <a:r>
+              <a:rPr lang="en-AU" sz="3200" dirty="0"/>
+              <a:t>opposite in sign and dependent on value of the other component </a:t>
+            </a:r>
+            <a:endParaRPr lang="en-US" sz="3200" b="1" dirty="0"/>
+          </a:p>
+        </p:txBody>
+      </p:sp>
+      <p:grpSp>
+        <p:nvGrpSpPr>
+          <p:cNvPr id="25" name="Group 24">
+            <a:extLst>
+              <a:ext uri="{FF2B5EF4-FFF2-40B4-BE49-F238E27FC236}">
+                <a16:creationId xmlns:a16="http://schemas.microsoft.com/office/drawing/2014/main" id="{203EF41D-4B71-5D50-0936-823D073DD50F}"/>
+              </a:ext>
+            </a:extLst>
+          </p:cNvPr>
+          <p:cNvGrpSpPr/>
+          <p:nvPr/>
+        </p:nvGrpSpPr>
+        <p:grpSpPr>
+          <a:xfrm>
+            <a:off x="12126403" y="13689884"/>
+            <a:ext cx="25455058" cy="4855550"/>
+            <a:chOff x="12223703" y="13423605"/>
+            <a:chExt cx="25455058" cy="4855550"/>
+          </a:xfrm>
+        </p:grpSpPr>
+        <p:sp>
+          <p:nvSpPr>
+            <p:cNvPr id="65" name="Rectangle 64">
+              <a:extLst>
+                <a:ext uri="{FF2B5EF4-FFF2-40B4-BE49-F238E27FC236}">
+                  <a16:creationId xmlns:a16="http://schemas.microsoft.com/office/drawing/2014/main" id="{5E480C9B-6A50-B2C4-9A5E-B30F77352519}"/>
+                </a:ext>
+              </a:extLst>
+            </p:cNvPr>
+            <p:cNvSpPr/>
+            <p:nvPr/>
+          </p:nvSpPr>
+          <p:spPr>
+            <a:xfrm>
+              <a:off x="12223703" y="13423605"/>
+              <a:ext cx="25455058" cy="4855550"/>
+            </a:xfrm>
+            <a:prstGeom prst="rect">
+              <a:avLst/>
+            </a:prstGeom>
+            <a:solidFill>
+              <a:schemeClr val="bg1"/>
+            </a:solidFill>
+            <a:ln>
+              <a:solidFill>
+                <a:schemeClr val="bg1"/>
+              </a:solidFill>
+            </a:ln>
+          </p:spPr>
+          <p:style>
+            <a:lnRef idx="2">
+              <a:schemeClr val="accent1">
+                <a:shade val="15000"/>
+              </a:schemeClr>
+            </a:lnRef>
+            <a:fillRef idx="1">
+              <a:schemeClr val="accent1"/>
+            </a:fillRef>
+            <a:effectRef idx="0">
+              <a:schemeClr val="accent1"/>
+            </a:effectRef>
+            <a:fontRef idx="minor">
+              <a:schemeClr val="lt1"/>
+            </a:fontRef>
+          </p:style>
+          <p:txBody>
+            <a:bodyPr rtlCol="0" anchor="ctr"/>
+            <a:lstStyle/>
+            <a:p>
+              <a:pPr algn="ctr"/>
+              <a:endParaRPr lang="en-AU"/>
+            </a:p>
+          </p:txBody>
+        </p:sp>
+        <p:pic>
+          <p:nvPicPr>
+            <p:cNvPr id="17" name="Picture 16">
+              <a:extLst>
+                <a:ext uri="{FF2B5EF4-FFF2-40B4-BE49-F238E27FC236}">
+                  <a16:creationId xmlns:a16="http://schemas.microsoft.com/office/drawing/2014/main" id="{70FB135E-B2EA-D03E-1B28-55AADE4284B3}"/>
+                </a:ext>
+              </a:extLst>
+            </p:cNvPr>
+            <p:cNvPicPr>
+              <a:picLocks noChangeAspect="1"/>
+            </p:cNvPicPr>
+            <p:nvPr/>
+          </p:nvPicPr>
+          <p:blipFill>
+            <a:blip r:embed="rId14"/>
+            <a:stretch>
+              <a:fillRect/>
+            </a:stretch>
+          </p:blipFill>
+          <p:spPr>
+            <a:xfrm>
+              <a:off x="13550398" y="14216375"/>
+              <a:ext cx="3250945" cy="3354932"/>
+            </a:xfrm>
+            <a:prstGeom prst="rect">
+              <a:avLst/>
+            </a:prstGeom>
+          </p:spPr>
+        </p:pic>
+        <p:pic>
+          <p:nvPicPr>
+            <p:cNvPr id="21" name="Picture 20">
+              <a:extLst>
+                <a:ext uri="{FF2B5EF4-FFF2-40B4-BE49-F238E27FC236}">
+                  <a16:creationId xmlns:a16="http://schemas.microsoft.com/office/drawing/2014/main" id="{D0E61050-C2FC-A18E-16C8-53C5C91D2600}"/>
+                </a:ext>
+              </a:extLst>
+            </p:cNvPr>
+            <p:cNvPicPr>
+              <a:picLocks noChangeAspect="1"/>
+            </p:cNvPicPr>
+            <p:nvPr/>
+          </p:nvPicPr>
+          <p:blipFill>
+            <a:blip r:embed="rId15"/>
+            <a:stretch>
+              <a:fillRect/>
+            </a:stretch>
+          </p:blipFill>
+          <p:spPr>
+            <a:xfrm>
+              <a:off x="17548795" y="14037105"/>
+              <a:ext cx="3233898" cy="3600000"/>
+            </a:xfrm>
+            <a:prstGeom prst="rect">
+              <a:avLst/>
+            </a:prstGeom>
+          </p:spPr>
+        </p:pic>
+        <p:pic>
+          <p:nvPicPr>
+            <p:cNvPr id="27" name="Picture 26">
+              <a:extLst>
+                <a:ext uri="{FF2B5EF4-FFF2-40B4-BE49-F238E27FC236}">
+                  <a16:creationId xmlns:a16="http://schemas.microsoft.com/office/drawing/2014/main" id="{4C94897B-AC8A-4418-8CB4-EE97038EA4B5}"/>
+                </a:ext>
+              </a:extLst>
+            </p:cNvPr>
+            <p:cNvPicPr>
+              <a:picLocks noChangeAspect="1"/>
+            </p:cNvPicPr>
+            <p:nvPr/>
+          </p:nvPicPr>
+          <p:blipFill>
+            <a:blip r:embed="rId16"/>
+            <a:stretch>
+              <a:fillRect/>
+            </a:stretch>
+          </p:blipFill>
+          <p:spPr>
+            <a:xfrm>
+              <a:off x="21501346" y="14098622"/>
+              <a:ext cx="3220417" cy="3534202"/>
+            </a:xfrm>
+            <a:prstGeom prst="rect">
+              <a:avLst/>
+            </a:prstGeom>
+          </p:spPr>
+        </p:pic>
+        <p:pic>
+          <p:nvPicPr>
+            <p:cNvPr id="24" name="Picture 23">
+              <a:extLst>
+                <a:ext uri="{FF2B5EF4-FFF2-40B4-BE49-F238E27FC236}">
+                  <a16:creationId xmlns:a16="http://schemas.microsoft.com/office/drawing/2014/main" id="{1BA848F5-605E-085E-58FF-608B6FCAC33B}"/>
+                </a:ext>
+              </a:extLst>
+            </p:cNvPr>
+            <p:cNvPicPr>
+              <a:picLocks noChangeAspect="1"/>
+            </p:cNvPicPr>
+            <p:nvPr/>
+          </p:nvPicPr>
+          <p:blipFill>
+            <a:blip r:embed="rId17"/>
+            <a:stretch>
+              <a:fillRect/>
+            </a:stretch>
+          </p:blipFill>
+          <p:spPr>
+            <a:xfrm>
+              <a:off x="25200908" y="14126739"/>
+              <a:ext cx="3376124" cy="3534203"/>
+            </a:xfrm>
+            <a:prstGeom prst="rect">
+              <a:avLst/>
+            </a:prstGeom>
+          </p:spPr>
+        </p:pic>
+        <p:pic>
+          <p:nvPicPr>
+            <p:cNvPr id="46" name="Picture 45">
+              <a:extLst>
+                <a:ext uri="{FF2B5EF4-FFF2-40B4-BE49-F238E27FC236}">
+                  <a16:creationId xmlns:a16="http://schemas.microsoft.com/office/drawing/2014/main" id="{92038A45-C817-CAF6-E579-3EB44458883B}"/>
+                </a:ext>
+              </a:extLst>
+            </p:cNvPr>
+            <p:cNvPicPr>
+              <a:picLocks noChangeAspect="1"/>
+            </p:cNvPicPr>
+            <p:nvPr/>
+          </p:nvPicPr>
+          <p:blipFill>
+            <a:blip r:embed="rId18"/>
+            <a:stretch>
+              <a:fillRect/>
+            </a:stretch>
+          </p:blipFill>
+          <p:spPr>
+            <a:xfrm>
+              <a:off x="29228987" y="14126739"/>
+              <a:ext cx="3292551" cy="3477968"/>
+            </a:xfrm>
+            <a:prstGeom prst="rect">
+              <a:avLst/>
+            </a:prstGeom>
+          </p:spPr>
+        </p:pic>
+        <p:pic>
+          <p:nvPicPr>
+            <p:cNvPr id="59" name="Picture 58">
+              <a:extLst>
+                <a:ext uri="{FF2B5EF4-FFF2-40B4-BE49-F238E27FC236}">
+                  <a16:creationId xmlns:a16="http://schemas.microsoft.com/office/drawing/2014/main" id="{FEB37593-C570-3CE8-86A5-996BFCAD70D9}"/>
+                </a:ext>
+              </a:extLst>
+            </p:cNvPr>
+            <p:cNvPicPr>
+              <a:picLocks noChangeAspect="1"/>
+            </p:cNvPicPr>
+            <p:nvPr/>
+          </p:nvPicPr>
+          <p:blipFill>
+            <a:blip r:embed="rId19"/>
+            <a:stretch>
+              <a:fillRect/>
+            </a:stretch>
+          </p:blipFill>
+          <p:spPr>
+            <a:xfrm>
+              <a:off x="33014855" y="14070003"/>
+              <a:ext cx="3471701" cy="3534203"/>
+            </a:xfrm>
+            <a:prstGeom prst="rect">
+              <a:avLst/>
+            </a:prstGeom>
+          </p:spPr>
+        </p:pic>
+      </p:grpSp>
+      <p:pic>
+        <p:nvPicPr>
+          <p:cNvPr id="63" name="Picture 62">
+            <a:extLst>
+              <a:ext uri="{FF2B5EF4-FFF2-40B4-BE49-F238E27FC236}">
+                <a16:creationId xmlns:a16="http://schemas.microsoft.com/office/drawing/2014/main" id="{37A7972D-077D-FA89-9E03-5587E47A4D11}"/>
+              </a:ext>
+            </a:extLst>
+          </p:cNvPr>
+          <p:cNvPicPr>
+            <a:picLocks noChangeAspect="1"/>
+          </p:cNvPicPr>
+          <p:nvPr/>
+        </p:nvPicPr>
+        <p:blipFill>
+          <a:blip r:embed="rId20"/>
+          <a:stretch>
+            <a:fillRect/>
+          </a:stretch>
+        </p:blipFill>
+        <p:spPr>
+          <a:xfrm>
+            <a:off x="37566341" y="17135605"/>
+            <a:ext cx="11027763" cy="3345016"/>
+          </a:xfrm>
+          <a:prstGeom prst="rect">
+            <a:avLst/>
+          </a:prstGeom>
+        </p:spPr>
+      </p:pic>
+      <p:grpSp>
+        <p:nvGrpSpPr>
+          <p:cNvPr id="23" name="Group 22">
+            <a:extLst>
+              <a:ext uri="{FF2B5EF4-FFF2-40B4-BE49-F238E27FC236}">
+                <a16:creationId xmlns:a16="http://schemas.microsoft.com/office/drawing/2014/main" id="{5F9961AC-826A-1F43-19E6-A3B8DCFBA7DD}"/>
+              </a:ext>
+            </a:extLst>
+          </p:cNvPr>
+          <p:cNvGrpSpPr/>
+          <p:nvPr/>
+        </p:nvGrpSpPr>
+        <p:grpSpPr>
+          <a:xfrm>
+            <a:off x="31021297" y="26339258"/>
+            <a:ext cx="3981986" cy="4968240"/>
+            <a:chOff x="32239974" y="26761440"/>
+            <a:chExt cx="3981986" cy="4968240"/>
+          </a:xfrm>
+        </p:grpSpPr>
+        <p:sp>
+          <p:nvSpPr>
+            <p:cNvPr id="6" name="Rectangle: Rounded Corners 5">
+              <a:extLst>
+                <a:ext uri="{FF2B5EF4-FFF2-40B4-BE49-F238E27FC236}">
+                  <a16:creationId xmlns:a16="http://schemas.microsoft.com/office/drawing/2014/main" id="{A4AEFF63-6A28-7BDA-0D3E-40CB5636B826}"/>
+                </a:ext>
+              </a:extLst>
+            </p:cNvPr>
+            <p:cNvSpPr/>
+            <p:nvPr/>
+          </p:nvSpPr>
+          <p:spPr>
+            <a:xfrm>
+              <a:off x="32239974" y="26761440"/>
+              <a:ext cx="3981986" cy="4968240"/>
+            </a:xfrm>
+            <a:prstGeom prst="roundRect">
+              <a:avLst/>
+            </a:prstGeom>
+            <a:solidFill>
+              <a:schemeClr val="bg1"/>
+            </a:solidFill>
+            <a:ln>
+              <a:noFill/>
+            </a:ln>
+          </p:spPr>
+          <p:style>
+            <a:lnRef idx="2">
+              <a:schemeClr val="accent1">
+                <a:shade val="15000"/>
+              </a:schemeClr>
+            </a:lnRef>
+            <a:fillRef idx="1">
+              <a:schemeClr val="accent1"/>
+            </a:fillRef>
+            <a:effectRef idx="0">
+              <a:schemeClr val="accent1"/>
+            </a:effectRef>
+            <a:fontRef idx="minor">
+              <a:schemeClr val="lt1"/>
+            </a:fontRef>
+          </p:style>
+          <p:txBody>
+            <a:bodyPr rtlCol="0" anchor="ctr"/>
+            <a:lstStyle/>
+            <a:p>
+              <a:pPr algn="ctr"/>
+              <a:endParaRPr lang="en-AU" dirty="0"/>
+            </a:p>
+          </p:txBody>
+        </p:sp>
+        <p:sp>
+          <p:nvSpPr>
+            <p:cNvPr id="13" name="TextBox 12">
+              <a:extLst>
+                <a:ext uri="{FF2B5EF4-FFF2-40B4-BE49-F238E27FC236}">
+                  <a16:creationId xmlns:a16="http://schemas.microsoft.com/office/drawing/2014/main" id="{734D390A-164E-E60D-8B12-383B5FAB2B63}"/>
+                </a:ext>
+              </a:extLst>
+            </p:cNvPr>
+            <p:cNvSpPr txBox="1"/>
+            <p:nvPr/>
+          </p:nvSpPr>
+          <p:spPr>
+            <a:xfrm>
+              <a:off x="33090773" y="30571440"/>
+              <a:ext cx="2477524" cy="707886"/>
+            </a:xfrm>
+            <a:prstGeom prst="rect">
+              <a:avLst/>
+            </a:prstGeom>
+            <a:noFill/>
+          </p:spPr>
+          <p:txBody>
+            <a:bodyPr wrap="square" rtlCol="0">
+              <a:spAutoFit/>
+            </a:bodyPr>
+            <a:lstStyle/>
+            <a:p>
+              <a:r>
+                <a:rPr lang="en-US" sz="4000" b="1" dirty="0"/>
+                <a:t>SCAN ME</a:t>
+              </a:r>
+              <a:endParaRPr lang="en-AU" sz="4000" b="1" dirty="0"/>
+            </a:p>
+          </p:txBody>
+        </p:sp>
+        <p:pic>
+          <p:nvPicPr>
+            <p:cNvPr id="3" name="Picture 2">
+              <a:extLst>
+                <a:ext uri="{FF2B5EF4-FFF2-40B4-BE49-F238E27FC236}">
+                  <a16:creationId xmlns:a16="http://schemas.microsoft.com/office/drawing/2014/main" id="{B8FF5C06-2D57-7EA7-1C11-1CDA68101467}"/>
+                </a:ext>
+              </a:extLst>
+            </p:cNvPr>
+            <p:cNvPicPr>
+              <a:picLocks noChangeAspect="1"/>
+            </p:cNvPicPr>
+            <p:nvPr/>
+          </p:nvPicPr>
+          <p:blipFill>
+            <a:blip r:embed="rId21"/>
+            <a:stretch>
+              <a:fillRect/>
+            </a:stretch>
+          </p:blipFill>
+          <p:spPr>
+            <a:xfrm>
+              <a:off x="32635040" y="27312628"/>
+              <a:ext cx="3270399" cy="3156881"/>
+            </a:xfrm>
+            <a:prstGeom prst="rect">
+              <a:avLst/>
+            </a:prstGeom>
+          </p:spPr>
+        </p:pic>
+      </p:grpSp>
+      <p:pic>
+        <p:nvPicPr>
+          <p:cNvPr id="14" name="Picture 13" descr="A black cat with a white circle around it&#10;&#10;Description automatically generated">
+            <a:extLst>
+              <a:ext uri="{FF2B5EF4-FFF2-40B4-BE49-F238E27FC236}">
+                <a16:creationId xmlns:a16="http://schemas.microsoft.com/office/drawing/2014/main" id="{A4DE43B9-EAB4-CDA6-1085-8D8C8B1770C0}"/>
+              </a:ext>
+            </a:extLst>
+          </p:cNvPr>
+          <p:cNvPicPr>
+            <a:picLocks noChangeAspect="1"/>
+          </p:cNvPicPr>
+          <p:nvPr/>
+        </p:nvPicPr>
+        <p:blipFill>
+          <a:blip r:embed="rId22">
+            <a:duotone>
+              <a:prstClr val="black"/>
+              <a:schemeClr val="tx1">
+                <a:tint val="45000"/>
+                <a:satMod val="400000"/>
+              </a:schemeClr>
+            </a:duotone>
+            <a:extLst>
+              <a:ext uri="{BEBA8EAE-BF5A-486C-A8C5-ECC9F3942E4B}">
+                <a14:imgProps xmlns:a14="http://schemas.microsoft.com/office/drawing/2010/main">
+                  <a14:imgLayer r:embed="rId23">
+                    <a14:imgEffect>
+                      <a14:artisticGlowEdges/>
+                    </a14:imgEffect>
+                  </a14:imgLayer>
+                </a14:imgProps>
+              </a:ext>
+              <a:ext uri="{28A0092B-C50C-407E-A947-70E740481C1C}">
+                <a14:useLocalDpi xmlns:a14="http://schemas.microsoft.com/office/drawing/2010/main" val="0"/>
+              </a:ext>
+            </a:extLst>
+          </a:blip>
+          <a:stretch>
+            <a:fillRect/>
+          </a:stretch>
+        </p:blipFill>
+        <p:spPr>
+          <a:xfrm flipH="1">
+            <a:off x="641647" y="6880034"/>
+            <a:ext cx="415030" cy="407892"/>
+          </a:xfrm>
+          <a:prstGeom prst="rect">
+            <a:avLst/>
+          </a:prstGeom>
+        </p:spPr>
+      </p:pic>
+      <p:pic>
+        <p:nvPicPr>
+          <p:cNvPr id="15" name="Graphic 14" descr="Envelope with solid fill">
+            <a:extLst>
+              <a:ext uri="{FF2B5EF4-FFF2-40B4-BE49-F238E27FC236}">
+                <a16:creationId xmlns:a16="http://schemas.microsoft.com/office/drawing/2014/main" id="{B0479EDD-6DA7-06F0-4A8C-762BD557831A}"/>
+              </a:ext>
+            </a:extLst>
+          </p:cNvPr>
+          <p:cNvPicPr>
+            <a:picLocks noChangeAspect="1"/>
+          </p:cNvPicPr>
+          <p:nvPr/>
+        </p:nvPicPr>
+        <p:blipFill>
+          <a:blip r:embed="rId24">
+            <a:extLst>
+              <a:ext uri="{96DAC541-7B7A-43D3-8B79-37D633B846F1}">
+                <asvg:svgBlip xmlns:asvg="http://schemas.microsoft.com/office/drawing/2016/SVG/main" r:embed="rId25"/>
+              </a:ext>
+            </a:extLst>
+          </a:blip>
+          <a:stretch>
+            <a:fillRect/>
+          </a:stretch>
+        </p:blipFill>
+        <p:spPr>
+          <a:xfrm>
+            <a:off x="578147" y="5958054"/>
+            <a:ext cx="562935" cy="562935"/>
+          </a:xfrm>
+          <a:prstGeom prst="rect">
+            <a:avLst/>
+          </a:prstGeom>
+        </p:spPr>
+      </p:pic>
+      <p:sp>
+        <p:nvSpPr>
+          <p:cNvPr id="11" name="TextBox 10">
+            <a:extLst>
+              <a:ext uri="{FF2B5EF4-FFF2-40B4-BE49-F238E27FC236}">
+                <a16:creationId xmlns:a16="http://schemas.microsoft.com/office/drawing/2014/main" id="{79BE21E0-6DF2-4E7D-8AF8-C5AC0F5DD889}"/>
+              </a:ext>
+            </a:extLst>
+          </p:cNvPr>
+          <p:cNvSpPr txBox="1"/>
+          <p:nvPr/>
+        </p:nvSpPr>
+        <p:spPr>
+          <a:xfrm>
+            <a:off x="356827" y="10723810"/>
+            <a:ext cx="12951548" cy="3046988"/>
+          </a:xfrm>
+          <a:prstGeom prst="rect">
+            <a:avLst/>
+          </a:prstGeom>
+          <a:noFill/>
+        </p:spPr>
+        <p:txBody>
+          <a:bodyPr wrap="square">
+            <a:spAutoFit/>
+          </a:bodyPr>
+          <a:lstStyle/>
+          <a:p>
+            <a:pPr marL="571500" indent="-571500">
+              <a:buFont typeface="Wingdings" panose="05000000000000000000" pitchFamily="2" charset="2"/>
+              <a:buChar char="§"/>
+            </a:pPr>
+            <a:r>
+              <a:rPr lang="en-AU" sz="3200" dirty="0"/>
+              <a:t>Sleep </a:t>
+            </a:r>
+            <a:r>
+              <a:rPr lang="en-US" sz="3200" dirty="0"/>
+              <a:t>discrepancy  is  the discordance between self-report and objective measures of sleep</a:t>
+            </a:r>
+          </a:p>
+          <a:p>
+            <a:pPr marL="571500" indent="-571500">
+              <a:buFont typeface="Wingdings" panose="05000000000000000000" pitchFamily="2" charset="2"/>
+              <a:buChar char="§"/>
+            </a:pPr>
+            <a:r>
+              <a:rPr lang="en-US" sz="3200" dirty="0"/>
+              <a:t>Sleep discrepancy is often operationalised as a derived index (e.g., self-report TST – objective TST)</a:t>
+            </a:r>
+          </a:p>
+          <a:p>
+            <a:pPr marL="571500" indent="-571500">
+              <a:buFont typeface="Wingdings" panose="05000000000000000000" pitchFamily="2" charset="2"/>
+              <a:buChar char="§"/>
+            </a:pPr>
+            <a:r>
+              <a:rPr lang="en-US" sz="3200" dirty="0"/>
+              <a:t>Derived indices are associated with a range of conceptual and methodological problems</a:t>
+            </a:r>
+          </a:p>
+        </p:txBody>
+      </p:sp>
+      <p:sp>
+        <p:nvSpPr>
+          <p:cNvPr id="33" name="TextBox 32">
+            <a:extLst>
+              <a:ext uri="{FF2B5EF4-FFF2-40B4-BE49-F238E27FC236}">
+                <a16:creationId xmlns:a16="http://schemas.microsoft.com/office/drawing/2014/main" id="{E1B5D5FB-DBE7-A4EB-08AC-E09388FD54C2}"/>
+              </a:ext>
+            </a:extLst>
+          </p:cNvPr>
+          <p:cNvSpPr txBox="1"/>
+          <p:nvPr/>
+        </p:nvSpPr>
+        <p:spPr>
+          <a:xfrm>
+            <a:off x="356827" y="14757405"/>
+            <a:ext cx="12461664" cy="2062103"/>
+          </a:xfrm>
+          <a:prstGeom prst="rect">
+            <a:avLst/>
+          </a:prstGeom>
+          <a:noFill/>
+        </p:spPr>
+        <p:txBody>
+          <a:bodyPr wrap="square">
+            <a:spAutoFit/>
+          </a:bodyPr>
+          <a:lstStyle/>
+          <a:p>
+            <a:pPr marL="571500" indent="-571500">
+              <a:buFont typeface="Wingdings" panose="05000000000000000000" pitchFamily="2" charset="2"/>
+              <a:buChar char="§"/>
+            </a:pPr>
+            <a:r>
+              <a:rPr lang="en-AU" sz="3200" dirty="0"/>
+              <a:t>Archival data: Healthy Ageing Research Programme (N = 230; age 50+)</a:t>
+            </a:r>
+          </a:p>
+          <a:p>
+            <a:pPr marL="571500" indent="-571500">
+              <a:buFont typeface="Wingdings" panose="05000000000000000000" pitchFamily="2" charset="2"/>
+              <a:buChar char="§"/>
+            </a:pPr>
+            <a:r>
+              <a:rPr lang="en-AU" sz="3200" dirty="0"/>
+              <a:t>Objective sleep using actigraphy with concurrent sleep diaries</a:t>
+            </a:r>
+          </a:p>
+          <a:p>
+            <a:pPr marL="571500" indent="-571500">
+              <a:buFont typeface="Wingdings" panose="05000000000000000000" pitchFamily="2" charset="2"/>
+              <a:buChar char="§"/>
+            </a:pPr>
+            <a:r>
+              <a:rPr lang="en-AU" sz="3200" dirty="0"/>
+              <a:t>Questionnaires measures including the insomnia severity index.</a:t>
+            </a:r>
+          </a:p>
+        </p:txBody>
+      </p:sp>
+      <p:sp>
+        <p:nvSpPr>
+          <p:cNvPr id="56" name="TextBox 55">
+            <a:extLst>
+              <a:ext uri="{FF2B5EF4-FFF2-40B4-BE49-F238E27FC236}">
+                <a16:creationId xmlns:a16="http://schemas.microsoft.com/office/drawing/2014/main" id="{B245F729-552B-AF90-72AF-077E74AE98C6}"/>
+              </a:ext>
+            </a:extLst>
+          </p:cNvPr>
+          <p:cNvSpPr txBox="1"/>
+          <p:nvPr/>
+        </p:nvSpPr>
+        <p:spPr>
+          <a:xfrm>
+            <a:off x="36783928" y="13423605"/>
+            <a:ext cx="13333752" cy="1569660"/>
+          </a:xfrm>
+          <a:prstGeom prst="rect">
+            <a:avLst/>
+          </a:prstGeom>
+          <a:noFill/>
+        </p:spPr>
+        <p:txBody>
+          <a:bodyPr wrap="square">
+            <a:spAutoFit/>
+          </a:bodyPr>
+          <a:lstStyle/>
+          <a:p>
+            <a:pPr marL="571500" indent="-571500">
+              <a:buFont typeface="Wingdings" panose="05000000000000000000" pitchFamily="2" charset="2"/>
+              <a:buChar char="§"/>
+            </a:pPr>
+            <a:r>
+              <a:rPr lang="en-AU" sz="3200" b="1" dirty="0"/>
+              <a:t>Directionality</a:t>
+            </a:r>
+            <a:r>
+              <a:rPr lang="en-AU" sz="3200" dirty="0"/>
+              <a:t> </a:t>
+            </a:r>
+            <a:r>
+              <a:rPr lang="en-US" sz="3200" dirty="0"/>
+              <a:t>identified effects exist through the full range of a difference score</a:t>
+            </a:r>
+          </a:p>
+          <a:p>
+            <a:pPr marL="571500" indent="-571500">
+              <a:buFont typeface="Wingdings" panose="05000000000000000000" pitchFamily="2" charset="2"/>
+              <a:buChar char="§"/>
+            </a:pPr>
+            <a:r>
+              <a:rPr lang="en-US" sz="3200" b="1" dirty="0"/>
+              <a:t>Arbitrary designation of numerator/ denominator</a:t>
+            </a:r>
+          </a:p>
+        </p:txBody>
+      </p:sp>
+    </p:spTree>
+    <p:extLst>
+      <p:ext uri="{BB962C8B-B14F-4D97-AF65-F5344CB8AC3E}">
+        <p14:creationId xmlns:p14="http://schemas.microsoft.com/office/powerpoint/2010/main" val="778442342"/>
+      </p:ext>
+    </p:extLst>
+  </p:cSld>
+  <p:clrMapOvr>
+    <a:masterClrMapping/>
+  </p:clrMapOvr>
+</p:sld>
+</file>
+
+<file path=ppt/slides/slide3.xml><?xml version="1.0" encoding="utf-8"?>
+<p:sld xmlns:a="http://schemas.openxmlformats.org/drawingml/2006/main" xmlns:r="http://schemas.openxmlformats.org/officeDocument/2006/relationships" xmlns:p="http://schemas.openxmlformats.org/presentationml/2006/main">
+  <p:cSld>
+    <p:spTree>
+      <p:nvGrpSpPr>
+        <p:cNvPr id="1" name=""/>
+        <p:cNvGrpSpPr/>
+        <p:nvPr/>
+      </p:nvGrpSpPr>
+      <p:grpSpPr>
+        <a:xfrm>
+          <a:off x="0" y="0"/>
+          <a:ext cx="0" cy="0"/>
+          <a:chOff x="0" y="0"/>
+          <a:chExt cx="0" cy="0"/>
+        </a:xfrm>
+      </p:grpSpPr>
+      <p:sp>
+        <p:nvSpPr>
+          <p:cNvPr id="4" name="Rectangle 3">
+            <a:extLst>
+              <a:ext uri="{FF2B5EF4-FFF2-40B4-BE49-F238E27FC236}">
+                <a16:creationId xmlns:a16="http://schemas.microsoft.com/office/drawing/2014/main" id="{82174F99-124A-9D92-2A3B-4BCAF73B893D}"/>
               </a:ext>
             </a:extLst>
           </p:cNvPr>
@@ -4840,14 +7338,14 @@
         </p:nvSpPr>
         <p:spPr>
           <a:xfrm>
-            <a:off x="32239974" y="26761440"/>
-            <a:ext cx="3981986" cy="4968240"/>
-          </a:xfrm>
-          <a:prstGeom prst="roundRect">
+            <a:off x="13824371" y="0"/>
+            <a:ext cx="22690451" cy="32399288"/>
+          </a:xfrm>
+          <a:prstGeom prst="rect">
             <a:avLst/>
           </a:prstGeom>
           <a:solidFill>
-            <a:schemeClr val="bg1"/>
+            <a:srgbClr val="002060"/>
           </a:solidFill>
           <a:ln>
             <a:noFill/>
@@ -4874,16 +7372,103 @@
           <a:lstStyle/>
           <a:p>
             <a:pPr algn="ctr"/>
-            <a:endParaRPr lang="en-AU" dirty="0"/>
+            <a:endParaRPr lang="en-AU" sz="34925"/>
+          </a:p>
+        </p:txBody>
+      </p:sp>
+      <p:sp>
+        <p:nvSpPr>
+          <p:cNvPr id="5" name="TextBox 4">
+            <a:extLst>
+              <a:ext uri="{FF2B5EF4-FFF2-40B4-BE49-F238E27FC236}">
+                <a16:creationId xmlns:a16="http://schemas.microsoft.com/office/drawing/2014/main" id="{B0CD3F67-D999-16F5-E7CB-5E910B5F5883}"/>
+              </a:ext>
+            </a:extLst>
+          </p:cNvPr>
+          <p:cNvSpPr txBox="1"/>
+          <p:nvPr/>
+        </p:nvSpPr>
+        <p:spPr>
+          <a:xfrm>
+            <a:off x="14598300" y="1765326"/>
+            <a:ext cx="19523337" cy="12834283"/>
+          </a:xfrm>
+          <a:prstGeom prst="rect">
+            <a:avLst/>
+          </a:prstGeom>
+          <a:noFill/>
+        </p:spPr>
+        <p:txBody>
+          <a:bodyPr wrap="square" rtlCol="0">
+            <a:spAutoFit/>
+          </a:bodyPr>
+          <a:lstStyle/>
+          <a:p>
+            <a:r>
+              <a:rPr lang="en-US" sz="13800" dirty="0">
+                <a:solidFill>
+                  <a:schemeClr val="bg1"/>
+                </a:solidFill>
+              </a:rPr>
+              <a:t>Response surface analysis</a:t>
+            </a:r>
+            <a:r>
+              <a:rPr lang="en-US" sz="13800" b="1" dirty="0">
+                <a:solidFill>
+                  <a:schemeClr val="bg1"/>
+                </a:solidFill>
+              </a:rPr>
+              <a:t> </a:t>
+            </a:r>
+            <a:r>
+              <a:rPr lang="en-US" sz="13800" dirty="0">
+                <a:solidFill>
+                  <a:schemeClr val="bg1"/>
+                </a:solidFill>
+              </a:rPr>
+              <a:t>revealed </a:t>
+            </a:r>
+            <a:r>
+              <a:rPr lang="en-US" sz="13800" b="1" dirty="0">
+                <a:solidFill>
+                  <a:schemeClr val="bg1"/>
+                </a:solidFill>
+              </a:rPr>
+              <a:t>sleep discrepancy </a:t>
+            </a:r>
+            <a:r>
+              <a:rPr lang="en-US" sz="13800" dirty="0">
+                <a:solidFill>
+                  <a:schemeClr val="bg1"/>
+                </a:solidFill>
+              </a:rPr>
+              <a:t>was not associated with </a:t>
+            </a:r>
+            <a:r>
+              <a:rPr lang="en-US" sz="13800" b="1" dirty="0">
+                <a:solidFill>
+                  <a:schemeClr val="bg1"/>
+                </a:solidFill>
+              </a:rPr>
+              <a:t>insomnia symptom severity </a:t>
+            </a:r>
+            <a:r>
+              <a:rPr lang="en-US" sz="13800" dirty="0">
+                <a:solidFill>
+                  <a:schemeClr val="bg1"/>
+                </a:solidFill>
+              </a:rPr>
+              <a:t>in older men.</a:t>
+            </a:r>
           </a:p>
         </p:txBody>
       </p:sp>
       <p:pic>
         <p:nvPicPr>
-          <p:cNvPr id="3" name="Picture 2">
+          <p:cNvPr id="9" name="Picture 8">
             <a:extLst>
               <a:ext uri="{FF2B5EF4-FFF2-40B4-BE49-F238E27FC236}">
-                <a16:creationId xmlns:a16="http://schemas.microsoft.com/office/drawing/2014/main" id="{F48AD9C8-5274-2040-CA70-686B31DF8995}"/>
+                <a16:creationId xmlns:a16="http://schemas.microsoft.com/office/drawing/2014/main" id="{E7CF0C18-62A3-DBF8-8A4C-6AE28572F86D}"/>
               </a:ext>
             </a:extLst>
           </p:cNvPr>
@@ -4893,15 +7478,15 @@
           <p:nvPr/>
         </p:nvPicPr>
         <p:blipFill>
-          <a:blip r:embed="rId5"/>
+          <a:blip r:embed="rId3"/>
           <a:stretch>
             <a:fillRect/>
           </a:stretch>
         </p:blipFill>
         <p:spPr>
           <a:xfrm>
-            <a:off x="32612137" y="27321169"/>
-            <a:ext cx="3287666" cy="3250271"/>
+            <a:off x="37495749" y="232517"/>
+            <a:ext cx="11385329" cy="8843542"/>
           </a:xfrm>
           <a:prstGeom prst="rect">
             <a:avLst/>
@@ -4910,10 +7495,10 @@
       </p:pic>
       <p:sp>
         <p:nvSpPr>
-          <p:cNvPr id="4" name="TextBox 3">
+          <p:cNvPr id="19" name="TextBox 18">
             <a:extLst>
               <a:ext uri="{FF2B5EF4-FFF2-40B4-BE49-F238E27FC236}">
-                <a16:creationId xmlns:a16="http://schemas.microsoft.com/office/drawing/2014/main" id="{E325D0C7-0619-0A8C-E5D8-809352E575D5}"/>
+                <a16:creationId xmlns:a16="http://schemas.microsoft.com/office/drawing/2014/main" id="{15A72190-0E14-F65C-59C2-0EFFA17DCC82}"/>
               </a:ext>
             </a:extLst>
           </p:cNvPr>
@@ -4922,8 +7507,8 @@
         </p:nvSpPr>
         <p:spPr>
           <a:xfrm>
-            <a:off x="33090773" y="30571440"/>
-            <a:ext cx="2477524" cy="707886"/>
+            <a:off x="315348" y="632948"/>
+            <a:ext cx="13302025" cy="6863417"/>
           </a:xfrm>
           <a:prstGeom prst="rect">
             <a:avLst/>
@@ -4937,298 +7522,29 @@
           <a:lstStyle/>
           <a:p>
             <a:r>
-              <a:rPr lang="en-US" sz="4000" b="1" dirty="0"/>
-              <a:t>SCAN ME</a:t>
-            </a:r>
-            <a:endParaRPr lang="en-AU" sz="4000" b="1" dirty="0"/>
-          </a:p>
-        </p:txBody>
-      </p:sp>
-    </p:spTree>
-    <p:extLst>
-      <p:ext uri="{BB962C8B-B14F-4D97-AF65-F5344CB8AC3E}">
-        <p14:creationId xmlns:p14="http://schemas.microsoft.com/office/powerpoint/2010/main" val="3907538749"/>
-      </p:ext>
-    </p:extLst>
-  </p:cSld>
-  <p:clrMapOvr>
-    <a:masterClrMapping/>
-  </p:clrMapOvr>
-</p:sld>
-</file>
-
-<file path=ppt/slides/slide2.xml><?xml version="1.0" encoding="utf-8"?>
-<p:sld xmlns:a="http://schemas.openxmlformats.org/drawingml/2006/main" xmlns:r="http://schemas.openxmlformats.org/officeDocument/2006/relationships" xmlns:p="http://schemas.openxmlformats.org/presentationml/2006/main">
-  <p:cSld>
-    <p:spTree>
-      <p:nvGrpSpPr>
-        <p:cNvPr id="1" name=""/>
-        <p:cNvGrpSpPr/>
-        <p:nvPr/>
-      </p:nvGrpSpPr>
-      <p:grpSpPr>
-        <a:xfrm>
-          <a:off x="0" y="0"/>
-          <a:ext cx="0" cy="0"/>
-          <a:chOff x="0" y="0"/>
-          <a:chExt cx="0" cy="0"/>
-        </a:xfrm>
-      </p:grpSpPr>
-      <p:sp>
-        <p:nvSpPr>
-          <p:cNvPr id="4" name="Rectangle 3">
+              <a:rPr lang="en-US" sz="8800" b="1" dirty="0"/>
+              <a:t>Insomnia and sleep discrepancy: an investigation with cubic response surface analysis </a:t>
+            </a:r>
+            <a:r>
+              <a:rPr lang="en-US" sz="8800" b="1" dirty="0">
+                <a:solidFill>
+                  <a:schemeClr val="bg2">
+                    <a:lumMod val="90000"/>
+                  </a:schemeClr>
+                </a:solidFill>
+              </a:rPr>
+              <a:t>pilot study</a:t>
+            </a:r>
+            <a:endParaRPr lang="en-US" sz="8800" b="1" dirty="0"/>
+          </a:p>
+        </p:txBody>
+      </p:sp>
+      <p:sp>
+        <p:nvSpPr>
+          <p:cNvPr id="20" name="Rectangle 3">
             <a:extLst>
               <a:ext uri="{FF2B5EF4-FFF2-40B4-BE49-F238E27FC236}">
-                <a16:creationId xmlns:a16="http://schemas.microsoft.com/office/drawing/2014/main" id="{F3AE7DC4-2137-E188-3E9A-1110B832F02F}"/>
-              </a:ext>
-            </a:extLst>
-          </p:cNvPr>
-          <p:cNvSpPr/>
-          <p:nvPr/>
-        </p:nvSpPr>
-        <p:spPr>
-          <a:xfrm>
-            <a:off x="12508607" y="0"/>
-            <a:ext cx="25057039" cy="32399288"/>
-          </a:xfrm>
-          <a:prstGeom prst="rect">
-            <a:avLst/>
-          </a:prstGeom>
-          <a:solidFill>
-            <a:srgbClr val="C00000"/>
-          </a:solidFill>
-          <a:ln>
-            <a:noFill/>
-          </a:ln>
-        </p:spPr>
-        <p:style>
-          <a:lnRef idx="2">
-            <a:schemeClr val="accent1">
-              <a:shade val="15000"/>
-            </a:schemeClr>
-          </a:lnRef>
-          <a:fillRef idx="1">
-            <a:schemeClr val="accent1"/>
-          </a:fillRef>
-          <a:effectRef idx="0">
-            <a:schemeClr val="accent1"/>
-          </a:effectRef>
-          <a:fontRef idx="minor">
-            <a:schemeClr val="lt1"/>
-          </a:fontRef>
-        </p:style>
-        <p:txBody>
-          <a:bodyPr rtlCol="0" anchor="ctr"/>
-          <a:lstStyle/>
-          <a:p>
-            <a:pPr algn="ctr"/>
-            <a:endParaRPr lang="en-AU" sz="34925"/>
-          </a:p>
-        </p:txBody>
-      </p:sp>
-      <p:sp>
-        <p:nvSpPr>
-          <p:cNvPr id="65" name="Rectangle 64">
-            <a:extLst>
-              <a:ext uri="{FF2B5EF4-FFF2-40B4-BE49-F238E27FC236}">
-                <a16:creationId xmlns:a16="http://schemas.microsoft.com/office/drawing/2014/main" id="{5E480C9B-6A50-B2C4-9A5E-B30F77352519}"/>
-              </a:ext>
-            </a:extLst>
-          </p:cNvPr>
-          <p:cNvSpPr/>
-          <p:nvPr/>
-        </p:nvSpPr>
-        <p:spPr>
-          <a:xfrm>
-            <a:off x="12223703" y="13423605"/>
-            <a:ext cx="25455058" cy="4855550"/>
-          </a:xfrm>
-          <a:prstGeom prst="rect">
-            <a:avLst/>
-          </a:prstGeom>
-          <a:solidFill>
-            <a:schemeClr val="bg1"/>
-          </a:solidFill>
-          <a:ln>
-            <a:solidFill>
-              <a:schemeClr val="bg1"/>
-            </a:solidFill>
-          </a:ln>
-        </p:spPr>
-        <p:style>
-          <a:lnRef idx="2">
-            <a:schemeClr val="accent1">
-              <a:shade val="15000"/>
-            </a:schemeClr>
-          </a:lnRef>
-          <a:fillRef idx="1">
-            <a:schemeClr val="accent1"/>
-          </a:fillRef>
-          <a:effectRef idx="0">
-            <a:schemeClr val="accent1"/>
-          </a:effectRef>
-          <a:fontRef idx="minor">
-            <a:schemeClr val="lt1"/>
-          </a:fontRef>
-        </p:style>
-        <p:txBody>
-          <a:bodyPr rtlCol="0" anchor="ctr"/>
-          <a:lstStyle/>
-          <a:p>
-            <a:pPr algn="ctr"/>
-            <a:endParaRPr lang="en-AU"/>
-          </a:p>
-        </p:txBody>
-      </p:sp>
-      <p:sp>
-        <p:nvSpPr>
-          <p:cNvPr id="5" name="TextBox 4">
-            <a:extLst>
-              <a:ext uri="{FF2B5EF4-FFF2-40B4-BE49-F238E27FC236}">
-                <a16:creationId xmlns:a16="http://schemas.microsoft.com/office/drawing/2014/main" id="{71EA1738-E166-244F-E09B-91B4A26A703F}"/>
-              </a:ext>
-            </a:extLst>
-          </p:cNvPr>
-          <p:cNvSpPr txBox="1"/>
-          <p:nvPr/>
-        </p:nvSpPr>
-        <p:spPr>
-          <a:xfrm>
-            <a:off x="13017969" y="2055039"/>
-            <a:ext cx="24038313" cy="8586966"/>
-          </a:xfrm>
-          <a:prstGeom prst="rect">
-            <a:avLst/>
-          </a:prstGeom>
-          <a:noFill/>
-        </p:spPr>
-        <p:txBody>
-          <a:bodyPr wrap="square" rtlCol="0">
-            <a:spAutoFit/>
-          </a:bodyPr>
-          <a:lstStyle/>
-          <a:p>
-            <a:r>
-              <a:rPr lang="en-US" sz="13800" dirty="0">
-                <a:solidFill>
-                  <a:schemeClr val="bg1"/>
-                </a:solidFill>
-              </a:rPr>
-              <a:t>There are </a:t>
-            </a:r>
-            <a:r>
-              <a:rPr lang="en-US" sz="13800" b="1" dirty="0">
-                <a:solidFill>
-                  <a:schemeClr val="bg1"/>
-                </a:solidFill>
-              </a:rPr>
-              <a:t>significant problems </a:t>
-            </a:r>
-            <a:r>
-              <a:rPr lang="en-US" sz="13800" dirty="0">
-                <a:solidFill>
-                  <a:schemeClr val="bg1"/>
-                </a:solidFill>
-              </a:rPr>
-              <a:t>with the use of </a:t>
-            </a:r>
-            <a:r>
-              <a:rPr lang="en-US" sz="13800" b="1" dirty="0">
-                <a:solidFill>
-                  <a:schemeClr val="bg1"/>
-                </a:solidFill>
-              </a:rPr>
-              <a:t>difference </a:t>
-            </a:r>
-            <a:r>
-              <a:rPr lang="en-US" sz="13800" dirty="0">
-                <a:solidFill>
-                  <a:schemeClr val="bg1"/>
-                </a:solidFill>
-              </a:rPr>
-              <a:t>and </a:t>
-            </a:r>
-            <a:r>
-              <a:rPr lang="en-US" sz="13800" b="1" dirty="0">
-                <a:solidFill>
-                  <a:schemeClr val="bg1"/>
-                </a:solidFill>
-              </a:rPr>
-              <a:t>ratio scores </a:t>
-            </a:r>
-            <a:r>
-              <a:rPr lang="en-US" sz="13800" dirty="0">
-                <a:solidFill>
-                  <a:schemeClr val="bg1"/>
-                </a:solidFill>
-              </a:rPr>
-              <a:t>in </a:t>
-            </a:r>
-            <a:r>
-              <a:rPr lang="en-US" sz="13800" b="1" dirty="0">
-                <a:solidFill>
-                  <a:schemeClr val="bg1"/>
-                </a:solidFill>
-              </a:rPr>
-              <a:t>sleep discrepancy </a:t>
-            </a:r>
-            <a:r>
-              <a:rPr lang="en-US" sz="13800" dirty="0">
-                <a:solidFill>
-                  <a:schemeClr val="bg1"/>
-                </a:solidFill>
-              </a:rPr>
-              <a:t>research.</a:t>
-            </a:r>
-            <a:endParaRPr lang="en-AU" sz="13800" b="1" dirty="0">
-              <a:solidFill>
-                <a:schemeClr val="bg1"/>
-              </a:solidFill>
-            </a:endParaRPr>
-          </a:p>
-        </p:txBody>
-      </p:sp>
-      <p:sp>
-        <p:nvSpPr>
-          <p:cNvPr id="8" name="TextBox 7">
-            <a:extLst>
-              <a:ext uri="{FF2B5EF4-FFF2-40B4-BE49-F238E27FC236}">
-                <a16:creationId xmlns:a16="http://schemas.microsoft.com/office/drawing/2014/main" id="{ECDC05D2-590F-5EE6-2F5A-93741B4D532D}"/>
-              </a:ext>
-            </a:extLst>
-          </p:cNvPr>
-          <p:cNvSpPr txBox="1"/>
-          <p:nvPr/>
-        </p:nvSpPr>
-        <p:spPr>
-          <a:xfrm>
-            <a:off x="729344" y="839322"/>
-            <a:ext cx="11548654" cy="5509200"/>
-          </a:xfrm>
-          <a:prstGeom prst="rect">
-            <a:avLst/>
-          </a:prstGeom>
-          <a:noFill/>
-        </p:spPr>
-        <p:txBody>
-          <a:bodyPr wrap="square" rtlCol="0">
-            <a:spAutoFit/>
-          </a:bodyPr>
-          <a:lstStyle/>
-          <a:p>
-            <a:r>
-              <a:rPr lang="en-US" sz="8800" b="1" dirty="0"/>
-              <a:t>On the use of difference and ratio scores in sleep discrepancy research</a:t>
-            </a:r>
-          </a:p>
-        </p:txBody>
-      </p:sp>
-      <p:sp>
-        <p:nvSpPr>
-          <p:cNvPr id="9" name="Rectangle 3">
-            <a:extLst>
-              <a:ext uri="{FF2B5EF4-FFF2-40B4-BE49-F238E27FC236}">
-                <a16:creationId xmlns:a16="http://schemas.microsoft.com/office/drawing/2014/main" id="{F823D07A-8988-FCF0-BC70-11C3F5D7EE63}"/>
+                <a16:creationId xmlns:a16="http://schemas.microsoft.com/office/drawing/2014/main" id="{87BA0EAE-EF70-65C4-3F99-B5EFF73B5F0A}"/>
               </a:ext>
             </a:extLst>
           </p:cNvPr>
@@ -5239,8 +7555,8 @@
         </p:nvSpPr>
         <p:spPr bwMode="auto">
           <a:xfrm>
-            <a:off x="550132" y="6386137"/>
-            <a:ext cx="12213156" cy="4431983"/>
+            <a:off x="315348" y="7636966"/>
+            <a:ext cx="13095027" cy="4739759"/>
           </a:xfrm>
           <a:prstGeom prst="rect">
             <a:avLst/>
@@ -5337,7 +7653,7 @@
               </a:spcAft>
             </a:pPr>
             <a:r>
-              <a:rPr kumimoji="0" lang="en-US" altLang="en-US" sz="3600" b="1" i="0" u="none" strike="noStrike" cap="none" normalizeH="0" baseline="0" dirty="0">
+              <a:rPr kumimoji="0" lang="en-US" altLang="en-US" sz="3600" i="0" u="none" strike="noStrike" cap="none" normalizeH="0" baseline="0" dirty="0">
                 <a:ln>
                   <a:noFill/>
                 </a:ln>
@@ -5346,10 +7662,10 @@
                 </a:solidFill>
                 <a:effectLst/>
               </a:rPr>
-              <a:t>tom.fioccowalton@research.uwa.edu.au </a:t>
+              <a:t>	tom.fioccowalton@research.uwa.edu.au </a:t>
             </a:r>
             <a:br>
-              <a:rPr kumimoji="0" lang="en-US" altLang="en-US" sz="3600" b="1" i="0" u="none" strike="noStrike" cap="none" normalizeH="0" baseline="0" dirty="0">
+              <a:rPr kumimoji="0" lang="en-US" altLang="en-US" sz="3600" i="0" u="none" strike="noStrike" cap="none" normalizeH="0" baseline="0" dirty="0">
                 <a:ln>
                   <a:noFill/>
                 </a:ln>
@@ -5360,10 +7676,22 @@
               </a:rPr>
             </a:br>
             <a:r>
-              <a:rPr lang="en-US" altLang="en-US" sz="3600" b="1" dirty="0"/>
+              <a:rPr kumimoji="0" lang="en-US" altLang="en-US" sz="3600" i="0" u="none" strike="noStrike" cap="none" normalizeH="0" baseline="0" dirty="0">
+                <a:ln>
+                  <a:noFill/>
+                </a:ln>
+                <a:solidFill>
+                  <a:schemeClr val="tx1"/>
+                </a:solidFill>
+                <a:effectLst/>
+              </a:rPr>
+              <a:t>	</a:t>
+            </a:r>
+            <a:r>
+              <a:rPr lang="en-US" altLang="en-US" sz="3600" dirty="0"/>
               <a:t>https://github.com/tfwalton</a:t>
             </a:r>
-            <a:endParaRPr kumimoji="0" lang="en-US" altLang="en-US" sz="3600" b="1" i="0" u="none" strike="noStrike" cap="none" normalizeH="0" baseline="0" dirty="0">
+            <a:endParaRPr kumimoji="0" lang="en-US" altLang="en-US" sz="3600" i="0" u="none" strike="noStrike" cap="none" normalizeH="0" baseline="0" dirty="0">
               <a:ln>
                 <a:noFill/>
               </a:ln>
@@ -5390,7 +7718,7 @@
               <a:buNone/>
               <a:tabLst/>
             </a:pPr>
-            <a:endParaRPr kumimoji="0" lang="en-US" altLang="en-US" sz="2400" b="1" i="0" u="none" strike="noStrike" cap="none" normalizeH="0" baseline="0" dirty="0">
+            <a:endParaRPr kumimoji="0" lang="en-US" altLang="en-US" sz="2800" b="1" i="0" u="none" strike="noStrike" cap="none" normalizeH="0" baseline="0" dirty="0">
               <a:ln>
                 <a:noFill/>
               </a:ln>
@@ -5401,24 +7729,16 @@
             </a:endParaRPr>
           </a:p>
           <a:p>
-            <a:pPr marL="0" marR="0" lvl="0" indent="0" algn="l" defTabSz="914400" rtl="0" eaLnBrk="0" fontAlgn="base" latinLnBrk="0" hangingPunct="0">
-              <a:lnSpc>
-                <a:spcPct val="100000"/>
-              </a:lnSpc>
+            <a:pPr defTabSz="914400" eaLnBrk="0" fontAlgn="base" hangingPunct="0">
               <a:spcBef>
                 <a:spcPct val="0"/>
               </a:spcBef>
               <a:spcAft>
                 <a:spcPct val="0"/>
               </a:spcAft>
-              <a:buClrTx/>
-              <a:buSzTx/>
-              <a:buFontTx/>
-              <a:buNone/>
-              <a:tabLst/>
             </a:pPr>
             <a:r>
-              <a:rPr kumimoji="0" lang="en-US" altLang="en-US" sz="2400" b="1" i="0" u="none" strike="noStrike" cap="none" normalizeH="0" baseline="0" dirty="0">
+              <a:rPr kumimoji="0" lang="en-US" altLang="en-US" sz="2800" b="1" i="0" u="none" strike="noStrike" cap="none" normalizeH="0" baseline="0" dirty="0">
                 <a:ln>
                   <a:noFill/>
                 </a:ln>
@@ -5427,10 +7747,34 @@
                 </a:solidFill>
                 <a:effectLst/>
               </a:rPr>
-              <a:t>Melissa J. Ree</a:t>
-            </a:r>
-            <a:r>
-              <a:rPr kumimoji="0" lang="en-US" altLang="en-US" sz="2400" b="1" i="0" u="none" strike="noStrike" cap="none" normalizeH="0" baseline="30000" dirty="0">
+              <a:t>Romola S. Bucks</a:t>
+            </a:r>
+            <a:r>
+              <a:rPr kumimoji="0" lang="en-US" altLang="en-US" sz="2800" b="1" i="0" u="none" strike="noStrike" cap="none" normalizeH="0" baseline="30000" dirty="0">
+                <a:ln>
+                  <a:noFill/>
+                </a:ln>
+                <a:solidFill>
+                  <a:schemeClr val="tx1"/>
+                </a:solidFill>
+                <a:effectLst/>
+              </a:rPr>
+              <a:t>1,2,3</a:t>
+            </a:r>
+            <a:r>
+              <a:rPr kumimoji="0" lang="en-US" altLang="en-US" sz="2800" b="1" i="0" u="none" strike="noStrike" cap="none" normalizeH="0" baseline="0" dirty="0">
+                <a:ln>
+                  <a:noFill/>
+                </a:ln>
+                <a:solidFill>
+                  <a:schemeClr val="tx1"/>
+                </a:solidFill>
+                <a:effectLst/>
+              </a:rPr>
+              <a:t> Melissa J. Ree</a:t>
+            </a:r>
+            <a:r>
+              <a:rPr kumimoji="0" lang="en-US" altLang="en-US" sz="2800" b="1" i="0" u="none" strike="noStrike" cap="none" normalizeH="0" baseline="30000" dirty="0">
                 <a:ln>
                   <a:noFill/>
                 </a:ln>
@@ -5441,62 +7785,18 @@
               </a:rPr>
               <a:t>1</a:t>
             </a:r>
-            <a:r>
-              <a:rPr kumimoji="0" lang="en-US" altLang="en-US" sz="2400" b="1" i="0" u="none" strike="noStrike" cap="none" normalizeH="0" baseline="0" dirty="0">
-                <a:ln>
-                  <a:noFill/>
-                </a:ln>
-                <a:solidFill>
-                  <a:schemeClr val="tx1"/>
-                </a:solidFill>
-                <a:effectLst/>
-              </a:rPr>
-              <a:t> Romola S. Bucks</a:t>
-            </a:r>
-            <a:r>
-              <a:rPr kumimoji="0" lang="en-US" altLang="en-US" sz="2400" b="1" i="0" u="none" strike="noStrike" cap="none" normalizeH="0" baseline="30000" dirty="0">
-                <a:ln>
-                  <a:noFill/>
-                </a:ln>
-                <a:solidFill>
-                  <a:schemeClr val="tx1"/>
-                </a:solidFill>
-                <a:effectLst/>
-              </a:rPr>
-              <a:t>1,2,3</a:t>
-            </a:r>
-            <a:r>
-              <a:rPr kumimoji="0" lang="en-US" altLang="en-US" sz="2400" b="1" i="0" u="none" strike="noStrike" cap="none" normalizeH="0" baseline="0" dirty="0">
-                <a:ln>
-                  <a:noFill/>
-                </a:ln>
-                <a:solidFill>
-                  <a:schemeClr val="tx1"/>
-                </a:solidFill>
-                <a:effectLst/>
-              </a:rPr>
-              <a:t> </a:t>
-            </a:r>
-          </a:p>
-          <a:p>
-            <a:pPr marL="0" marR="0" lvl="0" indent="0" algn="l" defTabSz="914400" rtl="0" eaLnBrk="0" fontAlgn="base" latinLnBrk="0" hangingPunct="0">
-              <a:lnSpc>
-                <a:spcPct val="100000"/>
-              </a:lnSpc>
+          </a:p>
+          <a:p>
+            <a:pPr defTabSz="914400" eaLnBrk="0" fontAlgn="base" hangingPunct="0">
               <a:spcBef>
                 <a:spcPct val="0"/>
               </a:spcBef>
               <a:spcAft>
                 <a:spcPct val="0"/>
               </a:spcAft>
-              <a:buClrTx/>
-              <a:buSzTx/>
-              <a:buFontTx/>
-              <a:buNone/>
-              <a:tabLst/>
             </a:pPr>
             <a:r>
-              <a:rPr kumimoji="0" lang="en-US" altLang="en-US" sz="2400" b="0" i="0" u="none" strike="noStrike" cap="none" normalizeH="0" baseline="30000" dirty="0">
+              <a:rPr kumimoji="0" lang="en-US" altLang="en-US" sz="2800" b="0" i="0" u="none" strike="noStrike" cap="none" normalizeH="0" baseline="30000" dirty="0">
                 <a:ln>
                   <a:noFill/>
                 </a:ln>
@@ -5508,7 +7808,7 @@
               <a:t>1</a:t>
             </a:r>
             <a:r>
-              <a:rPr kumimoji="0" lang="en-US" altLang="en-US" sz="2400" b="0" i="0" u="none" strike="noStrike" cap="none" normalizeH="0" baseline="0" dirty="0">
+              <a:rPr kumimoji="0" lang="en-US" altLang="en-US" sz="2800" b="0" i="0" u="none" strike="noStrike" cap="none" normalizeH="0" baseline="0" dirty="0">
                 <a:ln>
                   <a:noFill/>
                 </a:ln>
@@ -5520,7 +7820,7 @@
               <a:t> School of Psychological Science, The University of Western Australia</a:t>
             </a:r>
             <a:br>
-              <a:rPr kumimoji="0" lang="en-US" altLang="en-US" sz="2400" b="0" i="0" u="none" strike="noStrike" cap="none" normalizeH="0" baseline="0" dirty="0">
+              <a:rPr kumimoji="0" lang="en-US" altLang="en-US" sz="2800" b="0" i="0" u="none" strike="noStrike" cap="none" normalizeH="0" baseline="0" dirty="0">
                 <a:ln>
                   <a:noFill/>
                 </a:ln>
@@ -5531,7 +7831,7 @@
               </a:rPr>
             </a:br>
             <a:r>
-              <a:rPr kumimoji="0" lang="en-US" altLang="en-US" sz="2400" b="0" i="0" u="none" strike="noStrike" cap="none" normalizeH="0" baseline="30000" dirty="0">
+              <a:rPr kumimoji="0" lang="en-US" altLang="en-US" sz="2800" b="0" i="0" u="none" strike="noStrike" cap="none" normalizeH="0" baseline="30000" dirty="0">
                 <a:ln>
                   <a:noFill/>
                 </a:ln>
@@ -5543,7 +7843,7 @@
               <a:t>2</a:t>
             </a:r>
             <a:r>
-              <a:rPr kumimoji="0" lang="en-US" altLang="en-US" sz="2400" b="0" i="0" u="none" strike="noStrike" cap="none" normalizeH="0" baseline="0" dirty="0">
+              <a:rPr kumimoji="0" lang="en-US" altLang="en-US" sz="2800" b="0" i="0" u="none" strike="noStrike" cap="none" normalizeH="0" baseline="0" dirty="0">
                 <a:ln>
                   <a:noFill/>
                 </a:ln>
@@ -5555,7 +7855,7 @@
               <a:t> School of Population and Global Health, The University of Western Australia</a:t>
             </a:r>
             <a:br>
-              <a:rPr kumimoji="0" lang="en-US" altLang="en-US" sz="2400" b="0" i="0" u="none" strike="noStrike" cap="none" normalizeH="0" baseline="0" dirty="0">
+              <a:rPr kumimoji="0" lang="en-US" altLang="en-US" sz="2800" b="0" i="0" u="none" strike="noStrike" cap="none" normalizeH="0" baseline="0" dirty="0">
                 <a:ln>
                   <a:noFill/>
                 </a:ln>
@@ -5566,7 +7866,7 @@
               </a:rPr>
             </a:br>
             <a:r>
-              <a:rPr kumimoji="0" lang="en-US" altLang="en-US" sz="2400" b="0" i="0" u="none" strike="noStrike" cap="none" normalizeH="0" baseline="30000" dirty="0">
+              <a:rPr kumimoji="0" lang="en-US" altLang="en-US" sz="2800" b="0" i="0" u="none" strike="noStrike" cap="none" normalizeH="0" baseline="30000" dirty="0">
                 <a:ln>
                   <a:noFill/>
                 </a:ln>
@@ -5578,7 +7878,7 @@
               <a:t>3</a:t>
             </a:r>
             <a:r>
-              <a:rPr kumimoji="0" lang="en-US" altLang="en-US" sz="2400" b="0" i="0" u="none" strike="noStrike" cap="none" normalizeH="0" baseline="0" dirty="0">
+              <a:rPr kumimoji="0" lang="en-US" altLang="en-US" sz="2800" b="0" i="0" u="none" strike="noStrike" cap="none" normalizeH="0" baseline="0" dirty="0">
                 <a:ln>
                   <a:noFill/>
                 </a:ln>
@@ -5594,2360 +7894,6 @@
       </p:sp>
       <p:sp>
         <p:nvSpPr>
-          <p:cNvPr id="10" name="TextBox 9">
-            <a:extLst>
-              <a:ext uri="{FF2B5EF4-FFF2-40B4-BE49-F238E27FC236}">
-                <a16:creationId xmlns:a16="http://schemas.microsoft.com/office/drawing/2014/main" id="{E24B673A-3489-6E77-2972-DFDFA67CC3E7}"/>
-              </a:ext>
-            </a:extLst>
-          </p:cNvPr>
-          <p:cNvSpPr txBox="1"/>
-          <p:nvPr/>
-        </p:nvSpPr>
-        <p:spPr>
-          <a:xfrm>
-            <a:off x="438108" y="11137271"/>
-            <a:ext cx="9982200" cy="646331"/>
-          </a:xfrm>
-          <a:prstGeom prst="rect">
-            <a:avLst/>
-          </a:prstGeom>
-          <a:noFill/>
-        </p:spPr>
-        <p:txBody>
-          <a:bodyPr wrap="square" rtlCol="0">
-            <a:spAutoFit/>
-          </a:bodyPr>
-          <a:lstStyle/>
-          <a:p>
-            <a:r>
-              <a:rPr lang="en-US" sz="3600" b="1" dirty="0"/>
-              <a:t>Introduction</a:t>
-            </a:r>
-            <a:endParaRPr lang="en-AU" sz="3600" b="1" dirty="0"/>
-          </a:p>
-        </p:txBody>
-      </p:sp>
-      <p:sp>
-        <p:nvSpPr>
-          <p:cNvPr id="11" name="TextBox 10">
-            <a:extLst>
-              <a:ext uri="{FF2B5EF4-FFF2-40B4-BE49-F238E27FC236}">
-                <a16:creationId xmlns:a16="http://schemas.microsoft.com/office/drawing/2014/main" id="{79BE21E0-6DF2-4E7D-8AF8-C5AC0F5DD889}"/>
-              </a:ext>
-            </a:extLst>
-          </p:cNvPr>
-          <p:cNvSpPr txBox="1"/>
-          <p:nvPr/>
-        </p:nvSpPr>
-        <p:spPr>
-          <a:xfrm>
-            <a:off x="438107" y="11816301"/>
-            <a:ext cx="12213157" cy="2677656"/>
-          </a:xfrm>
-          <a:prstGeom prst="rect">
-            <a:avLst/>
-          </a:prstGeom>
-          <a:noFill/>
-        </p:spPr>
-        <p:txBody>
-          <a:bodyPr wrap="square">
-            <a:spAutoFit/>
-          </a:bodyPr>
-          <a:lstStyle/>
-          <a:p>
-            <a:pPr marL="571500" indent="-571500">
-              <a:buFont typeface="Wingdings" panose="05000000000000000000" pitchFamily="2" charset="2"/>
-              <a:buChar char="§"/>
-            </a:pPr>
-            <a:r>
-              <a:rPr lang="en-AU" sz="2800" dirty="0"/>
-              <a:t>Sleep </a:t>
-            </a:r>
-            <a:r>
-              <a:rPr lang="en-US" sz="2800" dirty="0"/>
-              <a:t>discrepancy  is  the discordance between self-report and objective measures of sleep</a:t>
-            </a:r>
-          </a:p>
-          <a:p>
-            <a:pPr marL="571500" indent="-571500">
-              <a:buFont typeface="Wingdings" panose="05000000000000000000" pitchFamily="2" charset="2"/>
-              <a:buChar char="§"/>
-            </a:pPr>
-            <a:r>
-              <a:rPr lang="en-US" sz="2800" dirty="0"/>
-              <a:t>Sleep discrepancy is often </a:t>
-            </a:r>
-            <a:r>
-              <a:rPr lang="en-US" sz="2800" dirty="0" err="1"/>
-              <a:t>operationalised</a:t>
-            </a:r>
-            <a:r>
-              <a:rPr lang="en-US" sz="2800" dirty="0"/>
-              <a:t> as a derived index (e.g., self-report TST – objective TST)</a:t>
-            </a:r>
-          </a:p>
-          <a:p>
-            <a:pPr marL="571500" indent="-571500">
-              <a:buFont typeface="Wingdings" panose="05000000000000000000" pitchFamily="2" charset="2"/>
-              <a:buChar char="§"/>
-            </a:pPr>
-            <a:r>
-              <a:rPr lang="en-US" sz="2800" dirty="0"/>
-              <a:t>Derived indices are associated with a range of conceptual and methodological problems</a:t>
-            </a:r>
-          </a:p>
-        </p:txBody>
-      </p:sp>
-      <p:sp>
-        <p:nvSpPr>
-          <p:cNvPr id="12" name="TextBox 11">
-            <a:extLst>
-              <a:ext uri="{FF2B5EF4-FFF2-40B4-BE49-F238E27FC236}">
-                <a16:creationId xmlns:a16="http://schemas.microsoft.com/office/drawing/2014/main" id="{C76451DD-2D78-5A45-CC62-3C865F9378E4}"/>
-              </a:ext>
-            </a:extLst>
-          </p:cNvPr>
-          <p:cNvSpPr txBox="1"/>
-          <p:nvPr/>
-        </p:nvSpPr>
-        <p:spPr>
-          <a:xfrm>
-            <a:off x="508035" y="15126342"/>
-            <a:ext cx="9982200" cy="646331"/>
-          </a:xfrm>
-          <a:prstGeom prst="rect">
-            <a:avLst/>
-          </a:prstGeom>
-          <a:noFill/>
-        </p:spPr>
-        <p:txBody>
-          <a:bodyPr wrap="square" rtlCol="0">
-            <a:spAutoFit/>
-          </a:bodyPr>
-          <a:lstStyle/>
-          <a:p>
-            <a:r>
-              <a:rPr lang="en-US" sz="3600" b="1" dirty="0"/>
-              <a:t>Method</a:t>
-            </a:r>
-            <a:endParaRPr lang="en-AU" sz="3600" b="1" dirty="0"/>
-          </a:p>
-        </p:txBody>
-      </p:sp>
-      <p:pic>
-        <p:nvPicPr>
-          <p:cNvPr id="16" name="Picture 15">
-            <a:extLst>
-              <a:ext uri="{FF2B5EF4-FFF2-40B4-BE49-F238E27FC236}">
-                <a16:creationId xmlns:a16="http://schemas.microsoft.com/office/drawing/2014/main" id="{8DE0CA77-5007-8153-F730-7EC1DDF5F389}"/>
-              </a:ext>
-            </a:extLst>
-          </p:cNvPr>
-          <p:cNvPicPr>
-            <a:picLocks noChangeAspect="1"/>
-          </p:cNvPicPr>
-          <p:nvPr/>
-        </p:nvPicPr>
-        <p:blipFill>
-          <a:blip r:embed="rId2"/>
-          <a:stretch>
-            <a:fillRect/>
-          </a:stretch>
-        </p:blipFill>
-        <p:spPr>
-          <a:xfrm>
-            <a:off x="736368" y="26573427"/>
-            <a:ext cx="10836708" cy="3897702"/>
-          </a:xfrm>
-          <a:prstGeom prst="rect">
-            <a:avLst/>
-          </a:prstGeom>
-        </p:spPr>
-      </p:pic>
-      <p:pic>
-        <p:nvPicPr>
-          <p:cNvPr id="18" name="Picture 17">
-            <a:extLst>
-              <a:ext uri="{FF2B5EF4-FFF2-40B4-BE49-F238E27FC236}">
-                <a16:creationId xmlns:a16="http://schemas.microsoft.com/office/drawing/2014/main" id="{AC315000-B3A3-2C24-3715-E24C5D5A0246}"/>
-              </a:ext>
-            </a:extLst>
-          </p:cNvPr>
-          <p:cNvPicPr>
-            <a:picLocks noChangeAspect="1"/>
-          </p:cNvPicPr>
-          <p:nvPr/>
-        </p:nvPicPr>
-        <p:blipFill>
-          <a:blip r:embed="rId3"/>
-          <a:stretch>
-            <a:fillRect/>
-          </a:stretch>
-        </p:blipFill>
-        <p:spPr>
-          <a:xfrm>
-            <a:off x="38364929" y="6153547"/>
-            <a:ext cx="11114415" cy="4994597"/>
-          </a:xfrm>
-          <a:prstGeom prst="rect">
-            <a:avLst/>
-          </a:prstGeom>
-        </p:spPr>
-      </p:pic>
-      <p:sp>
-        <p:nvSpPr>
-          <p:cNvPr id="20" name="TextBox 19">
-            <a:extLst>
-              <a:ext uri="{FF2B5EF4-FFF2-40B4-BE49-F238E27FC236}">
-                <a16:creationId xmlns:a16="http://schemas.microsoft.com/office/drawing/2014/main" id="{FE7197FF-C1A2-8A7F-1488-36C29C84754C}"/>
-              </a:ext>
-            </a:extLst>
-          </p:cNvPr>
-          <p:cNvSpPr txBox="1"/>
-          <p:nvPr/>
-        </p:nvSpPr>
-        <p:spPr>
-          <a:xfrm>
-            <a:off x="38133840" y="11150110"/>
-            <a:ext cx="11983840" cy="1384995"/>
-          </a:xfrm>
-          <a:prstGeom prst="rect">
-            <a:avLst/>
-          </a:prstGeom>
-          <a:noFill/>
-        </p:spPr>
-        <p:txBody>
-          <a:bodyPr wrap="square">
-            <a:spAutoFit/>
-          </a:bodyPr>
-          <a:lstStyle/>
-          <a:p>
-            <a:r>
-              <a:rPr lang="en-AU" sz="2800" dirty="0"/>
-              <a:t>The R</a:t>
-            </a:r>
-            <a:r>
-              <a:rPr lang="en-AU" sz="2800" baseline="30000" dirty="0"/>
-              <a:t>2</a:t>
-            </a:r>
-            <a:r>
-              <a:rPr lang="en-AU" sz="2800" dirty="0"/>
-              <a:t> from the absolute difference score model (R</a:t>
-            </a:r>
-            <a:r>
-              <a:rPr lang="en-AU" sz="2800" baseline="30000" dirty="0"/>
-              <a:t>2</a:t>
-            </a:r>
-            <a:r>
-              <a:rPr lang="en-AU" sz="2800" dirty="0"/>
-              <a:t> = 0.03) was reduced more than two-fold from the unconstrained piecewise regression (R</a:t>
-            </a:r>
-            <a:r>
-              <a:rPr lang="en-AU" sz="2800" baseline="30000" dirty="0"/>
-              <a:t>2</a:t>
-            </a:r>
-            <a:r>
-              <a:rPr lang="en-AU" sz="2800" dirty="0"/>
-              <a:t> = 0.072) a difference that was statistically significant (F =11.2, p &lt; .001).</a:t>
-            </a:r>
-          </a:p>
-        </p:txBody>
-      </p:sp>
-      <p:sp>
-        <p:nvSpPr>
-          <p:cNvPr id="22" name="TextBox 21">
-            <a:extLst>
-              <a:ext uri="{FF2B5EF4-FFF2-40B4-BE49-F238E27FC236}">
-                <a16:creationId xmlns:a16="http://schemas.microsoft.com/office/drawing/2014/main" id="{5C58BF93-B908-9937-BAA9-49BF0744F5B1}"/>
-              </a:ext>
-            </a:extLst>
-          </p:cNvPr>
-          <p:cNvSpPr txBox="1"/>
-          <p:nvPr/>
-        </p:nvSpPr>
-        <p:spPr>
-          <a:xfrm>
-            <a:off x="443146" y="30537076"/>
-            <a:ext cx="11780557" cy="954107"/>
-          </a:xfrm>
-          <a:prstGeom prst="rect">
-            <a:avLst/>
-          </a:prstGeom>
-          <a:noFill/>
-        </p:spPr>
-        <p:txBody>
-          <a:bodyPr wrap="square">
-            <a:spAutoFit/>
-          </a:bodyPr>
-          <a:lstStyle/>
-          <a:p>
-            <a:r>
-              <a:rPr lang="en-AU" sz="2800" dirty="0"/>
-              <a:t>A statistically significant reduction in R</a:t>
-            </a:r>
-            <a:r>
-              <a:rPr lang="en-AU" sz="2800" baseline="30000" dirty="0"/>
-              <a:t>2</a:t>
-            </a:r>
-            <a:r>
-              <a:rPr lang="en-AU" sz="2800" dirty="0"/>
-              <a:t> from the additive (R</a:t>
-            </a:r>
-            <a:r>
-              <a:rPr lang="en-AU" sz="2800" baseline="30000" dirty="0"/>
-              <a:t>2</a:t>
-            </a:r>
-            <a:r>
-              <a:rPr lang="en-AU" sz="2800" dirty="0"/>
-              <a:t> = 0.059) to the difference score model (R</a:t>
-            </a:r>
-            <a:r>
-              <a:rPr lang="en-AU" sz="2800" baseline="30000" dirty="0"/>
-              <a:t>2</a:t>
-            </a:r>
-            <a:r>
-              <a:rPr lang="en-AU" sz="2800" dirty="0"/>
-              <a:t> = 0.023) is observed (F =53.7, p &lt; .001)</a:t>
-            </a:r>
-          </a:p>
-        </p:txBody>
-      </p:sp>
-      <p:pic>
-        <p:nvPicPr>
-          <p:cNvPr id="28" name="Picture 27">
-            <a:extLst>
-              <a:ext uri="{FF2B5EF4-FFF2-40B4-BE49-F238E27FC236}">
-                <a16:creationId xmlns:a16="http://schemas.microsoft.com/office/drawing/2014/main" id="{D91B5B23-FDF2-FD95-E74A-9F77C5A184A9}"/>
-              </a:ext>
-            </a:extLst>
-          </p:cNvPr>
-          <p:cNvPicPr>
-            <a:picLocks noChangeAspect="1"/>
-          </p:cNvPicPr>
-          <p:nvPr/>
-        </p:nvPicPr>
-        <p:blipFill>
-          <a:blip r:embed="rId4"/>
-          <a:stretch>
-            <a:fillRect/>
-          </a:stretch>
-        </p:blipFill>
-        <p:spPr>
-          <a:xfrm>
-            <a:off x="39348788" y="21907911"/>
-            <a:ext cx="8611236" cy="10222265"/>
-          </a:xfrm>
-          <a:prstGeom prst="rect">
-            <a:avLst/>
-          </a:prstGeom>
-        </p:spPr>
-      </p:pic>
-      <p:pic>
-        <p:nvPicPr>
-          <p:cNvPr id="29" name="Picture 28">
-            <a:extLst>
-              <a:ext uri="{FF2B5EF4-FFF2-40B4-BE49-F238E27FC236}">
-                <a16:creationId xmlns:a16="http://schemas.microsoft.com/office/drawing/2014/main" id="{0767AFB1-4749-0948-D9F2-A5653460299A}"/>
-              </a:ext>
-            </a:extLst>
-          </p:cNvPr>
-          <p:cNvPicPr>
-            <a:picLocks noChangeAspect="1"/>
-          </p:cNvPicPr>
-          <p:nvPr/>
-        </p:nvPicPr>
-        <p:blipFill>
-          <a:blip r:embed="rId5"/>
-          <a:stretch>
-            <a:fillRect/>
-          </a:stretch>
-        </p:blipFill>
-        <p:spPr>
-          <a:xfrm>
-            <a:off x="884403" y="19355396"/>
-            <a:ext cx="10780539" cy="3985273"/>
-          </a:xfrm>
-          <a:prstGeom prst="rect">
-            <a:avLst/>
-          </a:prstGeom>
-        </p:spPr>
-      </p:pic>
-      <p:sp>
-        <p:nvSpPr>
-          <p:cNvPr id="30" name="TextBox 29">
-            <a:extLst>
-              <a:ext uri="{FF2B5EF4-FFF2-40B4-BE49-F238E27FC236}">
-                <a16:creationId xmlns:a16="http://schemas.microsoft.com/office/drawing/2014/main" id="{7EFFEEAF-C2CF-52DF-7583-599753C599EA}"/>
-              </a:ext>
-            </a:extLst>
-          </p:cNvPr>
-          <p:cNvSpPr txBox="1"/>
-          <p:nvPr/>
-        </p:nvSpPr>
-        <p:spPr>
-          <a:xfrm>
-            <a:off x="226847" y="23421603"/>
-            <a:ext cx="12142751" cy="954107"/>
-          </a:xfrm>
-          <a:prstGeom prst="rect">
-            <a:avLst/>
-          </a:prstGeom>
-          <a:noFill/>
-        </p:spPr>
-        <p:txBody>
-          <a:bodyPr wrap="square">
-            <a:spAutoFit/>
-          </a:bodyPr>
-          <a:lstStyle/>
-          <a:p>
-            <a:r>
-              <a:rPr lang="en-AU" sz="2800" dirty="0" err="1"/>
-              <a:t>Muggeo’s</a:t>
-            </a:r>
-            <a:r>
-              <a:rPr lang="en-AU" sz="2800" dirty="0"/>
-              <a:t> score test for one or two changes in the slope of regression (</a:t>
-            </a:r>
-            <a:r>
-              <a:rPr lang="en-AU" sz="2800" dirty="0" err="1"/>
-              <a:t>Muggeo</a:t>
-            </a:r>
-            <a:r>
-              <a:rPr lang="en-AU" sz="2800" dirty="0"/>
-              <a:t> 2016) is statistically significant, observed value = 2.026, p = 0.043</a:t>
-            </a:r>
-          </a:p>
-        </p:txBody>
-      </p:sp>
-      <p:sp>
-        <p:nvSpPr>
-          <p:cNvPr id="31" name="TextBox 30">
-            <a:extLst>
-              <a:ext uri="{FF2B5EF4-FFF2-40B4-BE49-F238E27FC236}">
-                <a16:creationId xmlns:a16="http://schemas.microsoft.com/office/drawing/2014/main" id="{25D28F42-9E15-1368-8942-F4B1DCBEAB55}"/>
-              </a:ext>
-            </a:extLst>
-          </p:cNvPr>
-          <p:cNvSpPr txBox="1"/>
-          <p:nvPr/>
-        </p:nvSpPr>
-        <p:spPr>
-          <a:xfrm>
-            <a:off x="38235761" y="21392302"/>
-            <a:ext cx="9982200" cy="646331"/>
-          </a:xfrm>
-          <a:prstGeom prst="rect">
-            <a:avLst/>
-          </a:prstGeom>
-          <a:noFill/>
-        </p:spPr>
-        <p:txBody>
-          <a:bodyPr wrap="square" rtlCol="0">
-            <a:spAutoFit/>
-          </a:bodyPr>
-          <a:lstStyle/>
-          <a:p>
-            <a:r>
-              <a:rPr lang="en-US" sz="3600" b="1" dirty="0"/>
-              <a:t>Solutions</a:t>
-            </a:r>
-            <a:endParaRPr lang="en-AU" sz="3600" b="1" dirty="0"/>
-          </a:p>
-        </p:txBody>
-      </p:sp>
-      <p:sp>
-        <p:nvSpPr>
-          <p:cNvPr id="33" name="TextBox 32">
-            <a:extLst>
-              <a:ext uri="{FF2B5EF4-FFF2-40B4-BE49-F238E27FC236}">
-                <a16:creationId xmlns:a16="http://schemas.microsoft.com/office/drawing/2014/main" id="{E1B5D5FB-DBE7-A4EB-08AC-E09388FD54C2}"/>
-              </a:ext>
-            </a:extLst>
-          </p:cNvPr>
-          <p:cNvSpPr txBox="1"/>
-          <p:nvPr/>
-        </p:nvSpPr>
-        <p:spPr>
-          <a:xfrm>
-            <a:off x="508035" y="15772673"/>
-            <a:ext cx="12213156" cy="1384995"/>
-          </a:xfrm>
-          <a:prstGeom prst="rect">
-            <a:avLst/>
-          </a:prstGeom>
-          <a:noFill/>
-        </p:spPr>
-        <p:txBody>
-          <a:bodyPr wrap="square">
-            <a:spAutoFit/>
-          </a:bodyPr>
-          <a:lstStyle/>
-          <a:p>
-            <a:pPr marL="571500" indent="-571500">
-              <a:buFont typeface="Wingdings" panose="05000000000000000000" pitchFamily="2" charset="2"/>
-              <a:buChar char="§"/>
-            </a:pPr>
-            <a:r>
-              <a:rPr lang="en-AU" sz="2800" dirty="0"/>
-              <a:t>Archival data: Healthy Ageing Research Programme (N = 230; age 50+)</a:t>
-            </a:r>
-          </a:p>
-          <a:p>
-            <a:pPr marL="571500" indent="-571500">
-              <a:buFont typeface="Wingdings" panose="05000000000000000000" pitchFamily="2" charset="2"/>
-              <a:buChar char="§"/>
-            </a:pPr>
-            <a:r>
-              <a:rPr lang="en-AU" sz="2800" dirty="0"/>
-              <a:t>Objective sleep using actigraphy with concurrent sleep diaries</a:t>
-            </a:r>
-          </a:p>
-          <a:p>
-            <a:pPr marL="571500" indent="-571500">
-              <a:buFont typeface="Wingdings" panose="05000000000000000000" pitchFamily="2" charset="2"/>
-              <a:buChar char="§"/>
-            </a:pPr>
-            <a:r>
-              <a:rPr lang="en-AU" sz="2800" dirty="0"/>
-              <a:t>Questionnaires measures including the insomnia severity index.</a:t>
-            </a:r>
-          </a:p>
-        </p:txBody>
-      </p:sp>
-      <p:sp>
-        <p:nvSpPr>
-          <p:cNvPr id="34" name="TextBox 33">
-            <a:extLst>
-              <a:ext uri="{FF2B5EF4-FFF2-40B4-BE49-F238E27FC236}">
-                <a16:creationId xmlns:a16="http://schemas.microsoft.com/office/drawing/2014/main" id="{C4D469C4-5820-E4C6-3C54-2B5CC4C03706}"/>
-              </a:ext>
-            </a:extLst>
-          </p:cNvPr>
-          <p:cNvSpPr txBox="1"/>
-          <p:nvPr/>
-        </p:nvSpPr>
-        <p:spPr>
-          <a:xfrm>
-            <a:off x="481916" y="17632824"/>
-            <a:ext cx="9982200" cy="646331"/>
-          </a:xfrm>
-          <a:prstGeom prst="rect">
-            <a:avLst/>
-          </a:prstGeom>
-          <a:noFill/>
-        </p:spPr>
-        <p:txBody>
-          <a:bodyPr wrap="square" rtlCol="0">
-            <a:spAutoFit/>
-          </a:bodyPr>
-          <a:lstStyle/>
-          <a:p>
-            <a:r>
-              <a:rPr lang="en-US" sz="3600" b="1" dirty="0"/>
-              <a:t>Difference score problems</a:t>
-            </a:r>
-            <a:endParaRPr lang="en-AU" sz="3600" b="1" dirty="0"/>
-          </a:p>
-        </p:txBody>
-      </p:sp>
-      <p:sp>
-        <p:nvSpPr>
-          <p:cNvPr id="35" name="TextBox 34">
-            <a:extLst>
-              <a:ext uri="{FF2B5EF4-FFF2-40B4-BE49-F238E27FC236}">
-                <a16:creationId xmlns:a16="http://schemas.microsoft.com/office/drawing/2014/main" id="{137AE720-05CE-7F06-C367-57AC1870A095}"/>
-              </a:ext>
-            </a:extLst>
-          </p:cNvPr>
-          <p:cNvSpPr txBox="1"/>
-          <p:nvPr/>
-        </p:nvSpPr>
-        <p:spPr>
-          <a:xfrm>
-            <a:off x="37891343" y="1057005"/>
-            <a:ext cx="11983840" cy="1384995"/>
-          </a:xfrm>
-          <a:prstGeom prst="rect">
-            <a:avLst/>
-          </a:prstGeom>
-          <a:noFill/>
-        </p:spPr>
-        <p:txBody>
-          <a:bodyPr wrap="square">
-            <a:spAutoFit/>
-          </a:bodyPr>
-          <a:lstStyle/>
-          <a:p>
-            <a:pPr marL="571500" indent="-571500">
-              <a:buFont typeface="Wingdings" panose="05000000000000000000" pitchFamily="2" charset="2"/>
-              <a:buChar char="§"/>
-            </a:pPr>
-            <a:r>
-              <a:rPr lang="en-AU" sz="2800" b="1" dirty="0"/>
-              <a:t>Directionality</a:t>
-            </a:r>
-            <a:r>
-              <a:rPr lang="en-AU" sz="2800" dirty="0"/>
-              <a:t> full-range symmetrical distribution may not be present</a:t>
-            </a:r>
-          </a:p>
-          <a:p>
-            <a:pPr marL="571500" indent="-571500">
-              <a:buFont typeface="Wingdings" panose="05000000000000000000" pitchFamily="2" charset="2"/>
-              <a:buChar char="§"/>
-            </a:pPr>
-            <a:r>
-              <a:rPr lang="en-AU" sz="2800" b="1" dirty="0"/>
-              <a:t>Implicit constraints</a:t>
-            </a:r>
-            <a:r>
-              <a:rPr lang="en-AU" sz="2800" dirty="0"/>
-              <a:t> components equal in magnitude opposite in sign, pattern reverses at X = Y, no combined main effect of predictors</a:t>
-            </a:r>
-          </a:p>
-        </p:txBody>
-      </p:sp>
-      <p:sp>
-        <p:nvSpPr>
-          <p:cNvPr id="36" name="TextBox 35">
-            <a:extLst>
-              <a:ext uri="{FF2B5EF4-FFF2-40B4-BE49-F238E27FC236}">
-                <a16:creationId xmlns:a16="http://schemas.microsoft.com/office/drawing/2014/main" id="{C1BF6EDC-6370-F09C-0977-C71EFB668C70}"/>
-              </a:ext>
-            </a:extLst>
-          </p:cNvPr>
-          <p:cNvSpPr txBox="1"/>
-          <p:nvPr/>
-        </p:nvSpPr>
-        <p:spPr>
-          <a:xfrm>
-            <a:off x="226847" y="24888452"/>
-            <a:ext cx="12093956" cy="543000"/>
-          </a:xfrm>
-          <a:prstGeom prst="rect">
-            <a:avLst/>
-          </a:prstGeom>
-          <a:noFill/>
-        </p:spPr>
-        <p:txBody>
-          <a:bodyPr wrap="square">
-            <a:spAutoFit/>
-          </a:bodyPr>
-          <a:lstStyle/>
-          <a:p>
-            <a:pPr marL="571500" indent="-571500">
-              <a:buFont typeface="Wingdings" panose="05000000000000000000" pitchFamily="2" charset="2"/>
-              <a:buChar char="§"/>
-            </a:pPr>
-            <a:r>
-              <a:rPr lang="en-AU" sz="2800" b="1" dirty="0"/>
-              <a:t>Implicit constraints</a:t>
-            </a:r>
-            <a:r>
-              <a:rPr lang="en-AU" sz="2800" dirty="0"/>
-              <a:t> components equal magnitude opposite in sign</a:t>
-            </a:r>
-          </a:p>
-        </p:txBody>
-      </p:sp>
-      <p:pic>
-        <p:nvPicPr>
-          <p:cNvPr id="38" name="Picture 37">
-            <a:extLst>
-              <a:ext uri="{FF2B5EF4-FFF2-40B4-BE49-F238E27FC236}">
-                <a16:creationId xmlns:a16="http://schemas.microsoft.com/office/drawing/2014/main" id="{0B10E24F-5E0F-A11E-363F-29DD1B56E3BD}"/>
-              </a:ext>
-            </a:extLst>
-          </p:cNvPr>
-          <p:cNvPicPr>
-            <a:picLocks noChangeAspect="1"/>
-          </p:cNvPicPr>
-          <p:nvPr/>
-        </p:nvPicPr>
-        <p:blipFill>
-          <a:blip r:embed="rId6"/>
-          <a:stretch>
-            <a:fillRect/>
-          </a:stretch>
-        </p:blipFill>
-        <p:spPr>
-          <a:xfrm>
-            <a:off x="672326" y="25515899"/>
-            <a:ext cx="5687219" cy="609685"/>
-          </a:xfrm>
-          <a:prstGeom prst="rect">
-            <a:avLst/>
-          </a:prstGeom>
-        </p:spPr>
-      </p:pic>
-      <p:pic>
-        <p:nvPicPr>
-          <p:cNvPr id="40" name="Picture 39">
-            <a:extLst>
-              <a:ext uri="{FF2B5EF4-FFF2-40B4-BE49-F238E27FC236}">
-                <a16:creationId xmlns:a16="http://schemas.microsoft.com/office/drawing/2014/main" id="{B736EDF2-5B9B-7CF1-617F-D6F2A5D24B26}"/>
-              </a:ext>
-            </a:extLst>
-          </p:cNvPr>
-          <p:cNvPicPr>
-            <a:picLocks noChangeAspect="1"/>
-          </p:cNvPicPr>
-          <p:nvPr/>
-        </p:nvPicPr>
-        <p:blipFill>
-          <a:blip r:embed="rId7"/>
-          <a:stretch>
-            <a:fillRect/>
-          </a:stretch>
-        </p:blipFill>
-        <p:spPr>
-          <a:xfrm>
-            <a:off x="1408719" y="26030426"/>
-            <a:ext cx="6001588" cy="543001"/>
-          </a:xfrm>
-          <a:prstGeom prst="rect">
-            <a:avLst/>
-          </a:prstGeom>
-        </p:spPr>
-      </p:pic>
-      <p:sp>
-        <p:nvSpPr>
-          <p:cNvPr id="41" name="TextBox 40">
-            <a:extLst>
-              <a:ext uri="{FF2B5EF4-FFF2-40B4-BE49-F238E27FC236}">
-                <a16:creationId xmlns:a16="http://schemas.microsoft.com/office/drawing/2014/main" id="{94C83882-8199-E597-3549-C499C9E9E310}"/>
-              </a:ext>
-            </a:extLst>
-          </p:cNvPr>
-          <p:cNvSpPr txBox="1"/>
-          <p:nvPr/>
-        </p:nvSpPr>
-        <p:spPr>
-          <a:xfrm>
-            <a:off x="38044791" y="358294"/>
-            <a:ext cx="9982200" cy="646331"/>
-          </a:xfrm>
-          <a:prstGeom prst="rect">
-            <a:avLst/>
-          </a:prstGeom>
-          <a:noFill/>
-        </p:spPr>
-        <p:txBody>
-          <a:bodyPr wrap="square" rtlCol="0">
-            <a:spAutoFit/>
-          </a:bodyPr>
-          <a:lstStyle/>
-          <a:p>
-            <a:r>
-              <a:rPr lang="en-US" sz="3600" b="1" dirty="0"/>
-              <a:t>Absolute difference score problems</a:t>
-            </a:r>
-            <a:endParaRPr lang="en-AU" sz="3600" b="1" dirty="0"/>
-          </a:p>
-        </p:txBody>
-      </p:sp>
-      <p:sp>
-        <p:nvSpPr>
-          <p:cNvPr id="42" name="TextBox 41">
-            <a:extLst>
-              <a:ext uri="{FF2B5EF4-FFF2-40B4-BE49-F238E27FC236}">
-                <a16:creationId xmlns:a16="http://schemas.microsoft.com/office/drawing/2014/main" id="{80001680-A163-2C98-8B27-714FB41E0690}"/>
-              </a:ext>
-            </a:extLst>
-          </p:cNvPr>
-          <p:cNvSpPr txBox="1"/>
-          <p:nvPr/>
-        </p:nvSpPr>
-        <p:spPr>
-          <a:xfrm>
-            <a:off x="295451" y="18478425"/>
-            <a:ext cx="12213156" cy="954107"/>
-          </a:xfrm>
-          <a:prstGeom prst="rect">
-            <a:avLst/>
-          </a:prstGeom>
-          <a:noFill/>
-        </p:spPr>
-        <p:txBody>
-          <a:bodyPr wrap="square">
-            <a:spAutoFit/>
-          </a:bodyPr>
-          <a:lstStyle/>
-          <a:p>
-            <a:pPr marL="571500" indent="-571500">
-              <a:buFont typeface="Wingdings" panose="05000000000000000000" pitchFamily="2" charset="2"/>
-              <a:buChar char="§"/>
-            </a:pPr>
-            <a:r>
-              <a:rPr lang="en-AU" sz="2800" b="1" dirty="0"/>
-              <a:t>Directionality</a:t>
-            </a:r>
-            <a:r>
-              <a:rPr lang="en-AU" sz="2800" dirty="0"/>
-              <a:t> </a:t>
-            </a:r>
-            <a:r>
-              <a:rPr lang="en-US" sz="2800" dirty="0"/>
-              <a:t>identified effects exist through the full range of a difference score</a:t>
-            </a:r>
-            <a:endParaRPr lang="en-AU" sz="2800" dirty="0"/>
-          </a:p>
-        </p:txBody>
-      </p:sp>
-      <p:pic>
-        <p:nvPicPr>
-          <p:cNvPr id="45" name="Picture 44">
-            <a:extLst>
-              <a:ext uri="{FF2B5EF4-FFF2-40B4-BE49-F238E27FC236}">
-                <a16:creationId xmlns:a16="http://schemas.microsoft.com/office/drawing/2014/main" id="{098D7B8B-2B25-E9B6-0CC2-C0907ACA9188}"/>
-              </a:ext>
-            </a:extLst>
-          </p:cNvPr>
-          <p:cNvPicPr>
-            <a:picLocks noChangeAspect="1"/>
-          </p:cNvPicPr>
-          <p:nvPr/>
-        </p:nvPicPr>
-        <p:blipFill>
-          <a:blip r:embed="rId8"/>
-          <a:stretch>
-            <a:fillRect/>
-          </a:stretch>
-        </p:blipFill>
-        <p:spPr>
-          <a:xfrm>
-            <a:off x="40569015" y="2481158"/>
-            <a:ext cx="5315692" cy="543001"/>
-          </a:xfrm>
-          <a:prstGeom prst="rect">
-            <a:avLst/>
-          </a:prstGeom>
-        </p:spPr>
-      </p:pic>
-      <p:pic>
-        <p:nvPicPr>
-          <p:cNvPr id="47" name="Picture 46">
-            <a:extLst>
-              <a:ext uri="{FF2B5EF4-FFF2-40B4-BE49-F238E27FC236}">
-                <a16:creationId xmlns:a16="http://schemas.microsoft.com/office/drawing/2014/main" id="{2DFC7EF5-AAAB-91A7-FAAF-4ECB33834FA1}"/>
-              </a:ext>
-            </a:extLst>
-          </p:cNvPr>
-          <p:cNvPicPr>
-            <a:picLocks noChangeAspect="1"/>
-          </p:cNvPicPr>
-          <p:nvPr/>
-        </p:nvPicPr>
-        <p:blipFill>
-          <a:blip r:embed="rId9"/>
-          <a:stretch>
-            <a:fillRect/>
-          </a:stretch>
-        </p:blipFill>
-        <p:spPr>
-          <a:xfrm>
-            <a:off x="39281821" y="3718690"/>
-            <a:ext cx="8869013" cy="1047896"/>
-          </a:xfrm>
-          <a:prstGeom prst="rect">
-            <a:avLst/>
-          </a:prstGeom>
-        </p:spPr>
-      </p:pic>
-      <p:pic>
-        <p:nvPicPr>
-          <p:cNvPr id="49" name="Picture 48">
-            <a:extLst>
-              <a:ext uri="{FF2B5EF4-FFF2-40B4-BE49-F238E27FC236}">
-                <a16:creationId xmlns:a16="http://schemas.microsoft.com/office/drawing/2014/main" id="{45A77597-447B-B27B-045F-6EA7009BDCF1}"/>
-              </a:ext>
-            </a:extLst>
-          </p:cNvPr>
-          <p:cNvPicPr>
-            <a:picLocks noChangeAspect="1"/>
-          </p:cNvPicPr>
-          <p:nvPr/>
-        </p:nvPicPr>
-        <p:blipFill>
-          <a:blip r:embed="rId10"/>
-          <a:stretch>
-            <a:fillRect/>
-          </a:stretch>
-        </p:blipFill>
-        <p:spPr>
-          <a:xfrm>
-            <a:off x="39281821" y="4935423"/>
-            <a:ext cx="8745170" cy="847843"/>
-          </a:xfrm>
-          <a:prstGeom prst="rect">
-            <a:avLst/>
-          </a:prstGeom>
-        </p:spPr>
-      </p:pic>
-      <p:pic>
-        <p:nvPicPr>
-          <p:cNvPr id="51" name="Picture 50">
-            <a:extLst>
-              <a:ext uri="{FF2B5EF4-FFF2-40B4-BE49-F238E27FC236}">
-                <a16:creationId xmlns:a16="http://schemas.microsoft.com/office/drawing/2014/main" id="{F6E9DB9B-E61C-6460-6830-535E39BE618E}"/>
-              </a:ext>
-            </a:extLst>
-          </p:cNvPr>
-          <p:cNvPicPr>
-            <a:picLocks noChangeAspect="1"/>
-          </p:cNvPicPr>
-          <p:nvPr/>
-        </p:nvPicPr>
-        <p:blipFill>
-          <a:blip r:embed="rId11"/>
-          <a:stretch>
-            <a:fillRect/>
-          </a:stretch>
-        </p:blipFill>
-        <p:spPr>
-          <a:xfrm>
-            <a:off x="41139487" y="2984849"/>
-            <a:ext cx="7125694" cy="552527"/>
-          </a:xfrm>
-          <a:prstGeom prst="rect">
-            <a:avLst/>
-          </a:prstGeom>
-        </p:spPr>
-      </p:pic>
-      <p:sp>
-        <p:nvSpPr>
-          <p:cNvPr id="54" name="TextBox 53">
-            <a:extLst>
-              <a:ext uri="{FF2B5EF4-FFF2-40B4-BE49-F238E27FC236}">
-                <a16:creationId xmlns:a16="http://schemas.microsoft.com/office/drawing/2014/main" id="{9A337C6F-75A9-ADD3-0D65-3B14E98C58B0}"/>
-              </a:ext>
-            </a:extLst>
-          </p:cNvPr>
-          <p:cNvSpPr txBox="1"/>
-          <p:nvPr/>
-        </p:nvSpPr>
-        <p:spPr>
-          <a:xfrm>
-            <a:off x="38044791" y="12697561"/>
-            <a:ext cx="9982200" cy="646331"/>
-          </a:xfrm>
-          <a:prstGeom prst="rect">
-            <a:avLst/>
-          </a:prstGeom>
-          <a:noFill/>
-        </p:spPr>
-        <p:txBody>
-          <a:bodyPr wrap="square" rtlCol="0">
-            <a:spAutoFit/>
-          </a:bodyPr>
-          <a:lstStyle/>
-          <a:p>
-            <a:r>
-              <a:rPr lang="en-US" sz="3600" b="1" dirty="0"/>
-              <a:t>Ratio score problems</a:t>
-            </a:r>
-            <a:endParaRPr lang="en-AU" sz="3600" b="1" dirty="0"/>
-          </a:p>
-        </p:txBody>
-      </p:sp>
-      <p:sp>
-        <p:nvSpPr>
-          <p:cNvPr id="56" name="TextBox 55">
-            <a:extLst>
-              <a:ext uri="{FF2B5EF4-FFF2-40B4-BE49-F238E27FC236}">
-                <a16:creationId xmlns:a16="http://schemas.microsoft.com/office/drawing/2014/main" id="{B245F729-552B-AF90-72AF-077E74AE98C6}"/>
-              </a:ext>
-            </a:extLst>
-          </p:cNvPr>
-          <p:cNvSpPr txBox="1"/>
-          <p:nvPr/>
-        </p:nvSpPr>
-        <p:spPr>
-          <a:xfrm>
-            <a:off x="37753450" y="13423605"/>
-            <a:ext cx="9012677" cy="1384995"/>
-          </a:xfrm>
-          <a:prstGeom prst="rect">
-            <a:avLst/>
-          </a:prstGeom>
-          <a:noFill/>
-        </p:spPr>
-        <p:txBody>
-          <a:bodyPr wrap="square">
-            <a:spAutoFit/>
-          </a:bodyPr>
-          <a:lstStyle/>
-          <a:p>
-            <a:pPr marL="571500" indent="-571500">
-              <a:buFont typeface="Wingdings" panose="05000000000000000000" pitchFamily="2" charset="2"/>
-              <a:buChar char="§"/>
-            </a:pPr>
-            <a:r>
-              <a:rPr lang="en-AU" sz="2800" b="1" dirty="0"/>
-              <a:t>Directionality</a:t>
-            </a:r>
-            <a:r>
-              <a:rPr lang="en-AU" sz="2800" dirty="0"/>
-              <a:t> </a:t>
-            </a:r>
-            <a:r>
-              <a:rPr lang="en-US" sz="2800" dirty="0"/>
-              <a:t>identified effects exist through the full range of a difference score</a:t>
-            </a:r>
-          </a:p>
-          <a:p>
-            <a:pPr marL="571500" indent="-571500">
-              <a:buFont typeface="Wingdings" panose="05000000000000000000" pitchFamily="2" charset="2"/>
-              <a:buChar char="§"/>
-            </a:pPr>
-            <a:r>
-              <a:rPr lang="en-US" sz="2800" b="1" dirty="0"/>
-              <a:t>Arbitrary designation of numerator/ denominator</a:t>
-            </a:r>
-          </a:p>
-        </p:txBody>
-      </p:sp>
-      <p:pic>
-        <p:nvPicPr>
-          <p:cNvPr id="58" name="Picture 57">
-            <a:extLst>
-              <a:ext uri="{FF2B5EF4-FFF2-40B4-BE49-F238E27FC236}">
-                <a16:creationId xmlns:a16="http://schemas.microsoft.com/office/drawing/2014/main" id="{E112DE98-D29F-3D1A-2805-CF8890CC21B2}"/>
-              </a:ext>
-            </a:extLst>
-          </p:cNvPr>
-          <p:cNvPicPr>
-            <a:picLocks noChangeAspect="1"/>
-          </p:cNvPicPr>
-          <p:nvPr/>
-        </p:nvPicPr>
-        <p:blipFill>
-          <a:blip r:embed="rId12"/>
-          <a:stretch>
-            <a:fillRect/>
-          </a:stretch>
-        </p:blipFill>
-        <p:spPr>
-          <a:xfrm>
-            <a:off x="38854276" y="15177507"/>
-            <a:ext cx="4372585" cy="1562318"/>
-          </a:xfrm>
-          <a:prstGeom prst="rect">
-            <a:avLst/>
-          </a:prstGeom>
-        </p:spPr>
-      </p:pic>
-      <p:pic>
-        <p:nvPicPr>
-          <p:cNvPr id="60" name="Picture 59">
-            <a:extLst>
-              <a:ext uri="{FF2B5EF4-FFF2-40B4-BE49-F238E27FC236}">
-                <a16:creationId xmlns:a16="http://schemas.microsoft.com/office/drawing/2014/main" id="{2CE9E6B9-927B-62A5-139F-5D055C5AAE56}"/>
-              </a:ext>
-            </a:extLst>
-          </p:cNvPr>
-          <p:cNvPicPr>
-            <a:picLocks noChangeAspect="1"/>
-          </p:cNvPicPr>
-          <p:nvPr/>
-        </p:nvPicPr>
-        <p:blipFill>
-          <a:blip r:embed="rId13"/>
-          <a:stretch>
-            <a:fillRect/>
-          </a:stretch>
-        </p:blipFill>
-        <p:spPr>
-          <a:xfrm>
-            <a:off x="44500052" y="14906535"/>
-            <a:ext cx="4848902" cy="2048161"/>
-          </a:xfrm>
-          <a:prstGeom prst="rect">
-            <a:avLst/>
-          </a:prstGeom>
-        </p:spPr>
-      </p:pic>
-      <p:sp>
-        <p:nvSpPr>
-          <p:cNvPr id="61" name="TextBox 60">
-            <a:extLst>
-              <a:ext uri="{FF2B5EF4-FFF2-40B4-BE49-F238E27FC236}">
-                <a16:creationId xmlns:a16="http://schemas.microsoft.com/office/drawing/2014/main" id="{B56613E1-BC9C-53CA-BB4F-CCD0BA458FDA}"/>
-              </a:ext>
-            </a:extLst>
-          </p:cNvPr>
-          <p:cNvSpPr txBox="1"/>
-          <p:nvPr/>
-        </p:nvSpPr>
-        <p:spPr>
-          <a:xfrm>
-            <a:off x="37911826" y="20711903"/>
-            <a:ext cx="9012677" cy="523220"/>
-          </a:xfrm>
-          <a:prstGeom prst="rect">
-            <a:avLst/>
-          </a:prstGeom>
-          <a:noFill/>
-        </p:spPr>
-        <p:txBody>
-          <a:bodyPr wrap="square">
-            <a:spAutoFit/>
-          </a:bodyPr>
-          <a:lstStyle/>
-          <a:p>
-            <a:pPr marL="571500" indent="-571500">
-              <a:buFont typeface="Wingdings" panose="05000000000000000000" pitchFamily="2" charset="2"/>
-              <a:buChar char="§"/>
-            </a:pPr>
-            <a:r>
-              <a:rPr lang="en-AU" sz="2800" b="1" dirty="0"/>
-              <a:t>Implicit constraints</a:t>
-            </a:r>
-            <a:endParaRPr lang="en-US" sz="2800" b="1" dirty="0"/>
-          </a:p>
-        </p:txBody>
-      </p:sp>
-      <p:sp>
-        <p:nvSpPr>
-          <p:cNvPr id="32" name="Rectangle 31">
-            <a:extLst>
-              <a:ext uri="{FF2B5EF4-FFF2-40B4-BE49-F238E27FC236}">
-                <a16:creationId xmlns:a16="http://schemas.microsoft.com/office/drawing/2014/main" id="{0A575473-1F84-29B4-2734-8B6B001093CE}"/>
-              </a:ext>
-            </a:extLst>
-          </p:cNvPr>
-          <p:cNvSpPr/>
-          <p:nvPr/>
-        </p:nvSpPr>
-        <p:spPr>
-          <a:xfrm>
-            <a:off x="13415831" y="14037105"/>
-            <a:ext cx="3600000" cy="3600000"/>
-          </a:xfrm>
-          <a:prstGeom prst="rect">
-            <a:avLst/>
-          </a:prstGeom>
-          <a:solidFill>
-            <a:schemeClr val="bg1"/>
-          </a:solidFill>
-          <a:ln>
-            <a:solidFill>
-              <a:schemeClr val="bg1"/>
-            </a:solidFill>
-          </a:ln>
-        </p:spPr>
-        <p:style>
-          <a:lnRef idx="2">
-            <a:schemeClr val="accent1">
-              <a:shade val="15000"/>
-            </a:schemeClr>
-          </a:lnRef>
-          <a:fillRef idx="1">
-            <a:schemeClr val="accent1"/>
-          </a:fillRef>
-          <a:effectRef idx="0">
-            <a:schemeClr val="accent1"/>
-          </a:effectRef>
-          <a:fontRef idx="minor">
-            <a:schemeClr val="lt1"/>
-          </a:fontRef>
-        </p:style>
-        <p:txBody>
-          <a:bodyPr rtlCol="0" anchor="ctr"/>
-          <a:lstStyle/>
-          <a:p>
-            <a:pPr algn="ctr"/>
-            <a:endParaRPr lang="en-AU"/>
-          </a:p>
-        </p:txBody>
-      </p:sp>
-      <p:pic>
-        <p:nvPicPr>
-          <p:cNvPr id="17" name="Picture 16">
-            <a:extLst>
-              <a:ext uri="{FF2B5EF4-FFF2-40B4-BE49-F238E27FC236}">
-                <a16:creationId xmlns:a16="http://schemas.microsoft.com/office/drawing/2014/main" id="{70FB135E-B2EA-D03E-1B28-55AADE4284B3}"/>
-              </a:ext>
-            </a:extLst>
-          </p:cNvPr>
-          <p:cNvPicPr>
-            <a:picLocks noChangeAspect="1"/>
-          </p:cNvPicPr>
-          <p:nvPr/>
-        </p:nvPicPr>
-        <p:blipFill>
-          <a:blip r:embed="rId14"/>
-          <a:stretch>
-            <a:fillRect/>
-          </a:stretch>
-        </p:blipFill>
-        <p:spPr>
-          <a:xfrm>
-            <a:off x="13550398" y="14216375"/>
-            <a:ext cx="3250945" cy="3354932"/>
-          </a:xfrm>
-          <a:prstGeom prst="rect">
-            <a:avLst/>
-          </a:prstGeom>
-        </p:spPr>
-      </p:pic>
-      <p:sp>
-        <p:nvSpPr>
-          <p:cNvPr id="48" name="Rectangle 47">
-            <a:extLst>
-              <a:ext uri="{FF2B5EF4-FFF2-40B4-BE49-F238E27FC236}">
-                <a16:creationId xmlns:a16="http://schemas.microsoft.com/office/drawing/2014/main" id="{EAD5AA6A-88A8-1E6E-22C4-1378600123FA}"/>
-              </a:ext>
-            </a:extLst>
-          </p:cNvPr>
-          <p:cNvSpPr/>
-          <p:nvPr/>
-        </p:nvSpPr>
-        <p:spPr>
-          <a:xfrm>
-            <a:off x="17373539" y="14037105"/>
-            <a:ext cx="3600000" cy="3600000"/>
-          </a:xfrm>
-          <a:prstGeom prst="rect">
-            <a:avLst/>
-          </a:prstGeom>
-          <a:solidFill>
-            <a:schemeClr val="bg1"/>
-          </a:solidFill>
-          <a:ln>
-            <a:solidFill>
-              <a:schemeClr val="bg1"/>
-            </a:solidFill>
-          </a:ln>
-        </p:spPr>
-        <p:style>
-          <a:lnRef idx="2">
-            <a:schemeClr val="accent1">
-              <a:shade val="15000"/>
-            </a:schemeClr>
-          </a:lnRef>
-          <a:fillRef idx="1">
-            <a:schemeClr val="accent1"/>
-          </a:fillRef>
-          <a:effectRef idx="0">
-            <a:schemeClr val="accent1"/>
-          </a:effectRef>
-          <a:fontRef idx="minor">
-            <a:schemeClr val="lt1"/>
-          </a:fontRef>
-        </p:style>
-        <p:txBody>
-          <a:bodyPr rtlCol="0" anchor="ctr"/>
-          <a:lstStyle/>
-          <a:p>
-            <a:pPr algn="ctr"/>
-            <a:endParaRPr lang="en-AU"/>
-          </a:p>
-        </p:txBody>
-      </p:sp>
-      <p:sp>
-        <p:nvSpPr>
-          <p:cNvPr id="50" name="Rectangle 49">
-            <a:extLst>
-              <a:ext uri="{FF2B5EF4-FFF2-40B4-BE49-F238E27FC236}">
-                <a16:creationId xmlns:a16="http://schemas.microsoft.com/office/drawing/2014/main" id="{1A71D57A-C346-5239-FEEC-4C0A4B0FC95A}"/>
-              </a:ext>
-            </a:extLst>
-          </p:cNvPr>
-          <p:cNvSpPr/>
-          <p:nvPr/>
-        </p:nvSpPr>
-        <p:spPr>
-          <a:xfrm>
-            <a:off x="21261838" y="14037105"/>
-            <a:ext cx="3600000" cy="3600000"/>
-          </a:xfrm>
-          <a:prstGeom prst="rect">
-            <a:avLst/>
-          </a:prstGeom>
-          <a:solidFill>
-            <a:schemeClr val="bg1"/>
-          </a:solidFill>
-          <a:ln>
-            <a:solidFill>
-              <a:schemeClr val="bg1"/>
-            </a:solidFill>
-          </a:ln>
-        </p:spPr>
-        <p:style>
-          <a:lnRef idx="2">
-            <a:schemeClr val="accent1">
-              <a:shade val="15000"/>
-            </a:schemeClr>
-          </a:lnRef>
-          <a:fillRef idx="1">
-            <a:schemeClr val="accent1"/>
-          </a:fillRef>
-          <a:effectRef idx="0">
-            <a:schemeClr val="accent1"/>
-          </a:effectRef>
-          <a:fontRef idx="minor">
-            <a:schemeClr val="lt1"/>
-          </a:fontRef>
-        </p:style>
-        <p:txBody>
-          <a:bodyPr rtlCol="0" anchor="ctr"/>
-          <a:lstStyle/>
-          <a:p>
-            <a:pPr algn="ctr"/>
-            <a:endParaRPr lang="en-AU"/>
-          </a:p>
-        </p:txBody>
-      </p:sp>
-      <p:sp>
-        <p:nvSpPr>
-          <p:cNvPr id="52" name="Rectangle 51">
-            <a:extLst>
-              <a:ext uri="{FF2B5EF4-FFF2-40B4-BE49-F238E27FC236}">
-                <a16:creationId xmlns:a16="http://schemas.microsoft.com/office/drawing/2014/main" id="{7F12DC29-A837-E2A9-8926-21C226E66492}"/>
-              </a:ext>
-            </a:extLst>
-          </p:cNvPr>
-          <p:cNvSpPr/>
-          <p:nvPr/>
-        </p:nvSpPr>
-        <p:spPr>
-          <a:xfrm>
-            <a:off x="25150137" y="14037105"/>
-            <a:ext cx="3600000" cy="3600000"/>
-          </a:xfrm>
-          <a:prstGeom prst="rect">
-            <a:avLst/>
-          </a:prstGeom>
-          <a:solidFill>
-            <a:schemeClr val="bg1"/>
-          </a:solidFill>
-          <a:ln>
-            <a:solidFill>
-              <a:schemeClr val="bg1"/>
-            </a:solidFill>
-          </a:ln>
-        </p:spPr>
-        <p:style>
-          <a:lnRef idx="2">
-            <a:schemeClr val="accent1">
-              <a:shade val="15000"/>
-            </a:schemeClr>
-          </a:lnRef>
-          <a:fillRef idx="1">
-            <a:schemeClr val="accent1"/>
-          </a:fillRef>
-          <a:effectRef idx="0">
-            <a:schemeClr val="accent1"/>
-          </a:effectRef>
-          <a:fontRef idx="minor">
-            <a:schemeClr val="lt1"/>
-          </a:fontRef>
-        </p:style>
-        <p:txBody>
-          <a:bodyPr rtlCol="0" anchor="ctr"/>
-          <a:lstStyle/>
-          <a:p>
-            <a:pPr algn="ctr"/>
-            <a:endParaRPr lang="en-AU"/>
-          </a:p>
-        </p:txBody>
-      </p:sp>
-      <p:sp>
-        <p:nvSpPr>
-          <p:cNvPr id="53" name="Rectangle 52">
-            <a:extLst>
-              <a:ext uri="{FF2B5EF4-FFF2-40B4-BE49-F238E27FC236}">
-                <a16:creationId xmlns:a16="http://schemas.microsoft.com/office/drawing/2014/main" id="{8589FA42-7FF1-31D8-6037-DDF14095029D}"/>
-              </a:ext>
-            </a:extLst>
-          </p:cNvPr>
-          <p:cNvSpPr/>
-          <p:nvPr/>
-        </p:nvSpPr>
-        <p:spPr>
-          <a:xfrm>
-            <a:off x="29035041" y="14037105"/>
-            <a:ext cx="3600000" cy="3600000"/>
-          </a:xfrm>
-          <a:prstGeom prst="rect">
-            <a:avLst/>
-          </a:prstGeom>
-          <a:solidFill>
-            <a:schemeClr val="bg1"/>
-          </a:solidFill>
-          <a:ln>
-            <a:solidFill>
-              <a:schemeClr val="bg1"/>
-            </a:solidFill>
-          </a:ln>
-        </p:spPr>
-        <p:style>
-          <a:lnRef idx="2">
-            <a:schemeClr val="accent1">
-              <a:shade val="15000"/>
-            </a:schemeClr>
-          </a:lnRef>
-          <a:fillRef idx="1">
-            <a:schemeClr val="accent1"/>
-          </a:fillRef>
-          <a:effectRef idx="0">
-            <a:schemeClr val="accent1"/>
-          </a:effectRef>
-          <a:fontRef idx="minor">
-            <a:schemeClr val="lt1"/>
-          </a:fontRef>
-        </p:style>
-        <p:txBody>
-          <a:bodyPr rtlCol="0" anchor="ctr"/>
-          <a:lstStyle/>
-          <a:p>
-            <a:pPr algn="ctr"/>
-            <a:endParaRPr lang="en-AU"/>
-          </a:p>
-        </p:txBody>
-      </p:sp>
-      <p:sp>
-        <p:nvSpPr>
-          <p:cNvPr id="55" name="Rectangle 54">
-            <a:extLst>
-              <a:ext uri="{FF2B5EF4-FFF2-40B4-BE49-F238E27FC236}">
-                <a16:creationId xmlns:a16="http://schemas.microsoft.com/office/drawing/2014/main" id="{52A322A0-94BB-CD4C-F75E-3BF591CC66ED}"/>
-              </a:ext>
-            </a:extLst>
-          </p:cNvPr>
-          <p:cNvSpPr/>
-          <p:nvPr/>
-        </p:nvSpPr>
-        <p:spPr>
-          <a:xfrm>
-            <a:off x="32974111" y="14037105"/>
-            <a:ext cx="3600000" cy="3600000"/>
-          </a:xfrm>
-          <a:prstGeom prst="rect">
-            <a:avLst/>
-          </a:prstGeom>
-          <a:solidFill>
-            <a:schemeClr val="bg1"/>
-          </a:solidFill>
-          <a:ln>
-            <a:solidFill>
-              <a:schemeClr val="bg1"/>
-            </a:solidFill>
-          </a:ln>
-        </p:spPr>
-        <p:style>
-          <a:lnRef idx="2">
-            <a:schemeClr val="accent1">
-              <a:shade val="15000"/>
-            </a:schemeClr>
-          </a:lnRef>
-          <a:fillRef idx="1">
-            <a:schemeClr val="accent1"/>
-          </a:fillRef>
-          <a:effectRef idx="0">
-            <a:schemeClr val="accent1"/>
-          </a:effectRef>
-          <a:fontRef idx="minor">
-            <a:schemeClr val="lt1"/>
-          </a:fontRef>
-        </p:style>
-        <p:txBody>
-          <a:bodyPr rtlCol="0" anchor="ctr"/>
-          <a:lstStyle/>
-          <a:p>
-            <a:pPr algn="ctr"/>
-            <a:endParaRPr lang="en-AU"/>
-          </a:p>
-        </p:txBody>
-      </p:sp>
-      <p:pic>
-        <p:nvPicPr>
-          <p:cNvPr id="21" name="Picture 20">
-            <a:extLst>
-              <a:ext uri="{FF2B5EF4-FFF2-40B4-BE49-F238E27FC236}">
-                <a16:creationId xmlns:a16="http://schemas.microsoft.com/office/drawing/2014/main" id="{D0E61050-C2FC-A18E-16C8-53C5C91D2600}"/>
-              </a:ext>
-            </a:extLst>
-          </p:cNvPr>
-          <p:cNvPicPr>
-            <a:picLocks noChangeAspect="1"/>
-          </p:cNvPicPr>
-          <p:nvPr/>
-        </p:nvPicPr>
-        <p:blipFill>
-          <a:blip r:embed="rId15"/>
-          <a:stretch>
-            <a:fillRect/>
-          </a:stretch>
-        </p:blipFill>
-        <p:spPr>
-          <a:xfrm>
-            <a:off x="17548795" y="14037105"/>
-            <a:ext cx="3233898" cy="3600000"/>
-          </a:xfrm>
-          <a:prstGeom prst="rect">
-            <a:avLst/>
-          </a:prstGeom>
-        </p:spPr>
-      </p:pic>
-      <p:pic>
-        <p:nvPicPr>
-          <p:cNvPr id="27" name="Picture 26">
-            <a:extLst>
-              <a:ext uri="{FF2B5EF4-FFF2-40B4-BE49-F238E27FC236}">
-                <a16:creationId xmlns:a16="http://schemas.microsoft.com/office/drawing/2014/main" id="{4C94897B-AC8A-4418-8CB4-EE97038EA4B5}"/>
-              </a:ext>
-            </a:extLst>
-          </p:cNvPr>
-          <p:cNvPicPr>
-            <a:picLocks noChangeAspect="1"/>
-          </p:cNvPicPr>
-          <p:nvPr/>
-        </p:nvPicPr>
-        <p:blipFill>
-          <a:blip r:embed="rId16"/>
-          <a:stretch>
-            <a:fillRect/>
-          </a:stretch>
-        </p:blipFill>
-        <p:spPr>
-          <a:xfrm>
-            <a:off x="21501346" y="14098622"/>
-            <a:ext cx="3220417" cy="3534202"/>
-          </a:xfrm>
-          <a:prstGeom prst="rect">
-            <a:avLst/>
-          </a:prstGeom>
-        </p:spPr>
-      </p:pic>
-      <p:pic>
-        <p:nvPicPr>
-          <p:cNvPr id="24" name="Picture 23">
-            <a:extLst>
-              <a:ext uri="{FF2B5EF4-FFF2-40B4-BE49-F238E27FC236}">
-                <a16:creationId xmlns:a16="http://schemas.microsoft.com/office/drawing/2014/main" id="{1BA848F5-605E-085E-58FF-608B6FCAC33B}"/>
-              </a:ext>
-            </a:extLst>
-          </p:cNvPr>
-          <p:cNvPicPr>
-            <a:picLocks noChangeAspect="1"/>
-          </p:cNvPicPr>
-          <p:nvPr/>
-        </p:nvPicPr>
-        <p:blipFill>
-          <a:blip r:embed="rId17"/>
-          <a:stretch>
-            <a:fillRect/>
-          </a:stretch>
-        </p:blipFill>
-        <p:spPr>
-          <a:xfrm>
-            <a:off x="25200908" y="14126739"/>
-            <a:ext cx="3376124" cy="3534203"/>
-          </a:xfrm>
-          <a:prstGeom prst="rect">
-            <a:avLst/>
-          </a:prstGeom>
-        </p:spPr>
-      </p:pic>
-      <p:pic>
-        <p:nvPicPr>
-          <p:cNvPr id="46" name="Picture 45">
-            <a:extLst>
-              <a:ext uri="{FF2B5EF4-FFF2-40B4-BE49-F238E27FC236}">
-                <a16:creationId xmlns:a16="http://schemas.microsoft.com/office/drawing/2014/main" id="{92038A45-C817-CAF6-E579-3EB44458883B}"/>
-              </a:ext>
-            </a:extLst>
-          </p:cNvPr>
-          <p:cNvPicPr>
-            <a:picLocks noChangeAspect="1"/>
-          </p:cNvPicPr>
-          <p:nvPr/>
-        </p:nvPicPr>
-        <p:blipFill>
-          <a:blip r:embed="rId18"/>
-          <a:stretch>
-            <a:fillRect/>
-          </a:stretch>
-        </p:blipFill>
-        <p:spPr>
-          <a:xfrm>
-            <a:off x="29228987" y="14126739"/>
-            <a:ext cx="3292551" cy="3477968"/>
-          </a:xfrm>
-          <a:prstGeom prst="rect">
-            <a:avLst/>
-          </a:prstGeom>
-        </p:spPr>
-      </p:pic>
-      <p:pic>
-        <p:nvPicPr>
-          <p:cNvPr id="59" name="Picture 58">
-            <a:extLst>
-              <a:ext uri="{FF2B5EF4-FFF2-40B4-BE49-F238E27FC236}">
-                <a16:creationId xmlns:a16="http://schemas.microsoft.com/office/drawing/2014/main" id="{FEB37593-C570-3CE8-86A5-996BFCAD70D9}"/>
-              </a:ext>
-            </a:extLst>
-          </p:cNvPr>
-          <p:cNvPicPr>
-            <a:picLocks noChangeAspect="1"/>
-          </p:cNvPicPr>
-          <p:nvPr/>
-        </p:nvPicPr>
-        <p:blipFill>
-          <a:blip r:embed="rId19"/>
-          <a:stretch>
-            <a:fillRect/>
-          </a:stretch>
-        </p:blipFill>
-        <p:spPr>
-          <a:xfrm>
-            <a:off x="33014855" y="14070003"/>
-            <a:ext cx="3471701" cy="3534203"/>
-          </a:xfrm>
-          <a:prstGeom prst="rect">
-            <a:avLst/>
-          </a:prstGeom>
-        </p:spPr>
-      </p:pic>
-      <p:pic>
-        <p:nvPicPr>
-          <p:cNvPr id="63" name="Picture 62">
-            <a:extLst>
-              <a:ext uri="{FF2B5EF4-FFF2-40B4-BE49-F238E27FC236}">
-                <a16:creationId xmlns:a16="http://schemas.microsoft.com/office/drawing/2014/main" id="{37A7972D-077D-FA89-9E03-5587E47A4D11}"/>
-              </a:ext>
-            </a:extLst>
-          </p:cNvPr>
-          <p:cNvPicPr>
-            <a:picLocks noChangeAspect="1"/>
-          </p:cNvPicPr>
-          <p:nvPr/>
-        </p:nvPicPr>
-        <p:blipFill>
-          <a:blip r:embed="rId20"/>
-          <a:stretch>
-            <a:fillRect/>
-          </a:stretch>
-        </p:blipFill>
-        <p:spPr>
-          <a:xfrm>
-            <a:off x="38451581" y="17150286"/>
-            <a:ext cx="11027763" cy="3345016"/>
-          </a:xfrm>
-          <a:prstGeom prst="rect">
-            <a:avLst/>
-          </a:prstGeom>
-        </p:spPr>
-      </p:pic>
-      <p:sp>
-        <p:nvSpPr>
-          <p:cNvPr id="6" name="Rectangle: Rounded Corners 5">
-            <a:extLst>
-              <a:ext uri="{FF2B5EF4-FFF2-40B4-BE49-F238E27FC236}">
-                <a16:creationId xmlns:a16="http://schemas.microsoft.com/office/drawing/2014/main" id="{A4AEFF63-6A28-7BDA-0D3E-40CB5636B826}"/>
-              </a:ext>
-            </a:extLst>
-          </p:cNvPr>
-          <p:cNvSpPr/>
-          <p:nvPr/>
-        </p:nvSpPr>
-        <p:spPr>
-          <a:xfrm>
-            <a:off x="32239974" y="26761440"/>
-            <a:ext cx="3981986" cy="4968240"/>
-          </a:xfrm>
-          <a:prstGeom prst="roundRect">
-            <a:avLst/>
-          </a:prstGeom>
-          <a:solidFill>
-            <a:schemeClr val="bg1"/>
-          </a:solidFill>
-          <a:ln>
-            <a:noFill/>
-          </a:ln>
-        </p:spPr>
-        <p:style>
-          <a:lnRef idx="2">
-            <a:schemeClr val="accent1">
-              <a:shade val="15000"/>
-            </a:schemeClr>
-          </a:lnRef>
-          <a:fillRef idx="1">
-            <a:schemeClr val="accent1"/>
-          </a:fillRef>
-          <a:effectRef idx="0">
-            <a:schemeClr val="accent1"/>
-          </a:effectRef>
-          <a:fontRef idx="minor">
-            <a:schemeClr val="lt1"/>
-          </a:fontRef>
-        </p:style>
-        <p:txBody>
-          <a:bodyPr rtlCol="0" anchor="ctr"/>
-          <a:lstStyle/>
-          <a:p>
-            <a:pPr algn="ctr"/>
-            <a:endParaRPr lang="en-AU" dirty="0"/>
-          </a:p>
-        </p:txBody>
-      </p:sp>
-      <p:pic>
-        <p:nvPicPr>
-          <p:cNvPr id="7" name="Picture 6">
-            <a:extLst>
-              <a:ext uri="{FF2B5EF4-FFF2-40B4-BE49-F238E27FC236}">
-                <a16:creationId xmlns:a16="http://schemas.microsoft.com/office/drawing/2014/main" id="{1EF38064-1FB1-C5E1-8E5B-A2375A4757C4}"/>
-              </a:ext>
-            </a:extLst>
-          </p:cNvPr>
-          <p:cNvPicPr>
-            <a:picLocks noChangeAspect="1"/>
-          </p:cNvPicPr>
-          <p:nvPr/>
-        </p:nvPicPr>
-        <p:blipFill>
-          <a:blip r:embed="rId21"/>
-          <a:stretch>
-            <a:fillRect/>
-          </a:stretch>
-        </p:blipFill>
-        <p:spPr>
-          <a:xfrm>
-            <a:off x="32612137" y="27321169"/>
-            <a:ext cx="3287666" cy="3250271"/>
-          </a:xfrm>
-          <a:prstGeom prst="rect">
-            <a:avLst/>
-          </a:prstGeom>
-        </p:spPr>
-      </p:pic>
-      <p:sp>
-        <p:nvSpPr>
-          <p:cNvPr id="13" name="TextBox 12">
-            <a:extLst>
-              <a:ext uri="{FF2B5EF4-FFF2-40B4-BE49-F238E27FC236}">
-                <a16:creationId xmlns:a16="http://schemas.microsoft.com/office/drawing/2014/main" id="{734D390A-164E-E60D-8B12-383B5FAB2B63}"/>
-              </a:ext>
-            </a:extLst>
-          </p:cNvPr>
-          <p:cNvSpPr txBox="1"/>
-          <p:nvPr/>
-        </p:nvSpPr>
-        <p:spPr>
-          <a:xfrm>
-            <a:off x="33090773" y="30571440"/>
-            <a:ext cx="2477524" cy="707886"/>
-          </a:xfrm>
-          <a:prstGeom prst="rect">
-            <a:avLst/>
-          </a:prstGeom>
-          <a:noFill/>
-        </p:spPr>
-        <p:txBody>
-          <a:bodyPr wrap="square" rtlCol="0">
-            <a:spAutoFit/>
-          </a:bodyPr>
-          <a:lstStyle/>
-          <a:p>
-            <a:r>
-              <a:rPr lang="en-US" sz="4000" b="1" dirty="0"/>
-              <a:t>SCAN ME</a:t>
-            </a:r>
-            <a:endParaRPr lang="en-AU" sz="4000" b="1" dirty="0"/>
-          </a:p>
-        </p:txBody>
-      </p:sp>
-    </p:spTree>
-    <p:extLst>
-      <p:ext uri="{BB962C8B-B14F-4D97-AF65-F5344CB8AC3E}">
-        <p14:creationId xmlns:p14="http://schemas.microsoft.com/office/powerpoint/2010/main" val="778442342"/>
-      </p:ext>
-    </p:extLst>
-  </p:cSld>
-  <p:clrMapOvr>
-    <a:masterClrMapping/>
-  </p:clrMapOvr>
-</p:sld>
-</file>
-
-<file path=ppt/slides/slide3.xml><?xml version="1.0" encoding="utf-8"?>
-<p:sld xmlns:a="http://schemas.openxmlformats.org/drawingml/2006/main" xmlns:r="http://schemas.openxmlformats.org/officeDocument/2006/relationships" xmlns:p="http://schemas.openxmlformats.org/presentationml/2006/main">
-  <p:cSld>
-    <p:spTree>
-      <p:nvGrpSpPr>
-        <p:cNvPr id="1" name=""/>
-        <p:cNvGrpSpPr/>
-        <p:nvPr/>
-      </p:nvGrpSpPr>
-      <p:grpSpPr>
-        <a:xfrm>
-          <a:off x="0" y="0"/>
-          <a:ext cx="0" cy="0"/>
-          <a:chOff x="0" y="0"/>
-          <a:chExt cx="0" cy="0"/>
-        </a:xfrm>
-      </p:grpSpPr>
-      <p:sp>
-        <p:nvSpPr>
-          <p:cNvPr id="4" name="Rectangle 3">
-            <a:extLst>
-              <a:ext uri="{FF2B5EF4-FFF2-40B4-BE49-F238E27FC236}">
-                <a16:creationId xmlns:a16="http://schemas.microsoft.com/office/drawing/2014/main" id="{82174F99-124A-9D92-2A3B-4BCAF73B893D}"/>
-              </a:ext>
-            </a:extLst>
-          </p:cNvPr>
-          <p:cNvSpPr/>
-          <p:nvPr/>
-        </p:nvSpPr>
-        <p:spPr>
-          <a:xfrm>
-            <a:off x="12595123" y="0"/>
-            <a:ext cx="25278735" cy="32399288"/>
-          </a:xfrm>
-          <a:prstGeom prst="rect">
-            <a:avLst/>
-          </a:prstGeom>
-          <a:solidFill>
-            <a:srgbClr val="002060"/>
-          </a:solidFill>
-          <a:ln>
-            <a:noFill/>
-          </a:ln>
-        </p:spPr>
-        <p:style>
-          <a:lnRef idx="2">
-            <a:schemeClr val="accent1">
-              <a:shade val="15000"/>
-            </a:schemeClr>
-          </a:lnRef>
-          <a:fillRef idx="1">
-            <a:schemeClr val="accent1"/>
-          </a:fillRef>
-          <a:effectRef idx="0">
-            <a:schemeClr val="accent1"/>
-          </a:effectRef>
-          <a:fontRef idx="minor">
-            <a:schemeClr val="lt1"/>
-          </a:fontRef>
-        </p:style>
-        <p:txBody>
-          <a:bodyPr rtlCol="0" anchor="ctr"/>
-          <a:lstStyle/>
-          <a:p>
-            <a:pPr algn="ctr"/>
-            <a:endParaRPr lang="en-AU" sz="34925"/>
-          </a:p>
-        </p:txBody>
-      </p:sp>
-      <p:sp>
-        <p:nvSpPr>
-          <p:cNvPr id="5" name="TextBox 4">
-            <a:extLst>
-              <a:ext uri="{FF2B5EF4-FFF2-40B4-BE49-F238E27FC236}">
-                <a16:creationId xmlns:a16="http://schemas.microsoft.com/office/drawing/2014/main" id="{B0CD3F67-D999-16F5-E7CB-5E910B5F5883}"/>
-              </a:ext>
-            </a:extLst>
-          </p:cNvPr>
-          <p:cNvSpPr txBox="1"/>
-          <p:nvPr/>
-        </p:nvSpPr>
-        <p:spPr>
-          <a:xfrm>
-            <a:off x="13076801" y="2687973"/>
-            <a:ext cx="24246348" cy="10710624"/>
-          </a:xfrm>
-          <a:prstGeom prst="rect">
-            <a:avLst/>
-          </a:prstGeom>
-          <a:noFill/>
-        </p:spPr>
-        <p:txBody>
-          <a:bodyPr wrap="square" rtlCol="0">
-            <a:spAutoFit/>
-          </a:bodyPr>
-          <a:lstStyle/>
-          <a:p>
-            <a:r>
-              <a:rPr lang="en-US" sz="13800" dirty="0">
-                <a:solidFill>
-                  <a:schemeClr val="bg1"/>
-                </a:solidFill>
-              </a:rPr>
-              <a:t>Response surface analysis</a:t>
-            </a:r>
-            <a:r>
-              <a:rPr lang="en-US" sz="13800" b="1" dirty="0">
-                <a:solidFill>
-                  <a:schemeClr val="bg1"/>
-                </a:solidFill>
-              </a:rPr>
-              <a:t> </a:t>
-            </a:r>
-            <a:r>
-              <a:rPr lang="en-US" sz="13800" dirty="0">
-                <a:solidFill>
-                  <a:schemeClr val="bg1"/>
-                </a:solidFill>
-              </a:rPr>
-              <a:t>revealed </a:t>
-            </a:r>
-            <a:r>
-              <a:rPr lang="en-US" sz="13800" b="1" dirty="0">
-                <a:solidFill>
-                  <a:schemeClr val="bg1"/>
-                </a:solidFill>
-              </a:rPr>
-              <a:t>sleep discrepancy </a:t>
-            </a:r>
-            <a:r>
-              <a:rPr lang="en-US" sz="13800" dirty="0">
-                <a:solidFill>
-                  <a:schemeClr val="bg1"/>
-                </a:solidFill>
-              </a:rPr>
-              <a:t>was not associated with </a:t>
-            </a:r>
-            <a:r>
-              <a:rPr lang="en-US" sz="13800" b="1" dirty="0">
-                <a:solidFill>
-                  <a:schemeClr val="bg1"/>
-                </a:solidFill>
-              </a:rPr>
-              <a:t>insomnia symptom severity </a:t>
-            </a:r>
-            <a:r>
-              <a:rPr lang="en-US" sz="13800" dirty="0">
-                <a:solidFill>
-                  <a:schemeClr val="bg1"/>
-                </a:solidFill>
-              </a:rPr>
-              <a:t>in older men.</a:t>
-            </a:r>
-          </a:p>
-        </p:txBody>
-      </p:sp>
-      <p:pic>
-        <p:nvPicPr>
-          <p:cNvPr id="9" name="Picture 8">
-            <a:extLst>
-              <a:ext uri="{FF2B5EF4-FFF2-40B4-BE49-F238E27FC236}">
-                <a16:creationId xmlns:a16="http://schemas.microsoft.com/office/drawing/2014/main" id="{E7CF0C18-62A3-DBF8-8A4C-6AE28572F86D}"/>
-              </a:ext>
-            </a:extLst>
-          </p:cNvPr>
-          <p:cNvPicPr>
-            <a:picLocks noChangeAspect="1"/>
-          </p:cNvPicPr>
-          <p:nvPr/>
-        </p:nvPicPr>
-        <p:blipFill>
-          <a:blip r:embed="rId3"/>
-          <a:stretch>
-            <a:fillRect/>
-          </a:stretch>
-        </p:blipFill>
-        <p:spPr>
-          <a:xfrm>
-            <a:off x="39205675" y="544372"/>
-            <a:ext cx="9513199" cy="7389367"/>
-          </a:xfrm>
-          <a:prstGeom prst="rect">
-            <a:avLst/>
-          </a:prstGeom>
-        </p:spPr>
-      </p:pic>
-      <p:sp>
-        <p:nvSpPr>
-          <p:cNvPr id="19" name="TextBox 18">
-            <a:extLst>
-              <a:ext uri="{FF2B5EF4-FFF2-40B4-BE49-F238E27FC236}">
-                <a16:creationId xmlns:a16="http://schemas.microsoft.com/office/drawing/2014/main" id="{15A72190-0E14-F65C-59C2-0EFFA17DCC82}"/>
-              </a:ext>
-            </a:extLst>
-          </p:cNvPr>
-          <p:cNvSpPr txBox="1"/>
-          <p:nvPr/>
-        </p:nvSpPr>
-        <p:spPr>
-          <a:xfrm>
-            <a:off x="729344" y="671334"/>
-            <a:ext cx="10875127" cy="8217634"/>
-          </a:xfrm>
-          <a:prstGeom prst="rect">
-            <a:avLst/>
-          </a:prstGeom>
-          <a:noFill/>
-        </p:spPr>
-        <p:txBody>
-          <a:bodyPr wrap="square" rtlCol="0">
-            <a:spAutoFit/>
-          </a:bodyPr>
-          <a:lstStyle/>
-          <a:p>
-            <a:r>
-              <a:rPr lang="en-US" sz="8800" b="1" dirty="0"/>
-              <a:t>Insomnia and sleep discrepancy: an investigation with cubic response surface analysis </a:t>
-            </a:r>
-            <a:r>
-              <a:rPr lang="en-US" sz="8800" b="1" dirty="0">
-                <a:solidFill>
-                  <a:schemeClr val="bg2">
-                    <a:lumMod val="90000"/>
-                  </a:schemeClr>
-                </a:solidFill>
-              </a:rPr>
-              <a:t>pilot study</a:t>
-            </a:r>
-            <a:endParaRPr lang="en-US" sz="8800" b="1" dirty="0"/>
-          </a:p>
-        </p:txBody>
-      </p:sp>
-      <p:sp>
-        <p:nvSpPr>
-          <p:cNvPr id="20" name="Rectangle 3">
-            <a:extLst>
-              <a:ext uri="{FF2B5EF4-FFF2-40B4-BE49-F238E27FC236}">
-                <a16:creationId xmlns:a16="http://schemas.microsoft.com/office/drawing/2014/main" id="{87BA0EAE-EF70-65C4-3F99-B5EFF73B5F0A}"/>
-              </a:ext>
-            </a:extLst>
-          </p:cNvPr>
-          <p:cNvSpPr>
-            <a:spLocks noChangeArrowheads="1"/>
-          </p:cNvSpPr>
-          <p:nvPr/>
-        </p:nvSpPr>
-        <p:spPr bwMode="auto">
-          <a:xfrm>
-            <a:off x="676297" y="9331281"/>
-            <a:ext cx="11261688" cy="4431983"/>
-          </a:xfrm>
-          <a:prstGeom prst="rect">
-            <a:avLst/>
-          </a:prstGeom>
-          <a:noFill/>
-          <a:ln>
-            <a:noFill/>
-          </a:ln>
-          <a:effectLst/>
-          <a:extLst>
-            <a:ext uri="{909E8E84-426E-40DD-AFC4-6F175D3DCCD1}">
-              <a14:hiddenFill xmlns:a14="http://schemas.microsoft.com/office/drawing/2010/main">
-                <a:solidFill>
-                  <a:schemeClr val="accent1"/>
-                </a:solidFill>
-              </a14:hiddenFill>
-            </a:ext>
-            <a:ext uri="{91240B29-F687-4F45-9708-019B960494DF}">
-              <a14:hiddenLine xmlns:a14="http://schemas.microsoft.com/office/drawing/2010/main" w="9525">
-                <a:solidFill>
-                  <a:schemeClr val="tx1"/>
-                </a:solidFill>
-                <a:miter lim="800000"/>
-                <a:headEnd/>
-                <a:tailEnd/>
-              </a14:hiddenLine>
-            </a:ext>
-            <a:ext uri="{AF507438-7753-43E0-B8FC-AC1667EBCBE1}">
-              <a14:hiddenEffects xmlns:a14="http://schemas.microsoft.com/office/drawing/2010/main">
-                <a:effectLst>
-                  <a:outerShdw dist="35921" dir="2700000" algn="ctr" rotWithShape="0">
-                    <a:schemeClr val="bg2"/>
-                  </a:outerShdw>
-                </a:effectLst>
-              </a14:hiddenEffects>
-            </a:ext>
-          </a:extLst>
-        </p:spPr>
-        <p:txBody>
-          <a:bodyPr vert="horz" wrap="square" lIns="91440" tIns="45720" rIns="91440" bIns="45720" numCol="1" anchor="ctr" anchorCtr="0" compatLnSpc="1">
-            <a:prstTxWarp prst="textNoShape">
-              <a:avLst/>
-            </a:prstTxWarp>
-            <a:spAutoFit/>
-          </a:bodyPr>
-          <a:lstStyle/>
-          <a:p>
-            <a:pPr lvl="0" defTabSz="914400" eaLnBrk="0" fontAlgn="base" hangingPunct="0">
-              <a:lnSpc>
-                <a:spcPct val="150000"/>
-              </a:lnSpc>
-              <a:spcBef>
-                <a:spcPct val="0"/>
-              </a:spcBef>
-              <a:spcAft>
-                <a:spcPct val="0"/>
-              </a:spcAft>
-            </a:pPr>
-            <a:r>
-              <a:rPr kumimoji="0" lang="en-US" altLang="en-US" sz="3600" b="1" i="0" u="none" strike="noStrike" cap="none" normalizeH="0" baseline="0" dirty="0">
-                <a:ln>
-                  <a:noFill/>
-                </a:ln>
-                <a:solidFill>
-                  <a:schemeClr val="tx1"/>
-                </a:solidFill>
-                <a:effectLst/>
-              </a:rPr>
-              <a:t>Tom F. Walton</a:t>
-            </a:r>
-            <a:r>
-              <a:rPr kumimoji="0" lang="en-US" altLang="en-US" sz="3600" b="1" i="0" u="none" strike="noStrike" cap="none" normalizeH="0" baseline="30000" dirty="0">
-                <a:ln>
-                  <a:noFill/>
-                </a:ln>
-                <a:solidFill>
-                  <a:schemeClr val="tx1"/>
-                </a:solidFill>
-                <a:effectLst/>
-              </a:rPr>
-              <a:t> 1</a:t>
-            </a:r>
-          </a:p>
-          <a:p>
-            <a:pPr lvl="0" defTabSz="914400" eaLnBrk="0" fontAlgn="base" hangingPunct="0">
-              <a:lnSpc>
-                <a:spcPct val="150000"/>
-              </a:lnSpc>
-              <a:spcBef>
-                <a:spcPct val="0"/>
-              </a:spcBef>
-              <a:spcAft>
-                <a:spcPct val="0"/>
-              </a:spcAft>
-            </a:pPr>
-            <a:r>
-              <a:rPr kumimoji="0" lang="en-US" altLang="en-US" sz="3600" b="1" i="0" u="none" strike="noStrike" cap="none" normalizeH="0" baseline="0" dirty="0">
-                <a:ln>
-                  <a:noFill/>
-                </a:ln>
-                <a:solidFill>
-                  <a:schemeClr val="tx1"/>
-                </a:solidFill>
-                <a:effectLst/>
-              </a:rPr>
-              <a:t>tom.fioccowalton@research.uwa.edu.au </a:t>
-            </a:r>
-            <a:br>
-              <a:rPr kumimoji="0" lang="en-US" altLang="en-US" sz="3600" b="1" i="0" u="none" strike="noStrike" cap="none" normalizeH="0" baseline="0" dirty="0">
-                <a:ln>
-                  <a:noFill/>
-                </a:ln>
-                <a:solidFill>
-                  <a:schemeClr val="tx1"/>
-                </a:solidFill>
-                <a:effectLst/>
-              </a:rPr>
-            </a:br>
-            <a:r>
-              <a:rPr lang="en-US" altLang="en-US" sz="3600" b="1" dirty="0"/>
-              <a:t>https://github.com/tfwalton</a:t>
-            </a:r>
-            <a:endParaRPr kumimoji="0" lang="en-US" altLang="en-US" sz="3600" b="1" i="0" u="none" strike="noStrike" cap="none" normalizeH="0" baseline="0" dirty="0">
-              <a:ln>
-                <a:noFill/>
-              </a:ln>
-              <a:solidFill>
-                <a:schemeClr val="tx1"/>
-              </a:solidFill>
-              <a:effectLst/>
-            </a:endParaRPr>
-          </a:p>
-          <a:p>
-            <a:pPr marL="0" marR="0" lvl="0" indent="0" algn="l" defTabSz="914400" rtl="0" eaLnBrk="0" fontAlgn="base" latinLnBrk="0" hangingPunct="0">
-              <a:lnSpc>
-                <a:spcPct val="100000"/>
-              </a:lnSpc>
-              <a:spcBef>
-                <a:spcPct val="0"/>
-              </a:spcBef>
-              <a:spcAft>
-                <a:spcPct val="0"/>
-              </a:spcAft>
-              <a:buClrTx/>
-              <a:buSzTx/>
-              <a:buFontTx/>
-              <a:buNone/>
-              <a:tabLst/>
-            </a:pPr>
-            <a:endParaRPr kumimoji="0" lang="en-US" altLang="en-US" sz="2400" b="1" i="0" u="none" strike="noStrike" cap="none" normalizeH="0" baseline="0" dirty="0">
-              <a:ln>
-                <a:noFill/>
-              </a:ln>
-              <a:solidFill>
-                <a:schemeClr val="tx1"/>
-              </a:solidFill>
-              <a:effectLst/>
-            </a:endParaRPr>
-          </a:p>
-          <a:p>
-            <a:pPr defTabSz="914400" eaLnBrk="0" fontAlgn="base" hangingPunct="0">
-              <a:spcBef>
-                <a:spcPct val="0"/>
-              </a:spcBef>
-              <a:spcAft>
-                <a:spcPct val="0"/>
-              </a:spcAft>
-            </a:pPr>
-            <a:r>
-              <a:rPr kumimoji="0" lang="en-US" altLang="en-US" sz="2400" b="1" i="0" u="none" strike="noStrike" cap="none" normalizeH="0" baseline="0" dirty="0">
-                <a:ln>
-                  <a:noFill/>
-                </a:ln>
-                <a:solidFill>
-                  <a:schemeClr val="tx1"/>
-                </a:solidFill>
-                <a:effectLst/>
-              </a:rPr>
-              <a:t>Romola S. Bucks</a:t>
-            </a:r>
-            <a:r>
-              <a:rPr kumimoji="0" lang="en-US" altLang="en-US" sz="2400" b="1" i="0" u="none" strike="noStrike" cap="none" normalizeH="0" baseline="30000" dirty="0">
-                <a:ln>
-                  <a:noFill/>
-                </a:ln>
-                <a:solidFill>
-                  <a:schemeClr val="tx1"/>
-                </a:solidFill>
-                <a:effectLst/>
-              </a:rPr>
-              <a:t>1,2,3</a:t>
-            </a:r>
-            <a:r>
-              <a:rPr kumimoji="0" lang="en-US" altLang="en-US" sz="2400" b="1" i="0" u="none" strike="noStrike" cap="none" normalizeH="0" baseline="0" dirty="0">
-                <a:ln>
-                  <a:noFill/>
-                </a:ln>
-                <a:solidFill>
-                  <a:schemeClr val="tx1"/>
-                </a:solidFill>
-                <a:effectLst/>
-              </a:rPr>
-              <a:t> Melissa J. Ree</a:t>
-            </a:r>
-            <a:r>
-              <a:rPr kumimoji="0" lang="en-US" altLang="en-US" sz="2400" b="1" i="0" u="none" strike="noStrike" cap="none" normalizeH="0" baseline="30000" dirty="0">
-                <a:ln>
-                  <a:noFill/>
-                </a:ln>
-                <a:solidFill>
-                  <a:schemeClr val="tx1"/>
-                </a:solidFill>
-                <a:effectLst/>
-              </a:rPr>
-              <a:t>1</a:t>
-            </a:r>
-          </a:p>
-          <a:p>
-            <a:pPr defTabSz="914400" eaLnBrk="0" fontAlgn="base" hangingPunct="0">
-              <a:spcBef>
-                <a:spcPct val="0"/>
-              </a:spcBef>
-              <a:spcAft>
-                <a:spcPct val="0"/>
-              </a:spcAft>
-            </a:pPr>
-            <a:r>
-              <a:rPr kumimoji="0" lang="en-US" altLang="en-US" sz="2400" b="0" i="0" u="none" strike="noStrike" cap="none" normalizeH="0" baseline="30000" dirty="0">
-                <a:ln>
-                  <a:noFill/>
-                </a:ln>
-                <a:solidFill>
-                  <a:schemeClr val="tx1"/>
-                </a:solidFill>
-                <a:effectLst/>
-              </a:rPr>
-              <a:t>1</a:t>
-            </a:r>
-            <a:r>
-              <a:rPr kumimoji="0" lang="en-US" altLang="en-US" sz="2400" b="0" i="0" u="none" strike="noStrike" cap="none" normalizeH="0" baseline="0" dirty="0">
-                <a:ln>
-                  <a:noFill/>
-                </a:ln>
-                <a:solidFill>
-                  <a:schemeClr val="tx1"/>
-                </a:solidFill>
-                <a:effectLst/>
-              </a:rPr>
-              <a:t> School of Psychological Science, The University of Western Australia</a:t>
-            </a:r>
-            <a:br>
-              <a:rPr kumimoji="0" lang="en-US" altLang="en-US" sz="2400" b="0" i="0" u="none" strike="noStrike" cap="none" normalizeH="0" baseline="0" dirty="0">
-                <a:ln>
-                  <a:noFill/>
-                </a:ln>
-                <a:solidFill>
-                  <a:schemeClr val="tx1"/>
-                </a:solidFill>
-                <a:effectLst/>
-              </a:rPr>
-            </a:br>
-            <a:r>
-              <a:rPr kumimoji="0" lang="en-US" altLang="en-US" sz="2400" b="0" i="0" u="none" strike="noStrike" cap="none" normalizeH="0" baseline="30000" dirty="0">
-                <a:ln>
-                  <a:noFill/>
-                </a:ln>
-                <a:solidFill>
-                  <a:schemeClr val="tx1"/>
-                </a:solidFill>
-                <a:effectLst/>
-              </a:rPr>
-              <a:t>2</a:t>
-            </a:r>
-            <a:r>
-              <a:rPr kumimoji="0" lang="en-US" altLang="en-US" sz="2400" b="0" i="0" u="none" strike="noStrike" cap="none" normalizeH="0" baseline="0" dirty="0">
-                <a:ln>
-                  <a:noFill/>
-                </a:ln>
-                <a:solidFill>
-                  <a:schemeClr val="tx1"/>
-                </a:solidFill>
-                <a:effectLst/>
-              </a:rPr>
-              <a:t> School of Population and Global Health, The University of Western Australia</a:t>
-            </a:r>
-            <a:br>
-              <a:rPr kumimoji="0" lang="en-US" altLang="en-US" sz="2400" b="0" i="0" u="none" strike="noStrike" cap="none" normalizeH="0" baseline="0" dirty="0">
-                <a:ln>
-                  <a:noFill/>
-                </a:ln>
-                <a:solidFill>
-                  <a:schemeClr val="tx1"/>
-                </a:solidFill>
-                <a:effectLst/>
-              </a:rPr>
-            </a:br>
-            <a:r>
-              <a:rPr kumimoji="0" lang="en-US" altLang="en-US" sz="2400" b="0" i="0" u="none" strike="noStrike" cap="none" normalizeH="0" baseline="30000" dirty="0">
-                <a:ln>
-                  <a:noFill/>
-                </a:ln>
-                <a:solidFill>
-                  <a:schemeClr val="tx1"/>
-                </a:solidFill>
-                <a:effectLst/>
-              </a:rPr>
-              <a:t>3</a:t>
-            </a:r>
-            <a:r>
-              <a:rPr kumimoji="0" lang="en-US" altLang="en-US" sz="2400" b="0" i="0" u="none" strike="noStrike" cap="none" normalizeH="0" baseline="0" dirty="0">
-                <a:ln>
-                  <a:noFill/>
-                </a:ln>
-                <a:solidFill>
-                  <a:schemeClr val="tx1"/>
-                </a:solidFill>
-                <a:effectLst/>
-              </a:rPr>
-              <a:t> Office of the Deputy Vice Chancellor, Research, The University of Western Australia </a:t>
-            </a:r>
-          </a:p>
-        </p:txBody>
-      </p:sp>
-      <p:sp>
-        <p:nvSpPr>
           <p:cNvPr id="31" name="TextBox 30">
             <a:extLst>
               <a:ext uri="{FF2B5EF4-FFF2-40B4-BE49-F238E27FC236}">
@@ -7960,7 +7906,7 @@
         </p:nvSpPr>
         <p:spPr>
           <a:xfrm>
-            <a:off x="224139" y="14384153"/>
+            <a:off x="224139" y="12860377"/>
             <a:ext cx="9982200" cy="646331"/>
           </a:xfrm>
           <a:prstGeom prst="rect">
@@ -7996,8 +7942,8 @@
         </p:nvSpPr>
         <p:spPr>
           <a:xfrm>
-            <a:off x="235069" y="15152741"/>
-            <a:ext cx="12213157" cy="3970318"/>
+            <a:off x="145246" y="13678487"/>
+            <a:ext cx="13393234" cy="4524315"/>
           </a:xfrm>
           <a:prstGeom prst="rect">
             <a:avLst/>
@@ -8015,16 +7961,8 @@
               <a:buChar char="§"/>
             </a:pPr>
             <a:r>
-              <a:rPr lang="en-US" sz="2800" dirty="0"/>
-              <a:t>Sleep discrepancy is often </a:t>
-            </a:r>
-            <a:r>
-              <a:rPr lang="en-US" sz="2800" dirty="0" err="1"/>
-              <a:t>operationalised</a:t>
-            </a:r>
-            <a:r>
-              <a:rPr lang="en-US" sz="2800" dirty="0"/>
-              <a:t> as a derived index (e.g., self-report TST – objective TST)</a:t>
+              <a:rPr lang="en-US" sz="3200" dirty="0"/>
+              <a:t>Sleep discrepancy is often operationalised as a derived index (e.g., self-report TST – objective TST)</a:t>
             </a:r>
           </a:p>
           <a:p>
@@ -8033,15 +7971,15 @@
               <a:buChar char="§"/>
             </a:pPr>
             <a:r>
-              <a:rPr lang="en-US" sz="2800" dirty="0"/>
+              <a:rPr lang="en-US" sz="3200" dirty="0"/>
               <a:t>Cubic regression with response surface analysis solves many problems associated with the use of difference and ratio scores in </a:t>
             </a:r>
             <a:r>
-              <a:rPr lang="en-US" sz="2800" dirty="0" err="1"/>
+              <a:rPr lang="en-US" sz="3200" dirty="0" err="1"/>
               <a:t>operationalising</a:t>
             </a:r>
             <a:r>
-              <a:rPr lang="en-US" sz="2800" dirty="0"/>
+              <a:rPr lang="en-US" sz="3200" dirty="0"/>
               <a:t> sleep discrepancy</a:t>
             </a:r>
           </a:p>
@@ -8051,7 +7989,7 @@
               <a:buChar char="§"/>
             </a:pPr>
             <a:r>
-              <a:rPr lang="en-US" sz="2800" dirty="0"/>
+              <a:rPr lang="en-US" sz="3200" dirty="0"/>
               <a:t>Hypothesis:</a:t>
             </a:r>
           </a:p>
@@ -8061,7 +7999,7 @@
               <a:buAutoNum type="romanLcPeriod"/>
             </a:pPr>
             <a:r>
-              <a:rPr lang="en-US" sz="2800" dirty="0"/>
+              <a:rPr lang="en-US" sz="3200" dirty="0"/>
               <a:t>Discrepancy effect (H1.1)</a:t>
             </a:r>
           </a:p>
@@ -8071,7 +8009,7 @@
               <a:buAutoNum type="romanLcPeriod"/>
             </a:pPr>
             <a:r>
-              <a:rPr lang="en-US" sz="2800" dirty="0"/>
+              <a:rPr lang="en-US" sz="3200" dirty="0"/>
               <a:t>Discrepancy effect is asymmetric in the expected direction (H1.2)</a:t>
             </a:r>
           </a:p>
@@ -8081,7 +8019,7 @@
               <a:buAutoNum type="romanLcPeriod"/>
             </a:pPr>
             <a:r>
-              <a:rPr lang="en-US" sz="2800" dirty="0"/>
+              <a:rPr lang="en-US" sz="3200" dirty="0"/>
               <a:t>Linear level effect (H1.3)</a:t>
             </a:r>
           </a:p>
@@ -8101,7 +8039,7 @@
         </p:nvSpPr>
         <p:spPr>
           <a:xfrm>
-            <a:off x="245500" y="19858039"/>
+            <a:off x="224139" y="18449934"/>
             <a:ext cx="9982200" cy="646331"/>
           </a:xfrm>
           <a:prstGeom prst="rect">
@@ -8137,8 +8075,8 @@
         </p:nvSpPr>
         <p:spPr>
           <a:xfrm>
-            <a:off x="85754" y="20765187"/>
-            <a:ext cx="12213157" cy="2246769"/>
+            <a:off x="149592" y="19441643"/>
+            <a:ext cx="13643601" cy="2554545"/>
           </a:xfrm>
           <a:prstGeom prst="rect">
             <a:avLst/>
@@ -8156,15 +8094,15 @@
               <a:buChar char="§"/>
             </a:pPr>
             <a:r>
-              <a:rPr lang="en-AU" sz="2800" dirty="0"/>
+              <a:rPr lang="en-AU" sz="3200" dirty="0"/>
               <a:t>Data from </a:t>
             </a:r>
             <a:r>
-              <a:rPr lang="en-AU" sz="2800" dirty="0" err="1"/>
+              <a:rPr lang="en-AU" sz="3200" dirty="0" err="1"/>
               <a:t>MrOS</a:t>
             </a:r>
             <a:r>
-              <a:rPr lang="en-AU" sz="2800" dirty="0"/>
+              <a:rPr lang="en-AU" sz="3200" dirty="0"/>
               <a:t> 1,022 community-dwelling men aged 65+ years.</a:t>
             </a:r>
           </a:p>
@@ -8174,7 +8112,7 @@
               <a:buChar char="§"/>
             </a:pPr>
             <a:r>
-              <a:rPr lang="en-US" sz="2800" dirty="0"/>
+              <a:rPr lang="en-US" sz="3200" dirty="0"/>
               <a:t>Total sleep time (TST) from single-night polysomnography (PSG)</a:t>
             </a:r>
           </a:p>
@@ -8184,7 +8122,7 @@
               <a:buChar char="§"/>
             </a:pPr>
             <a:r>
-              <a:rPr lang="en-US" sz="2800" dirty="0"/>
+              <a:rPr lang="en-US" sz="3200" dirty="0"/>
               <a:t>Self reported TST from morning questionnaire</a:t>
             </a:r>
           </a:p>
@@ -8194,7 +8132,7 @@
               <a:buChar char="§"/>
             </a:pPr>
             <a:r>
-              <a:rPr lang="en-US" sz="2800" dirty="0"/>
+              <a:rPr lang="en-US" sz="3200" dirty="0"/>
               <a:t>Insomnia severity index (ISI) to measure insomnia symptom severity</a:t>
             </a:r>
           </a:p>
@@ -8203,7 +8141,7 @@
               <a:buFont typeface="Wingdings" panose="05000000000000000000" pitchFamily="2" charset="2"/>
               <a:buChar char="§"/>
             </a:pPr>
-            <a:endParaRPr lang="en-US" sz="2800" dirty="0"/>
+            <a:endParaRPr lang="en-US" sz="3200" dirty="0"/>
           </a:p>
         </p:txBody>
       </p:sp>
@@ -8229,8 +8167,8 @@
         </p:blipFill>
         <p:spPr>
           <a:xfrm>
-            <a:off x="623929" y="22764929"/>
-            <a:ext cx="10639377" cy="494053"/>
+            <a:off x="611463" y="21926235"/>
+            <a:ext cx="12593065" cy="584775"/>
           </a:xfrm>
           <a:prstGeom prst="rect">
             <a:avLst/>
@@ -8259,8 +8197,8 @@
         </p:blipFill>
         <p:spPr>
           <a:xfrm>
-            <a:off x="77526" y="28046579"/>
-            <a:ext cx="12517597" cy="2353003"/>
+            <a:off x="145246" y="28578086"/>
+            <a:ext cx="13525500" cy="2542464"/>
           </a:xfrm>
           <a:prstGeom prst="rect">
             <a:avLst/>
@@ -8281,7 +8219,7 @@
         </p:nvSpPr>
         <p:spPr>
           <a:xfrm>
-            <a:off x="224139" y="26951624"/>
+            <a:off x="224139" y="27204405"/>
             <a:ext cx="9982200" cy="646331"/>
           </a:xfrm>
           <a:prstGeom prst="rect">
@@ -8317,8 +8255,8 @@
         </p:nvSpPr>
         <p:spPr>
           <a:xfrm>
-            <a:off x="145246" y="23438489"/>
-            <a:ext cx="11802690" cy="954107"/>
+            <a:off x="145246" y="22905303"/>
+            <a:ext cx="13382912" cy="1077218"/>
           </a:xfrm>
           <a:prstGeom prst="rect">
             <a:avLst/>
@@ -8336,130 +8274,130 @@
               <a:buChar char="§"/>
             </a:pPr>
             <a:r>
-              <a:rPr lang="en-AU" sz="2800" dirty="0"/>
+              <a:rPr lang="en-AU" sz="3200" dirty="0"/>
               <a:t>Rising ridge congruence surface b</a:t>
             </a:r>
             <a:r>
-              <a:rPr lang="en-AU" sz="2800" baseline="-25000" dirty="0"/>
+              <a:rPr lang="en-AU" sz="3200" baseline="-25000" dirty="0"/>
               <a:t>1</a:t>
             </a:r>
             <a:r>
-              <a:rPr lang="en-AU" sz="2800" dirty="0"/>
+              <a:rPr lang="en-AU" sz="3200" dirty="0"/>
               <a:t> = b</a:t>
             </a:r>
             <a:r>
-              <a:rPr lang="en-AU" sz="2800" baseline="-25000" dirty="0"/>
+              <a:rPr lang="en-AU" sz="3200" baseline="-25000" dirty="0"/>
               <a:t>2</a:t>
             </a:r>
             <a:r>
-              <a:rPr lang="en-AU" sz="2800" dirty="0"/>
+              <a:rPr lang="en-AU" sz="3200" dirty="0"/>
               <a:t>,</a:t>
             </a:r>
             <a:r>
-              <a:rPr lang="en-AU" sz="2800" baseline="-25000" dirty="0"/>
+              <a:rPr lang="en-AU" sz="3200" baseline="-25000" dirty="0"/>
               <a:t> </a:t>
             </a:r>
             <a:r>
-              <a:rPr lang="en-AU" sz="2800" dirty="0"/>
+              <a:rPr lang="en-AU" sz="3200" dirty="0"/>
               <a:t>b</a:t>
             </a:r>
             <a:r>
-              <a:rPr lang="en-AU" sz="2800" baseline="-25000" dirty="0"/>
+              <a:rPr lang="en-AU" sz="3200" baseline="-25000" dirty="0"/>
               <a:t>4</a:t>
             </a:r>
             <a:r>
-              <a:rPr lang="en-AU" sz="2800" dirty="0"/>
+              <a:rPr lang="en-AU" sz="3200" dirty="0"/>
               <a:t> = −2 ∗ b</a:t>
             </a:r>
             <a:r>
-              <a:rPr lang="en-AU" sz="2800" baseline="-25000" dirty="0"/>
+              <a:rPr lang="en-AU" sz="3200" baseline="-25000" dirty="0"/>
               <a:t>3</a:t>
             </a:r>
             <a:r>
-              <a:rPr lang="en-AU" sz="2800" dirty="0"/>
+              <a:rPr lang="en-AU" sz="3200" dirty="0"/>
               <a:t>,</a:t>
             </a:r>
             <a:r>
-              <a:rPr lang="en-AU" sz="2800" baseline="-25000" dirty="0"/>
+              <a:rPr lang="en-AU" sz="3200" baseline="-25000" dirty="0"/>
               <a:t> </a:t>
             </a:r>
             <a:r>
-              <a:rPr lang="en-AU" sz="2800" dirty="0"/>
+              <a:rPr lang="en-AU" sz="3200" dirty="0"/>
               <a:t>b</a:t>
             </a:r>
             <a:r>
-              <a:rPr lang="en-AU" sz="2800" baseline="-25000" dirty="0"/>
+              <a:rPr lang="en-AU" sz="3200" baseline="-25000" dirty="0"/>
               <a:t>5</a:t>
             </a:r>
             <a:r>
-              <a:rPr lang="en-AU" sz="2800" dirty="0"/>
+              <a:rPr lang="en-AU" sz="3200" dirty="0"/>
               <a:t> = b</a:t>
             </a:r>
             <a:r>
-              <a:rPr lang="en-AU" sz="2800" baseline="-25000" dirty="0"/>
+              <a:rPr lang="en-AU" sz="3200" baseline="-25000" dirty="0"/>
               <a:t>3</a:t>
             </a:r>
             <a:r>
-              <a:rPr lang="en-AU" sz="2800" dirty="0"/>
+              <a:rPr lang="en-AU" sz="3200" dirty="0"/>
               <a:t>,</a:t>
             </a:r>
             <a:r>
-              <a:rPr lang="en-AU" sz="2800" baseline="-25000" dirty="0"/>
+              <a:rPr lang="en-AU" sz="3200" baseline="-25000" dirty="0"/>
               <a:t> </a:t>
             </a:r>
             <a:r>
-              <a:rPr lang="en-AU" sz="2800" dirty="0"/>
+              <a:rPr lang="en-AU" sz="3200" dirty="0"/>
               <a:t>b</a:t>
             </a:r>
             <a:r>
-              <a:rPr lang="en-AU" sz="2800" baseline="-25000" dirty="0"/>
+              <a:rPr lang="en-AU" sz="3200" baseline="-25000" dirty="0"/>
               <a:t>7</a:t>
             </a:r>
             <a:r>
-              <a:rPr lang="en-AU" sz="2800" dirty="0"/>
+              <a:rPr lang="en-AU" sz="3200" dirty="0"/>
               <a:t> = −3 ∗ b</a:t>
             </a:r>
             <a:r>
-              <a:rPr lang="en-AU" sz="2800" baseline="-25000" dirty="0"/>
+              <a:rPr lang="en-AU" sz="3200" baseline="-25000" dirty="0"/>
               <a:t>6</a:t>
             </a:r>
             <a:r>
-              <a:rPr lang="en-AU" sz="2800" dirty="0"/>
+              <a:rPr lang="en-AU" sz="3200" dirty="0"/>
               <a:t>,</a:t>
             </a:r>
-            <a:endParaRPr lang="en-AU" sz="2800" baseline="-25000" dirty="0"/>
-          </a:p>
-          <a:p>
-            <a:r>
-              <a:rPr lang="en-AU" sz="2800" dirty="0"/>
+            <a:endParaRPr lang="en-AU" sz="3200" baseline="-25000" dirty="0"/>
+          </a:p>
+          <a:p>
+            <a:r>
+              <a:rPr lang="en-AU" sz="3200" dirty="0"/>
               <a:t>	b</a:t>
             </a:r>
             <a:r>
-              <a:rPr lang="en-AU" sz="2800" baseline="-25000" dirty="0"/>
+              <a:rPr lang="en-AU" sz="3200" baseline="-25000" dirty="0"/>
               <a:t>8</a:t>
             </a:r>
             <a:r>
-              <a:rPr lang="en-AU" sz="2800" dirty="0"/>
+              <a:rPr lang="en-AU" sz="3200" dirty="0"/>
               <a:t> = 3 ∗ b</a:t>
             </a:r>
             <a:r>
-              <a:rPr lang="en-AU" sz="2800" baseline="-25000" dirty="0"/>
+              <a:rPr lang="en-AU" sz="3200" baseline="-25000" dirty="0"/>
               <a:t>6</a:t>
             </a:r>
             <a:r>
-              <a:rPr lang="en-AU" sz="2800" dirty="0"/>
+              <a:rPr lang="en-AU" sz="3200" dirty="0"/>
               <a:t>, b</a:t>
             </a:r>
             <a:r>
-              <a:rPr lang="en-AU" sz="2800" baseline="-25000" dirty="0"/>
+              <a:rPr lang="en-AU" sz="3200" baseline="-25000" dirty="0"/>
               <a:t>9</a:t>
             </a:r>
             <a:r>
-              <a:rPr lang="en-AU" sz="2800" dirty="0"/>
+              <a:rPr lang="en-AU" sz="3200" dirty="0"/>
               <a:t> = −b</a:t>
             </a:r>
             <a:r>
-              <a:rPr lang="en-AU" sz="2800" baseline="-25000" dirty="0"/>
+              <a:rPr lang="en-AU" sz="3200" baseline="-25000" dirty="0"/>
               <a:t>6</a:t>
             </a:r>
           </a:p>
@@ -8479,8 +8417,8 @@
         </p:nvSpPr>
         <p:spPr>
           <a:xfrm>
-            <a:off x="127335" y="24819129"/>
-            <a:ext cx="11967248" cy="1384995"/>
+            <a:off x="173650" y="24591196"/>
+            <a:ext cx="13378421" cy="2062103"/>
           </a:xfrm>
           <a:prstGeom prst="rect">
             <a:avLst/>
@@ -8498,15 +8436,15 @@
               <a:buChar char="§"/>
             </a:pPr>
             <a:r>
-              <a:rPr lang="en-AU" sz="2800" dirty="0"/>
+              <a:rPr lang="en-AU" sz="3200" dirty="0"/>
               <a:t>b</a:t>
             </a:r>
             <a:r>
-              <a:rPr lang="en-AU" sz="2800" baseline="-25000" dirty="0"/>
+              <a:rPr lang="en-AU" sz="3200" baseline="-25000" dirty="0"/>
               <a:t>3</a:t>
             </a:r>
             <a:r>
-              <a:rPr lang="en-AU" sz="2800" dirty="0"/>
+              <a:rPr lang="en-AU" sz="3200" dirty="0"/>
               <a:t> discrepancy effect (H1.1) must be significantly positive</a:t>
             </a:r>
           </a:p>
@@ -8516,15 +8454,15 @@
               <a:buChar char="§"/>
             </a:pPr>
             <a:r>
-              <a:rPr lang="en-AU" sz="2800" dirty="0"/>
+              <a:rPr lang="en-AU" sz="3200" dirty="0"/>
               <a:t>b</a:t>
             </a:r>
             <a:r>
-              <a:rPr lang="en-AU" sz="2800" baseline="-25000" dirty="0"/>
+              <a:rPr lang="en-AU" sz="3200" baseline="-25000" dirty="0"/>
               <a:t>6</a:t>
             </a:r>
             <a:r>
-              <a:rPr lang="en-AU" sz="2800" dirty="0"/>
+              <a:rPr lang="en-AU" sz="3200" dirty="0"/>
               <a:t> direction &amp; presence of asymmetry (H1.2) must be significantly negative </a:t>
             </a:r>
           </a:p>
@@ -8534,31 +8472,31 @@
               <a:buChar char="§"/>
             </a:pPr>
             <a:r>
-              <a:rPr lang="en-AU" sz="2800" dirty="0"/>
+              <a:rPr lang="en-AU" sz="3200" dirty="0"/>
               <a:t>u</a:t>
             </a:r>
             <a:r>
-              <a:rPr lang="en-AU" sz="2800" baseline="-25000" dirty="0"/>
+              <a:rPr lang="en-AU" sz="3200" baseline="-25000" dirty="0"/>
               <a:t>1</a:t>
             </a:r>
             <a:r>
-              <a:rPr lang="en-AU" sz="2800" dirty="0"/>
+              <a:rPr lang="en-AU" sz="3200" dirty="0"/>
               <a:t> (b</a:t>
             </a:r>
             <a:r>
-              <a:rPr lang="en-AU" sz="2800" baseline="-25000" dirty="0"/>
+              <a:rPr lang="en-AU" sz="3200" baseline="-25000" dirty="0"/>
               <a:t>1</a:t>
             </a:r>
             <a:r>
-              <a:rPr lang="en-AU" sz="2800" dirty="0"/>
+              <a:rPr lang="en-AU" sz="3200" dirty="0"/>
               <a:t> + b</a:t>
             </a:r>
             <a:r>
-              <a:rPr lang="en-AU" sz="2800" baseline="-25000" dirty="0"/>
+              <a:rPr lang="en-AU" sz="3200" baseline="-25000" dirty="0"/>
               <a:t>2</a:t>
             </a:r>
             <a:r>
-              <a:rPr lang="en-AU" sz="2800" dirty="0"/>
+              <a:rPr lang="en-AU" sz="3200" dirty="0"/>
               <a:t>) linear level effect (H1.3) must be significantly negative</a:t>
             </a:r>
           </a:p>
@@ -8586,7 +8524,7 @@
         </p:blipFill>
         <p:spPr>
           <a:xfrm>
-            <a:off x="39205675" y="8041531"/>
+            <a:off x="38137805" y="9158818"/>
             <a:ext cx="10101216" cy="4398704"/>
           </a:xfrm>
           <a:prstGeom prst="rect">
@@ -8608,7 +8546,7 @@
         </p:nvSpPr>
         <p:spPr>
           <a:xfrm>
-            <a:off x="38271117" y="24954164"/>
+            <a:off x="37150141" y="26197622"/>
             <a:ext cx="9982200" cy="646331"/>
           </a:xfrm>
           <a:prstGeom prst="rect">
@@ -8652,8 +8590,8 @@
         </p:blipFill>
         <p:spPr>
           <a:xfrm>
-            <a:off x="38170070" y="18438335"/>
-            <a:ext cx="6245233" cy="5677483"/>
+            <a:off x="36928818" y="19613081"/>
+            <a:ext cx="7004416" cy="6367649"/>
           </a:xfrm>
           <a:prstGeom prst="rect">
             <a:avLst/>
@@ -8682,8 +8620,8 @@
         </p:blipFill>
         <p:spPr>
           <a:xfrm>
-            <a:off x="44415303" y="18438335"/>
-            <a:ext cx="5918757" cy="5677483"/>
+            <a:off x="43588047" y="19589371"/>
+            <a:ext cx="6638253" cy="6367649"/>
           </a:xfrm>
           <a:prstGeom prst="rect">
             <a:avLst/>
@@ -8712,8 +8650,8 @@
         </p:blipFill>
         <p:spPr>
           <a:xfrm>
-            <a:off x="38202287" y="12859408"/>
-            <a:ext cx="5889614" cy="5363344"/>
+            <a:off x="36961034" y="13262839"/>
+            <a:ext cx="6605567" cy="6015323"/>
           </a:xfrm>
           <a:prstGeom prst="rect">
             <a:avLst/>
@@ -8742,8 +8680,8 @@
         </p:blipFill>
         <p:spPr>
           <a:xfrm>
-            <a:off x="44356936" y="12842000"/>
-            <a:ext cx="5770659" cy="5677483"/>
+            <a:off x="43529680" y="13221722"/>
+            <a:ext cx="6472152" cy="6367649"/>
           </a:xfrm>
           <a:prstGeom prst="rect">
             <a:avLst/>
@@ -8764,8 +8702,8 @@
         </p:nvSpPr>
         <p:spPr>
           <a:xfrm>
-            <a:off x="38098395" y="25795571"/>
-            <a:ext cx="12310519" cy="4832092"/>
+            <a:off x="36928818" y="26999575"/>
+            <a:ext cx="13525186" cy="5509200"/>
           </a:xfrm>
           <a:prstGeom prst="rect">
             <a:avLst/>
@@ -8783,7 +8721,7 @@
               <a:buChar char="§"/>
             </a:pPr>
             <a:r>
-              <a:rPr lang="en-US" sz="2800" dirty="0"/>
+              <a:rPr lang="en-US" sz="3200" dirty="0"/>
               <a:t>Response surface analysis is a useful alternative to derived indices for investigating sleep discrepancy</a:t>
             </a:r>
           </a:p>
@@ -8793,11 +8731,11 @@
               <a:buChar char="§"/>
             </a:pPr>
             <a:r>
-              <a:rPr lang="en-US" sz="2800" dirty="0"/>
+              <a:rPr lang="en-US" sz="3200" dirty="0"/>
               <a:t>Discrepancy in sleep time parameters can be importantly </a:t>
             </a:r>
             <a:r>
-              <a:rPr lang="en-AU" sz="2800" dirty="0"/>
+              <a:rPr lang="en-AU" sz="3200" dirty="0"/>
               <a:t>different to misperception</a:t>
             </a:r>
           </a:p>
@@ -8807,7 +8745,7 @@
               <a:buChar char="§"/>
             </a:pPr>
             <a:r>
-              <a:rPr lang="en-AU" sz="2800" dirty="0"/>
+              <a:rPr lang="en-AU" sz="3200" dirty="0"/>
               <a:t>Emphasis on perception of sleep quantity rather than sleep misperception per se</a:t>
             </a:r>
           </a:p>
@@ -8817,7 +8755,7 @@
               <a:buChar char="§"/>
             </a:pPr>
             <a:r>
-              <a:rPr lang="en-AU" sz="2800" dirty="0"/>
+              <a:rPr lang="en-AU" sz="3200" dirty="0"/>
               <a:t>Experiments with hypnotics</a:t>
             </a:r>
           </a:p>
@@ -8827,7 +8765,7 @@
               <a:buChar char="§"/>
             </a:pPr>
             <a:r>
-              <a:rPr lang="en-AU" sz="2800" dirty="0"/>
+              <a:rPr lang="en-AU" sz="3200" dirty="0"/>
               <a:t>Low self-report + objective as different phenotype</a:t>
             </a:r>
           </a:p>
@@ -8837,7 +8775,7 @@
               <a:buChar char="§"/>
             </a:pPr>
             <a:r>
-              <a:rPr lang="en-AU" sz="2800" dirty="0"/>
+              <a:rPr lang="en-AU" sz="3200" dirty="0"/>
               <a:t>Results to be replicated in pre-registered study</a:t>
             </a:r>
           </a:p>
@@ -8846,14 +8784,14 @@
               <a:buFont typeface="Wingdings" panose="05000000000000000000" pitchFamily="2" charset="2"/>
               <a:buChar char="§"/>
             </a:pPr>
-            <a:endParaRPr lang="en-AU" sz="2800" dirty="0"/>
+            <a:endParaRPr lang="en-AU" sz="3200" dirty="0"/>
           </a:p>
           <a:p>
             <a:pPr marL="571500" indent="-571500">
               <a:buFont typeface="Wingdings" panose="05000000000000000000" pitchFamily="2" charset="2"/>
               <a:buChar char="§"/>
             </a:pPr>
-            <a:endParaRPr lang="en-AU" sz="2800" dirty="0"/>
+            <a:endParaRPr lang="en-AU" sz="3200" dirty="0"/>
           </a:p>
         </p:txBody>
       </p:sp>
@@ -8871,8 +8809,8 @@
         </p:nvSpPr>
         <p:spPr>
           <a:xfrm>
-            <a:off x="42851864" y="12804133"/>
-            <a:ext cx="1208859" cy="11675583"/>
+            <a:off x="42177093" y="13481487"/>
+            <a:ext cx="1352587" cy="12421700"/>
           </a:xfrm>
           <a:prstGeom prst="rect">
             <a:avLst/>
@@ -8911,64 +8849,151 @@
           </a:p>
         </p:txBody>
       </p:sp>
-      <p:sp>
-        <p:nvSpPr>
-          <p:cNvPr id="7" name="Rectangle: Rounded Corners 6">
+      <p:grpSp>
+        <p:nvGrpSpPr>
+          <p:cNvPr id="3" name="Group 2">
             <a:extLst>
               <a:ext uri="{FF2B5EF4-FFF2-40B4-BE49-F238E27FC236}">
-                <a16:creationId xmlns:a16="http://schemas.microsoft.com/office/drawing/2014/main" id="{C5662284-D9F7-7679-381D-D9187CA38CCE}"/>
+                <a16:creationId xmlns:a16="http://schemas.microsoft.com/office/drawing/2014/main" id="{C16C8BD2-ED36-2B67-9048-AD01143E728A}"/>
               </a:ext>
             </a:extLst>
           </p:cNvPr>
-          <p:cNvSpPr/>
+          <p:cNvGrpSpPr/>
           <p:nvPr/>
-        </p:nvSpPr>
-        <p:spPr>
-          <a:xfrm>
-            <a:off x="32239974" y="26761440"/>
+        </p:nvGrpSpPr>
+        <p:grpSpPr>
+          <a:xfrm>
+            <a:off x="31032307" y="26197622"/>
             <a:ext cx="3981986" cy="4968240"/>
-          </a:xfrm>
-          <a:prstGeom prst="roundRect">
-            <a:avLst/>
-          </a:prstGeom>
-          <a:solidFill>
-            <a:schemeClr val="bg1"/>
-          </a:solidFill>
-          <a:ln>
+            <a:chOff x="32239974" y="26761440"/>
+            <a:chExt cx="3981986" cy="4968240"/>
+          </a:xfrm>
+        </p:grpSpPr>
+        <p:sp>
+          <p:nvSpPr>
+            <p:cNvPr id="7" name="Rectangle: Rounded Corners 6">
+              <a:extLst>
+                <a:ext uri="{FF2B5EF4-FFF2-40B4-BE49-F238E27FC236}">
+                  <a16:creationId xmlns:a16="http://schemas.microsoft.com/office/drawing/2014/main" id="{C5662284-D9F7-7679-381D-D9187CA38CCE}"/>
+                </a:ext>
+              </a:extLst>
+            </p:cNvPr>
+            <p:cNvSpPr/>
+            <p:nvPr/>
+          </p:nvSpPr>
+          <p:spPr>
+            <a:xfrm>
+              <a:off x="32239974" y="26761440"/>
+              <a:ext cx="3981986" cy="4968240"/>
+            </a:xfrm>
+            <a:prstGeom prst="roundRect">
+              <a:avLst/>
+            </a:prstGeom>
+            <a:solidFill>
+              <a:schemeClr val="bg1"/>
+            </a:solidFill>
+            <a:ln>
+              <a:noFill/>
+            </a:ln>
+          </p:spPr>
+          <p:style>
+            <a:lnRef idx="2">
+              <a:schemeClr val="accent1">
+                <a:shade val="15000"/>
+              </a:schemeClr>
+            </a:lnRef>
+            <a:fillRef idx="1">
+              <a:schemeClr val="accent1"/>
+            </a:fillRef>
+            <a:effectRef idx="0">
+              <a:schemeClr val="accent1"/>
+            </a:effectRef>
+            <a:fontRef idx="minor">
+              <a:schemeClr val="lt1"/>
+            </a:fontRef>
+          </p:style>
+          <p:txBody>
+            <a:bodyPr rtlCol="0" anchor="ctr"/>
+            <a:lstStyle/>
+            <a:p>
+              <a:pPr algn="ctr"/>
+              <a:endParaRPr lang="en-AU" dirty="0"/>
+            </a:p>
+          </p:txBody>
+        </p:sp>
+        <p:sp>
+          <p:nvSpPr>
+            <p:cNvPr id="10" name="TextBox 9">
+              <a:extLst>
+                <a:ext uri="{FF2B5EF4-FFF2-40B4-BE49-F238E27FC236}">
+                  <a16:creationId xmlns:a16="http://schemas.microsoft.com/office/drawing/2014/main" id="{F50C247A-C267-FF32-056A-196FAD1E45AD}"/>
+                </a:ext>
+              </a:extLst>
+            </p:cNvPr>
+            <p:cNvSpPr txBox="1"/>
+            <p:nvPr/>
+          </p:nvSpPr>
+          <p:spPr>
+            <a:xfrm>
+              <a:off x="33090773" y="30571440"/>
+              <a:ext cx="2477524" cy="707886"/>
+            </a:xfrm>
+            <a:prstGeom prst="rect">
+              <a:avLst/>
+            </a:prstGeom>
             <a:noFill/>
-          </a:ln>
-        </p:spPr>
-        <p:style>
-          <a:lnRef idx="2">
-            <a:schemeClr val="accent1">
-              <a:shade val="15000"/>
-            </a:schemeClr>
-          </a:lnRef>
-          <a:fillRef idx="1">
-            <a:schemeClr val="accent1"/>
-          </a:fillRef>
-          <a:effectRef idx="0">
-            <a:schemeClr val="accent1"/>
-          </a:effectRef>
-          <a:fontRef idx="minor">
-            <a:schemeClr val="lt1"/>
-          </a:fontRef>
-        </p:style>
-        <p:txBody>
-          <a:bodyPr rtlCol="0" anchor="ctr"/>
-          <a:lstStyle/>
-          <a:p>
-            <a:pPr algn="ctr"/>
-            <a:endParaRPr lang="en-AU" dirty="0"/>
-          </a:p>
-        </p:txBody>
-      </p:sp>
+          </p:spPr>
+          <p:txBody>
+            <a:bodyPr wrap="square" rtlCol="0">
+              <a:spAutoFit/>
+            </a:bodyPr>
+            <a:lstStyle/>
+            <a:p>
+              <a:r>
+                <a:rPr lang="en-US" sz="4000" b="1" dirty="0"/>
+                <a:t>SCAN ME</a:t>
+              </a:r>
+              <a:endParaRPr lang="en-AU" sz="4000" b="1" dirty="0"/>
+            </a:p>
+          </p:txBody>
+        </p:sp>
+        <p:pic>
+          <p:nvPicPr>
+            <p:cNvPr id="6" name="Picture 5">
+              <a:extLst>
+                <a:ext uri="{FF2B5EF4-FFF2-40B4-BE49-F238E27FC236}">
+                  <a16:creationId xmlns:a16="http://schemas.microsoft.com/office/drawing/2014/main" id="{43CBB5AE-73FA-1867-FE19-A9D8AFE34B36}"/>
+                </a:ext>
+              </a:extLst>
+            </p:cNvPr>
+            <p:cNvPicPr>
+              <a:picLocks noChangeAspect="1"/>
+            </p:cNvPicPr>
+            <p:nvPr/>
+          </p:nvPicPr>
+          <p:blipFill>
+            <a:blip r:embed="rId11"/>
+            <a:stretch>
+              <a:fillRect/>
+            </a:stretch>
+          </p:blipFill>
+          <p:spPr>
+            <a:xfrm>
+              <a:off x="32629179" y="27274789"/>
+              <a:ext cx="3400711" cy="3326459"/>
+            </a:xfrm>
+            <a:prstGeom prst="rect">
+              <a:avLst/>
+            </a:prstGeom>
+          </p:spPr>
+        </p:pic>
+      </p:grpSp>
       <p:pic>
         <p:nvPicPr>
-          <p:cNvPr id="8" name="Picture 7">
+          <p:cNvPr id="11" name="Picture 10" descr="A black cat with a white circle around it&#10;&#10;Description automatically generated">
             <a:extLst>
               <a:ext uri="{FF2B5EF4-FFF2-40B4-BE49-F238E27FC236}">
-                <a16:creationId xmlns:a16="http://schemas.microsoft.com/office/drawing/2014/main" id="{B130D38D-5F91-CF95-9246-B4517D05CD72}"/>
+                <a16:creationId xmlns:a16="http://schemas.microsoft.com/office/drawing/2014/main" id="{8658D8B3-9183-78F9-D70B-2BB481E1C624}"/>
               </a:ext>
             </a:extLst>
           </p:cNvPr>
@@ -8978,27 +9003,85 @@
           <p:nvPr/>
         </p:nvPicPr>
         <p:blipFill>
-          <a:blip r:embed="rId11"/>
+          <a:blip r:embed="rId12">
+            <a:duotone>
+              <a:prstClr val="black"/>
+              <a:schemeClr val="tx1">
+                <a:tint val="45000"/>
+                <a:satMod val="400000"/>
+              </a:schemeClr>
+            </a:duotone>
+            <a:extLst>
+              <a:ext uri="{BEBA8EAE-BF5A-486C-A8C5-ECC9F3942E4B}">
+                <a14:imgProps xmlns:a14="http://schemas.microsoft.com/office/drawing/2010/main">
+                  <a14:imgLayer r:embed="rId13">
+                    <a14:imgEffect>
+                      <a14:artisticGlowEdges/>
+                    </a14:imgEffect>
+                  </a14:imgLayer>
+                </a14:imgProps>
+              </a:ext>
+              <a:ext uri="{28A0092B-C50C-407E-A947-70E740481C1C}">
+                <a14:useLocalDpi xmlns:a14="http://schemas.microsoft.com/office/drawing/2010/main" val="0"/>
+              </a:ext>
+            </a:extLst>
+          </a:blip>
           <a:stretch>
             <a:fillRect/>
           </a:stretch>
         </p:blipFill>
         <p:spPr>
-          <a:xfrm>
-            <a:off x="32612137" y="27321169"/>
-            <a:ext cx="3287666" cy="3250271"/>
+          <a:xfrm flipH="1">
+            <a:off x="713053" y="9598954"/>
+            <a:ext cx="415030" cy="407892"/>
           </a:xfrm>
           <a:prstGeom prst="rect">
             <a:avLst/>
           </a:prstGeom>
         </p:spPr>
       </p:pic>
-      <p:sp>
-        <p:nvSpPr>
-          <p:cNvPr id="10" name="TextBox 9">
+      <p:pic>
+        <p:nvPicPr>
+          <p:cNvPr id="12" name="Graphic 11" descr="Envelope with solid fill">
             <a:extLst>
               <a:ext uri="{FF2B5EF4-FFF2-40B4-BE49-F238E27FC236}">
-                <a16:creationId xmlns:a16="http://schemas.microsoft.com/office/drawing/2014/main" id="{F50C247A-C267-FF32-056A-196FAD1E45AD}"/>
+                <a16:creationId xmlns:a16="http://schemas.microsoft.com/office/drawing/2014/main" id="{3282DAAF-D51F-8908-4615-6595DAC4913E}"/>
+              </a:ext>
+            </a:extLst>
+          </p:cNvPr>
+          <p:cNvPicPr>
+            <a:picLocks noChangeAspect="1"/>
+          </p:cNvPicPr>
+          <p:nvPr/>
+        </p:nvPicPr>
+        <p:blipFill>
+          <a:blip r:embed="rId14">
+            <a:extLst>
+              <a:ext uri="{96DAC541-7B7A-43D3-8B79-37D633B846F1}">
+                <asvg:svgBlip xmlns:asvg="http://schemas.microsoft.com/office/drawing/2016/SVG/main" r:embed="rId15"/>
+              </a:ext>
+            </a:extLst>
+          </a:blip>
+          <a:stretch>
+            <a:fillRect/>
+          </a:stretch>
+        </p:blipFill>
+        <p:spPr>
+          <a:xfrm>
+            <a:off x="649553" y="8676974"/>
+            <a:ext cx="562935" cy="562935"/>
+          </a:xfrm>
+          <a:prstGeom prst="rect">
+            <a:avLst/>
+          </a:prstGeom>
+        </p:spPr>
+      </p:pic>
+      <p:sp>
+        <p:nvSpPr>
+          <p:cNvPr id="8" name="TextBox 7">
+            <a:extLst>
+              <a:ext uri="{FF2B5EF4-FFF2-40B4-BE49-F238E27FC236}">
+                <a16:creationId xmlns:a16="http://schemas.microsoft.com/office/drawing/2014/main" id="{43DB2295-BBFE-0999-A0E9-BF8A023AACDB}"/>
               </a:ext>
             </a:extLst>
           </p:cNvPr>
@@ -9007,8 +9090,8 @@
         </p:nvSpPr>
         <p:spPr>
           <a:xfrm>
-            <a:off x="33090773" y="30571440"/>
-            <a:ext cx="2477524" cy="707886"/>
+            <a:off x="713053" y="28024893"/>
+            <a:ext cx="12535414" cy="584775"/>
           </a:xfrm>
           <a:prstGeom prst="rect">
             <a:avLst/>
@@ -9022,10 +9105,22 @@
           <a:lstStyle/>
           <a:p>
             <a:r>
-              <a:rPr lang="en-US" sz="4000" b="1" dirty="0"/>
-              <a:t>SCAN ME</a:t>
-            </a:r>
-            <a:endParaRPr lang="en-AU" sz="4000" b="1" dirty="0"/>
+              <a:rPr lang="en-US" sz="3200" dirty="0">
+                <a:solidFill>
+                  <a:schemeClr val="bg2">
+                    <a:lumMod val="25000"/>
+                  </a:schemeClr>
+                </a:solidFill>
+              </a:rPr>
+              <a:t>Table 1. Parameters for rising ridge asymmetric congruence model</a:t>
+            </a:r>
+            <a:endParaRPr lang="en-AU" sz="3200" dirty="0">
+              <a:solidFill>
+                <a:schemeClr val="bg2">
+                  <a:lumMod val="25000"/>
+                </a:schemeClr>
+              </a:solidFill>
+            </a:endParaRPr>
           </a:p>
         </p:txBody>
       </p:sp>
